--- a/docs/ngrinder_system_architecture.pptx
+++ b/docs/ngrinder_system_architecture.pptx
@@ -6,6 +6,8 @@
   </p:sldMasterIdLst>
   <p:sldIdLst>
     <p:sldId id="258" r:id="rId2"/>
+    <p:sldId id="259" r:id="rId3"/>
+    <p:sldId id="260" r:id="rId4"/>
   </p:sldIdLst>
   <p:sldSz cx="9144000" cy="6858000" type="screen4x3"/>
   <p:notesSz cx="6858000" cy="9144000"/>
@@ -288,7 +290,8 @@
           <a:p>
             <a:fld id="{26036BE6-1911-40BC-AA55-6B3310415E80}" type="datetimeFigureOut">
               <a:rPr lang="ko-KR" altLang="en-US" smtClean="0"/>
-              <a:t>2012-10-08</a:t>
+              <a:pPr/>
+              <a:t>2012-11-23</a:t>
             </a:fld>
             <a:endParaRPr lang="ko-KR" altLang="en-US"/>
           </a:p>
@@ -330,6 +333,7 @@
           <a:p>
             <a:fld id="{36464287-23A2-4A10-9573-4CAF11A22EAF}" type="slidenum">
               <a:rPr lang="ko-KR" altLang="en-US" smtClean="0"/>
+              <a:pPr/>
               <a:t>‹#›</a:t>
             </a:fld>
             <a:endParaRPr lang="ko-KR" altLang="en-US"/>
@@ -339,7 +343,7 @@
     </p:spTree>
     <p:extLst>
       <p:ext uri="{BB962C8B-B14F-4D97-AF65-F5344CB8AC3E}">
-        <p14:creationId xmlns:p14="http://schemas.microsoft.com/office/powerpoint/2010/main" val="3077336313"/>
+        <p14:creationId xmlns:p14="http://schemas.microsoft.com/office/powerpoint/2010/main" xmlns="" val="3077336313"/>
       </p:ext>
     </p:extLst>
   </p:cSld>
@@ -458,7 +462,8 @@
           <a:p>
             <a:fld id="{26036BE6-1911-40BC-AA55-6B3310415E80}" type="datetimeFigureOut">
               <a:rPr lang="ko-KR" altLang="en-US" smtClean="0"/>
-              <a:t>2012-10-08</a:t>
+              <a:pPr/>
+              <a:t>2012-11-23</a:t>
             </a:fld>
             <a:endParaRPr lang="ko-KR" altLang="en-US"/>
           </a:p>
@@ -500,6 +505,7 @@
           <a:p>
             <a:fld id="{36464287-23A2-4A10-9573-4CAF11A22EAF}" type="slidenum">
               <a:rPr lang="ko-KR" altLang="en-US" smtClean="0"/>
+              <a:pPr/>
               <a:t>‹#›</a:t>
             </a:fld>
             <a:endParaRPr lang="ko-KR" altLang="en-US"/>
@@ -509,7 +515,7 @@
     </p:spTree>
     <p:extLst>
       <p:ext uri="{BB962C8B-B14F-4D97-AF65-F5344CB8AC3E}">
-        <p14:creationId xmlns:p14="http://schemas.microsoft.com/office/powerpoint/2010/main" val="2152157510"/>
+        <p14:creationId xmlns:p14="http://schemas.microsoft.com/office/powerpoint/2010/main" xmlns="" val="2152157510"/>
       </p:ext>
     </p:extLst>
   </p:cSld>
@@ -638,7 +644,8 @@
           <a:p>
             <a:fld id="{26036BE6-1911-40BC-AA55-6B3310415E80}" type="datetimeFigureOut">
               <a:rPr lang="ko-KR" altLang="en-US" smtClean="0"/>
-              <a:t>2012-10-08</a:t>
+              <a:pPr/>
+              <a:t>2012-11-23</a:t>
             </a:fld>
             <a:endParaRPr lang="ko-KR" altLang="en-US"/>
           </a:p>
@@ -680,6 +687,7 @@
           <a:p>
             <a:fld id="{36464287-23A2-4A10-9573-4CAF11A22EAF}" type="slidenum">
               <a:rPr lang="ko-KR" altLang="en-US" smtClean="0"/>
+              <a:pPr/>
               <a:t>‹#›</a:t>
             </a:fld>
             <a:endParaRPr lang="ko-KR" altLang="en-US"/>
@@ -689,7 +697,7 @@
     </p:spTree>
     <p:extLst>
       <p:ext uri="{BB962C8B-B14F-4D97-AF65-F5344CB8AC3E}">
-        <p14:creationId xmlns:p14="http://schemas.microsoft.com/office/powerpoint/2010/main" val="1010425084"/>
+        <p14:creationId xmlns:p14="http://schemas.microsoft.com/office/powerpoint/2010/main" xmlns="" val="1010425084"/>
       </p:ext>
     </p:extLst>
   </p:cSld>
@@ -808,7 +816,8 @@
           <a:p>
             <a:fld id="{26036BE6-1911-40BC-AA55-6B3310415E80}" type="datetimeFigureOut">
               <a:rPr lang="ko-KR" altLang="en-US" smtClean="0"/>
-              <a:t>2012-10-08</a:t>
+              <a:pPr/>
+              <a:t>2012-11-23</a:t>
             </a:fld>
             <a:endParaRPr lang="ko-KR" altLang="en-US"/>
           </a:p>
@@ -850,6 +859,7 @@
           <a:p>
             <a:fld id="{36464287-23A2-4A10-9573-4CAF11A22EAF}" type="slidenum">
               <a:rPr lang="ko-KR" altLang="en-US" smtClean="0"/>
+              <a:pPr/>
               <a:t>‹#›</a:t>
             </a:fld>
             <a:endParaRPr lang="ko-KR" altLang="en-US"/>
@@ -859,7 +869,7 @@
     </p:spTree>
     <p:extLst>
       <p:ext uri="{BB962C8B-B14F-4D97-AF65-F5344CB8AC3E}">
-        <p14:creationId xmlns:p14="http://schemas.microsoft.com/office/powerpoint/2010/main" val="719456391"/>
+        <p14:creationId xmlns:p14="http://schemas.microsoft.com/office/powerpoint/2010/main" xmlns="" val="719456391"/>
       </p:ext>
     </p:extLst>
   </p:cSld>
@@ -1054,7 +1064,8 @@
           <a:p>
             <a:fld id="{26036BE6-1911-40BC-AA55-6B3310415E80}" type="datetimeFigureOut">
               <a:rPr lang="ko-KR" altLang="en-US" smtClean="0"/>
-              <a:t>2012-10-08</a:t>
+              <a:pPr/>
+              <a:t>2012-11-23</a:t>
             </a:fld>
             <a:endParaRPr lang="ko-KR" altLang="en-US"/>
           </a:p>
@@ -1096,6 +1107,7 @@
           <a:p>
             <a:fld id="{36464287-23A2-4A10-9573-4CAF11A22EAF}" type="slidenum">
               <a:rPr lang="ko-KR" altLang="en-US" smtClean="0"/>
+              <a:pPr/>
               <a:t>‹#›</a:t>
             </a:fld>
             <a:endParaRPr lang="ko-KR" altLang="en-US"/>
@@ -1105,7 +1117,7 @@
     </p:spTree>
     <p:extLst>
       <p:ext uri="{BB962C8B-B14F-4D97-AF65-F5344CB8AC3E}">
-        <p14:creationId xmlns:p14="http://schemas.microsoft.com/office/powerpoint/2010/main" val="2546602862"/>
+        <p14:creationId xmlns:p14="http://schemas.microsoft.com/office/powerpoint/2010/main" xmlns="" val="2546602862"/>
       </p:ext>
     </p:extLst>
   </p:cSld>
@@ -1342,7 +1354,8 @@
           <a:p>
             <a:fld id="{26036BE6-1911-40BC-AA55-6B3310415E80}" type="datetimeFigureOut">
               <a:rPr lang="ko-KR" altLang="en-US" smtClean="0"/>
-              <a:t>2012-10-08</a:t>
+              <a:pPr/>
+              <a:t>2012-11-23</a:t>
             </a:fld>
             <a:endParaRPr lang="ko-KR" altLang="en-US"/>
           </a:p>
@@ -1384,6 +1397,7 @@
           <a:p>
             <a:fld id="{36464287-23A2-4A10-9573-4CAF11A22EAF}" type="slidenum">
               <a:rPr lang="ko-KR" altLang="en-US" smtClean="0"/>
+              <a:pPr/>
               <a:t>‹#›</a:t>
             </a:fld>
             <a:endParaRPr lang="ko-KR" altLang="en-US"/>
@@ -1393,7 +1407,7 @@
     </p:spTree>
     <p:extLst>
       <p:ext uri="{BB962C8B-B14F-4D97-AF65-F5344CB8AC3E}">
-        <p14:creationId xmlns:p14="http://schemas.microsoft.com/office/powerpoint/2010/main" val="3089458713"/>
+        <p14:creationId xmlns:p14="http://schemas.microsoft.com/office/powerpoint/2010/main" xmlns="" val="3089458713"/>
       </p:ext>
     </p:extLst>
   </p:cSld>
@@ -1764,7 +1778,8 @@
           <a:p>
             <a:fld id="{26036BE6-1911-40BC-AA55-6B3310415E80}" type="datetimeFigureOut">
               <a:rPr lang="ko-KR" altLang="en-US" smtClean="0"/>
-              <a:t>2012-10-08</a:t>
+              <a:pPr/>
+              <a:t>2012-11-23</a:t>
             </a:fld>
             <a:endParaRPr lang="ko-KR" altLang="en-US"/>
           </a:p>
@@ -1806,6 +1821,7 @@
           <a:p>
             <a:fld id="{36464287-23A2-4A10-9573-4CAF11A22EAF}" type="slidenum">
               <a:rPr lang="ko-KR" altLang="en-US" smtClean="0"/>
+              <a:pPr/>
               <a:t>‹#›</a:t>
             </a:fld>
             <a:endParaRPr lang="ko-KR" altLang="en-US"/>
@@ -1815,7 +1831,7 @@
     </p:spTree>
     <p:extLst>
       <p:ext uri="{BB962C8B-B14F-4D97-AF65-F5344CB8AC3E}">
-        <p14:creationId xmlns:p14="http://schemas.microsoft.com/office/powerpoint/2010/main" val="2473760828"/>
+        <p14:creationId xmlns:p14="http://schemas.microsoft.com/office/powerpoint/2010/main" xmlns="" val="2473760828"/>
       </p:ext>
     </p:extLst>
   </p:cSld>
@@ -1882,7 +1898,8 @@
           <a:p>
             <a:fld id="{26036BE6-1911-40BC-AA55-6B3310415E80}" type="datetimeFigureOut">
               <a:rPr lang="ko-KR" altLang="en-US" smtClean="0"/>
-              <a:t>2012-10-08</a:t>
+              <a:pPr/>
+              <a:t>2012-11-23</a:t>
             </a:fld>
             <a:endParaRPr lang="ko-KR" altLang="en-US"/>
           </a:p>
@@ -1924,6 +1941,7 @@
           <a:p>
             <a:fld id="{36464287-23A2-4A10-9573-4CAF11A22EAF}" type="slidenum">
               <a:rPr lang="ko-KR" altLang="en-US" smtClean="0"/>
+              <a:pPr/>
               <a:t>‹#›</a:t>
             </a:fld>
             <a:endParaRPr lang="ko-KR" altLang="en-US"/>
@@ -1933,7 +1951,7 @@
     </p:spTree>
     <p:extLst>
       <p:ext uri="{BB962C8B-B14F-4D97-AF65-F5344CB8AC3E}">
-        <p14:creationId xmlns:p14="http://schemas.microsoft.com/office/powerpoint/2010/main" val="934617496"/>
+        <p14:creationId xmlns:p14="http://schemas.microsoft.com/office/powerpoint/2010/main" xmlns="" val="934617496"/>
       </p:ext>
     </p:extLst>
   </p:cSld>
@@ -1977,7 +1995,8 @@
           <a:p>
             <a:fld id="{26036BE6-1911-40BC-AA55-6B3310415E80}" type="datetimeFigureOut">
               <a:rPr lang="ko-KR" altLang="en-US" smtClean="0"/>
-              <a:t>2012-10-08</a:t>
+              <a:pPr/>
+              <a:t>2012-11-23</a:t>
             </a:fld>
             <a:endParaRPr lang="ko-KR" altLang="en-US"/>
           </a:p>
@@ -2019,6 +2038,7 @@
           <a:p>
             <a:fld id="{36464287-23A2-4A10-9573-4CAF11A22EAF}" type="slidenum">
               <a:rPr lang="ko-KR" altLang="en-US" smtClean="0"/>
+              <a:pPr/>
               <a:t>‹#›</a:t>
             </a:fld>
             <a:endParaRPr lang="ko-KR" altLang="en-US"/>
@@ -2028,7 +2048,7 @@
     </p:spTree>
     <p:extLst>
       <p:ext uri="{BB962C8B-B14F-4D97-AF65-F5344CB8AC3E}">
-        <p14:creationId xmlns:p14="http://schemas.microsoft.com/office/powerpoint/2010/main" val="3007388380"/>
+        <p14:creationId xmlns:p14="http://schemas.microsoft.com/office/powerpoint/2010/main" xmlns="" val="3007388380"/>
       </p:ext>
     </p:extLst>
   </p:cSld>
@@ -2254,7 +2274,8 @@
           <a:p>
             <a:fld id="{26036BE6-1911-40BC-AA55-6B3310415E80}" type="datetimeFigureOut">
               <a:rPr lang="ko-KR" altLang="en-US" smtClean="0"/>
-              <a:t>2012-10-08</a:t>
+              <a:pPr/>
+              <a:t>2012-11-23</a:t>
             </a:fld>
             <a:endParaRPr lang="ko-KR" altLang="en-US"/>
           </a:p>
@@ -2296,6 +2317,7 @@
           <a:p>
             <a:fld id="{36464287-23A2-4A10-9573-4CAF11A22EAF}" type="slidenum">
               <a:rPr lang="ko-KR" altLang="en-US" smtClean="0"/>
+              <a:pPr/>
               <a:t>‹#›</a:t>
             </a:fld>
             <a:endParaRPr lang="ko-KR" altLang="en-US"/>
@@ -2305,7 +2327,7 @@
     </p:spTree>
     <p:extLst>
       <p:ext uri="{BB962C8B-B14F-4D97-AF65-F5344CB8AC3E}">
-        <p14:creationId xmlns:p14="http://schemas.microsoft.com/office/powerpoint/2010/main" val="3155733758"/>
+        <p14:creationId xmlns:p14="http://schemas.microsoft.com/office/powerpoint/2010/main" xmlns="" val="3155733758"/>
       </p:ext>
     </p:extLst>
   </p:cSld>
@@ -2507,7 +2529,8 @@
           <a:p>
             <a:fld id="{26036BE6-1911-40BC-AA55-6B3310415E80}" type="datetimeFigureOut">
               <a:rPr lang="ko-KR" altLang="en-US" smtClean="0"/>
-              <a:t>2012-10-08</a:t>
+              <a:pPr/>
+              <a:t>2012-11-23</a:t>
             </a:fld>
             <a:endParaRPr lang="ko-KR" altLang="en-US"/>
           </a:p>
@@ -2549,6 +2572,7 @@
           <a:p>
             <a:fld id="{36464287-23A2-4A10-9573-4CAF11A22EAF}" type="slidenum">
               <a:rPr lang="ko-KR" altLang="en-US" smtClean="0"/>
+              <a:pPr/>
               <a:t>‹#›</a:t>
             </a:fld>
             <a:endParaRPr lang="ko-KR" altLang="en-US"/>
@@ -2558,7 +2582,7 @@
     </p:spTree>
     <p:extLst>
       <p:ext uri="{BB962C8B-B14F-4D97-AF65-F5344CB8AC3E}">
-        <p14:creationId xmlns:p14="http://schemas.microsoft.com/office/powerpoint/2010/main" val="1191744711"/>
+        <p14:creationId xmlns:p14="http://schemas.microsoft.com/office/powerpoint/2010/main" xmlns="" val="1191744711"/>
       </p:ext>
     </p:extLst>
   </p:cSld>
@@ -2720,7 +2744,8 @@
           <a:p>
             <a:fld id="{26036BE6-1911-40BC-AA55-6B3310415E80}" type="datetimeFigureOut">
               <a:rPr lang="ko-KR" altLang="en-US" smtClean="0"/>
-              <a:t>2012-10-08</a:t>
+              <a:pPr/>
+              <a:t>2012-11-23</a:t>
             </a:fld>
             <a:endParaRPr lang="ko-KR" altLang="en-US"/>
           </a:p>
@@ -2798,6 +2823,7 @@
           <a:p>
             <a:fld id="{36464287-23A2-4A10-9573-4CAF11A22EAF}" type="slidenum">
               <a:rPr lang="ko-KR" altLang="en-US" smtClean="0"/>
+              <a:pPr/>
               <a:t>‹#›</a:t>
             </a:fld>
             <a:endParaRPr lang="ko-KR" altLang="en-US"/>
@@ -2807,7 +2833,7 @@
     </p:spTree>
     <p:extLst>
       <p:ext uri="{BB962C8B-B14F-4D97-AF65-F5344CB8AC3E}">
-        <p14:creationId xmlns:p14="http://schemas.microsoft.com/office/powerpoint/2010/main" val="487819654"/>
+        <p14:creationId xmlns:p14="http://schemas.microsoft.com/office/powerpoint/2010/main" xmlns="" val="487819654"/>
       </p:ext>
     </p:extLst>
   </p:cSld>
@@ -4855,7 +4881,7 @@
           <a:blip r:embed="rId2" cstate="print">
             <a:extLst>
               <a:ext uri="{28A0092B-C50C-407E-A947-70E740481C1C}">
-                <a14:useLocalDpi xmlns:a14="http://schemas.microsoft.com/office/drawing/2010/main" val="0"/>
+                <a14:useLocalDpi xmlns:a14="http://schemas.microsoft.com/office/drawing/2010/main" xmlns="" val="0"/>
               </a:ext>
             </a:extLst>
           </a:blip>
@@ -4875,7 +4901,7 @@
           <a:noFill/>
           <a:extLst>
             <a:ext uri="{909E8E84-426E-40DD-AFC4-6F175D3DCCD1}">
-              <a14:hiddenFill xmlns:a14="http://schemas.microsoft.com/office/drawing/2010/main">
+              <a14:hiddenFill xmlns:a14="http://schemas.microsoft.com/office/drawing/2010/main" xmlns="">
                 <a:solidFill>
                   <a:srgbClr val="FFFFFF"/>
                 </a:solidFill>
@@ -4896,7 +4922,7 @@
           <a:blip r:embed="rId2" cstate="print">
             <a:extLst>
               <a:ext uri="{28A0092B-C50C-407E-A947-70E740481C1C}">
-                <a14:useLocalDpi xmlns:a14="http://schemas.microsoft.com/office/drawing/2010/main" val="0"/>
+                <a14:useLocalDpi xmlns:a14="http://schemas.microsoft.com/office/drawing/2010/main" xmlns="" val="0"/>
               </a:ext>
             </a:extLst>
           </a:blip>
@@ -4916,7 +4942,7 @@
           <a:noFill/>
           <a:extLst>
             <a:ext uri="{909E8E84-426E-40DD-AFC4-6F175D3DCCD1}">
-              <a14:hiddenFill xmlns:a14="http://schemas.microsoft.com/office/drawing/2010/main">
+              <a14:hiddenFill xmlns:a14="http://schemas.microsoft.com/office/drawing/2010/main" xmlns="">
                 <a:solidFill>
                   <a:srgbClr val="FFFFFF"/>
                 </a:solidFill>
@@ -4937,7 +4963,7 @@
           <a:blip r:embed="rId3" cstate="print">
             <a:extLst>
               <a:ext uri="{28A0092B-C50C-407E-A947-70E740481C1C}">
-                <a14:useLocalDpi xmlns:a14="http://schemas.microsoft.com/office/drawing/2010/main" val="0"/>
+                <a14:useLocalDpi xmlns:a14="http://schemas.microsoft.com/office/drawing/2010/main" xmlns="" val="0"/>
               </a:ext>
             </a:extLst>
           </a:blip>
@@ -4957,7 +4983,7 @@
           <a:noFill/>
           <a:extLst>
             <a:ext uri="{909E8E84-426E-40DD-AFC4-6F175D3DCCD1}">
-              <a14:hiddenFill xmlns:a14="http://schemas.microsoft.com/office/drawing/2010/main">
+              <a14:hiddenFill xmlns:a14="http://schemas.microsoft.com/office/drawing/2010/main" xmlns="">
                 <a:solidFill>
                   <a:srgbClr val="FFFFFF"/>
                 </a:solidFill>
@@ -4978,7 +5004,7 @@
           <a:blip r:embed="rId2" cstate="print">
             <a:extLst>
               <a:ext uri="{28A0092B-C50C-407E-A947-70E740481C1C}">
-                <a14:useLocalDpi xmlns:a14="http://schemas.microsoft.com/office/drawing/2010/main" val="0"/>
+                <a14:useLocalDpi xmlns:a14="http://schemas.microsoft.com/office/drawing/2010/main" xmlns="" val="0"/>
               </a:ext>
             </a:extLst>
           </a:blip>
@@ -4998,7 +5024,7 @@
           <a:noFill/>
           <a:extLst>
             <a:ext uri="{909E8E84-426E-40DD-AFC4-6F175D3DCCD1}">
-              <a14:hiddenFill xmlns:a14="http://schemas.microsoft.com/office/drawing/2010/main">
+              <a14:hiddenFill xmlns:a14="http://schemas.microsoft.com/office/drawing/2010/main" xmlns="">
                 <a:solidFill>
                   <a:srgbClr val="FFFFFF"/>
                 </a:solidFill>
@@ -5019,7 +5045,7 @@
           <a:blip r:embed="rId4" cstate="print">
             <a:extLst>
               <a:ext uri="{28A0092B-C50C-407E-A947-70E740481C1C}">
-                <a14:useLocalDpi xmlns:a14="http://schemas.microsoft.com/office/drawing/2010/main" val="0"/>
+                <a14:useLocalDpi xmlns:a14="http://schemas.microsoft.com/office/drawing/2010/main" xmlns="" val="0"/>
               </a:ext>
             </a:extLst>
           </a:blip>
@@ -5039,7 +5065,7 @@
           <a:noFill/>
           <a:extLst>
             <a:ext uri="{909E8E84-426E-40DD-AFC4-6F175D3DCCD1}">
-              <a14:hiddenFill xmlns:a14="http://schemas.microsoft.com/office/drawing/2010/main">
+              <a14:hiddenFill xmlns:a14="http://schemas.microsoft.com/office/drawing/2010/main" xmlns="">
                 <a:solidFill>
                   <a:srgbClr val="FFFFFF"/>
                 </a:solidFill>
@@ -5060,7 +5086,7 @@
           <a:blip r:embed="rId4" cstate="print">
             <a:extLst>
               <a:ext uri="{28A0092B-C50C-407E-A947-70E740481C1C}">
-                <a14:useLocalDpi xmlns:a14="http://schemas.microsoft.com/office/drawing/2010/main" val="0"/>
+                <a14:useLocalDpi xmlns:a14="http://schemas.microsoft.com/office/drawing/2010/main" xmlns="" val="0"/>
               </a:ext>
             </a:extLst>
           </a:blip>
@@ -5080,7 +5106,7 @@
           <a:noFill/>
           <a:extLst>
             <a:ext uri="{909E8E84-426E-40DD-AFC4-6F175D3DCCD1}">
-              <a14:hiddenFill xmlns:a14="http://schemas.microsoft.com/office/drawing/2010/main">
+              <a14:hiddenFill xmlns:a14="http://schemas.microsoft.com/office/drawing/2010/main" xmlns="">
                 <a:solidFill>
                   <a:srgbClr val="FFFFFF"/>
                 </a:solidFill>
@@ -5666,10 +5692,10 @@
           <p:nvPr/>
         </p:nvPicPr>
         <p:blipFill>
-          <a:blip r:embed="rId5">
+          <a:blip r:embed="rId5" cstate="print">
             <a:extLst>
               <a:ext uri="{28A0092B-C50C-407E-A947-70E740481C1C}">
-                <a14:useLocalDpi xmlns:a14="http://schemas.microsoft.com/office/drawing/2010/main" val="0"/>
+                <a14:useLocalDpi xmlns:a14="http://schemas.microsoft.com/office/drawing/2010/main" xmlns="" val="0"/>
               </a:ext>
             </a:extLst>
           </a:blip>
@@ -5689,7 +5715,7 @@
           <a:noFill/>
           <a:extLst>
             <a:ext uri="{909E8E84-426E-40DD-AFC4-6F175D3DCCD1}">
-              <a14:hiddenFill xmlns:a14="http://schemas.microsoft.com/office/drawing/2010/main">
+              <a14:hiddenFill xmlns:a14="http://schemas.microsoft.com/office/drawing/2010/main" xmlns="">
                 <a:solidFill>
                   <a:srgbClr val="FFFFFF"/>
                 </a:solidFill>
@@ -5706,8 +5732,8 @@
         </p:nvSpPr>
         <p:spPr>
           <a:xfrm>
-            <a:off x="2247900" y="78009"/>
-            <a:ext cx="4855417" cy="400110"/>
+            <a:off x="1828800" y="152400"/>
+            <a:ext cx="5295900" cy="523220"/>
           </a:xfrm>
           <a:prstGeom prst="rect">
             <a:avLst/>
@@ -5722,23 +5748,3283 @@
           <a:p>
             <a:pPr algn="ctr"/>
             <a:r>
-              <a:rPr lang="en-US" altLang="ko-KR" sz="2000" b="1" dirty="0" err="1" smtClean="0"/>
+              <a:rPr lang="en-US" altLang="ko-KR" sz="2800" b="1" dirty="0" err="1" smtClean="0">
+                <a:latin typeface="Arial" pitchFamily="34" charset="0"/>
+                <a:ea typeface="+mj-ea"/>
+                <a:cs typeface="Arial" pitchFamily="34" charset="0"/>
+              </a:rPr>
               <a:t>nGrinder</a:t>
             </a:r>
             <a:r>
               <a:rPr lang="en-US" altLang="ko-KR" sz="2000" b="1" dirty="0" smtClean="0"/>
-              <a:t> System Architecture</a:t>
-            </a:r>
-            <a:endParaRPr lang="ko-KR" altLang="en-US" sz="2000" b="1" dirty="0"/>
+              <a:t> </a:t>
+            </a:r>
+            <a:r>
+              <a:rPr lang="en-US" altLang="ko-KR" sz="2800" b="1" dirty="0" smtClean="0">
+                <a:latin typeface="Arial" pitchFamily="34" charset="0"/>
+                <a:ea typeface="+mj-ea"/>
+                <a:cs typeface="Arial" pitchFamily="34" charset="0"/>
+              </a:rPr>
+              <a:t>System Architecture</a:t>
+            </a:r>
+            <a:endParaRPr lang="ko-KR" altLang="en-US" sz="2800" b="1" dirty="0">
+              <a:latin typeface="Arial" pitchFamily="34" charset="0"/>
+              <a:ea typeface="+mj-ea"/>
+              <a:cs typeface="Arial" pitchFamily="34" charset="0"/>
+            </a:endParaRPr>
           </a:p>
         </p:txBody>
       </p:sp>
     </p:spTree>
     <p:extLst>
       <p:ext uri="{BB962C8B-B14F-4D97-AF65-F5344CB8AC3E}">
-        <p14:creationId xmlns:p14="http://schemas.microsoft.com/office/powerpoint/2010/main" val="1608807360"/>
+        <p14:creationId xmlns:p14="http://schemas.microsoft.com/office/powerpoint/2010/main" xmlns="" val="1608807360"/>
       </p:ext>
     </p:extLst>
+  </p:cSld>
+  <p:clrMapOvr>
+    <a:masterClrMapping/>
+  </p:clrMapOvr>
+</p:sld>
+</file>
+
+<file path=ppt/slides/slide2.xml><?xml version="1.0" encoding="utf-8"?>
+<p:sld xmlns:a="http://schemas.openxmlformats.org/drawingml/2006/main" xmlns:r="http://schemas.openxmlformats.org/officeDocument/2006/relationships" xmlns:p="http://schemas.openxmlformats.org/presentationml/2006/main">
+  <p:cSld>
+    <p:spTree>
+      <p:nvGrpSpPr>
+        <p:cNvPr id="1" name=""/>
+        <p:cNvGrpSpPr/>
+        <p:nvPr/>
+      </p:nvGrpSpPr>
+      <p:grpSpPr>
+        <a:xfrm>
+          <a:off x="0" y="0"/>
+          <a:ext cx="0" cy="0"/>
+          <a:chOff x="0" y="0"/>
+          <a:chExt cx="0" cy="0"/>
+        </a:xfrm>
+      </p:grpSpPr>
+      <p:sp>
+        <p:nvSpPr>
+          <p:cNvPr id="2" name="标题 1"/>
+          <p:cNvSpPr>
+            <a:spLocks noGrp="1"/>
+          </p:cNvSpPr>
+          <p:nvPr>
+            <p:ph type="title"/>
+          </p:nvPr>
+        </p:nvSpPr>
+        <p:spPr/>
+        <p:txBody>
+          <a:bodyPr>
+            <a:normAutofit/>
+          </a:bodyPr>
+          <a:lstStyle/>
+          <a:p>
+            <a:pPr algn="l"/>
+            <a:r>
+              <a:rPr lang="en-US" altLang="zh-CN" sz="2800" b="1" dirty="0" smtClean="0">
+                <a:latin typeface="Arial" pitchFamily="34" charset="0"/>
+                <a:cs typeface="Arial" pitchFamily="34" charset="0"/>
+              </a:rPr>
+              <a:t>nGrinder </a:t>
+            </a:r>
+            <a:r>
+              <a:rPr lang="en-US" altLang="zh-CN" sz="2800" b="1" dirty="0" smtClean="0">
+                <a:latin typeface="Arial" pitchFamily="34" charset="0"/>
+                <a:cs typeface="Arial" pitchFamily="34" charset="0"/>
+              </a:rPr>
+              <a:t>controller – </a:t>
+            </a:r>
+            <a:r>
+              <a:rPr lang="en-US" altLang="zh-CN" sz="2800" b="1" dirty="0" smtClean="0">
+                <a:latin typeface="Arial" pitchFamily="34" charset="0"/>
+                <a:cs typeface="Arial" pitchFamily="34" charset="0"/>
+              </a:rPr>
+              <a:t>before cluster</a:t>
+            </a:r>
+            <a:endParaRPr lang="zh-CN" altLang="en-US" sz="2800" b="1" dirty="0" smtClean="0">
+              <a:latin typeface="Arial" pitchFamily="34" charset="0"/>
+              <a:cs typeface="Arial" pitchFamily="34" charset="0"/>
+            </a:endParaRPr>
+          </a:p>
+        </p:txBody>
+      </p:sp>
+      <p:sp>
+        <p:nvSpPr>
+          <p:cNvPr id="5" name="矩形 4"/>
+          <p:cNvSpPr/>
+          <p:nvPr/>
+        </p:nvSpPr>
+        <p:spPr>
+          <a:xfrm>
+            <a:off x="2438400" y="5638800"/>
+            <a:ext cx="5562600" cy="914400"/>
+          </a:xfrm>
+          <a:prstGeom prst="rect">
+            <a:avLst/>
+          </a:prstGeom>
+          <a:ln>
+            <a:solidFill>
+              <a:schemeClr val="bg1">
+                <a:lumMod val="65000"/>
+              </a:schemeClr>
+            </a:solidFill>
+          </a:ln>
+        </p:spPr>
+        <p:style>
+          <a:lnRef idx="2">
+            <a:schemeClr val="accent1">
+              <a:shade val="50000"/>
+            </a:schemeClr>
+          </a:lnRef>
+          <a:fillRef idx="1">
+            <a:schemeClr val="accent1"/>
+          </a:fillRef>
+          <a:effectRef idx="0">
+            <a:schemeClr val="accent1"/>
+          </a:effectRef>
+          <a:fontRef idx="minor">
+            <a:schemeClr val="lt1"/>
+          </a:fontRef>
+        </p:style>
+        <p:txBody>
+          <a:bodyPr rtlCol="0" anchor="ctr"/>
+          <a:lstStyle/>
+          <a:p>
+            <a:pPr algn="ctr"/>
+            <a:endParaRPr lang="zh-CN" altLang="en-US" sz="1400">
+              <a:solidFill>
+                <a:schemeClr val="tx1"/>
+              </a:solidFill>
+              <a:latin typeface="Arial" pitchFamily="34" charset="0"/>
+              <a:cs typeface="Arial" pitchFamily="34" charset="0"/>
+            </a:endParaRPr>
+          </a:p>
+        </p:txBody>
+      </p:sp>
+      <p:sp>
+        <p:nvSpPr>
+          <p:cNvPr id="6" name="矩形 5"/>
+          <p:cNvSpPr/>
+          <p:nvPr/>
+        </p:nvSpPr>
+        <p:spPr>
+          <a:xfrm>
+            <a:off x="2438400" y="2438400"/>
+            <a:ext cx="5562600" cy="2971800"/>
+          </a:xfrm>
+          <a:prstGeom prst="rect">
+            <a:avLst/>
+          </a:prstGeom>
+          <a:solidFill>
+            <a:schemeClr val="tx2">
+              <a:lumMod val="40000"/>
+              <a:lumOff val="60000"/>
+            </a:schemeClr>
+          </a:solidFill>
+          <a:ln>
+            <a:solidFill>
+              <a:schemeClr val="tx2">
+                <a:lumMod val="60000"/>
+                <a:lumOff val="40000"/>
+              </a:schemeClr>
+            </a:solidFill>
+          </a:ln>
+        </p:spPr>
+        <p:style>
+          <a:lnRef idx="2">
+            <a:schemeClr val="accent1">
+              <a:shade val="50000"/>
+            </a:schemeClr>
+          </a:lnRef>
+          <a:fillRef idx="1">
+            <a:schemeClr val="accent1"/>
+          </a:fillRef>
+          <a:effectRef idx="0">
+            <a:schemeClr val="accent1"/>
+          </a:effectRef>
+          <a:fontRef idx="minor">
+            <a:schemeClr val="lt1"/>
+          </a:fontRef>
+        </p:style>
+        <p:txBody>
+          <a:bodyPr rtlCol="0" anchor="t"/>
+          <a:lstStyle/>
+          <a:p>
+            <a:pPr algn="ctr"/>
+            <a:r>
+              <a:rPr lang="en-US" altLang="zh-CN" sz="1400" b="1" dirty="0" smtClean="0">
+                <a:solidFill>
+                  <a:schemeClr val="tx1"/>
+                </a:solidFill>
+                <a:latin typeface="Arial" pitchFamily="34" charset="0"/>
+                <a:cs typeface="Arial" pitchFamily="34" charset="0"/>
+              </a:rPr>
+              <a:t>          </a:t>
+            </a:r>
+          </a:p>
+        </p:txBody>
+      </p:sp>
+      <p:sp>
+        <p:nvSpPr>
+          <p:cNvPr id="7" name="圆角矩形 6"/>
+          <p:cNvSpPr/>
+          <p:nvPr/>
+        </p:nvSpPr>
+        <p:spPr>
+          <a:xfrm>
+            <a:off x="2895600" y="5791200"/>
+            <a:ext cx="2286000" cy="609600"/>
+          </a:xfrm>
+          <a:prstGeom prst="roundRect">
+            <a:avLst/>
+          </a:prstGeom>
+          <a:solidFill>
+            <a:schemeClr val="tx2">
+              <a:lumMod val="40000"/>
+              <a:lumOff val="60000"/>
+            </a:schemeClr>
+          </a:solidFill>
+        </p:spPr>
+        <p:style>
+          <a:lnRef idx="2">
+            <a:schemeClr val="accent1">
+              <a:shade val="50000"/>
+            </a:schemeClr>
+          </a:lnRef>
+          <a:fillRef idx="1">
+            <a:schemeClr val="accent1"/>
+          </a:fillRef>
+          <a:effectRef idx="0">
+            <a:schemeClr val="accent1"/>
+          </a:effectRef>
+          <a:fontRef idx="minor">
+            <a:schemeClr val="lt1"/>
+          </a:fontRef>
+        </p:style>
+        <p:txBody>
+          <a:bodyPr rtlCol="0" anchor="ctr"/>
+          <a:lstStyle/>
+          <a:p>
+            <a:pPr algn="ctr"/>
+            <a:r>
+              <a:rPr lang="en-US" altLang="zh-CN" sz="1400" dirty="0" smtClean="0">
+                <a:solidFill>
+                  <a:schemeClr val="tx1"/>
+                </a:solidFill>
+                <a:latin typeface="Arial" pitchFamily="34" charset="0"/>
+                <a:cs typeface="Arial" pitchFamily="34" charset="0"/>
+              </a:rPr>
+              <a:t>DB</a:t>
+            </a:r>
+            <a:endParaRPr lang="zh-CN" altLang="en-US" sz="1400" dirty="0">
+              <a:solidFill>
+                <a:schemeClr val="tx1"/>
+              </a:solidFill>
+              <a:latin typeface="Arial" pitchFamily="34" charset="0"/>
+              <a:cs typeface="Arial" pitchFamily="34" charset="0"/>
+            </a:endParaRPr>
+          </a:p>
+        </p:txBody>
+      </p:sp>
+      <p:sp>
+        <p:nvSpPr>
+          <p:cNvPr id="8" name="圆角矩形 7"/>
+          <p:cNvSpPr/>
+          <p:nvPr/>
+        </p:nvSpPr>
+        <p:spPr>
+          <a:xfrm>
+            <a:off x="5410200" y="5791200"/>
+            <a:ext cx="2362200" cy="609600"/>
+          </a:xfrm>
+          <a:prstGeom prst="roundRect">
+            <a:avLst/>
+          </a:prstGeom>
+          <a:solidFill>
+            <a:schemeClr val="tx2">
+              <a:lumMod val="40000"/>
+              <a:lumOff val="60000"/>
+            </a:schemeClr>
+          </a:solidFill>
+        </p:spPr>
+        <p:style>
+          <a:lnRef idx="2">
+            <a:schemeClr val="accent1">
+              <a:shade val="50000"/>
+            </a:schemeClr>
+          </a:lnRef>
+          <a:fillRef idx="1">
+            <a:schemeClr val="accent1"/>
+          </a:fillRef>
+          <a:effectRef idx="0">
+            <a:schemeClr val="accent1"/>
+          </a:effectRef>
+          <a:fontRef idx="minor">
+            <a:schemeClr val="lt1"/>
+          </a:fontRef>
+        </p:style>
+        <p:txBody>
+          <a:bodyPr rtlCol="0" anchor="ctr"/>
+          <a:lstStyle/>
+          <a:p>
+            <a:pPr algn="ctr"/>
+            <a:r>
+              <a:rPr lang="en-US" altLang="zh-CN" sz="1400" dirty="0" smtClean="0">
+                <a:solidFill>
+                  <a:schemeClr val="tx1"/>
+                </a:solidFill>
+                <a:latin typeface="Arial" pitchFamily="34" charset="0"/>
+                <a:cs typeface="Arial" pitchFamily="34" charset="0"/>
+              </a:rPr>
+              <a:t>home directory</a:t>
+            </a:r>
+            <a:endParaRPr lang="zh-CN" altLang="en-US" sz="1400" dirty="0">
+              <a:solidFill>
+                <a:schemeClr val="tx1"/>
+              </a:solidFill>
+              <a:latin typeface="Arial" pitchFamily="34" charset="0"/>
+              <a:cs typeface="Arial" pitchFamily="34" charset="0"/>
+            </a:endParaRPr>
+          </a:p>
+        </p:txBody>
+      </p:sp>
+      <p:sp>
+        <p:nvSpPr>
+          <p:cNvPr id="9" name="圆角矩形 8"/>
+          <p:cNvSpPr/>
+          <p:nvPr/>
+        </p:nvSpPr>
+        <p:spPr>
+          <a:xfrm>
+            <a:off x="3886200" y="4724400"/>
+            <a:ext cx="1828800" cy="533400"/>
+          </a:xfrm>
+          <a:prstGeom prst="roundRect">
+            <a:avLst/>
+          </a:prstGeom>
+          <a:solidFill>
+            <a:schemeClr val="tx2">
+              <a:lumMod val="20000"/>
+              <a:lumOff val="80000"/>
+            </a:schemeClr>
+          </a:solidFill>
+        </p:spPr>
+        <p:style>
+          <a:lnRef idx="2">
+            <a:schemeClr val="accent1">
+              <a:shade val="50000"/>
+            </a:schemeClr>
+          </a:lnRef>
+          <a:fillRef idx="1">
+            <a:schemeClr val="accent1"/>
+          </a:fillRef>
+          <a:effectRef idx="0">
+            <a:schemeClr val="accent1"/>
+          </a:effectRef>
+          <a:fontRef idx="minor">
+            <a:schemeClr val="lt1"/>
+          </a:fontRef>
+        </p:style>
+        <p:txBody>
+          <a:bodyPr rtlCol="0" anchor="ctr"/>
+          <a:lstStyle/>
+          <a:p>
+            <a:pPr algn="ctr"/>
+            <a:r>
+              <a:rPr lang="en-US" altLang="zh-CN" sz="1400" dirty="0" smtClean="0">
+                <a:solidFill>
+                  <a:schemeClr val="tx1"/>
+                </a:solidFill>
+                <a:latin typeface="Arial" pitchFamily="34" charset="0"/>
+                <a:cs typeface="Arial" pitchFamily="34" charset="0"/>
+              </a:rPr>
+              <a:t>Spring Data</a:t>
+            </a:r>
+            <a:endParaRPr lang="zh-CN" altLang="en-US" sz="1400" dirty="0">
+              <a:solidFill>
+                <a:schemeClr val="tx1"/>
+              </a:solidFill>
+              <a:latin typeface="Arial" pitchFamily="34" charset="0"/>
+              <a:cs typeface="Arial" pitchFamily="34" charset="0"/>
+            </a:endParaRPr>
+          </a:p>
+        </p:txBody>
+      </p:sp>
+      <p:sp>
+        <p:nvSpPr>
+          <p:cNvPr id="10" name="圆角矩形 9"/>
+          <p:cNvSpPr/>
+          <p:nvPr/>
+        </p:nvSpPr>
+        <p:spPr>
+          <a:xfrm>
+            <a:off x="5867400" y="4724400"/>
+            <a:ext cx="1905000" cy="533400"/>
+          </a:xfrm>
+          <a:prstGeom prst="roundRect">
+            <a:avLst/>
+          </a:prstGeom>
+          <a:solidFill>
+            <a:schemeClr val="tx2">
+              <a:lumMod val="20000"/>
+              <a:lumOff val="80000"/>
+            </a:schemeClr>
+          </a:solidFill>
+        </p:spPr>
+        <p:style>
+          <a:lnRef idx="2">
+            <a:schemeClr val="accent1">
+              <a:shade val="50000"/>
+            </a:schemeClr>
+          </a:lnRef>
+          <a:fillRef idx="1">
+            <a:schemeClr val="accent1"/>
+          </a:fillRef>
+          <a:effectRef idx="0">
+            <a:schemeClr val="accent1"/>
+          </a:effectRef>
+          <a:fontRef idx="minor">
+            <a:schemeClr val="lt1"/>
+          </a:fontRef>
+        </p:style>
+        <p:txBody>
+          <a:bodyPr rtlCol="0" anchor="ctr"/>
+          <a:lstStyle/>
+          <a:p>
+            <a:pPr algn="ctr"/>
+            <a:r>
+              <a:rPr lang="en-US" altLang="zh-CN" sz="1400" dirty="0" smtClean="0">
+                <a:solidFill>
+                  <a:schemeClr val="tx1"/>
+                </a:solidFill>
+                <a:latin typeface="Arial" pitchFamily="34" charset="0"/>
+                <a:cs typeface="Arial" pitchFamily="34" charset="0"/>
+              </a:rPr>
+              <a:t>Embedded SVN</a:t>
+            </a:r>
+            <a:endParaRPr lang="zh-CN" altLang="en-US" sz="1400" dirty="0">
+              <a:solidFill>
+                <a:schemeClr val="tx1"/>
+              </a:solidFill>
+              <a:latin typeface="Arial" pitchFamily="34" charset="0"/>
+              <a:cs typeface="Arial" pitchFamily="34" charset="0"/>
+            </a:endParaRPr>
+          </a:p>
+        </p:txBody>
+      </p:sp>
+      <p:sp>
+        <p:nvSpPr>
+          <p:cNvPr id="11" name="圆角矩形 10"/>
+          <p:cNvSpPr/>
+          <p:nvPr/>
+        </p:nvSpPr>
+        <p:spPr>
+          <a:xfrm>
+            <a:off x="3886200" y="4038600"/>
+            <a:ext cx="3886200" cy="609600"/>
+          </a:xfrm>
+          <a:prstGeom prst="roundRect">
+            <a:avLst/>
+          </a:prstGeom>
+          <a:solidFill>
+            <a:schemeClr val="tx2">
+              <a:lumMod val="20000"/>
+              <a:lumOff val="80000"/>
+            </a:schemeClr>
+          </a:solidFill>
+        </p:spPr>
+        <p:style>
+          <a:lnRef idx="2">
+            <a:schemeClr val="accent1">
+              <a:shade val="50000"/>
+            </a:schemeClr>
+          </a:lnRef>
+          <a:fillRef idx="1">
+            <a:schemeClr val="accent1"/>
+          </a:fillRef>
+          <a:effectRef idx="0">
+            <a:schemeClr val="accent1"/>
+          </a:effectRef>
+          <a:fontRef idx="minor">
+            <a:schemeClr val="lt1"/>
+          </a:fontRef>
+        </p:style>
+        <p:txBody>
+          <a:bodyPr rtlCol="0" anchor="ctr"/>
+          <a:lstStyle/>
+          <a:p>
+            <a:pPr algn="ctr"/>
+            <a:r>
+              <a:rPr lang="en-US" altLang="zh-CN" sz="1400" dirty="0" err="1" smtClean="0">
+                <a:solidFill>
+                  <a:schemeClr val="tx1"/>
+                </a:solidFill>
+                <a:latin typeface="Arial" pitchFamily="34" charset="0"/>
+                <a:cs typeface="Arial" pitchFamily="34" charset="0"/>
+              </a:rPr>
+              <a:t>EhCache</a:t>
+            </a:r>
+            <a:endParaRPr lang="zh-CN" altLang="en-US" sz="1400" dirty="0">
+              <a:solidFill>
+                <a:schemeClr val="tx1"/>
+              </a:solidFill>
+              <a:latin typeface="Arial" pitchFamily="34" charset="0"/>
+              <a:cs typeface="Arial" pitchFamily="34" charset="0"/>
+            </a:endParaRPr>
+          </a:p>
+        </p:txBody>
+      </p:sp>
+      <p:sp>
+        <p:nvSpPr>
+          <p:cNvPr id="12" name="圆角矩形 11"/>
+          <p:cNvSpPr/>
+          <p:nvPr/>
+        </p:nvSpPr>
+        <p:spPr>
+          <a:xfrm>
+            <a:off x="2590800" y="4038600"/>
+            <a:ext cx="1143000" cy="1219200"/>
+          </a:xfrm>
+          <a:prstGeom prst="roundRect">
+            <a:avLst/>
+          </a:prstGeom>
+          <a:solidFill>
+            <a:schemeClr val="tx2">
+              <a:lumMod val="20000"/>
+              <a:lumOff val="80000"/>
+            </a:schemeClr>
+          </a:solidFill>
+        </p:spPr>
+        <p:style>
+          <a:lnRef idx="2">
+            <a:schemeClr val="accent1">
+              <a:shade val="50000"/>
+            </a:schemeClr>
+          </a:lnRef>
+          <a:fillRef idx="1">
+            <a:schemeClr val="accent1"/>
+          </a:fillRef>
+          <a:effectRef idx="0">
+            <a:schemeClr val="accent1"/>
+          </a:effectRef>
+          <a:fontRef idx="minor">
+            <a:schemeClr val="lt1"/>
+          </a:fontRef>
+        </p:style>
+        <p:txBody>
+          <a:bodyPr rtlCol="0" anchor="ctr"/>
+          <a:lstStyle/>
+          <a:p>
+            <a:pPr algn="ctr"/>
+            <a:r>
+              <a:rPr lang="en-US" altLang="zh-CN" sz="1400" dirty="0" smtClean="0">
+                <a:solidFill>
+                  <a:schemeClr val="tx1"/>
+                </a:solidFill>
+                <a:latin typeface="Arial" pitchFamily="34" charset="0"/>
+                <a:cs typeface="Arial" pitchFamily="34" charset="0"/>
+              </a:rPr>
+              <a:t>Spring</a:t>
+            </a:r>
+          </a:p>
+          <a:p>
+            <a:pPr algn="ctr"/>
+            <a:r>
+              <a:rPr lang="en-US" altLang="zh-CN" sz="1400" dirty="0" smtClean="0">
+                <a:solidFill>
+                  <a:schemeClr val="tx1"/>
+                </a:solidFill>
+                <a:latin typeface="Arial" pitchFamily="34" charset="0"/>
+                <a:cs typeface="Arial" pitchFamily="34" charset="0"/>
+              </a:rPr>
+              <a:t>Security</a:t>
+            </a:r>
+            <a:endParaRPr lang="zh-CN" altLang="en-US" sz="1400" dirty="0">
+              <a:solidFill>
+                <a:schemeClr val="tx1"/>
+              </a:solidFill>
+              <a:latin typeface="Arial" pitchFamily="34" charset="0"/>
+              <a:cs typeface="Arial" pitchFamily="34" charset="0"/>
+            </a:endParaRPr>
+          </a:p>
+        </p:txBody>
+      </p:sp>
+      <p:sp>
+        <p:nvSpPr>
+          <p:cNvPr id="13" name="圆角矩形 12"/>
+          <p:cNvSpPr/>
+          <p:nvPr/>
+        </p:nvSpPr>
+        <p:spPr>
+          <a:xfrm>
+            <a:off x="2590800" y="2514600"/>
+            <a:ext cx="1143000" cy="1371600"/>
+          </a:xfrm>
+          <a:prstGeom prst="roundRect">
+            <a:avLst/>
+          </a:prstGeom>
+          <a:solidFill>
+            <a:schemeClr val="tx2">
+              <a:lumMod val="20000"/>
+              <a:lumOff val="80000"/>
+            </a:schemeClr>
+          </a:solidFill>
+        </p:spPr>
+        <p:style>
+          <a:lnRef idx="2">
+            <a:schemeClr val="accent1">
+              <a:shade val="50000"/>
+            </a:schemeClr>
+          </a:lnRef>
+          <a:fillRef idx="1">
+            <a:schemeClr val="accent1"/>
+          </a:fillRef>
+          <a:effectRef idx="0">
+            <a:schemeClr val="accent1"/>
+          </a:effectRef>
+          <a:fontRef idx="minor">
+            <a:schemeClr val="lt1"/>
+          </a:fontRef>
+        </p:style>
+        <p:txBody>
+          <a:bodyPr rtlCol="0" anchor="ctr"/>
+          <a:lstStyle/>
+          <a:p>
+            <a:pPr algn="ctr"/>
+            <a:r>
+              <a:rPr lang="en-US" altLang="zh-CN" sz="1400" dirty="0" smtClean="0">
+                <a:solidFill>
+                  <a:schemeClr val="tx1"/>
+                </a:solidFill>
+                <a:latin typeface="Arial" pitchFamily="34" charset="0"/>
+                <a:cs typeface="Arial" pitchFamily="34" charset="0"/>
+              </a:rPr>
+              <a:t>Plugin</a:t>
+            </a:r>
+          </a:p>
+          <a:p>
+            <a:pPr algn="ctr"/>
+            <a:r>
+              <a:rPr lang="en-US" altLang="zh-CN" sz="1400" dirty="0" smtClean="0">
+                <a:solidFill>
+                  <a:schemeClr val="tx1"/>
+                </a:solidFill>
+                <a:latin typeface="Arial" pitchFamily="34" charset="0"/>
+                <a:cs typeface="Arial" pitchFamily="34" charset="0"/>
+              </a:rPr>
+              <a:t>System</a:t>
+            </a:r>
+            <a:endParaRPr lang="zh-CN" altLang="en-US" sz="1400" dirty="0">
+              <a:solidFill>
+                <a:schemeClr val="tx1"/>
+              </a:solidFill>
+              <a:latin typeface="Arial" pitchFamily="34" charset="0"/>
+              <a:cs typeface="Arial" pitchFamily="34" charset="0"/>
+            </a:endParaRPr>
+          </a:p>
+        </p:txBody>
+      </p:sp>
+      <p:sp>
+        <p:nvSpPr>
+          <p:cNvPr id="14" name="下箭头 13"/>
+          <p:cNvSpPr/>
+          <p:nvPr/>
+        </p:nvSpPr>
+        <p:spPr>
+          <a:xfrm>
+            <a:off x="6477000" y="5410200"/>
+            <a:ext cx="457200" cy="381000"/>
+          </a:xfrm>
+          <a:prstGeom prst="downArrow">
+            <a:avLst/>
+          </a:prstGeom>
+          <a:solidFill>
+            <a:schemeClr val="tx2">
+              <a:lumMod val="40000"/>
+              <a:lumOff val="60000"/>
+            </a:schemeClr>
+          </a:solidFill>
+          <a:ln>
+            <a:solidFill>
+              <a:schemeClr val="accent1">
+                <a:lumMod val="40000"/>
+                <a:lumOff val="60000"/>
+              </a:schemeClr>
+            </a:solidFill>
+          </a:ln>
+        </p:spPr>
+        <p:style>
+          <a:lnRef idx="2">
+            <a:schemeClr val="accent1">
+              <a:shade val="50000"/>
+            </a:schemeClr>
+          </a:lnRef>
+          <a:fillRef idx="1">
+            <a:schemeClr val="accent1"/>
+          </a:fillRef>
+          <a:effectRef idx="0">
+            <a:schemeClr val="accent1"/>
+          </a:effectRef>
+          <a:fontRef idx="minor">
+            <a:schemeClr val="lt1"/>
+          </a:fontRef>
+        </p:style>
+        <p:txBody>
+          <a:bodyPr rtlCol="0" anchor="ctr"/>
+          <a:lstStyle/>
+          <a:p>
+            <a:pPr algn="ctr"/>
+            <a:endParaRPr lang="zh-CN" altLang="en-US" sz="1400">
+              <a:solidFill>
+                <a:schemeClr val="tx1"/>
+              </a:solidFill>
+              <a:latin typeface="Arial" pitchFamily="34" charset="0"/>
+              <a:cs typeface="Arial" pitchFamily="34" charset="0"/>
+            </a:endParaRPr>
+          </a:p>
+        </p:txBody>
+      </p:sp>
+      <p:sp>
+        <p:nvSpPr>
+          <p:cNvPr id="15" name="下箭头 14"/>
+          <p:cNvSpPr/>
+          <p:nvPr/>
+        </p:nvSpPr>
+        <p:spPr>
+          <a:xfrm>
+            <a:off x="4419600" y="5410200"/>
+            <a:ext cx="457200" cy="381000"/>
+          </a:xfrm>
+          <a:prstGeom prst="downArrow">
+            <a:avLst/>
+          </a:prstGeom>
+          <a:solidFill>
+            <a:schemeClr val="tx2">
+              <a:lumMod val="40000"/>
+              <a:lumOff val="60000"/>
+            </a:schemeClr>
+          </a:solidFill>
+          <a:ln>
+            <a:solidFill>
+              <a:schemeClr val="accent1">
+                <a:lumMod val="40000"/>
+                <a:lumOff val="60000"/>
+              </a:schemeClr>
+            </a:solidFill>
+          </a:ln>
+        </p:spPr>
+        <p:style>
+          <a:lnRef idx="2">
+            <a:schemeClr val="accent1">
+              <a:shade val="50000"/>
+            </a:schemeClr>
+          </a:lnRef>
+          <a:fillRef idx="1">
+            <a:schemeClr val="accent1"/>
+          </a:fillRef>
+          <a:effectRef idx="0">
+            <a:schemeClr val="accent1"/>
+          </a:effectRef>
+          <a:fontRef idx="minor">
+            <a:schemeClr val="lt1"/>
+          </a:fontRef>
+        </p:style>
+        <p:txBody>
+          <a:bodyPr rtlCol="0" anchor="ctr"/>
+          <a:lstStyle/>
+          <a:p>
+            <a:pPr algn="ctr"/>
+            <a:endParaRPr lang="zh-CN" altLang="en-US" sz="1400">
+              <a:solidFill>
+                <a:schemeClr val="tx1"/>
+              </a:solidFill>
+              <a:latin typeface="Arial" pitchFamily="34" charset="0"/>
+              <a:cs typeface="Arial" pitchFamily="34" charset="0"/>
+            </a:endParaRPr>
+          </a:p>
+        </p:txBody>
+      </p:sp>
+      <p:sp>
+        <p:nvSpPr>
+          <p:cNvPr id="16" name="TextBox 15"/>
+          <p:cNvSpPr txBox="1"/>
+          <p:nvPr/>
+        </p:nvSpPr>
+        <p:spPr>
+          <a:xfrm>
+            <a:off x="4267200" y="1752600"/>
+            <a:ext cx="2170722" cy="369332"/>
+          </a:xfrm>
+          <a:prstGeom prst="rect">
+            <a:avLst/>
+          </a:prstGeom>
+          <a:noFill/>
+        </p:spPr>
+        <p:txBody>
+          <a:bodyPr wrap="none" rtlCol="0">
+            <a:spAutoFit/>
+          </a:bodyPr>
+          <a:lstStyle/>
+          <a:p>
+            <a:r>
+              <a:rPr lang="en-US" altLang="zh-CN" dirty="0" smtClean="0">
+                <a:latin typeface="Arial" pitchFamily="34" charset="0"/>
+                <a:cs typeface="Arial" pitchFamily="34" charset="0"/>
+              </a:rPr>
+              <a:t>nGrinder controller</a:t>
+            </a:r>
+            <a:endParaRPr lang="zh-CN" altLang="en-US" dirty="0">
+              <a:latin typeface="Arial" pitchFamily="34" charset="0"/>
+              <a:cs typeface="Arial" pitchFamily="34" charset="0"/>
+            </a:endParaRPr>
+          </a:p>
+        </p:txBody>
+      </p:sp>
+      <p:grpSp>
+        <p:nvGrpSpPr>
+          <p:cNvPr id="24" name="组合 23"/>
+          <p:cNvGrpSpPr/>
+          <p:nvPr/>
+        </p:nvGrpSpPr>
+        <p:grpSpPr>
+          <a:xfrm>
+            <a:off x="5943600" y="2514600"/>
+            <a:ext cx="1828800" cy="1371600"/>
+            <a:chOff x="5943600" y="2514600"/>
+            <a:chExt cx="1828800" cy="1371600"/>
+          </a:xfrm>
+        </p:grpSpPr>
+        <p:sp>
+          <p:nvSpPr>
+            <p:cNvPr id="17" name="圆角矩形 16"/>
+            <p:cNvSpPr/>
+            <p:nvPr/>
+          </p:nvSpPr>
+          <p:spPr>
+            <a:xfrm>
+              <a:off x="5943600" y="2514600"/>
+              <a:ext cx="1828800" cy="1371600"/>
+            </a:xfrm>
+            <a:prstGeom prst="roundRect">
+              <a:avLst/>
+            </a:prstGeom>
+            <a:solidFill>
+              <a:schemeClr val="tx2">
+                <a:lumMod val="20000"/>
+                <a:lumOff val="80000"/>
+              </a:schemeClr>
+            </a:solidFill>
+          </p:spPr>
+          <p:style>
+            <a:lnRef idx="2">
+              <a:schemeClr val="accent1">
+                <a:shade val="50000"/>
+              </a:schemeClr>
+            </a:lnRef>
+            <a:fillRef idx="1">
+              <a:schemeClr val="accent1"/>
+            </a:fillRef>
+            <a:effectRef idx="0">
+              <a:schemeClr val="accent1"/>
+            </a:effectRef>
+            <a:fontRef idx="minor">
+              <a:schemeClr val="lt1"/>
+            </a:fontRef>
+          </p:style>
+          <p:txBody>
+            <a:bodyPr rtlCol="0" anchor="ctr"/>
+            <a:lstStyle/>
+            <a:p>
+              <a:pPr algn="ctr"/>
+              <a:endParaRPr lang="zh-CN" altLang="en-US" sz="1400" dirty="0">
+                <a:solidFill>
+                  <a:schemeClr val="tx1"/>
+                </a:solidFill>
+                <a:latin typeface="Arial" pitchFamily="34" charset="0"/>
+                <a:cs typeface="Arial" pitchFamily="34" charset="0"/>
+              </a:endParaRPr>
+            </a:p>
+          </p:txBody>
+        </p:sp>
+        <p:sp>
+          <p:nvSpPr>
+            <p:cNvPr id="20" name="모서리가 둥근 직사각형 9"/>
+            <p:cNvSpPr/>
+            <p:nvPr/>
+          </p:nvSpPr>
+          <p:spPr>
+            <a:xfrm>
+              <a:off x="6400800" y="3352800"/>
+              <a:ext cx="1219200" cy="304800"/>
+            </a:xfrm>
+            <a:prstGeom prst="roundRect">
+              <a:avLst/>
+            </a:prstGeom>
+          </p:spPr>
+          <p:style>
+            <a:lnRef idx="1">
+              <a:schemeClr val="accent1"/>
+            </a:lnRef>
+            <a:fillRef idx="3">
+              <a:schemeClr val="accent1"/>
+            </a:fillRef>
+            <a:effectRef idx="2">
+              <a:schemeClr val="accent1"/>
+            </a:effectRef>
+            <a:fontRef idx="minor">
+              <a:schemeClr val="lt1"/>
+            </a:fontRef>
+          </p:style>
+          <p:txBody>
+            <a:bodyPr rtlCol="0" anchor="ctr"/>
+            <a:lstStyle/>
+            <a:p>
+              <a:pPr algn="ctr"/>
+              <a:endParaRPr lang="ko-KR" altLang="en-US" sz="1400" dirty="0">
+                <a:latin typeface="Arial" pitchFamily="34" charset="0"/>
+                <a:cs typeface="Arial" pitchFamily="34" charset="0"/>
+              </a:endParaRPr>
+            </a:p>
+          </p:txBody>
+        </p:sp>
+        <p:sp>
+          <p:nvSpPr>
+            <p:cNvPr id="19" name="모서리가 둥근 직사각형 9"/>
+            <p:cNvSpPr/>
+            <p:nvPr/>
+          </p:nvSpPr>
+          <p:spPr>
+            <a:xfrm>
+              <a:off x="6248400" y="3276600"/>
+              <a:ext cx="1219200" cy="304800"/>
+            </a:xfrm>
+            <a:prstGeom prst="roundRect">
+              <a:avLst/>
+            </a:prstGeom>
+          </p:spPr>
+          <p:style>
+            <a:lnRef idx="1">
+              <a:schemeClr val="accent1"/>
+            </a:lnRef>
+            <a:fillRef idx="3">
+              <a:schemeClr val="accent1"/>
+            </a:fillRef>
+            <a:effectRef idx="2">
+              <a:schemeClr val="accent1"/>
+            </a:effectRef>
+            <a:fontRef idx="minor">
+              <a:schemeClr val="lt1"/>
+            </a:fontRef>
+          </p:style>
+          <p:txBody>
+            <a:bodyPr rtlCol="0" anchor="ctr"/>
+            <a:lstStyle/>
+            <a:p>
+              <a:pPr algn="ctr"/>
+              <a:endParaRPr lang="ko-KR" altLang="en-US" sz="1400" dirty="0">
+                <a:latin typeface="Arial" pitchFamily="34" charset="0"/>
+                <a:cs typeface="Arial" pitchFamily="34" charset="0"/>
+              </a:endParaRPr>
+            </a:p>
+          </p:txBody>
+        </p:sp>
+        <p:sp>
+          <p:nvSpPr>
+            <p:cNvPr id="18" name="모서리가 둥근 직사각형 9"/>
+            <p:cNvSpPr/>
+            <p:nvPr/>
+          </p:nvSpPr>
+          <p:spPr>
+            <a:xfrm>
+              <a:off x="6096000" y="3200400"/>
+              <a:ext cx="1219200" cy="304800"/>
+            </a:xfrm>
+            <a:prstGeom prst="roundRect">
+              <a:avLst/>
+            </a:prstGeom>
+          </p:spPr>
+          <p:style>
+            <a:lnRef idx="1">
+              <a:schemeClr val="accent1"/>
+            </a:lnRef>
+            <a:fillRef idx="3">
+              <a:schemeClr val="accent1"/>
+            </a:fillRef>
+            <a:effectRef idx="2">
+              <a:schemeClr val="accent1"/>
+            </a:effectRef>
+            <a:fontRef idx="minor">
+              <a:schemeClr val="lt1"/>
+            </a:fontRef>
+          </p:style>
+          <p:txBody>
+            <a:bodyPr rtlCol="0" anchor="ctr"/>
+            <a:lstStyle/>
+            <a:p>
+              <a:pPr algn="ctr"/>
+              <a:r>
+                <a:rPr lang="en-US" altLang="ko-KR" sz="1050" dirty="0" smtClean="0">
+                  <a:latin typeface="Arial" pitchFamily="34" charset="0"/>
+                  <a:cs typeface="Arial" pitchFamily="34" charset="0"/>
+                </a:rPr>
+                <a:t>Grinder </a:t>
+              </a:r>
+              <a:r>
+                <a:rPr lang="en-US" altLang="ko-KR" sz="1050" dirty="0" smtClean="0">
+                  <a:latin typeface="Arial" pitchFamily="34" charset="0"/>
+                  <a:cs typeface="Arial" pitchFamily="34" charset="0"/>
+                </a:rPr>
+                <a:t>Console</a:t>
+              </a:r>
+              <a:endParaRPr lang="ko-KR" altLang="en-US" sz="1050" dirty="0">
+                <a:latin typeface="Arial" pitchFamily="34" charset="0"/>
+                <a:cs typeface="Arial" pitchFamily="34" charset="0"/>
+              </a:endParaRPr>
+            </a:p>
+          </p:txBody>
+        </p:sp>
+        <p:sp>
+          <p:nvSpPr>
+            <p:cNvPr id="21" name="TextBox 20"/>
+            <p:cNvSpPr txBox="1"/>
+            <p:nvPr/>
+          </p:nvSpPr>
+          <p:spPr>
+            <a:xfrm>
+              <a:off x="6019800" y="2667000"/>
+              <a:ext cx="1616148" cy="307777"/>
+            </a:xfrm>
+            <a:prstGeom prst="rect">
+              <a:avLst/>
+            </a:prstGeom>
+            <a:noFill/>
+          </p:spPr>
+          <p:txBody>
+            <a:bodyPr wrap="none" rtlCol="0">
+              <a:spAutoFit/>
+            </a:bodyPr>
+            <a:lstStyle/>
+            <a:p>
+              <a:r>
+                <a:rPr lang="en-US" altLang="zh-CN" sz="1400" dirty="0" smtClean="0">
+                  <a:latin typeface="Arial" pitchFamily="34" charset="0"/>
+                  <a:cs typeface="Arial" pitchFamily="34" charset="0"/>
+                </a:rPr>
+                <a:t>Console manager</a:t>
+              </a:r>
+              <a:endParaRPr lang="zh-CN" altLang="en-US" sz="1400" dirty="0">
+                <a:latin typeface="Arial" pitchFamily="34" charset="0"/>
+                <a:cs typeface="Arial" pitchFamily="34" charset="0"/>
+              </a:endParaRPr>
+            </a:p>
+          </p:txBody>
+        </p:sp>
+      </p:grpSp>
+      <p:grpSp>
+        <p:nvGrpSpPr>
+          <p:cNvPr id="25" name="组合 24"/>
+          <p:cNvGrpSpPr/>
+          <p:nvPr/>
+        </p:nvGrpSpPr>
+        <p:grpSpPr>
+          <a:xfrm>
+            <a:off x="3886200" y="2514600"/>
+            <a:ext cx="1828800" cy="1371600"/>
+            <a:chOff x="3886200" y="2514600"/>
+            <a:chExt cx="1828800" cy="1371600"/>
+          </a:xfrm>
+        </p:grpSpPr>
+        <p:sp>
+          <p:nvSpPr>
+            <p:cNvPr id="22" name="圆角矩形 21"/>
+            <p:cNvSpPr/>
+            <p:nvPr/>
+          </p:nvSpPr>
+          <p:spPr>
+            <a:xfrm>
+              <a:off x="3886200" y="2514600"/>
+              <a:ext cx="1828800" cy="1371600"/>
+            </a:xfrm>
+            <a:prstGeom prst="roundRect">
+              <a:avLst/>
+            </a:prstGeom>
+            <a:solidFill>
+              <a:schemeClr val="tx2">
+                <a:lumMod val="20000"/>
+                <a:lumOff val="80000"/>
+              </a:schemeClr>
+            </a:solidFill>
+          </p:spPr>
+          <p:style>
+            <a:lnRef idx="2">
+              <a:schemeClr val="accent1">
+                <a:shade val="50000"/>
+              </a:schemeClr>
+            </a:lnRef>
+            <a:fillRef idx="1">
+              <a:schemeClr val="accent1"/>
+            </a:fillRef>
+            <a:effectRef idx="0">
+              <a:schemeClr val="accent1"/>
+            </a:effectRef>
+            <a:fontRef idx="minor">
+              <a:schemeClr val="lt1"/>
+            </a:fontRef>
+          </p:style>
+          <p:txBody>
+            <a:bodyPr rtlCol="0" anchor="ctr"/>
+            <a:lstStyle/>
+            <a:p>
+              <a:pPr algn="ctr"/>
+              <a:endParaRPr lang="zh-CN" altLang="en-US" sz="1400" dirty="0">
+                <a:solidFill>
+                  <a:schemeClr val="tx1"/>
+                </a:solidFill>
+                <a:latin typeface="Arial" pitchFamily="34" charset="0"/>
+                <a:cs typeface="Arial" pitchFamily="34" charset="0"/>
+              </a:endParaRPr>
+            </a:p>
+          </p:txBody>
+        </p:sp>
+        <p:sp>
+          <p:nvSpPr>
+            <p:cNvPr id="23" name="TextBox 22"/>
+            <p:cNvSpPr txBox="1"/>
+            <p:nvPr/>
+          </p:nvSpPr>
+          <p:spPr>
+            <a:xfrm>
+              <a:off x="4267200" y="2743200"/>
+              <a:ext cx="1000338" cy="954107"/>
+            </a:xfrm>
+            <a:prstGeom prst="rect">
+              <a:avLst/>
+            </a:prstGeom>
+            <a:noFill/>
+          </p:spPr>
+          <p:txBody>
+            <a:bodyPr wrap="none" rtlCol="0">
+              <a:spAutoFit/>
+            </a:bodyPr>
+            <a:lstStyle/>
+            <a:p>
+              <a:r>
+                <a:rPr lang="en-US" altLang="zh-CN" sz="1400" dirty="0" smtClean="0">
+                  <a:latin typeface="Arial" pitchFamily="34" charset="0"/>
+                  <a:cs typeface="Arial" pitchFamily="34" charset="0"/>
+                </a:rPr>
+                <a:t>nGrinder</a:t>
+              </a:r>
+            </a:p>
+            <a:p>
+              <a:r>
+                <a:rPr lang="en-US" altLang="zh-CN" sz="1400" dirty="0" smtClean="0">
+                  <a:latin typeface="Arial" pitchFamily="34" charset="0"/>
+                  <a:cs typeface="Arial" pitchFamily="34" charset="0"/>
+                </a:rPr>
+                <a:t>Controller,</a:t>
+              </a:r>
+            </a:p>
+            <a:p>
+              <a:r>
+                <a:rPr lang="en-US" altLang="zh-CN" sz="1400" dirty="0" smtClean="0">
+                  <a:latin typeface="Arial" pitchFamily="34" charset="0"/>
+                  <a:cs typeface="Arial" pitchFamily="34" charset="0"/>
+                </a:rPr>
+                <a:t>Services,</a:t>
+              </a:r>
+            </a:p>
+            <a:p>
+              <a:r>
+                <a:rPr lang="en-US" altLang="zh-CN" sz="1400" dirty="0" smtClean="0">
+                  <a:latin typeface="Arial" pitchFamily="34" charset="0"/>
+                  <a:cs typeface="Arial" pitchFamily="34" charset="0"/>
+                </a:rPr>
+                <a:t>Utilities.</a:t>
+              </a:r>
+              <a:endParaRPr lang="zh-CN" altLang="en-US" sz="1400" dirty="0">
+                <a:latin typeface="Arial" pitchFamily="34" charset="0"/>
+                <a:cs typeface="Arial" pitchFamily="34" charset="0"/>
+              </a:endParaRPr>
+            </a:p>
+          </p:txBody>
+        </p:sp>
+      </p:grpSp>
+    </p:spTree>
+  </p:cSld>
+  <p:clrMapOvr>
+    <a:masterClrMapping/>
+  </p:clrMapOvr>
+</p:sld>
+</file>
+
+<file path=ppt/slides/slide3.xml><?xml version="1.0" encoding="utf-8"?>
+<p:sld xmlns:a="http://schemas.openxmlformats.org/drawingml/2006/main" xmlns:r="http://schemas.openxmlformats.org/officeDocument/2006/relationships" xmlns:p="http://schemas.openxmlformats.org/presentationml/2006/main">
+  <p:cSld>
+    <p:spTree>
+      <p:nvGrpSpPr>
+        <p:cNvPr id="1" name=""/>
+        <p:cNvGrpSpPr/>
+        <p:nvPr/>
+      </p:nvGrpSpPr>
+      <p:grpSpPr>
+        <a:xfrm>
+          <a:off x="0" y="0"/>
+          <a:ext cx="0" cy="0"/>
+          <a:chOff x="0" y="0"/>
+          <a:chExt cx="0" cy="0"/>
+        </a:xfrm>
+      </p:grpSpPr>
+      <p:sp>
+        <p:nvSpPr>
+          <p:cNvPr id="2" name="标题 1"/>
+          <p:cNvSpPr>
+            <a:spLocks noGrp="1"/>
+          </p:cNvSpPr>
+          <p:nvPr>
+            <p:ph type="title"/>
+          </p:nvPr>
+        </p:nvSpPr>
+        <p:spPr/>
+        <p:txBody>
+          <a:bodyPr>
+            <a:normAutofit/>
+          </a:bodyPr>
+          <a:lstStyle/>
+          <a:p>
+            <a:pPr algn="l"/>
+            <a:r>
+              <a:rPr lang="en-US" altLang="zh-CN" sz="2800" b="1" dirty="0" smtClean="0">
+                <a:latin typeface="Arial" pitchFamily="34" charset="0"/>
+                <a:cs typeface="Arial" pitchFamily="34" charset="0"/>
+              </a:rPr>
+              <a:t>nGrinder controller – after cluster</a:t>
+            </a:r>
+            <a:endParaRPr lang="zh-CN" altLang="en-US" sz="2800" b="1" dirty="0">
+              <a:latin typeface="Arial" pitchFamily="34" charset="0"/>
+              <a:cs typeface="Arial" pitchFamily="34" charset="0"/>
+            </a:endParaRPr>
+          </a:p>
+        </p:txBody>
+      </p:sp>
+      <p:sp>
+        <p:nvSpPr>
+          <p:cNvPr id="6" name="矩形 5"/>
+          <p:cNvSpPr/>
+          <p:nvPr/>
+        </p:nvSpPr>
+        <p:spPr>
+          <a:xfrm>
+            <a:off x="228600" y="1752600"/>
+            <a:ext cx="4267200" cy="3581400"/>
+          </a:xfrm>
+          <a:prstGeom prst="rect">
+            <a:avLst/>
+          </a:prstGeom>
+          <a:solidFill>
+            <a:schemeClr val="tx2">
+              <a:lumMod val="40000"/>
+              <a:lumOff val="60000"/>
+            </a:schemeClr>
+          </a:solidFill>
+          <a:ln>
+            <a:solidFill>
+              <a:schemeClr val="tx2">
+                <a:lumMod val="60000"/>
+                <a:lumOff val="40000"/>
+              </a:schemeClr>
+            </a:solidFill>
+          </a:ln>
+        </p:spPr>
+        <p:style>
+          <a:lnRef idx="2">
+            <a:schemeClr val="accent1">
+              <a:shade val="50000"/>
+            </a:schemeClr>
+          </a:lnRef>
+          <a:fillRef idx="1">
+            <a:schemeClr val="accent1"/>
+          </a:fillRef>
+          <a:effectRef idx="0">
+            <a:schemeClr val="accent1"/>
+          </a:effectRef>
+          <a:fontRef idx="minor">
+            <a:schemeClr val="lt1"/>
+          </a:fontRef>
+        </p:style>
+        <p:txBody>
+          <a:bodyPr rtlCol="0" anchor="t"/>
+          <a:lstStyle/>
+          <a:p>
+            <a:pPr algn="ctr"/>
+            <a:r>
+              <a:rPr lang="en-US" altLang="zh-CN" sz="2800" b="1" dirty="0" smtClean="0">
+                <a:latin typeface="Arial" pitchFamily="34" charset="0"/>
+                <a:cs typeface="Arial" pitchFamily="34" charset="0"/>
+              </a:rPr>
+              <a:t>   </a:t>
+            </a:r>
+          </a:p>
+        </p:txBody>
+      </p:sp>
+      <p:sp>
+        <p:nvSpPr>
+          <p:cNvPr id="9" name="圆角矩形 8"/>
+          <p:cNvSpPr/>
+          <p:nvPr/>
+        </p:nvSpPr>
+        <p:spPr>
+          <a:xfrm>
+            <a:off x="1371600" y="4724400"/>
+            <a:ext cx="1371600" cy="457200"/>
+          </a:xfrm>
+          <a:prstGeom prst="roundRect">
+            <a:avLst/>
+          </a:prstGeom>
+          <a:solidFill>
+            <a:schemeClr val="tx2">
+              <a:lumMod val="20000"/>
+              <a:lumOff val="80000"/>
+            </a:schemeClr>
+          </a:solidFill>
+        </p:spPr>
+        <p:style>
+          <a:lnRef idx="2">
+            <a:schemeClr val="accent1">
+              <a:shade val="50000"/>
+            </a:schemeClr>
+          </a:lnRef>
+          <a:fillRef idx="1">
+            <a:schemeClr val="accent1"/>
+          </a:fillRef>
+          <a:effectRef idx="0">
+            <a:schemeClr val="accent1"/>
+          </a:effectRef>
+          <a:fontRef idx="minor">
+            <a:schemeClr val="lt1"/>
+          </a:fontRef>
+        </p:style>
+        <p:txBody>
+          <a:bodyPr rtlCol="0" anchor="ctr"/>
+          <a:lstStyle/>
+          <a:p>
+            <a:pPr algn="ctr"/>
+            <a:r>
+              <a:rPr lang="en-US" altLang="zh-CN" sz="1400" dirty="0" smtClean="0">
+                <a:solidFill>
+                  <a:schemeClr val="tx1"/>
+                </a:solidFill>
+              </a:rPr>
+              <a:t>Spring Data</a:t>
+            </a:r>
+            <a:endParaRPr lang="zh-CN" altLang="en-US" sz="1400" dirty="0">
+              <a:solidFill>
+                <a:schemeClr val="tx1"/>
+              </a:solidFill>
+            </a:endParaRPr>
+          </a:p>
+        </p:txBody>
+      </p:sp>
+      <p:sp>
+        <p:nvSpPr>
+          <p:cNvPr id="10" name="圆角矩形 9"/>
+          <p:cNvSpPr/>
+          <p:nvPr/>
+        </p:nvSpPr>
+        <p:spPr>
+          <a:xfrm>
+            <a:off x="2819400" y="4724400"/>
+            <a:ext cx="1600200" cy="457200"/>
+          </a:xfrm>
+          <a:prstGeom prst="roundRect">
+            <a:avLst/>
+          </a:prstGeom>
+          <a:solidFill>
+            <a:schemeClr val="tx2">
+              <a:lumMod val="20000"/>
+              <a:lumOff val="80000"/>
+            </a:schemeClr>
+          </a:solidFill>
+        </p:spPr>
+        <p:style>
+          <a:lnRef idx="2">
+            <a:schemeClr val="accent1">
+              <a:shade val="50000"/>
+            </a:schemeClr>
+          </a:lnRef>
+          <a:fillRef idx="1">
+            <a:schemeClr val="accent1"/>
+          </a:fillRef>
+          <a:effectRef idx="0">
+            <a:schemeClr val="accent1"/>
+          </a:effectRef>
+          <a:fontRef idx="minor">
+            <a:schemeClr val="lt1"/>
+          </a:fontRef>
+        </p:style>
+        <p:txBody>
+          <a:bodyPr rtlCol="0" anchor="ctr"/>
+          <a:lstStyle/>
+          <a:p>
+            <a:pPr algn="ctr"/>
+            <a:r>
+              <a:rPr lang="en-US" altLang="zh-CN" sz="1400" dirty="0" smtClean="0">
+                <a:solidFill>
+                  <a:schemeClr val="tx1"/>
+                </a:solidFill>
+              </a:rPr>
+              <a:t>Embedded SVN</a:t>
+            </a:r>
+            <a:endParaRPr lang="zh-CN" altLang="en-US" sz="1400" dirty="0">
+              <a:solidFill>
+                <a:schemeClr val="tx1"/>
+              </a:solidFill>
+            </a:endParaRPr>
+          </a:p>
+        </p:txBody>
+      </p:sp>
+      <p:sp>
+        <p:nvSpPr>
+          <p:cNvPr id="12" name="圆角矩形 11"/>
+          <p:cNvSpPr/>
+          <p:nvPr/>
+        </p:nvSpPr>
+        <p:spPr>
+          <a:xfrm>
+            <a:off x="304800" y="3886200"/>
+            <a:ext cx="838200" cy="1295400"/>
+          </a:xfrm>
+          <a:prstGeom prst="roundRect">
+            <a:avLst/>
+          </a:prstGeom>
+          <a:solidFill>
+            <a:schemeClr val="tx2">
+              <a:lumMod val="20000"/>
+              <a:lumOff val="80000"/>
+            </a:schemeClr>
+          </a:solidFill>
+        </p:spPr>
+        <p:style>
+          <a:lnRef idx="2">
+            <a:schemeClr val="accent1">
+              <a:shade val="50000"/>
+            </a:schemeClr>
+          </a:lnRef>
+          <a:fillRef idx="1">
+            <a:schemeClr val="accent1"/>
+          </a:fillRef>
+          <a:effectRef idx="0">
+            <a:schemeClr val="accent1"/>
+          </a:effectRef>
+          <a:fontRef idx="minor">
+            <a:schemeClr val="lt1"/>
+          </a:fontRef>
+        </p:style>
+        <p:txBody>
+          <a:bodyPr rtlCol="0" anchor="ctr"/>
+          <a:lstStyle/>
+          <a:p>
+            <a:pPr algn="ctr"/>
+            <a:r>
+              <a:rPr lang="en-US" altLang="zh-CN" sz="1400" dirty="0" smtClean="0">
+                <a:solidFill>
+                  <a:schemeClr val="tx1"/>
+                </a:solidFill>
+              </a:rPr>
+              <a:t>Spring </a:t>
+            </a:r>
+            <a:r>
+              <a:rPr lang="en-US" altLang="zh-CN" sz="1200" dirty="0" smtClean="0">
+                <a:solidFill>
+                  <a:schemeClr val="tx1"/>
+                </a:solidFill>
+              </a:rPr>
+              <a:t>Security</a:t>
+            </a:r>
+            <a:endParaRPr lang="zh-CN" altLang="en-US" sz="1200" dirty="0">
+              <a:solidFill>
+                <a:schemeClr val="tx1"/>
+              </a:solidFill>
+            </a:endParaRPr>
+          </a:p>
+        </p:txBody>
+      </p:sp>
+      <p:sp>
+        <p:nvSpPr>
+          <p:cNvPr id="13" name="圆角矩形 12"/>
+          <p:cNvSpPr/>
+          <p:nvPr/>
+        </p:nvSpPr>
+        <p:spPr>
+          <a:xfrm>
+            <a:off x="304800" y="2362200"/>
+            <a:ext cx="838200" cy="1371600"/>
+          </a:xfrm>
+          <a:prstGeom prst="roundRect">
+            <a:avLst/>
+          </a:prstGeom>
+          <a:solidFill>
+            <a:schemeClr val="tx2">
+              <a:lumMod val="20000"/>
+              <a:lumOff val="80000"/>
+            </a:schemeClr>
+          </a:solidFill>
+        </p:spPr>
+        <p:style>
+          <a:lnRef idx="2">
+            <a:schemeClr val="accent1">
+              <a:shade val="50000"/>
+            </a:schemeClr>
+          </a:lnRef>
+          <a:fillRef idx="1">
+            <a:schemeClr val="accent1"/>
+          </a:fillRef>
+          <a:effectRef idx="0">
+            <a:schemeClr val="accent1"/>
+          </a:effectRef>
+          <a:fontRef idx="minor">
+            <a:schemeClr val="lt1"/>
+          </a:fontRef>
+        </p:style>
+        <p:txBody>
+          <a:bodyPr rtlCol="0" anchor="ctr"/>
+          <a:lstStyle/>
+          <a:p>
+            <a:pPr algn="ctr"/>
+            <a:r>
+              <a:rPr lang="en-US" altLang="zh-CN" sz="1400" dirty="0" smtClean="0">
+                <a:solidFill>
+                  <a:schemeClr val="tx1"/>
+                </a:solidFill>
+              </a:rPr>
+              <a:t>Plugin</a:t>
+            </a:r>
+          </a:p>
+          <a:p>
+            <a:pPr algn="ctr"/>
+            <a:r>
+              <a:rPr lang="en-US" altLang="zh-CN" sz="1400" dirty="0" smtClean="0">
+                <a:solidFill>
+                  <a:schemeClr val="tx1"/>
+                </a:solidFill>
+              </a:rPr>
+              <a:t>System</a:t>
+            </a:r>
+            <a:endParaRPr lang="zh-CN" altLang="en-US" sz="1400" dirty="0">
+              <a:solidFill>
+                <a:schemeClr val="tx1"/>
+              </a:solidFill>
+            </a:endParaRPr>
+          </a:p>
+        </p:txBody>
+      </p:sp>
+      <p:sp>
+        <p:nvSpPr>
+          <p:cNvPr id="27" name="矩形 26"/>
+          <p:cNvSpPr/>
+          <p:nvPr/>
+        </p:nvSpPr>
+        <p:spPr>
+          <a:xfrm>
+            <a:off x="228600" y="5562600"/>
+            <a:ext cx="8839200" cy="838200"/>
+          </a:xfrm>
+          <a:prstGeom prst="rect">
+            <a:avLst/>
+          </a:prstGeom>
+          <a:ln>
+            <a:solidFill>
+              <a:schemeClr val="bg1">
+                <a:lumMod val="65000"/>
+              </a:schemeClr>
+            </a:solidFill>
+          </a:ln>
+        </p:spPr>
+        <p:style>
+          <a:lnRef idx="2">
+            <a:schemeClr val="accent1">
+              <a:shade val="50000"/>
+            </a:schemeClr>
+          </a:lnRef>
+          <a:fillRef idx="1">
+            <a:schemeClr val="accent1"/>
+          </a:fillRef>
+          <a:effectRef idx="0">
+            <a:schemeClr val="accent1"/>
+          </a:effectRef>
+          <a:fontRef idx="minor">
+            <a:schemeClr val="lt1"/>
+          </a:fontRef>
+        </p:style>
+        <p:txBody>
+          <a:bodyPr rtlCol="0" anchor="ctr"/>
+          <a:lstStyle/>
+          <a:p>
+            <a:pPr algn="ctr"/>
+            <a:endParaRPr lang="zh-CN" altLang="en-US"/>
+          </a:p>
+        </p:txBody>
+      </p:sp>
+      <p:sp>
+        <p:nvSpPr>
+          <p:cNvPr id="28" name="矩形 27"/>
+          <p:cNvSpPr/>
+          <p:nvPr/>
+        </p:nvSpPr>
+        <p:spPr>
+          <a:xfrm>
+            <a:off x="4800600" y="1752600"/>
+            <a:ext cx="4267200" cy="3581400"/>
+          </a:xfrm>
+          <a:prstGeom prst="rect">
+            <a:avLst/>
+          </a:prstGeom>
+          <a:solidFill>
+            <a:schemeClr val="tx2">
+              <a:lumMod val="40000"/>
+              <a:lumOff val="60000"/>
+            </a:schemeClr>
+          </a:solidFill>
+          <a:ln>
+            <a:solidFill>
+              <a:schemeClr val="tx2">
+                <a:lumMod val="60000"/>
+                <a:lumOff val="40000"/>
+              </a:schemeClr>
+            </a:solidFill>
+          </a:ln>
+        </p:spPr>
+        <p:style>
+          <a:lnRef idx="2">
+            <a:schemeClr val="accent1">
+              <a:shade val="50000"/>
+            </a:schemeClr>
+          </a:lnRef>
+          <a:fillRef idx="1">
+            <a:schemeClr val="accent1"/>
+          </a:fillRef>
+          <a:effectRef idx="0">
+            <a:schemeClr val="accent1"/>
+          </a:effectRef>
+          <a:fontRef idx="minor">
+            <a:schemeClr val="lt1"/>
+          </a:fontRef>
+        </p:style>
+        <p:txBody>
+          <a:bodyPr rtlCol="0" anchor="t"/>
+          <a:lstStyle/>
+          <a:p>
+            <a:pPr algn="ctr"/>
+            <a:endParaRPr lang="en-US" altLang="zh-CN" sz="2000" b="1" dirty="0" smtClean="0">
+              <a:latin typeface="Arial" pitchFamily="34" charset="0"/>
+              <a:cs typeface="Arial" pitchFamily="34" charset="0"/>
+            </a:endParaRPr>
+          </a:p>
+        </p:txBody>
+      </p:sp>
+      <p:sp>
+        <p:nvSpPr>
+          <p:cNvPr id="29" name="圆角矩形 28"/>
+          <p:cNvSpPr/>
+          <p:nvPr/>
+        </p:nvSpPr>
+        <p:spPr>
+          <a:xfrm>
+            <a:off x="1295400" y="5715000"/>
+            <a:ext cx="2209800" cy="609600"/>
+          </a:xfrm>
+          <a:prstGeom prst="roundRect">
+            <a:avLst/>
+          </a:prstGeom>
+          <a:solidFill>
+            <a:schemeClr val="tx2">
+              <a:lumMod val="40000"/>
+              <a:lumOff val="60000"/>
+            </a:schemeClr>
+          </a:solidFill>
+        </p:spPr>
+        <p:style>
+          <a:lnRef idx="2">
+            <a:schemeClr val="accent1">
+              <a:shade val="50000"/>
+            </a:schemeClr>
+          </a:lnRef>
+          <a:fillRef idx="1">
+            <a:schemeClr val="accent1"/>
+          </a:fillRef>
+          <a:effectRef idx="0">
+            <a:schemeClr val="accent1"/>
+          </a:effectRef>
+          <a:fontRef idx="minor">
+            <a:schemeClr val="lt1"/>
+          </a:fontRef>
+        </p:style>
+        <p:txBody>
+          <a:bodyPr rtlCol="0" anchor="ctr"/>
+          <a:lstStyle/>
+          <a:p>
+            <a:pPr algn="ctr"/>
+            <a:r>
+              <a:rPr lang="en-US" altLang="zh-CN" dirty="0" smtClean="0">
+                <a:solidFill>
+                  <a:schemeClr val="tx1"/>
+                </a:solidFill>
+              </a:rPr>
+              <a:t>DB</a:t>
+            </a:r>
+            <a:endParaRPr lang="zh-CN" altLang="en-US" dirty="0">
+              <a:solidFill>
+                <a:schemeClr val="tx1"/>
+              </a:solidFill>
+            </a:endParaRPr>
+          </a:p>
+        </p:txBody>
+      </p:sp>
+      <p:sp>
+        <p:nvSpPr>
+          <p:cNvPr id="30" name="圆角矩形 29"/>
+          <p:cNvSpPr/>
+          <p:nvPr/>
+        </p:nvSpPr>
+        <p:spPr>
+          <a:xfrm>
+            <a:off x="5638800" y="5715000"/>
+            <a:ext cx="2286000" cy="609600"/>
+          </a:xfrm>
+          <a:prstGeom prst="roundRect">
+            <a:avLst/>
+          </a:prstGeom>
+          <a:solidFill>
+            <a:schemeClr val="tx2">
+              <a:lumMod val="40000"/>
+              <a:lumOff val="60000"/>
+            </a:schemeClr>
+          </a:solidFill>
+        </p:spPr>
+        <p:style>
+          <a:lnRef idx="2">
+            <a:schemeClr val="accent1">
+              <a:shade val="50000"/>
+            </a:schemeClr>
+          </a:lnRef>
+          <a:fillRef idx="1">
+            <a:schemeClr val="accent1"/>
+          </a:fillRef>
+          <a:effectRef idx="0">
+            <a:schemeClr val="accent1"/>
+          </a:effectRef>
+          <a:fontRef idx="minor">
+            <a:schemeClr val="lt1"/>
+          </a:fontRef>
+        </p:style>
+        <p:txBody>
+          <a:bodyPr rtlCol="0" anchor="ctr"/>
+          <a:lstStyle/>
+          <a:p>
+            <a:pPr algn="ctr"/>
+            <a:r>
+              <a:rPr lang="en-US" altLang="zh-CN" dirty="0" smtClean="0">
+                <a:solidFill>
+                  <a:schemeClr val="tx1"/>
+                </a:solidFill>
+              </a:rPr>
+              <a:t>home directory</a:t>
+            </a:r>
+            <a:endParaRPr lang="zh-CN" altLang="en-US" dirty="0">
+              <a:solidFill>
+                <a:schemeClr val="tx1"/>
+              </a:solidFill>
+            </a:endParaRPr>
+          </a:p>
+        </p:txBody>
+      </p:sp>
+      <p:sp>
+        <p:nvSpPr>
+          <p:cNvPr id="36" name="下箭头 35"/>
+          <p:cNvSpPr/>
+          <p:nvPr/>
+        </p:nvSpPr>
+        <p:spPr>
+          <a:xfrm>
+            <a:off x="7010400" y="5334000"/>
+            <a:ext cx="457200" cy="381000"/>
+          </a:xfrm>
+          <a:prstGeom prst="downArrow">
+            <a:avLst/>
+          </a:prstGeom>
+          <a:solidFill>
+            <a:schemeClr val="tx2">
+              <a:lumMod val="40000"/>
+              <a:lumOff val="60000"/>
+            </a:schemeClr>
+          </a:solidFill>
+          <a:ln>
+            <a:solidFill>
+              <a:schemeClr val="accent1">
+                <a:lumMod val="40000"/>
+                <a:lumOff val="60000"/>
+              </a:schemeClr>
+            </a:solidFill>
+          </a:ln>
+        </p:spPr>
+        <p:style>
+          <a:lnRef idx="2">
+            <a:schemeClr val="accent1">
+              <a:shade val="50000"/>
+            </a:schemeClr>
+          </a:lnRef>
+          <a:fillRef idx="1">
+            <a:schemeClr val="accent1"/>
+          </a:fillRef>
+          <a:effectRef idx="0">
+            <a:schemeClr val="accent1"/>
+          </a:effectRef>
+          <a:fontRef idx="minor">
+            <a:schemeClr val="lt1"/>
+          </a:fontRef>
+        </p:style>
+        <p:txBody>
+          <a:bodyPr rtlCol="0" anchor="ctr"/>
+          <a:lstStyle/>
+          <a:p>
+            <a:pPr algn="ctr"/>
+            <a:endParaRPr lang="zh-CN" altLang="en-US"/>
+          </a:p>
+        </p:txBody>
+      </p:sp>
+      <p:sp>
+        <p:nvSpPr>
+          <p:cNvPr id="37" name="下箭头 36"/>
+          <p:cNvSpPr/>
+          <p:nvPr/>
+        </p:nvSpPr>
+        <p:spPr>
+          <a:xfrm rot="4093749">
+            <a:off x="4109041" y="4639138"/>
+            <a:ext cx="303805" cy="1688528"/>
+          </a:xfrm>
+          <a:prstGeom prst="downArrow">
+            <a:avLst/>
+          </a:prstGeom>
+          <a:solidFill>
+            <a:schemeClr val="tx2">
+              <a:lumMod val="40000"/>
+              <a:lumOff val="60000"/>
+            </a:schemeClr>
+          </a:solidFill>
+          <a:ln>
+            <a:solidFill>
+              <a:schemeClr val="accent1">
+                <a:lumMod val="40000"/>
+                <a:lumOff val="60000"/>
+              </a:schemeClr>
+            </a:solidFill>
+          </a:ln>
+        </p:spPr>
+        <p:style>
+          <a:lnRef idx="2">
+            <a:schemeClr val="accent1">
+              <a:shade val="50000"/>
+            </a:schemeClr>
+          </a:lnRef>
+          <a:fillRef idx="1">
+            <a:schemeClr val="accent1"/>
+          </a:fillRef>
+          <a:effectRef idx="0">
+            <a:schemeClr val="accent1"/>
+          </a:effectRef>
+          <a:fontRef idx="minor">
+            <a:schemeClr val="lt1"/>
+          </a:fontRef>
+        </p:style>
+        <p:txBody>
+          <a:bodyPr rtlCol="0" anchor="ctr"/>
+          <a:lstStyle/>
+          <a:p>
+            <a:pPr algn="ctr"/>
+            <a:endParaRPr lang="zh-CN" altLang="en-US"/>
+          </a:p>
+        </p:txBody>
+      </p:sp>
+      <p:sp>
+        <p:nvSpPr>
+          <p:cNvPr id="15" name="下箭头 14"/>
+          <p:cNvSpPr/>
+          <p:nvPr/>
+        </p:nvSpPr>
+        <p:spPr>
+          <a:xfrm>
+            <a:off x="1752600" y="5334000"/>
+            <a:ext cx="457200" cy="381000"/>
+          </a:xfrm>
+          <a:prstGeom prst="downArrow">
+            <a:avLst/>
+          </a:prstGeom>
+          <a:solidFill>
+            <a:schemeClr val="tx2">
+              <a:lumMod val="40000"/>
+              <a:lumOff val="60000"/>
+            </a:schemeClr>
+          </a:solidFill>
+          <a:ln>
+            <a:solidFill>
+              <a:schemeClr val="accent1">
+                <a:lumMod val="40000"/>
+                <a:lumOff val="60000"/>
+              </a:schemeClr>
+            </a:solidFill>
+          </a:ln>
+        </p:spPr>
+        <p:style>
+          <a:lnRef idx="2">
+            <a:schemeClr val="accent1">
+              <a:shade val="50000"/>
+            </a:schemeClr>
+          </a:lnRef>
+          <a:fillRef idx="1">
+            <a:schemeClr val="accent1"/>
+          </a:fillRef>
+          <a:effectRef idx="0">
+            <a:schemeClr val="accent1"/>
+          </a:effectRef>
+          <a:fontRef idx="minor">
+            <a:schemeClr val="lt1"/>
+          </a:fontRef>
+        </p:style>
+        <p:txBody>
+          <a:bodyPr rtlCol="0" anchor="ctr"/>
+          <a:lstStyle/>
+          <a:p>
+            <a:pPr algn="ctr"/>
+            <a:endParaRPr lang="zh-CN" altLang="en-US"/>
+          </a:p>
+        </p:txBody>
+      </p:sp>
+      <p:sp>
+        <p:nvSpPr>
+          <p:cNvPr id="14" name="下箭头 13"/>
+          <p:cNvSpPr/>
+          <p:nvPr/>
+        </p:nvSpPr>
+        <p:spPr>
+          <a:xfrm rot="17708137">
+            <a:off x="4908723" y="4753734"/>
+            <a:ext cx="310285" cy="1446068"/>
+          </a:xfrm>
+          <a:prstGeom prst="downArrow">
+            <a:avLst/>
+          </a:prstGeom>
+          <a:solidFill>
+            <a:schemeClr val="tx2">
+              <a:lumMod val="40000"/>
+              <a:lumOff val="60000"/>
+            </a:schemeClr>
+          </a:solidFill>
+          <a:ln>
+            <a:solidFill>
+              <a:schemeClr val="accent1">
+                <a:lumMod val="40000"/>
+                <a:lumOff val="60000"/>
+              </a:schemeClr>
+            </a:solidFill>
+          </a:ln>
+        </p:spPr>
+        <p:style>
+          <a:lnRef idx="2">
+            <a:schemeClr val="accent1">
+              <a:shade val="50000"/>
+            </a:schemeClr>
+          </a:lnRef>
+          <a:fillRef idx="1">
+            <a:schemeClr val="accent1"/>
+          </a:fillRef>
+          <a:effectRef idx="0">
+            <a:schemeClr val="accent1"/>
+          </a:effectRef>
+          <a:fontRef idx="minor">
+            <a:schemeClr val="lt1"/>
+          </a:fontRef>
+        </p:style>
+        <p:txBody>
+          <a:bodyPr rtlCol="0" anchor="ctr"/>
+          <a:lstStyle/>
+          <a:p>
+            <a:pPr algn="ctr"/>
+            <a:endParaRPr lang="zh-CN" altLang="en-US"/>
+          </a:p>
+        </p:txBody>
+      </p:sp>
+      <p:sp>
+        <p:nvSpPr>
+          <p:cNvPr id="38" name="圆角矩形 37"/>
+          <p:cNvSpPr/>
+          <p:nvPr/>
+        </p:nvSpPr>
+        <p:spPr>
+          <a:xfrm>
+            <a:off x="8153400" y="3886200"/>
+            <a:ext cx="838200" cy="1295400"/>
+          </a:xfrm>
+          <a:prstGeom prst="roundRect">
+            <a:avLst/>
+          </a:prstGeom>
+          <a:solidFill>
+            <a:schemeClr val="tx2">
+              <a:lumMod val="20000"/>
+              <a:lumOff val="80000"/>
+            </a:schemeClr>
+          </a:solidFill>
+        </p:spPr>
+        <p:style>
+          <a:lnRef idx="2">
+            <a:schemeClr val="accent1">
+              <a:shade val="50000"/>
+            </a:schemeClr>
+          </a:lnRef>
+          <a:fillRef idx="1">
+            <a:schemeClr val="accent1"/>
+          </a:fillRef>
+          <a:effectRef idx="0">
+            <a:schemeClr val="accent1"/>
+          </a:effectRef>
+          <a:fontRef idx="minor">
+            <a:schemeClr val="lt1"/>
+          </a:fontRef>
+        </p:style>
+        <p:txBody>
+          <a:bodyPr rtlCol="0" anchor="ctr"/>
+          <a:lstStyle/>
+          <a:p>
+            <a:pPr algn="ctr"/>
+            <a:r>
+              <a:rPr lang="en-US" altLang="zh-CN" sz="1400" dirty="0" smtClean="0">
+                <a:solidFill>
+                  <a:schemeClr val="tx1"/>
+                </a:solidFill>
+              </a:rPr>
+              <a:t>Spring </a:t>
+            </a:r>
+            <a:r>
+              <a:rPr lang="en-US" altLang="zh-CN" sz="1200" dirty="0" smtClean="0">
+                <a:solidFill>
+                  <a:schemeClr val="tx1"/>
+                </a:solidFill>
+              </a:rPr>
+              <a:t>Security</a:t>
+            </a:r>
+            <a:endParaRPr lang="zh-CN" altLang="en-US" sz="1200" dirty="0">
+              <a:solidFill>
+                <a:schemeClr val="tx1"/>
+              </a:solidFill>
+            </a:endParaRPr>
+          </a:p>
+        </p:txBody>
+      </p:sp>
+      <p:sp>
+        <p:nvSpPr>
+          <p:cNvPr id="39" name="圆角矩形 38"/>
+          <p:cNvSpPr/>
+          <p:nvPr/>
+        </p:nvSpPr>
+        <p:spPr>
+          <a:xfrm>
+            <a:off x="8153400" y="2362200"/>
+            <a:ext cx="838200" cy="1371600"/>
+          </a:xfrm>
+          <a:prstGeom prst="roundRect">
+            <a:avLst/>
+          </a:prstGeom>
+          <a:solidFill>
+            <a:schemeClr val="tx2">
+              <a:lumMod val="20000"/>
+              <a:lumOff val="80000"/>
+            </a:schemeClr>
+          </a:solidFill>
+        </p:spPr>
+        <p:style>
+          <a:lnRef idx="2">
+            <a:schemeClr val="accent1">
+              <a:shade val="50000"/>
+            </a:schemeClr>
+          </a:lnRef>
+          <a:fillRef idx="1">
+            <a:schemeClr val="accent1"/>
+          </a:fillRef>
+          <a:effectRef idx="0">
+            <a:schemeClr val="accent1"/>
+          </a:effectRef>
+          <a:fontRef idx="minor">
+            <a:schemeClr val="lt1"/>
+          </a:fontRef>
+        </p:style>
+        <p:txBody>
+          <a:bodyPr rtlCol="0" anchor="ctr"/>
+          <a:lstStyle/>
+          <a:p>
+            <a:pPr algn="ctr"/>
+            <a:r>
+              <a:rPr lang="en-US" altLang="zh-CN" sz="1400" dirty="0" smtClean="0">
+                <a:solidFill>
+                  <a:schemeClr val="tx1"/>
+                </a:solidFill>
+              </a:rPr>
+              <a:t>Plugin</a:t>
+            </a:r>
+          </a:p>
+          <a:p>
+            <a:pPr algn="ctr"/>
+            <a:r>
+              <a:rPr lang="en-US" altLang="zh-CN" sz="1400" dirty="0" smtClean="0">
+                <a:solidFill>
+                  <a:schemeClr val="tx1"/>
+                </a:solidFill>
+              </a:rPr>
+              <a:t>System</a:t>
+            </a:r>
+            <a:endParaRPr lang="zh-CN" altLang="en-US" sz="1400" dirty="0">
+              <a:solidFill>
+                <a:schemeClr val="tx1"/>
+              </a:solidFill>
+            </a:endParaRPr>
+          </a:p>
+        </p:txBody>
+      </p:sp>
+      <p:sp>
+        <p:nvSpPr>
+          <p:cNvPr id="11" name="圆角矩形 10"/>
+          <p:cNvSpPr/>
+          <p:nvPr/>
+        </p:nvSpPr>
+        <p:spPr>
+          <a:xfrm>
+            <a:off x="1371600" y="3886200"/>
+            <a:ext cx="6629400" cy="762000"/>
+          </a:xfrm>
+          <a:prstGeom prst="roundRect">
+            <a:avLst/>
+          </a:prstGeom>
+          <a:solidFill>
+            <a:schemeClr val="tx2">
+              <a:lumMod val="20000"/>
+              <a:lumOff val="80000"/>
+            </a:schemeClr>
+          </a:solidFill>
+        </p:spPr>
+        <p:style>
+          <a:lnRef idx="2">
+            <a:schemeClr val="accent1">
+              <a:shade val="50000"/>
+            </a:schemeClr>
+          </a:lnRef>
+          <a:fillRef idx="1">
+            <a:schemeClr val="accent1"/>
+          </a:fillRef>
+          <a:effectRef idx="0">
+            <a:schemeClr val="accent1"/>
+          </a:effectRef>
+          <a:fontRef idx="minor">
+            <a:schemeClr val="lt1"/>
+          </a:fontRef>
+        </p:style>
+        <p:txBody>
+          <a:bodyPr rtlCol="0" anchor="ctr"/>
+          <a:lstStyle/>
+          <a:p>
+            <a:pPr algn="ctr"/>
+            <a:endParaRPr lang="zh-CN" altLang="en-US" sz="1400" dirty="0"/>
+          </a:p>
+        </p:txBody>
+      </p:sp>
+      <p:sp>
+        <p:nvSpPr>
+          <p:cNvPr id="40" name="圆角矩形 39"/>
+          <p:cNvSpPr/>
+          <p:nvPr/>
+        </p:nvSpPr>
+        <p:spPr>
+          <a:xfrm>
+            <a:off x="1905000" y="4191000"/>
+            <a:ext cx="2057400" cy="381000"/>
+          </a:xfrm>
+          <a:prstGeom prst="roundRect">
+            <a:avLst/>
+          </a:prstGeom>
+          <a:solidFill>
+            <a:schemeClr val="tx2">
+              <a:lumMod val="20000"/>
+              <a:lumOff val="80000"/>
+            </a:schemeClr>
+          </a:solidFill>
+        </p:spPr>
+        <p:style>
+          <a:lnRef idx="2">
+            <a:schemeClr val="accent1">
+              <a:shade val="50000"/>
+            </a:schemeClr>
+          </a:lnRef>
+          <a:fillRef idx="1">
+            <a:schemeClr val="accent1"/>
+          </a:fillRef>
+          <a:effectRef idx="0">
+            <a:schemeClr val="accent1"/>
+          </a:effectRef>
+          <a:fontRef idx="minor">
+            <a:schemeClr val="lt1"/>
+          </a:fontRef>
+        </p:style>
+        <p:txBody>
+          <a:bodyPr rtlCol="0" anchor="ctr"/>
+          <a:lstStyle/>
+          <a:p>
+            <a:pPr algn="ctr"/>
+            <a:r>
+              <a:rPr lang="en-US" altLang="zh-CN" sz="1400" dirty="0" smtClean="0">
+                <a:solidFill>
+                  <a:schemeClr val="tx1"/>
+                </a:solidFill>
+              </a:rPr>
+              <a:t>Not replicated cache</a:t>
+            </a:r>
+            <a:endParaRPr lang="zh-CN" altLang="en-US" sz="1400" dirty="0">
+              <a:solidFill>
+                <a:schemeClr val="tx1"/>
+              </a:solidFill>
+            </a:endParaRPr>
+          </a:p>
+        </p:txBody>
+      </p:sp>
+      <p:sp>
+        <p:nvSpPr>
+          <p:cNvPr id="41" name="TextBox 40"/>
+          <p:cNvSpPr txBox="1"/>
+          <p:nvPr/>
+        </p:nvSpPr>
+        <p:spPr>
+          <a:xfrm>
+            <a:off x="3733800" y="3886200"/>
+            <a:ext cx="1939057" cy="369332"/>
+          </a:xfrm>
+          <a:prstGeom prst="rect">
+            <a:avLst/>
+          </a:prstGeom>
+          <a:noFill/>
+        </p:spPr>
+        <p:txBody>
+          <a:bodyPr wrap="none" rtlCol="0">
+            <a:spAutoFit/>
+          </a:bodyPr>
+          <a:lstStyle/>
+          <a:p>
+            <a:r>
+              <a:rPr lang="en-US" altLang="zh-CN" dirty="0" smtClean="0"/>
+              <a:t>Replicated </a:t>
+            </a:r>
+            <a:r>
+              <a:rPr lang="en-US" altLang="zh-CN" dirty="0" smtClean="0"/>
+              <a:t>cache</a:t>
+            </a:r>
+            <a:endParaRPr lang="zh-CN" altLang="en-US" dirty="0" smtClean="0"/>
+          </a:p>
+        </p:txBody>
+      </p:sp>
+      <p:sp>
+        <p:nvSpPr>
+          <p:cNvPr id="45" name="圆角矩形 44"/>
+          <p:cNvSpPr/>
+          <p:nvPr/>
+        </p:nvSpPr>
+        <p:spPr>
+          <a:xfrm>
+            <a:off x="4953000" y="4724400"/>
+            <a:ext cx="1371600" cy="457200"/>
+          </a:xfrm>
+          <a:prstGeom prst="roundRect">
+            <a:avLst/>
+          </a:prstGeom>
+          <a:solidFill>
+            <a:schemeClr val="tx2">
+              <a:lumMod val="20000"/>
+              <a:lumOff val="80000"/>
+            </a:schemeClr>
+          </a:solidFill>
+        </p:spPr>
+        <p:style>
+          <a:lnRef idx="2">
+            <a:schemeClr val="accent1">
+              <a:shade val="50000"/>
+            </a:schemeClr>
+          </a:lnRef>
+          <a:fillRef idx="1">
+            <a:schemeClr val="accent1"/>
+          </a:fillRef>
+          <a:effectRef idx="0">
+            <a:schemeClr val="accent1"/>
+          </a:effectRef>
+          <a:fontRef idx="minor">
+            <a:schemeClr val="lt1"/>
+          </a:fontRef>
+        </p:style>
+        <p:txBody>
+          <a:bodyPr rtlCol="0" anchor="ctr"/>
+          <a:lstStyle/>
+          <a:p>
+            <a:pPr algn="ctr"/>
+            <a:r>
+              <a:rPr lang="en-US" altLang="zh-CN" sz="1400" dirty="0" smtClean="0">
+                <a:solidFill>
+                  <a:schemeClr val="tx1"/>
+                </a:solidFill>
+              </a:rPr>
+              <a:t>Spring Data</a:t>
+            </a:r>
+            <a:endParaRPr lang="zh-CN" altLang="en-US" sz="1400" dirty="0">
+              <a:solidFill>
+                <a:schemeClr val="tx1"/>
+              </a:solidFill>
+            </a:endParaRPr>
+          </a:p>
+        </p:txBody>
+      </p:sp>
+      <p:sp>
+        <p:nvSpPr>
+          <p:cNvPr id="46" name="圆角矩形 45"/>
+          <p:cNvSpPr/>
+          <p:nvPr/>
+        </p:nvSpPr>
+        <p:spPr>
+          <a:xfrm>
+            <a:off x="6400800" y="4724400"/>
+            <a:ext cx="1600200" cy="457200"/>
+          </a:xfrm>
+          <a:prstGeom prst="roundRect">
+            <a:avLst/>
+          </a:prstGeom>
+          <a:solidFill>
+            <a:schemeClr val="tx2">
+              <a:lumMod val="20000"/>
+              <a:lumOff val="80000"/>
+            </a:schemeClr>
+          </a:solidFill>
+        </p:spPr>
+        <p:style>
+          <a:lnRef idx="2">
+            <a:schemeClr val="accent1">
+              <a:shade val="50000"/>
+            </a:schemeClr>
+          </a:lnRef>
+          <a:fillRef idx="1">
+            <a:schemeClr val="accent1"/>
+          </a:fillRef>
+          <a:effectRef idx="0">
+            <a:schemeClr val="accent1"/>
+          </a:effectRef>
+          <a:fontRef idx="minor">
+            <a:schemeClr val="lt1"/>
+          </a:fontRef>
+        </p:style>
+        <p:txBody>
+          <a:bodyPr rtlCol="0" anchor="ctr"/>
+          <a:lstStyle/>
+          <a:p>
+            <a:pPr algn="ctr"/>
+            <a:r>
+              <a:rPr lang="en-US" altLang="zh-CN" sz="1400" dirty="0" smtClean="0">
+                <a:solidFill>
+                  <a:schemeClr val="tx1"/>
+                </a:solidFill>
+              </a:rPr>
+              <a:t>Embedded SVN</a:t>
+            </a:r>
+            <a:endParaRPr lang="zh-CN" altLang="en-US" sz="1400" dirty="0">
+              <a:solidFill>
+                <a:schemeClr val="tx1"/>
+              </a:solidFill>
+            </a:endParaRPr>
+          </a:p>
+        </p:txBody>
+      </p:sp>
+      <p:sp>
+        <p:nvSpPr>
+          <p:cNvPr id="47" name="圆角矩形 46"/>
+          <p:cNvSpPr/>
+          <p:nvPr/>
+        </p:nvSpPr>
+        <p:spPr>
+          <a:xfrm>
+            <a:off x="5562600" y="4191000"/>
+            <a:ext cx="2057400" cy="381000"/>
+          </a:xfrm>
+          <a:prstGeom prst="roundRect">
+            <a:avLst/>
+          </a:prstGeom>
+          <a:solidFill>
+            <a:schemeClr val="tx2">
+              <a:lumMod val="20000"/>
+              <a:lumOff val="80000"/>
+            </a:schemeClr>
+          </a:solidFill>
+        </p:spPr>
+        <p:style>
+          <a:lnRef idx="2">
+            <a:schemeClr val="accent1">
+              <a:shade val="50000"/>
+            </a:schemeClr>
+          </a:lnRef>
+          <a:fillRef idx="1">
+            <a:schemeClr val="accent1"/>
+          </a:fillRef>
+          <a:effectRef idx="0">
+            <a:schemeClr val="accent1"/>
+          </a:effectRef>
+          <a:fontRef idx="minor">
+            <a:schemeClr val="lt1"/>
+          </a:fontRef>
+        </p:style>
+        <p:txBody>
+          <a:bodyPr rtlCol="0" anchor="ctr"/>
+          <a:lstStyle/>
+          <a:p>
+            <a:pPr algn="ctr"/>
+            <a:r>
+              <a:rPr lang="en-US" altLang="zh-CN" sz="1400" dirty="0" smtClean="0">
+                <a:solidFill>
+                  <a:schemeClr val="tx1"/>
+                </a:solidFill>
+              </a:rPr>
+              <a:t>Not replicated cache</a:t>
+            </a:r>
+            <a:endParaRPr lang="zh-CN" altLang="en-US" sz="1400" dirty="0">
+              <a:solidFill>
+                <a:schemeClr val="tx1"/>
+              </a:solidFill>
+            </a:endParaRPr>
+          </a:p>
+        </p:txBody>
+      </p:sp>
+      <p:sp>
+        <p:nvSpPr>
+          <p:cNvPr id="48" name="TextBox 47"/>
+          <p:cNvSpPr txBox="1"/>
+          <p:nvPr/>
+        </p:nvSpPr>
+        <p:spPr>
+          <a:xfrm>
+            <a:off x="1295400" y="1828800"/>
+            <a:ext cx="2561920" cy="400110"/>
+          </a:xfrm>
+          <a:prstGeom prst="rect">
+            <a:avLst/>
+          </a:prstGeom>
+          <a:noFill/>
+        </p:spPr>
+        <p:txBody>
+          <a:bodyPr wrap="none" rtlCol="0">
+            <a:spAutoFit/>
+          </a:bodyPr>
+          <a:lstStyle/>
+          <a:p>
+            <a:r>
+              <a:rPr lang="en-US" altLang="zh-CN" sz="2000" b="1" dirty="0" smtClean="0">
+                <a:solidFill>
+                  <a:schemeClr val="bg1"/>
+                </a:solidFill>
+                <a:latin typeface="Arial" pitchFamily="34" charset="0"/>
+                <a:cs typeface="Arial" pitchFamily="34" charset="0"/>
+              </a:rPr>
+              <a:t>nGrinder Controller</a:t>
+            </a:r>
+            <a:endParaRPr lang="zh-CN" altLang="en-US" sz="2000" dirty="0">
+              <a:solidFill>
+                <a:schemeClr val="bg1"/>
+              </a:solidFill>
+            </a:endParaRPr>
+          </a:p>
+        </p:txBody>
+      </p:sp>
+      <p:sp>
+        <p:nvSpPr>
+          <p:cNvPr id="49" name="TextBox 48"/>
+          <p:cNvSpPr txBox="1"/>
+          <p:nvPr/>
+        </p:nvSpPr>
+        <p:spPr>
+          <a:xfrm>
+            <a:off x="5638800" y="1905000"/>
+            <a:ext cx="2561920" cy="400110"/>
+          </a:xfrm>
+          <a:prstGeom prst="rect">
+            <a:avLst/>
+          </a:prstGeom>
+          <a:noFill/>
+        </p:spPr>
+        <p:txBody>
+          <a:bodyPr wrap="none" rtlCol="0">
+            <a:spAutoFit/>
+          </a:bodyPr>
+          <a:lstStyle/>
+          <a:p>
+            <a:r>
+              <a:rPr lang="en-US" altLang="zh-CN" sz="2000" b="1" dirty="0" smtClean="0">
+                <a:solidFill>
+                  <a:schemeClr val="bg1"/>
+                </a:solidFill>
+                <a:latin typeface="Arial" pitchFamily="34" charset="0"/>
+                <a:cs typeface="Arial" pitchFamily="34" charset="0"/>
+              </a:rPr>
+              <a:t>nGrinder Controller</a:t>
+            </a:r>
+            <a:endParaRPr lang="zh-CN" altLang="en-US" sz="2000" dirty="0">
+              <a:solidFill>
+                <a:schemeClr val="bg1"/>
+              </a:solidFill>
+            </a:endParaRPr>
+          </a:p>
+        </p:txBody>
+      </p:sp>
+      <p:grpSp>
+        <p:nvGrpSpPr>
+          <p:cNvPr id="57" name="组合 56"/>
+          <p:cNvGrpSpPr/>
+          <p:nvPr/>
+        </p:nvGrpSpPr>
+        <p:grpSpPr>
+          <a:xfrm>
+            <a:off x="2667000" y="2362200"/>
+            <a:ext cx="1752600" cy="1371600"/>
+            <a:chOff x="5943600" y="2514600"/>
+            <a:chExt cx="1828800" cy="1371600"/>
+          </a:xfrm>
+        </p:grpSpPr>
+        <p:sp>
+          <p:nvSpPr>
+            <p:cNvPr id="58" name="圆角矩形 57"/>
+            <p:cNvSpPr/>
+            <p:nvPr/>
+          </p:nvSpPr>
+          <p:spPr>
+            <a:xfrm>
+              <a:off x="5943600" y="2514600"/>
+              <a:ext cx="1828800" cy="1371600"/>
+            </a:xfrm>
+            <a:prstGeom prst="roundRect">
+              <a:avLst/>
+            </a:prstGeom>
+            <a:solidFill>
+              <a:schemeClr val="tx2">
+                <a:lumMod val="20000"/>
+                <a:lumOff val="80000"/>
+              </a:schemeClr>
+            </a:solidFill>
+          </p:spPr>
+          <p:style>
+            <a:lnRef idx="2">
+              <a:schemeClr val="accent1">
+                <a:shade val="50000"/>
+              </a:schemeClr>
+            </a:lnRef>
+            <a:fillRef idx="1">
+              <a:schemeClr val="accent1"/>
+            </a:fillRef>
+            <a:effectRef idx="0">
+              <a:schemeClr val="accent1"/>
+            </a:effectRef>
+            <a:fontRef idx="minor">
+              <a:schemeClr val="lt1"/>
+            </a:fontRef>
+          </p:style>
+          <p:txBody>
+            <a:bodyPr rtlCol="0" anchor="ctr"/>
+            <a:lstStyle/>
+            <a:p>
+              <a:pPr algn="ctr"/>
+              <a:endParaRPr lang="zh-CN" altLang="en-US" sz="1400" dirty="0">
+                <a:solidFill>
+                  <a:schemeClr val="tx1"/>
+                </a:solidFill>
+                <a:latin typeface="Arial" pitchFamily="34" charset="0"/>
+                <a:cs typeface="Arial" pitchFamily="34" charset="0"/>
+              </a:endParaRPr>
+            </a:p>
+          </p:txBody>
+        </p:sp>
+        <p:sp>
+          <p:nvSpPr>
+            <p:cNvPr id="59" name="모서리가 둥근 직사각형 9"/>
+            <p:cNvSpPr/>
+            <p:nvPr/>
+          </p:nvSpPr>
+          <p:spPr>
+            <a:xfrm>
+              <a:off x="6400800" y="3352800"/>
+              <a:ext cx="1219200" cy="304800"/>
+            </a:xfrm>
+            <a:prstGeom prst="roundRect">
+              <a:avLst/>
+            </a:prstGeom>
+          </p:spPr>
+          <p:style>
+            <a:lnRef idx="1">
+              <a:schemeClr val="accent1"/>
+            </a:lnRef>
+            <a:fillRef idx="3">
+              <a:schemeClr val="accent1"/>
+            </a:fillRef>
+            <a:effectRef idx="2">
+              <a:schemeClr val="accent1"/>
+            </a:effectRef>
+            <a:fontRef idx="minor">
+              <a:schemeClr val="lt1"/>
+            </a:fontRef>
+          </p:style>
+          <p:txBody>
+            <a:bodyPr rtlCol="0" anchor="ctr"/>
+            <a:lstStyle/>
+            <a:p>
+              <a:pPr algn="ctr"/>
+              <a:endParaRPr lang="ko-KR" altLang="en-US" sz="1400" dirty="0">
+                <a:latin typeface="Arial" pitchFamily="34" charset="0"/>
+                <a:cs typeface="Arial" pitchFamily="34" charset="0"/>
+              </a:endParaRPr>
+            </a:p>
+          </p:txBody>
+        </p:sp>
+        <p:sp>
+          <p:nvSpPr>
+            <p:cNvPr id="60" name="모서리가 둥근 직사각형 9"/>
+            <p:cNvSpPr/>
+            <p:nvPr/>
+          </p:nvSpPr>
+          <p:spPr>
+            <a:xfrm>
+              <a:off x="6248400" y="3276600"/>
+              <a:ext cx="1219200" cy="304800"/>
+            </a:xfrm>
+            <a:prstGeom prst="roundRect">
+              <a:avLst/>
+            </a:prstGeom>
+          </p:spPr>
+          <p:style>
+            <a:lnRef idx="1">
+              <a:schemeClr val="accent1"/>
+            </a:lnRef>
+            <a:fillRef idx="3">
+              <a:schemeClr val="accent1"/>
+            </a:fillRef>
+            <a:effectRef idx="2">
+              <a:schemeClr val="accent1"/>
+            </a:effectRef>
+            <a:fontRef idx="minor">
+              <a:schemeClr val="lt1"/>
+            </a:fontRef>
+          </p:style>
+          <p:txBody>
+            <a:bodyPr rtlCol="0" anchor="ctr"/>
+            <a:lstStyle/>
+            <a:p>
+              <a:pPr algn="ctr"/>
+              <a:endParaRPr lang="ko-KR" altLang="en-US" sz="1400" dirty="0">
+                <a:latin typeface="Arial" pitchFamily="34" charset="0"/>
+                <a:cs typeface="Arial" pitchFamily="34" charset="0"/>
+              </a:endParaRPr>
+            </a:p>
+          </p:txBody>
+        </p:sp>
+        <p:sp>
+          <p:nvSpPr>
+            <p:cNvPr id="61" name="모서리가 둥근 직사각형 9"/>
+            <p:cNvSpPr/>
+            <p:nvPr/>
+          </p:nvSpPr>
+          <p:spPr>
+            <a:xfrm>
+              <a:off x="6096000" y="3200400"/>
+              <a:ext cx="1219200" cy="304800"/>
+            </a:xfrm>
+            <a:prstGeom prst="roundRect">
+              <a:avLst/>
+            </a:prstGeom>
+          </p:spPr>
+          <p:style>
+            <a:lnRef idx="1">
+              <a:schemeClr val="accent1"/>
+            </a:lnRef>
+            <a:fillRef idx="3">
+              <a:schemeClr val="accent1"/>
+            </a:fillRef>
+            <a:effectRef idx="2">
+              <a:schemeClr val="accent1"/>
+            </a:effectRef>
+            <a:fontRef idx="minor">
+              <a:schemeClr val="lt1"/>
+            </a:fontRef>
+          </p:style>
+          <p:txBody>
+            <a:bodyPr rtlCol="0" anchor="ctr"/>
+            <a:lstStyle/>
+            <a:p>
+              <a:pPr algn="ctr"/>
+              <a:r>
+                <a:rPr lang="en-US" altLang="ko-KR" sz="1050" dirty="0" smtClean="0">
+                  <a:latin typeface="Arial" pitchFamily="34" charset="0"/>
+                  <a:cs typeface="Arial" pitchFamily="34" charset="0"/>
+                </a:rPr>
+                <a:t>Grinder </a:t>
+              </a:r>
+              <a:r>
+                <a:rPr lang="en-US" altLang="ko-KR" sz="1050" dirty="0" smtClean="0">
+                  <a:latin typeface="Arial" pitchFamily="34" charset="0"/>
+                  <a:cs typeface="Arial" pitchFamily="34" charset="0"/>
+                </a:rPr>
+                <a:t>Console</a:t>
+              </a:r>
+              <a:endParaRPr lang="ko-KR" altLang="en-US" sz="1050" dirty="0">
+                <a:latin typeface="Arial" pitchFamily="34" charset="0"/>
+                <a:cs typeface="Arial" pitchFamily="34" charset="0"/>
+              </a:endParaRPr>
+            </a:p>
+          </p:txBody>
+        </p:sp>
+        <p:sp>
+          <p:nvSpPr>
+            <p:cNvPr id="62" name="TextBox 61"/>
+            <p:cNvSpPr txBox="1"/>
+            <p:nvPr/>
+          </p:nvSpPr>
+          <p:spPr>
+            <a:xfrm>
+              <a:off x="6019800" y="2667000"/>
+              <a:ext cx="1616148" cy="307777"/>
+            </a:xfrm>
+            <a:prstGeom prst="rect">
+              <a:avLst/>
+            </a:prstGeom>
+            <a:noFill/>
+          </p:spPr>
+          <p:txBody>
+            <a:bodyPr wrap="none" rtlCol="0">
+              <a:spAutoFit/>
+            </a:bodyPr>
+            <a:lstStyle/>
+            <a:p>
+              <a:r>
+                <a:rPr lang="en-US" altLang="zh-CN" sz="1400" dirty="0" smtClean="0">
+                  <a:latin typeface="Arial" pitchFamily="34" charset="0"/>
+                  <a:cs typeface="Arial" pitchFamily="34" charset="0"/>
+                </a:rPr>
+                <a:t>Console manager</a:t>
+              </a:r>
+              <a:endParaRPr lang="zh-CN" altLang="en-US" sz="1400" dirty="0">
+                <a:latin typeface="Arial" pitchFamily="34" charset="0"/>
+                <a:cs typeface="Arial" pitchFamily="34" charset="0"/>
+              </a:endParaRPr>
+            </a:p>
+          </p:txBody>
+        </p:sp>
+      </p:grpSp>
+      <p:grpSp>
+        <p:nvGrpSpPr>
+          <p:cNvPr id="63" name="组合 62"/>
+          <p:cNvGrpSpPr/>
+          <p:nvPr/>
+        </p:nvGrpSpPr>
+        <p:grpSpPr>
+          <a:xfrm>
+            <a:off x="1371600" y="2362200"/>
+            <a:ext cx="1143000" cy="1371600"/>
+            <a:chOff x="4118812" y="2514600"/>
+            <a:chExt cx="1203158" cy="1371600"/>
+          </a:xfrm>
+        </p:grpSpPr>
+        <p:sp>
+          <p:nvSpPr>
+            <p:cNvPr id="64" name="圆角矩形 63"/>
+            <p:cNvSpPr/>
+            <p:nvPr/>
+          </p:nvSpPr>
+          <p:spPr>
+            <a:xfrm>
+              <a:off x="4118812" y="2514600"/>
+              <a:ext cx="1203158" cy="1371600"/>
+            </a:xfrm>
+            <a:prstGeom prst="roundRect">
+              <a:avLst/>
+            </a:prstGeom>
+            <a:solidFill>
+              <a:schemeClr val="tx2">
+                <a:lumMod val="20000"/>
+                <a:lumOff val="80000"/>
+              </a:schemeClr>
+            </a:solidFill>
+          </p:spPr>
+          <p:style>
+            <a:lnRef idx="2">
+              <a:schemeClr val="accent1">
+                <a:shade val="50000"/>
+              </a:schemeClr>
+            </a:lnRef>
+            <a:fillRef idx="1">
+              <a:schemeClr val="accent1"/>
+            </a:fillRef>
+            <a:effectRef idx="0">
+              <a:schemeClr val="accent1"/>
+            </a:effectRef>
+            <a:fontRef idx="minor">
+              <a:schemeClr val="lt1"/>
+            </a:fontRef>
+          </p:style>
+          <p:txBody>
+            <a:bodyPr rtlCol="0" anchor="ctr"/>
+            <a:lstStyle/>
+            <a:p>
+              <a:pPr algn="ctr"/>
+              <a:endParaRPr lang="zh-CN" altLang="en-US" sz="1400" dirty="0">
+                <a:solidFill>
+                  <a:schemeClr val="tx1"/>
+                </a:solidFill>
+                <a:latin typeface="Arial" pitchFamily="34" charset="0"/>
+                <a:cs typeface="Arial" pitchFamily="34" charset="0"/>
+              </a:endParaRPr>
+            </a:p>
+          </p:txBody>
+        </p:sp>
+        <p:sp>
+          <p:nvSpPr>
+            <p:cNvPr id="65" name="TextBox 64"/>
+            <p:cNvSpPr txBox="1"/>
+            <p:nvPr/>
+          </p:nvSpPr>
+          <p:spPr>
+            <a:xfrm>
+              <a:off x="4199023" y="2743200"/>
+              <a:ext cx="1000338" cy="954107"/>
+            </a:xfrm>
+            <a:prstGeom prst="rect">
+              <a:avLst/>
+            </a:prstGeom>
+            <a:noFill/>
+          </p:spPr>
+          <p:txBody>
+            <a:bodyPr wrap="none" rtlCol="0">
+              <a:spAutoFit/>
+            </a:bodyPr>
+            <a:lstStyle/>
+            <a:p>
+              <a:r>
+                <a:rPr lang="en-US" altLang="zh-CN" sz="1400" dirty="0" smtClean="0">
+                  <a:latin typeface="Arial" pitchFamily="34" charset="0"/>
+                  <a:cs typeface="Arial" pitchFamily="34" charset="0"/>
+                </a:rPr>
+                <a:t>nGrinder</a:t>
+              </a:r>
+            </a:p>
+            <a:p>
+              <a:r>
+                <a:rPr lang="en-US" altLang="zh-CN" sz="1400" dirty="0" smtClean="0">
+                  <a:latin typeface="Arial" pitchFamily="34" charset="0"/>
+                  <a:cs typeface="Arial" pitchFamily="34" charset="0"/>
+                </a:rPr>
+                <a:t>Controller,</a:t>
+              </a:r>
+            </a:p>
+            <a:p>
+              <a:r>
+                <a:rPr lang="en-US" altLang="zh-CN" sz="1400" dirty="0" smtClean="0">
+                  <a:latin typeface="Arial" pitchFamily="34" charset="0"/>
+                  <a:cs typeface="Arial" pitchFamily="34" charset="0"/>
+                </a:rPr>
+                <a:t>Services,</a:t>
+              </a:r>
+            </a:p>
+            <a:p>
+              <a:r>
+                <a:rPr lang="en-US" altLang="zh-CN" sz="1400" dirty="0" smtClean="0">
+                  <a:latin typeface="Arial" pitchFamily="34" charset="0"/>
+                  <a:cs typeface="Arial" pitchFamily="34" charset="0"/>
+                </a:rPr>
+                <a:t>Utilities.</a:t>
+              </a:r>
+              <a:endParaRPr lang="zh-CN" altLang="en-US" sz="1400" dirty="0">
+                <a:latin typeface="Arial" pitchFamily="34" charset="0"/>
+                <a:cs typeface="Arial" pitchFamily="34" charset="0"/>
+              </a:endParaRPr>
+            </a:p>
+          </p:txBody>
+        </p:sp>
+      </p:grpSp>
+      <p:grpSp>
+        <p:nvGrpSpPr>
+          <p:cNvPr id="66" name="组合 65"/>
+          <p:cNvGrpSpPr/>
+          <p:nvPr/>
+        </p:nvGrpSpPr>
+        <p:grpSpPr>
+          <a:xfrm>
+            <a:off x="6248400" y="2362200"/>
+            <a:ext cx="1752600" cy="1371600"/>
+            <a:chOff x="5943600" y="2514600"/>
+            <a:chExt cx="1828800" cy="1371600"/>
+          </a:xfrm>
+        </p:grpSpPr>
+        <p:sp>
+          <p:nvSpPr>
+            <p:cNvPr id="67" name="圆角矩形 66"/>
+            <p:cNvSpPr/>
+            <p:nvPr/>
+          </p:nvSpPr>
+          <p:spPr>
+            <a:xfrm>
+              <a:off x="5943600" y="2514600"/>
+              <a:ext cx="1828800" cy="1371600"/>
+            </a:xfrm>
+            <a:prstGeom prst="roundRect">
+              <a:avLst/>
+            </a:prstGeom>
+            <a:solidFill>
+              <a:schemeClr val="tx2">
+                <a:lumMod val="20000"/>
+                <a:lumOff val="80000"/>
+              </a:schemeClr>
+            </a:solidFill>
+          </p:spPr>
+          <p:style>
+            <a:lnRef idx="2">
+              <a:schemeClr val="accent1">
+                <a:shade val="50000"/>
+              </a:schemeClr>
+            </a:lnRef>
+            <a:fillRef idx="1">
+              <a:schemeClr val="accent1"/>
+            </a:fillRef>
+            <a:effectRef idx="0">
+              <a:schemeClr val="accent1"/>
+            </a:effectRef>
+            <a:fontRef idx="minor">
+              <a:schemeClr val="lt1"/>
+            </a:fontRef>
+          </p:style>
+          <p:txBody>
+            <a:bodyPr rtlCol="0" anchor="ctr"/>
+            <a:lstStyle/>
+            <a:p>
+              <a:pPr algn="ctr"/>
+              <a:endParaRPr lang="zh-CN" altLang="en-US" sz="1400" dirty="0">
+                <a:solidFill>
+                  <a:schemeClr val="tx1"/>
+                </a:solidFill>
+                <a:latin typeface="Arial" pitchFamily="34" charset="0"/>
+                <a:cs typeface="Arial" pitchFamily="34" charset="0"/>
+              </a:endParaRPr>
+            </a:p>
+          </p:txBody>
+        </p:sp>
+        <p:sp>
+          <p:nvSpPr>
+            <p:cNvPr id="68" name="모서리가 둥근 직사각형 9"/>
+            <p:cNvSpPr/>
+            <p:nvPr/>
+          </p:nvSpPr>
+          <p:spPr>
+            <a:xfrm>
+              <a:off x="6400800" y="3352800"/>
+              <a:ext cx="1219200" cy="304800"/>
+            </a:xfrm>
+            <a:prstGeom prst="roundRect">
+              <a:avLst/>
+            </a:prstGeom>
+          </p:spPr>
+          <p:style>
+            <a:lnRef idx="1">
+              <a:schemeClr val="accent1"/>
+            </a:lnRef>
+            <a:fillRef idx="3">
+              <a:schemeClr val="accent1"/>
+            </a:fillRef>
+            <a:effectRef idx="2">
+              <a:schemeClr val="accent1"/>
+            </a:effectRef>
+            <a:fontRef idx="minor">
+              <a:schemeClr val="lt1"/>
+            </a:fontRef>
+          </p:style>
+          <p:txBody>
+            <a:bodyPr rtlCol="0" anchor="ctr"/>
+            <a:lstStyle/>
+            <a:p>
+              <a:pPr algn="ctr"/>
+              <a:endParaRPr lang="ko-KR" altLang="en-US" sz="1400" dirty="0">
+                <a:latin typeface="Arial" pitchFamily="34" charset="0"/>
+                <a:cs typeface="Arial" pitchFamily="34" charset="0"/>
+              </a:endParaRPr>
+            </a:p>
+          </p:txBody>
+        </p:sp>
+        <p:sp>
+          <p:nvSpPr>
+            <p:cNvPr id="69" name="모서리가 둥근 직사각형 9"/>
+            <p:cNvSpPr/>
+            <p:nvPr/>
+          </p:nvSpPr>
+          <p:spPr>
+            <a:xfrm>
+              <a:off x="6248400" y="3276600"/>
+              <a:ext cx="1219200" cy="304800"/>
+            </a:xfrm>
+            <a:prstGeom prst="roundRect">
+              <a:avLst/>
+            </a:prstGeom>
+          </p:spPr>
+          <p:style>
+            <a:lnRef idx="1">
+              <a:schemeClr val="accent1"/>
+            </a:lnRef>
+            <a:fillRef idx="3">
+              <a:schemeClr val="accent1"/>
+            </a:fillRef>
+            <a:effectRef idx="2">
+              <a:schemeClr val="accent1"/>
+            </a:effectRef>
+            <a:fontRef idx="minor">
+              <a:schemeClr val="lt1"/>
+            </a:fontRef>
+          </p:style>
+          <p:txBody>
+            <a:bodyPr rtlCol="0" anchor="ctr"/>
+            <a:lstStyle/>
+            <a:p>
+              <a:pPr algn="ctr"/>
+              <a:endParaRPr lang="ko-KR" altLang="en-US" sz="1400" dirty="0">
+                <a:latin typeface="Arial" pitchFamily="34" charset="0"/>
+                <a:cs typeface="Arial" pitchFamily="34" charset="0"/>
+              </a:endParaRPr>
+            </a:p>
+          </p:txBody>
+        </p:sp>
+        <p:sp>
+          <p:nvSpPr>
+            <p:cNvPr id="70" name="모서리가 둥근 직사각형 9"/>
+            <p:cNvSpPr/>
+            <p:nvPr/>
+          </p:nvSpPr>
+          <p:spPr>
+            <a:xfrm>
+              <a:off x="6096000" y="3200400"/>
+              <a:ext cx="1219200" cy="304800"/>
+            </a:xfrm>
+            <a:prstGeom prst="roundRect">
+              <a:avLst/>
+            </a:prstGeom>
+          </p:spPr>
+          <p:style>
+            <a:lnRef idx="1">
+              <a:schemeClr val="accent1"/>
+            </a:lnRef>
+            <a:fillRef idx="3">
+              <a:schemeClr val="accent1"/>
+            </a:fillRef>
+            <a:effectRef idx="2">
+              <a:schemeClr val="accent1"/>
+            </a:effectRef>
+            <a:fontRef idx="minor">
+              <a:schemeClr val="lt1"/>
+            </a:fontRef>
+          </p:style>
+          <p:txBody>
+            <a:bodyPr rtlCol="0" anchor="ctr"/>
+            <a:lstStyle/>
+            <a:p>
+              <a:pPr algn="ctr"/>
+              <a:r>
+                <a:rPr lang="en-US" altLang="ko-KR" sz="1050" dirty="0" smtClean="0">
+                  <a:latin typeface="Arial" pitchFamily="34" charset="0"/>
+                  <a:cs typeface="Arial" pitchFamily="34" charset="0"/>
+                </a:rPr>
+                <a:t>Grinder </a:t>
+              </a:r>
+              <a:r>
+                <a:rPr lang="en-US" altLang="ko-KR" sz="1050" dirty="0" smtClean="0">
+                  <a:latin typeface="Arial" pitchFamily="34" charset="0"/>
+                  <a:cs typeface="Arial" pitchFamily="34" charset="0"/>
+                </a:rPr>
+                <a:t>Console</a:t>
+              </a:r>
+              <a:endParaRPr lang="ko-KR" altLang="en-US" sz="1050" dirty="0">
+                <a:latin typeface="Arial" pitchFamily="34" charset="0"/>
+                <a:cs typeface="Arial" pitchFamily="34" charset="0"/>
+              </a:endParaRPr>
+            </a:p>
+          </p:txBody>
+        </p:sp>
+        <p:sp>
+          <p:nvSpPr>
+            <p:cNvPr id="71" name="TextBox 70"/>
+            <p:cNvSpPr txBox="1"/>
+            <p:nvPr/>
+          </p:nvSpPr>
+          <p:spPr>
+            <a:xfrm>
+              <a:off x="6019800" y="2667000"/>
+              <a:ext cx="1616148" cy="307777"/>
+            </a:xfrm>
+            <a:prstGeom prst="rect">
+              <a:avLst/>
+            </a:prstGeom>
+            <a:noFill/>
+          </p:spPr>
+          <p:txBody>
+            <a:bodyPr wrap="none" rtlCol="0">
+              <a:spAutoFit/>
+            </a:bodyPr>
+            <a:lstStyle/>
+            <a:p>
+              <a:r>
+                <a:rPr lang="en-US" altLang="zh-CN" sz="1400" dirty="0" smtClean="0">
+                  <a:latin typeface="Arial" pitchFamily="34" charset="0"/>
+                  <a:cs typeface="Arial" pitchFamily="34" charset="0"/>
+                </a:rPr>
+                <a:t>Console manager</a:t>
+              </a:r>
+              <a:endParaRPr lang="zh-CN" altLang="en-US" sz="1400" dirty="0">
+                <a:latin typeface="Arial" pitchFamily="34" charset="0"/>
+                <a:cs typeface="Arial" pitchFamily="34" charset="0"/>
+              </a:endParaRPr>
+            </a:p>
+          </p:txBody>
+        </p:sp>
+      </p:grpSp>
+      <p:grpSp>
+        <p:nvGrpSpPr>
+          <p:cNvPr id="72" name="组合 71"/>
+          <p:cNvGrpSpPr/>
+          <p:nvPr/>
+        </p:nvGrpSpPr>
+        <p:grpSpPr>
+          <a:xfrm>
+            <a:off x="4953000" y="2362200"/>
+            <a:ext cx="1143000" cy="1371600"/>
+            <a:chOff x="4118812" y="2514600"/>
+            <a:chExt cx="1203158" cy="1371600"/>
+          </a:xfrm>
+        </p:grpSpPr>
+        <p:sp>
+          <p:nvSpPr>
+            <p:cNvPr id="73" name="圆角矩形 72"/>
+            <p:cNvSpPr/>
+            <p:nvPr/>
+          </p:nvSpPr>
+          <p:spPr>
+            <a:xfrm>
+              <a:off x="4118812" y="2514600"/>
+              <a:ext cx="1203158" cy="1371600"/>
+            </a:xfrm>
+            <a:prstGeom prst="roundRect">
+              <a:avLst/>
+            </a:prstGeom>
+            <a:solidFill>
+              <a:schemeClr val="tx2">
+                <a:lumMod val="20000"/>
+                <a:lumOff val="80000"/>
+              </a:schemeClr>
+            </a:solidFill>
+          </p:spPr>
+          <p:style>
+            <a:lnRef idx="2">
+              <a:schemeClr val="accent1">
+                <a:shade val="50000"/>
+              </a:schemeClr>
+            </a:lnRef>
+            <a:fillRef idx="1">
+              <a:schemeClr val="accent1"/>
+            </a:fillRef>
+            <a:effectRef idx="0">
+              <a:schemeClr val="accent1"/>
+            </a:effectRef>
+            <a:fontRef idx="minor">
+              <a:schemeClr val="lt1"/>
+            </a:fontRef>
+          </p:style>
+          <p:txBody>
+            <a:bodyPr rtlCol="0" anchor="ctr"/>
+            <a:lstStyle/>
+            <a:p>
+              <a:pPr algn="ctr"/>
+              <a:endParaRPr lang="zh-CN" altLang="en-US" sz="1400" dirty="0">
+                <a:solidFill>
+                  <a:schemeClr val="tx1"/>
+                </a:solidFill>
+                <a:latin typeface="Arial" pitchFamily="34" charset="0"/>
+                <a:cs typeface="Arial" pitchFamily="34" charset="0"/>
+              </a:endParaRPr>
+            </a:p>
+          </p:txBody>
+        </p:sp>
+        <p:sp>
+          <p:nvSpPr>
+            <p:cNvPr id="74" name="TextBox 73"/>
+            <p:cNvSpPr txBox="1"/>
+            <p:nvPr/>
+          </p:nvSpPr>
+          <p:spPr>
+            <a:xfrm>
+              <a:off x="4199023" y="2743200"/>
+              <a:ext cx="1000338" cy="954107"/>
+            </a:xfrm>
+            <a:prstGeom prst="rect">
+              <a:avLst/>
+            </a:prstGeom>
+            <a:noFill/>
+          </p:spPr>
+          <p:txBody>
+            <a:bodyPr wrap="none" rtlCol="0">
+              <a:spAutoFit/>
+            </a:bodyPr>
+            <a:lstStyle/>
+            <a:p>
+              <a:r>
+                <a:rPr lang="en-US" altLang="zh-CN" sz="1400" dirty="0" smtClean="0">
+                  <a:latin typeface="Arial" pitchFamily="34" charset="0"/>
+                  <a:cs typeface="Arial" pitchFamily="34" charset="0"/>
+                </a:rPr>
+                <a:t>nGrinder</a:t>
+              </a:r>
+            </a:p>
+            <a:p>
+              <a:r>
+                <a:rPr lang="en-US" altLang="zh-CN" sz="1400" dirty="0" smtClean="0">
+                  <a:latin typeface="Arial" pitchFamily="34" charset="0"/>
+                  <a:cs typeface="Arial" pitchFamily="34" charset="0"/>
+                </a:rPr>
+                <a:t>Controller,</a:t>
+              </a:r>
+            </a:p>
+            <a:p>
+              <a:r>
+                <a:rPr lang="en-US" altLang="zh-CN" sz="1400" dirty="0" smtClean="0">
+                  <a:latin typeface="Arial" pitchFamily="34" charset="0"/>
+                  <a:cs typeface="Arial" pitchFamily="34" charset="0"/>
+                </a:rPr>
+                <a:t>Services,</a:t>
+              </a:r>
+            </a:p>
+            <a:p>
+              <a:r>
+                <a:rPr lang="en-US" altLang="zh-CN" sz="1400" dirty="0" smtClean="0">
+                  <a:latin typeface="Arial" pitchFamily="34" charset="0"/>
+                  <a:cs typeface="Arial" pitchFamily="34" charset="0"/>
+                </a:rPr>
+                <a:t>Utilities.</a:t>
+              </a:r>
+              <a:endParaRPr lang="zh-CN" altLang="en-US" sz="1400" dirty="0">
+                <a:latin typeface="Arial" pitchFamily="34" charset="0"/>
+                <a:cs typeface="Arial" pitchFamily="34" charset="0"/>
+              </a:endParaRPr>
+            </a:p>
+          </p:txBody>
+        </p:sp>
+      </p:grpSp>
+    </p:spTree>
   </p:cSld>
   <p:clrMapOvr>
     <a:masterClrMapping/>
@@ -5754,7 +9040,7 @@
         <a:sysClr val="windowText" lastClr="000000"/>
       </a:dk1>
       <a:lt1>
-        <a:sysClr val="window" lastClr="FFFFFF"/>
+        <a:sysClr val="window" lastClr="C8E6C8"/>
       </a:lt1>
       <a:dk2>
         <a:srgbClr val="1F497D"/>

--- a/docs/ngrinder_system_architecture.pptx
+++ b/docs/ngrinder_system_architecture.pptx
@@ -4,10 +4,13 @@
   <p:sldMasterIdLst>
     <p:sldMasterId id="2147483648" r:id="rId1"/>
   </p:sldMasterIdLst>
+  <p:notesMasterIdLst>
+    <p:notesMasterId r:id="rId5"/>
+  </p:notesMasterIdLst>
   <p:sldIdLst>
     <p:sldId id="258" r:id="rId2"/>
     <p:sldId id="259" r:id="rId3"/>
-    <p:sldId id="260" r:id="rId4"/>
+    <p:sldId id="261" r:id="rId4"/>
   </p:sldIdLst>
   <p:sldSz cx="9144000" cy="6858000" type="screen4x3"/>
   <p:notesSz cx="6858000" cy="9144000"/>
@@ -109,6 +112,440 @@
 </p:presentation>
 </file>
 
+<file path=ppt/notesMasters/notesMaster1.xml><?xml version="1.0" encoding="utf-8"?>
+<p:notesMaster xmlns:a="http://schemas.openxmlformats.org/drawingml/2006/main" xmlns:r="http://schemas.openxmlformats.org/officeDocument/2006/relationships" xmlns:p="http://schemas.openxmlformats.org/presentationml/2006/main">
+  <p:cSld>
+    <p:bg>
+      <p:bgRef idx="1001">
+        <a:schemeClr val="bg1"/>
+      </p:bgRef>
+    </p:bg>
+    <p:spTree>
+      <p:nvGrpSpPr>
+        <p:cNvPr id="1" name=""/>
+        <p:cNvGrpSpPr/>
+        <p:nvPr/>
+      </p:nvGrpSpPr>
+      <p:grpSpPr>
+        <a:xfrm>
+          <a:off x="0" y="0"/>
+          <a:ext cx="0" cy="0"/>
+          <a:chOff x="0" y="0"/>
+          <a:chExt cx="0" cy="0"/>
+        </a:xfrm>
+      </p:grpSpPr>
+      <p:sp>
+        <p:nvSpPr>
+          <p:cNvPr id="2" name="머리글 개체 틀 1"/>
+          <p:cNvSpPr>
+            <a:spLocks noGrp="1"/>
+          </p:cNvSpPr>
+          <p:nvPr>
+            <p:ph type="hdr" sz="quarter"/>
+          </p:nvPr>
+        </p:nvSpPr>
+        <p:spPr>
+          <a:xfrm>
+            <a:off x="0" y="0"/>
+            <a:ext cx="2971800" cy="457200"/>
+          </a:xfrm>
+          <a:prstGeom prst="rect">
+            <a:avLst/>
+          </a:prstGeom>
+        </p:spPr>
+        <p:txBody>
+          <a:bodyPr vert="horz" lIns="91440" tIns="45720" rIns="91440" bIns="45720" rtlCol="0"/>
+          <a:lstStyle>
+            <a:lvl1pPr algn="l">
+              <a:defRPr sz="1200"/>
+            </a:lvl1pPr>
+          </a:lstStyle>
+          <a:p>
+            <a:endParaRPr lang="ko-KR" altLang="en-US"/>
+          </a:p>
+        </p:txBody>
+      </p:sp>
+      <p:sp>
+        <p:nvSpPr>
+          <p:cNvPr id="3" name="날짜 개체 틀 2"/>
+          <p:cNvSpPr>
+            <a:spLocks noGrp="1"/>
+          </p:cNvSpPr>
+          <p:nvPr>
+            <p:ph type="dt" idx="1"/>
+          </p:nvPr>
+        </p:nvSpPr>
+        <p:spPr>
+          <a:xfrm>
+            <a:off x="3884613" y="0"/>
+            <a:ext cx="2971800" cy="457200"/>
+          </a:xfrm>
+          <a:prstGeom prst="rect">
+            <a:avLst/>
+          </a:prstGeom>
+        </p:spPr>
+        <p:txBody>
+          <a:bodyPr vert="horz" lIns="91440" tIns="45720" rIns="91440" bIns="45720" rtlCol="0"/>
+          <a:lstStyle>
+            <a:lvl1pPr algn="r">
+              <a:defRPr sz="1200"/>
+            </a:lvl1pPr>
+          </a:lstStyle>
+          <a:p>
+            <a:fld id="{2A2B3CE2-2F8B-4FBE-BB12-285F0C3855D4}" type="datetimeFigureOut">
+              <a:rPr lang="ko-KR" altLang="en-US" smtClean="0"/>
+              <a:t>2013-01-07</a:t>
+            </a:fld>
+            <a:endParaRPr lang="ko-KR" altLang="en-US"/>
+          </a:p>
+        </p:txBody>
+      </p:sp>
+      <p:sp>
+        <p:nvSpPr>
+          <p:cNvPr id="4" name="슬라이드 이미지 개체 틀 3"/>
+          <p:cNvSpPr>
+            <a:spLocks noGrp="1" noRot="1" noChangeAspect="1"/>
+          </p:cNvSpPr>
+          <p:nvPr>
+            <p:ph type="sldImg" idx="2"/>
+          </p:nvPr>
+        </p:nvSpPr>
+        <p:spPr>
+          <a:xfrm>
+            <a:off x="1143000" y="685800"/>
+            <a:ext cx="4572000" cy="3429000"/>
+          </a:xfrm>
+          <a:prstGeom prst="rect">
+            <a:avLst/>
+          </a:prstGeom>
+          <a:noFill/>
+          <a:ln w="12700">
+            <a:solidFill>
+              <a:prstClr val="black"/>
+            </a:solidFill>
+          </a:ln>
+        </p:spPr>
+        <p:txBody>
+          <a:bodyPr vert="horz" lIns="91440" tIns="45720" rIns="91440" bIns="45720" rtlCol="0" anchor="ctr"/>
+          <a:lstStyle/>
+          <a:p>
+            <a:endParaRPr lang="ko-KR" altLang="en-US"/>
+          </a:p>
+        </p:txBody>
+      </p:sp>
+      <p:sp>
+        <p:nvSpPr>
+          <p:cNvPr id="5" name="슬라이드 노트 개체 틀 4"/>
+          <p:cNvSpPr>
+            <a:spLocks noGrp="1"/>
+          </p:cNvSpPr>
+          <p:nvPr>
+            <p:ph type="body" sz="quarter" idx="3"/>
+          </p:nvPr>
+        </p:nvSpPr>
+        <p:spPr>
+          <a:xfrm>
+            <a:off x="685800" y="4343400"/>
+            <a:ext cx="5486400" cy="4114800"/>
+          </a:xfrm>
+          <a:prstGeom prst="rect">
+            <a:avLst/>
+          </a:prstGeom>
+        </p:spPr>
+        <p:txBody>
+          <a:bodyPr vert="horz" lIns="91440" tIns="45720" rIns="91440" bIns="45720" rtlCol="0"/>
+          <a:lstStyle/>
+          <a:p>
+            <a:pPr lvl="0"/>
+            <a:r>
+              <a:rPr lang="ko-KR" altLang="en-US" smtClean="0"/>
+              <a:t>마스터 텍스트 스타일을 편집합니다</a:t>
+            </a:r>
+          </a:p>
+          <a:p>
+            <a:pPr lvl="1"/>
+            <a:r>
+              <a:rPr lang="ko-KR" altLang="en-US" smtClean="0"/>
+              <a:t>둘째 수준</a:t>
+            </a:r>
+          </a:p>
+          <a:p>
+            <a:pPr lvl="2"/>
+            <a:r>
+              <a:rPr lang="ko-KR" altLang="en-US" smtClean="0"/>
+              <a:t>셋째 수준</a:t>
+            </a:r>
+          </a:p>
+          <a:p>
+            <a:pPr lvl="3"/>
+            <a:r>
+              <a:rPr lang="ko-KR" altLang="en-US" smtClean="0"/>
+              <a:t>넷째 수준</a:t>
+            </a:r>
+          </a:p>
+          <a:p>
+            <a:pPr lvl="4"/>
+            <a:r>
+              <a:rPr lang="ko-KR" altLang="en-US" smtClean="0"/>
+              <a:t>다섯째 수준</a:t>
+            </a:r>
+            <a:endParaRPr lang="ko-KR" altLang="en-US"/>
+          </a:p>
+        </p:txBody>
+      </p:sp>
+      <p:sp>
+        <p:nvSpPr>
+          <p:cNvPr id="6" name="바닥글 개체 틀 5"/>
+          <p:cNvSpPr>
+            <a:spLocks noGrp="1"/>
+          </p:cNvSpPr>
+          <p:nvPr>
+            <p:ph type="ftr" sz="quarter" idx="4"/>
+          </p:nvPr>
+        </p:nvSpPr>
+        <p:spPr>
+          <a:xfrm>
+            <a:off x="0" y="8685213"/>
+            <a:ext cx="2971800" cy="457200"/>
+          </a:xfrm>
+          <a:prstGeom prst="rect">
+            <a:avLst/>
+          </a:prstGeom>
+        </p:spPr>
+        <p:txBody>
+          <a:bodyPr vert="horz" lIns="91440" tIns="45720" rIns="91440" bIns="45720" rtlCol="0" anchor="b"/>
+          <a:lstStyle>
+            <a:lvl1pPr algn="l">
+              <a:defRPr sz="1200"/>
+            </a:lvl1pPr>
+          </a:lstStyle>
+          <a:p>
+            <a:endParaRPr lang="ko-KR" altLang="en-US"/>
+          </a:p>
+        </p:txBody>
+      </p:sp>
+      <p:sp>
+        <p:nvSpPr>
+          <p:cNvPr id="7" name="슬라이드 번호 개체 틀 6"/>
+          <p:cNvSpPr>
+            <a:spLocks noGrp="1"/>
+          </p:cNvSpPr>
+          <p:nvPr>
+            <p:ph type="sldNum" sz="quarter" idx="5"/>
+          </p:nvPr>
+        </p:nvSpPr>
+        <p:spPr>
+          <a:xfrm>
+            <a:off x="3884613" y="8685213"/>
+            <a:ext cx="2971800" cy="457200"/>
+          </a:xfrm>
+          <a:prstGeom prst="rect">
+            <a:avLst/>
+          </a:prstGeom>
+        </p:spPr>
+        <p:txBody>
+          <a:bodyPr vert="horz" lIns="91440" tIns="45720" rIns="91440" bIns="45720" rtlCol="0" anchor="b"/>
+          <a:lstStyle>
+            <a:lvl1pPr algn="r">
+              <a:defRPr sz="1200"/>
+            </a:lvl1pPr>
+          </a:lstStyle>
+          <a:p>
+            <a:fld id="{946EAD4A-2ECF-484D-82B8-2FDFAF2259C1}" type="slidenum">
+              <a:rPr lang="ko-KR" altLang="en-US" smtClean="0"/>
+              <a:t>‹#›</a:t>
+            </a:fld>
+            <a:endParaRPr lang="ko-KR" altLang="en-US"/>
+          </a:p>
+        </p:txBody>
+      </p:sp>
+    </p:spTree>
+    <p:extLst>
+      <p:ext uri="{BB962C8B-B14F-4D97-AF65-F5344CB8AC3E}">
+        <p14:creationId xmlns:p14="http://schemas.microsoft.com/office/powerpoint/2010/main" val="2543941632"/>
+      </p:ext>
+    </p:extLst>
+  </p:cSld>
+  <p:clrMap bg1="lt1" tx1="dk1" bg2="lt2" tx2="dk2" accent1="accent1" accent2="accent2" accent3="accent3" accent4="accent4" accent5="accent5" accent6="accent6" hlink="hlink" folHlink="folHlink"/>
+  <p:notesStyle>
+    <a:lvl1pPr marL="0" algn="l" defTabSz="914400" rtl="0" eaLnBrk="1" latinLnBrk="1" hangingPunct="1">
+      <a:defRPr sz="1200" kern="1200">
+        <a:solidFill>
+          <a:schemeClr val="tx1"/>
+        </a:solidFill>
+        <a:latin typeface="+mn-lt"/>
+        <a:ea typeface="+mn-ea"/>
+        <a:cs typeface="+mn-cs"/>
+      </a:defRPr>
+    </a:lvl1pPr>
+    <a:lvl2pPr marL="457200" algn="l" defTabSz="914400" rtl="0" eaLnBrk="1" latinLnBrk="1" hangingPunct="1">
+      <a:defRPr sz="1200" kern="1200">
+        <a:solidFill>
+          <a:schemeClr val="tx1"/>
+        </a:solidFill>
+        <a:latin typeface="+mn-lt"/>
+        <a:ea typeface="+mn-ea"/>
+        <a:cs typeface="+mn-cs"/>
+      </a:defRPr>
+    </a:lvl2pPr>
+    <a:lvl3pPr marL="914400" algn="l" defTabSz="914400" rtl="0" eaLnBrk="1" latinLnBrk="1" hangingPunct="1">
+      <a:defRPr sz="1200" kern="1200">
+        <a:solidFill>
+          <a:schemeClr val="tx1"/>
+        </a:solidFill>
+        <a:latin typeface="+mn-lt"/>
+        <a:ea typeface="+mn-ea"/>
+        <a:cs typeface="+mn-cs"/>
+      </a:defRPr>
+    </a:lvl3pPr>
+    <a:lvl4pPr marL="1371600" algn="l" defTabSz="914400" rtl="0" eaLnBrk="1" latinLnBrk="1" hangingPunct="1">
+      <a:defRPr sz="1200" kern="1200">
+        <a:solidFill>
+          <a:schemeClr val="tx1"/>
+        </a:solidFill>
+        <a:latin typeface="+mn-lt"/>
+        <a:ea typeface="+mn-ea"/>
+        <a:cs typeface="+mn-cs"/>
+      </a:defRPr>
+    </a:lvl4pPr>
+    <a:lvl5pPr marL="1828800" algn="l" defTabSz="914400" rtl="0" eaLnBrk="1" latinLnBrk="1" hangingPunct="1">
+      <a:defRPr sz="1200" kern="1200">
+        <a:solidFill>
+          <a:schemeClr val="tx1"/>
+        </a:solidFill>
+        <a:latin typeface="+mn-lt"/>
+        <a:ea typeface="+mn-ea"/>
+        <a:cs typeface="+mn-cs"/>
+      </a:defRPr>
+    </a:lvl5pPr>
+    <a:lvl6pPr marL="2286000" algn="l" defTabSz="914400" rtl="0" eaLnBrk="1" latinLnBrk="1" hangingPunct="1">
+      <a:defRPr sz="1200" kern="1200">
+        <a:solidFill>
+          <a:schemeClr val="tx1"/>
+        </a:solidFill>
+        <a:latin typeface="+mn-lt"/>
+        <a:ea typeface="+mn-ea"/>
+        <a:cs typeface="+mn-cs"/>
+      </a:defRPr>
+    </a:lvl6pPr>
+    <a:lvl7pPr marL="2743200" algn="l" defTabSz="914400" rtl="0" eaLnBrk="1" latinLnBrk="1" hangingPunct="1">
+      <a:defRPr sz="1200" kern="1200">
+        <a:solidFill>
+          <a:schemeClr val="tx1"/>
+        </a:solidFill>
+        <a:latin typeface="+mn-lt"/>
+        <a:ea typeface="+mn-ea"/>
+        <a:cs typeface="+mn-cs"/>
+      </a:defRPr>
+    </a:lvl7pPr>
+    <a:lvl8pPr marL="3200400" algn="l" defTabSz="914400" rtl="0" eaLnBrk="1" latinLnBrk="1" hangingPunct="1">
+      <a:defRPr sz="1200" kern="1200">
+        <a:solidFill>
+          <a:schemeClr val="tx1"/>
+        </a:solidFill>
+        <a:latin typeface="+mn-lt"/>
+        <a:ea typeface="+mn-ea"/>
+        <a:cs typeface="+mn-cs"/>
+      </a:defRPr>
+    </a:lvl8pPr>
+    <a:lvl9pPr marL="3657600" algn="l" defTabSz="914400" rtl="0" eaLnBrk="1" latinLnBrk="1" hangingPunct="1">
+      <a:defRPr sz="1200" kern="1200">
+        <a:solidFill>
+          <a:schemeClr val="tx1"/>
+        </a:solidFill>
+        <a:latin typeface="+mn-lt"/>
+        <a:ea typeface="+mn-ea"/>
+        <a:cs typeface="+mn-cs"/>
+      </a:defRPr>
+    </a:lvl9pPr>
+  </p:notesStyle>
+</p:notesMaster>
+</file>
+
+<file path=ppt/notesSlides/notesSlide1.xml><?xml version="1.0" encoding="utf-8"?>
+<p:notes xmlns:a="http://schemas.openxmlformats.org/drawingml/2006/main" xmlns:r="http://schemas.openxmlformats.org/officeDocument/2006/relationships" xmlns:p="http://schemas.openxmlformats.org/presentationml/2006/main">
+  <p:cSld>
+    <p:spTree>
+      <p:nvGrpSpPr>
+        <p:cNvPr id="1" name=""/>
+        <p:cNvGrpSpPr/>
+        <p:nvPr/>
+      </p:nvGrpSpPr>
+      <p:grpSpPr>
+        <a:xfrm>
+          <a:off x="0" y="0"/>
+          <a:ext cx="0" cy="0"/>
+          <a:chOff x="0" y="0"/>
+          <a:chExt cx="0" cy="0"/>
+        </a:xfrm>
+      </p:grpSpPr>
+      <p:sp>
+        <p:nvSpPr>
+          <p:cNvPr id="2" name="슬라이드 이미지 개체 틀 1"/>
+          <p:cNvSpPr>
+            <a:spLocks noGrp="1" noRot="1" noChangeAspect="1"/>
+          </p:cNvSpPr>
+          <p:nvPr>
+            <p:ph type="sldImg"/>
+          </p:nvPr>
+        </p:nvSpPr>
+        <p:spPr/>
+      </p:sp>
+      <p:sp>
+        <p:nvSpPr>
+          <p:cNvPr id="3" name="슬라이드 노트 개체 틀 2"/>
+          <p:cNvSpPr>
+            <a:spLocks noGrp="1"/>
+          </p:cNvSpPr>
+          <p:nvPr>
+            <p:ph type="body" idx="1"/>
+          </p:nvPr>
+        </p:nvSpPr>
+        <p:spPr/>
+        <p:txBody>
+          <a:bodyPr/>
+          <a:lstStyle/>
+          <a:p>
+            <a:endParaRPr lang="ko-KR" altLang="en-US" dirty="0"/>
+          </a:p>
+        </p:txBody>
+      </p:sp>
+      <p:sp>
+        <p:nvSpPr>
+          <p:cNvPr id="4" name="슬라이드 번호 개체 틀 3"/>
+          <p:cNvSpPr>
+            <a:spLocks noGrp="1"/>
+          </p:cNvSpPr>
+          <p:nvPr>
+            <p:ph type="sldNum" sz="quarter" idx="10"/>
+          </p:nvPr>
+        </p:nvSpPr>
+        <p:spPr/>
+        <p:txBody>
+          <a:bodyPr/>
+          <a:lstStyle/>
+          <a:p>
+            <a:fld id="{946EAD4A-2ECF-484D-82B8-2FDFAF2259C1}" type="slidenum">
+              <a:rPr lang="ko-KR" altLang="en-US" smtClean="0"/>
+              <a:t>3</a:t>
+            </a:fld>
+            <a:endParaRPr lang="ko-KR" altLang="en-US"/>
+          </a:p>
+        </p:txBody>
+      </p:sp>
+    </p:spTree>
+    <p:extLst>
+      <p:ext uri="{BB962C8B-B14F-4D97-AF65-F5344CB8AC3E}">
+        <p14:creationId xmlns:p14="http://schemas.microsoft.com/office/powerpoint/2010/main" val="3653196803"/>
+      </p:ext>
+    </p:extLst>
+  </p:cSld>
+  <p:clrMapOvr>
+    <a:masterClrMapping/>
+  </p:clrMapOvr>
+</p:notes>
+</file>
+
 <file path=ppt/slideLayouts/slideLayout1.xml><?xml version="1.0" encoding="utf-8"?>
 <p:sldLayout xmlns:a="http://schemas.openxmlformats.org/drawingml/2006/main" xmlns:r="http://schemas.openxmlformats.org/officeDocument/2006/relationships" xmlns:p="http://schemas.openxmlformats.org/presentationml/2006/main" type="title" preserve="1">
   <p:cSld name="제목 슬라이드">
@@ -291,7 +728,7 @@
             <a:fld id="{26036BE6-1911-40BC-AA55-6B3310415E80}" type="datetimeFigureOut">
               <a:rPr lang="ko-KR" altLang="en-US" smtClean="0"/>
               <a:pPr/>
-              <a:t>2012-11-23</a:t>
+              <a:t>2013-01-07</a:t>
             </a:fld>
             <a:endParaRPr lang="ko-KR" altLang="en-US"/>
           </a:p>
@@ -343,7 +780,7 @@
     </p:spTree>
     <p:extLst>
       <p:ext uri="{BB962C8B-B14F-4D97-AF65-F5344CB8AC3E}">
-        <p14:creationId xmlns:p14="http://schemas.microsoft.com/office/powerpoint/2010/main" xmlns="" val="3077336313"/>
+        <p14:creationId xmlns:p14="http://schemas.microsoft.com/office/powerpoint/2010/main" val="3077336313"/>
       </p:ext>
     </p:extLst>
   </p:cSld>
@@ -463,7 +900,7 @@
             <a:fld id="{26036BE6-1911-40BC-AA55-6B3310415E80}" type="datetimeFigureOut">
               <a:rPr lang="ko-KR" altLang="en-US" smtClean="0"/>
               <a:pPr/>
-              <a:t>2012-11-23</a:t>
+              <a:t>2013-01-07</a:t>
             </a:fld>
             <a:endParaRPr lang="ko-KR" altLang="en-US"/>
           </a:p>
@@ -515,7 +952,7 @@
     </p:spTree>
     <p:extLst>
       <p:ext uri="{BB962C8B-B14F-4D97-AF65-F5344CB8AC3E}">
-        <p14:creationId xmlns:p14="http://schemas.microsoft.com/office/powerpoint/2010/main" xmlns="" val="2152157510"/>
+        <p14:creationId xmlns:p14="http://schemas.microsoft.com/office/powerpoint/2010/main" val="2152157510"/>
       </p:ext>
     </p:extLst>
   </p:cSld>
@@ -645,7 +1082,7 @@
             <a:fld id="{26036BE6-1911-40BC-AA55-6B3310415E80}" type="datetimeFigureOut">
               <a:rPr lang="ko-KR" altLang="en-US" smtClean="0"/>
               <a:pPr/>
-              <a:t>2012-11-23</a:t>
+              <a:t>2013-01-07</a:t>
             </a:fld>
             <a:endParaRPr lang="ko-KR" altLang="en-US"/>
           </a:p>
@@ -697,7 +1134,7 @@
     </p:spTree>
     <p:extLst>
       <p:ext uri="{BB962C8B-B14F-4D97-AF65-F5344CB8AC3E}">
-        <p14:creationId xmlns:p14="http://schemas.microsoft.com/office/powerpoint/2010/main" xmlns="" val="1010425084"/>
+        <p14:creationId xmlns:p14="http://schemas.microsoft.com/office/powerpoint/2010/main" val="1010425084"/>
       </p:ext>
     </p:extLst>
   </p:cSld>
@@ -817,7 +1254,7 @@
             <a:fld id="{26036BE6-1911-40BC-AA55-6B3310415E80}" type="datetimeFigureOut">
               <a:rPr lang="ko-KR" altLang="en-US" smtClean="0"/>
               <a:pPr/>
-              <a:t>2012-11-23</a:t>
+              <a:t>2013-01-07</a:t>
             </a:fld>
             <a:endParaRPr lang="ko-KR" altLang="en-US"/>
           </a:p>
@@ -869,7 +1306,7 @@
     </p:spTree>
     <p:extLst>
       <p:ext uri="{BB962C8B-B14F-4D97-AF65-F5344CB8AC3E}">
-        <p14:creationId xmlns:p14="http://schemas.microsoft.com/office/powerpoint/2010/main" xmlns="" val="719456391"/>
+        <p14:creationId xmlns:p14="http://schemas.microsoft.com/office/powerpoint/2010/main" val="719456391"/>
       </p:ext>
     </p:extLst>
   </p:cSld>
@@ -1065,7 +1502,7 @@
             <a:fld id="{26036BE6-1911-40BC-AA55-6B3310415E80}" type="datetimeFigureOut">
               <a:rPr lang="ko-KR" altLang="en-US" smtClean="0"/>
               <a:pPr/>
-              <a:t>2012-11-23</a:t>
+              <a:t>2013-01-07</a:t>
             </a:fld>
             <a:endParaRPr lang="ko-KR" altLang="en-US"/>
           </a:p>
@@ -1117,7 +1554,7 @@
     </p:spTree>
     <p:extLst>
       <p:ext uri="{BB962C8B-B14F-4D97-AF65-F5344CB8AC3E}">
-        <p14:creationId xmlns:p14="http://schemas.microsoft.com/office/powerpoint/2010/main" xmlns="" val="2546602862"/>
+        <p14:creationId xmlns:p14="http://schemas.microsoft.com/office/powerpoint/2010/main" val="2546602862"/>
       </p:ext>
     </p:extLst>
   </p:cSld>
@@ -1355,7 +1792,7 @@
             <a:fld id="{26036BE6-1911-40BC-AA55-6B3310415E80}" type="datetimeFigureOut">
               <a:rPr lang="ko-KR" altLang="en-US" smtClean="0"/>
               <a:pPr/>
-              <a:t>2012-11-23</a:t>
+              <a:t>2013-01-07</a:t>
             </a:fld>
             <a:endParaRPr lang="ko-KR" altLang="en-US"/>
           </a:p>
@@ -1407,7 +1844,7 @@
     </p:spTree>
     <p:extLst>
       <p:ext uri="{BB962C8B-B14F-4D97-AF65-F5344CB8AC3E}">
-        <p14:creationId xmlns:p14="http://schemas.microsoft.com/office/powerpoint/2010/main" xmlns="" val="3089458713"/>
+        <p14:creationId xmlns:p14="http://schemas.microsoft.com/office/powerpoint/2010/main" val="3089458713"/>
       </p:ext>
     </p:extLst>
   </p:cSld>
@@ -1779,7 +2216,7 @@
             <a:fld id="{26036BE6-1911-40BC-AA55-6B3310415E80}" type="datetimeFigureOut">
               <a:rPr lang="ko-KR" altLang="en-US" smtClean="0"/>
               <a:pPr/>
-              <a:t>2012-11-23</a:t>
+              <a:t>2013-01-07</a:t>
             </a:fld>
             <a:endParaRPr lang="ko-KR" altLang="en-US"/>
           </a:p>
@@ -1831,7 +2268,7 @@
     </p:spTree>
     <p:extLst>
       <p:ext uri="{BB962C8B-B14F-4D97-AF65-F5344CB8AC3E}">
-        <p14:creationId xmlns:p14="http://schemas.microsoft.com/office/powerpoint/2010/main" xmlns="" val="2473760828"/>
+        <p14:creationId xmlns:p14="http://schemas.microsoft.com/office/powerpoint/2010/main" val="2473760828"/>
       </p:ext>
     </p:extLst>
   </p:cSld>
@@ -1899,7 +2336,7 @@
             <a:fld id="{26036BE6-1911-40BC-AA55-6B3310415E80}" type="datetimeFigureOut">
               <a:rPr lang="ko-KR" altLang="en-US" smtClean="0"/>
               <a:pPr/>
-              <a:t>2012-11-23</a:t>
+              <a:t>2013-01-07</a:t>
             </a:fld>
             <a:endParaRPr lang="ko-KR" altLang="en-US"/>
           </a:p>
@@ -1951,7 +2388,7 @@
     </p:spTree>
     <p:extLst>
       <p:ext uri="{BB962C8B-B14F-4D97-AF65-F5344CB8AC3E}">
-        <p14:creationId xmlns:p14="http://schemas.microsoft.com/office/powerpoint/2010/main" xmlns="" val="934617496"/>
+        <p14:creationId xmlns:p14="http://schemas.microsoft.com/office/powerpoint/2010/main" val="934617496"/>
       </p:ext>
     </p:extLst>
   </p:cSld>
@@ -1996,7 +2433,7 @@
             <a:fld id="{26036BE6-1911-40BC-AA55-6B3310415E80}" type="datetimeFigureOut">
               <a:rPr lang="ko-KR" altLang="en-US" smtClean="0"/>
               <a:pPr/>
-              <a:t>2012-11-23</a:t>
+              <a:t>2013-01-07</a:t>
             </a:fld>
             <a:endParaRPr lang="ko-KR" altLang="en-US"/>
           </a:p>
@@ -2048,7 +2485,7 @@
     </p:spTree>
     <p:extLst>
       <p:ext uri="{BB962C8B-B14F-4D97-AF65-F5344CB8AC3E}">
-        <p14:creationId xmlns:p14="http://schemas.microsoft.com/office/powerpoint/2010/main" xmlns="" val="3007388380"/>
+        <p14:creationId xmlns:p14="http://schemas.microsoft.com/office/powerpoint/2010/main" val="3007388380"/>
       </p:ext>
     </p:extLst>
   </p:cSld>
@@ -2275,7 +2712,7 @@
             <a:fld id="{26036BE6-1911-40BC-AA55-6B3310415E80}" type="datetimeFigureOut">
               <a:rPr lang="ko-KR" altLang="en-US" smtClean="0"/>
               <a:pPr/>
-              <a:t>2012-11-23</a:t>
+              <a:t>2013-01-07</a:t>
             </a:fld>
             <a:endParaRPr lang="ko-KR" altLang="en-US"/>
           </a:p>
@@ -2327,7 +2764,7 @@
     </p:spTree>
     <p:extLst>
       <p:ext uri="{BB962C8B-B14F-4D97-AF65-F5344CB8AC3E}">
-        <p14:creationId xmlns:p14="http://schemas.microsoft.com/office/powerpoint/2010/main" xmlns="" val="3155733758"/>
+        <p14:creationId xmlns:p14="http://schemas.microsoft.com/office/powerpoint/2010/main" val="3155733758"/>
       </p:ext>
     </p:extLst>
   </p:cSld>
@@ -2530,7 +2967,7 @@
             <a:fld id="{26036BE6-1911-40BC-AA55-6B3310415E80}" type="datetimeFigureOut">
               <a:rPr lang="ko-KR" altLang="en-US" smtClean="0"/>
               <a:pPr/>
-              <a:t>2012-11-23</a:t>
+              <a:t>2013-01-07</a:t>
             </a:fld>
             <a:endParaRPr lang="ko-KR" altLang="en-US"/>
           </a:p>
@@ -2582,7 +3019,7 @@
     </p:spTree>
     <p:extLst>
       <p:ext uri="{BB962C8B-B14F-4D97-AF65-F5344CB8AC3E}">
-        <p14:creationId xmlns:p14="http://schemas.microsoft.com/office/powerpoint/2010/main" xmlns="" val="1191744711"/>
+        <p14:creationId xmlns:p14="http://schemas.microsoft.com/office/powerpoint/2010/main" val="1191744711"/>
       </p:ext>
     </p:extLst>
   </p:cSld>
@@ -2745,7 +3182,7 @@
             <a:fld id="{26036BE6-1911-40BC-AA55-6B3310415E80}" type="datetimeFigureOut">
               <a:rPr lang="ko-KR" altLang="en-US" smtClean="0"/>
               <a:pPr/>
-              <a:t>2012-11-23</a:t>
+              <a:t>2013-01-07</a:t>
             </a:fld>
             <a:endParaRPr lang="ko-KR" altLang="en-US"/>
           </a:p>
@@ -2833,7 +3270,7 @@
     </p:spTree>
     <p:extLst>
       <p:ext uri="{BB962C8B-B14F-4D97-AF65-F5344CB8AC3E}">
-        <p14:creationId xmlns:p14="http://schemas.microsoft.com/office/powerpoint/2010/main" xmlns="" val="487819654"/>
+        <p14:creationId xmlns:p14="http://schemas.microsoft.com/office/powerpoint/2010/main" val="487819654"/>
       </p:ext>
     </p:extLst>
   </p:cSld>
@@ -4881,7 +5318,7 @@
           <a:blip r:embed="rId2" cstate="print">
             <a:extLst>
               <a:ext uri="{28A0092B-C50C-407E-A947-70E740481C1C}">
-                <a14:useLocalDpi xmlns:a14="http://schemas.microsoft.com/office/drawing/2010/main" xmlns="" val="0"/>
+                <a14:useLocalDpi xmlns:a14="http://schemas.microsoft.com/office/drawing/2010/main" val="0"/>
               </a:ext>
             </a:extLst>
           </a:blip>
@@ -4901,7 +5338,7 @@
           <a:noFill/>
           <a:extLst>
             <a:ext uri="{909E8E84-426E-40DD-AFC4-6F175D3DCCD1}">
-              <a14:hiddenFill xmlns:a14="http://schemas.microsoft.com/office/drawing/2010/main" xmlns="">
+              <a14:hiddenFill xmlns:a14="http://schemas.microsoft.com/office/drawing/2010/main">
                 <a:solidFill>
                   <a:srgbClr val="FFFFFF"/>
                 </a:solidFill>
@@ -4922,7 +5359,7 @@
           <a:blip r:embed="rId2" cstate="print">
             <a:extLst>
               <a:ext uri="{28A0092B-C50C-407E-A947-70E740481C1C}">
-                <a14:useLocalDpi xmlns:a14="http://schemas.microsoft.com/office/drawing/2010/main" xmlns="" val="0"/>
+                <a14:useLocalDpi xmlns:a14="http://schemas.microsoft.com/office/drawing/2010/main" val="0"/>
               </a:ext>
             </a:extLst>
           </a:blip>
@@ -4942,7 +5379,7 @@
           <a:noFill/>
           <a:extLst>
             <a:ext uri="{909E8E84-426E-40DD-AFC4-6F175D3DCCD1}">
-              <a14:hiddenFill xmlns:a14="http://schemas.microsoft.com/office/drawing/2010/main" xmlns="">
+              <a14:hiddenFill xmlns:a14="http://schemas.microsoft.com/office/drawing/2010/main">
                 <a:solidFill>
                   <a:srgbClr val="FFFFFF"/>
                 </a:solidFill>
@@ -4963,7 +5400,7 @@
           <a:blip r:embed="rId3" cstate="print">
             <a:extLst>
               <a:ext uri="{28A0092B-C50C-407E-A947-70E740481C1C}">
-                <a14:useLocalDpi xmlns:a14="http://schemas.microsoft.com/office/drawing/2010/main" xmlns="" val="0"/>
+                <a14:useLocalDpi xmlns:a14="http://schemas.microsoft.com/office/drawing/2010/main" val="0"/>
               </a:ext>
             </a:extLst>
           </a:blip>
@@ -4983,7 +5420,7 @@
           <a:noFill/>
           <a:extLst>
             <a:ext uri="{909E8E84-426E-40DD-AFC4-6F175D3DCCD1}">
-              <a14:hiddenFill xmlns:a14="http://schemas.microsoft.com/office/drawing/2010/main" xmlns="">
+              <a14:hiddenFill xmlns:a14="http://schemas.microsoft.com/office/drawing/2010/main">
                 <a:solidFill>
                   <a:srgbClr val="FFFFFF"/>
                 </a:solidFill>
@@ -5004,7 +5441,7 @@
           <a:blip r:embed="rId2" cstate="print">
             <a:extLst>
               <a:ext uri="{28A0092B-C50C-407E-A947-70E740481C1C}">
-                <a14:useLocalDpi xmlns:a14="http://schemas.microsoft.com/office/drawing/2010/main" xmlns="" val="0"/>
+                <a14:useLocalDpi xmlns:a14="http://schemas.microsoft.com/office/drawing/2010/main" val="0"/>
               </a:ext>
             </a:extLst>
           </a:blip>
@@ -5024,7 +5461,7 @@
           <a:noFill/>
           <a:extLst>
             <a:ext uri="{909E8E84-426E-40DD-AFC4-6F175D3DCCD1}">
-              <a14:hiddenFill xmlns:a14="http://schemas.microsoft.com/office/drawing/2010/main" xmlns="">
+              <a14:hiddenFill xmlns:a14="http://schemas.microsoft.com/office/drawing/2010/main">
                 <a:solidFill>
                   <a:srgbClr val="FFFFFF"/>
                 </a:solidFill>
@@ -5045,7 +5482,7 @@
           <a:blip r:embed="rId4" cstate="print">
             <a:extLst>
               <a:ext uri="{28A0092B-C50C-407E-A947-70E740481C1C}">
-                <a14:useLocalDpi xmlns:a14="http://schemas.microsoft.com/office/drawing/2010/main" xmlns="" val="0"/>
+                <a14:useLocalDpi xmlns:a14="http://schemas.microsoft.com/office/drawing/2010/main" val="0"/>
               </a:ext>
             </a:extLst>
           </a:blip>
@@ -5065,7 +5502,7 @@
           <a:noFill/>
           <a:extLst>
             <a:ext uri="{909E8E84-426E-40DD-AFC4-6F175D3DCCD1}">
-              <a14:hiddenFill xmlns:a14="http://schemas.microsoft.com/office/drawing/2010/main" xmlns="">
+              <a14:hiddenFill xmlns:a14="http://schemas.microsoft.com/office/drawing/2010/main">
                 <a:solidFill>
                   <a:srgbClr val="FFFFFF"/>
                 </a:solidFill>
@@ -5086,7 +5523,7 @@
           <a:blip r:embed="rId4" cstate="print">
             <a:extLst>
               <a:ext uri="{28A0092B-C50C-407E-A947-70E740481C1C}">
-                <a14:useLocalDpi xmlns:a14="http://schemas.microsoft.com/office/drawing/2010/main" xmlns="" val="0"/>
+                <a14:useLocalDpi xmlns:a14="http://schemas.microsoft.com/office/drawing/2010/main" val="0"/>
               </a:ext>
             </a:extLst>
           </a:blip>
@@ -5106,7 +5543,7 @@
           <a:noFill/>
           <a:extLst>
             <a:ext uri="{909E8E84-426E-40DD-AFC4-6F175D3DCCD1}">
-              <a14:hiddenFill xmlns:a14="http://schemas.microsoft.com/office/drawing/2010/main" xmlns="">
+              <a14:hiddenFill xmlns:a14="http://schemas.microsoft.com/office/drawing/2010/main">
                 <a:solidFill>
                   <a:srgbClr val="FFFFFF"/>
                 </a:solidFill>
@@ -5695,7 +6132,7 @@
           <a:blip r:embed="rId5" cstate="print">
             <a:extLst>
               <a:ext uri="{28A0092B-C50C-407E-A947-70E740481C1C}">
-                <a14:useLocalDpi xmlns:a14="http://schemas.microsoft.com/office/drawing/2010/main" xmlns="" val="0"/>
+                <a14:useLocalDpi xmlns:a14="http://schemas.microsoft.com/office/drawing/2010/main" val="0"/>
               </a:ext>
             </a:extLst>
           </a:blip>
@@ -5715,7 +6152,7 @@
           <a:noFill/>
           <a:extLst>
             <a:ext uri="{909E8E84-426E-40DD-AFC4-6F175D3DCCD1}">
-              <a14:hiddenFill xmlns:a14="http://schemas.microsoft.com/office/drawing/2010/main" xmlns="">
+              <a14:hiddenFill xmlns:a14="http://schemas.microsoft.com/office/drawing/2010/main">
                 <a:solidFill>
                   <a:srgbClr val="FFFFFF"/>
                 </a:solidFill>
@@ -5778,13 +6215,20 @@
     </p:spTree>
     <p:extLst>
       <p:ext uri="{BB962C8B-B14F-4D97-AF65-F5344CB8AC3E}">
-        <p14:creationId xmlns:p14="http://schemas.microsoft.com/office/powerpoint/2010/main" xmlns="" val="1608807360"/>
+        <p14:creationId xmlns:p14="http://schemas.microsoft.com/office/powerpoint/2010/main" val="1608807360"/>
       </p:ext>
     </p:extLst>
   </p:cSld>
   <p:clrMapOvr>
     <a:masterClrMapping/>
   </p:clrMapOvr>
+  <p:timing>
+    <p:tnLst>
+      <p:par>
+        <p:cTn id="1" dur="indefinite" restart="never" nodeType="tmRoot"/>
+      </p:par>
+    </p:tnLst>
+  </p:timing>
 </p:sld>
 </file>
 
@@ -5807,6 +6251,54 @@
       </p:grpSpPr>
       <p:sp>
         <p:nvSpPr>
+          <p:cNvPr id="34" name="모서리가 둥근 직사각형 33"/>
+          <p:cNvSpPr/>
+          <p:nvPr/>
+        </p:nvSpPr>
+        <p:spPr>
+          <a:xfrm>
+            <a:off x="1219200" y="990600"/>
+            <a:ext cx="6625405" cy="2590443"/>
+          </a:xfrm>
+          <a:prstGeom prst="roundRect">
+            <a:avLst>
+              <a:gd name="adj" fmla="val 5349"/>
+            </a:avLst>
+          </a:prstGeom>
+          <a:solidFill>
+            <a:schemeClr val="accent3">
+              <a:lumMod val="20000"/>
+              <a:lumOff val="80000"/>
+            </a:schemeClr>
+          </a:solidFill>
+        </p:spPr>
+        <p:style>
+          <a:lnRef idx="1">
+            <a:schemeClr val="accent3"/>
+          </a:lnRef>
+          <a:fillRef idx="3">
+            <a:schemeClr val="accent3"/>
+          </a:fillRef>
+          <a:effectRef idx="2">
+            <a:schemeClr val="accent3"/>
+          </a:effectRef>
+          <a:fontRef idx="minor">
+            <a:schemeClr val="lt1"/>
+          </a:fontRef>
+        </p:style>
+        <p:txBody>
+          <a:bodyPr rtlCol="0" anchor="ctr"/>
+          <a:lstStyle/>
+          <a:p>
+            <a:pPr algn="ctr"/>
+            <a:endParaRPr lang="ko-KR" altLang="en-US" sz="1100">
+              <a:latin typeface="+mn-ea"/>
+            </a:endParaRPr>
+          </a:p>
+        </p:txBody>
+      </p:sp>
+      <p:sp>
+        <p:nvSpPr>
           <p:cNvPr id="2" name="标题 1"/>
           <p:cNvSpPr>
             <a:spLocks noGrp="1"/>
@@ -5815,34 +6307,31 @@
             <p:ph type="title"/>
           </p:nvPr>
         </p:nvSpPr>
-        <p:spPr/>
+        <p:spPr>
+          <a:xfrm>
+            <a:off x="457200" y="274638"/>
+            <a:ext cx="8229600" cy="563562"/>
+          </a:xfrm>
+        </p:spPr>
         <p:txBody>
           <a:bodyPr>
             <a:normAutofit/>
           </a:bodyPr>
           <a:lstStyle/>
           <a:p>
-            <a:pPr algn="l"/>
+            <a:r>
+              <a:rPr lang="en-US" altLang="zh-CN" sz="2800" b="1" dirty="0" err="1" smtClean="0">
+                <a:latin typeface="Arial" pitchFamily="34" charset="0"/>
+                <a:cs typeface="Arial" pitchFamily="34" charset="0"/>
+              </a:rPr>
+              <a:t>nGrinder</a:t>
+            </a:r>
             <a:r>
               <a:rPr lang="en-US" altLang="zh-CN" sz="2800" b="1" dirty="0" smtClean="0">
                 <a:latin typeface="Arial" pitchFamily="34" charset="0"/>
                 <a:cs typeface="Arial" pitchFamily="34" charset="0"/>
               </a:rPr>
-              <a:t>nGrinder </a:t>
-            </a:r>
-            <a:r>
-              <a:rPr lang="en-US" altLang="zh-CN" sz="2800" b="1" dirty="0" smtClean="0">
-                <a:latin typeface="Arial" pitchFamily="34" charset="0"/>
-                <a:cs typeface="Arial" pitchFamily="34" charset="0"/>
-              </a:rPr>
-              <a:t>controller – </a:t>
-            </a:r>
-            <a:r>
-              <a:rPr lang="en-US" altLang="zh-CN" sz="2800" b="1" dirty="0" smtClean="0">
-                <a:latin typeface="Arial" pitchFamily="34" charset="0"/>
-                <a:cs typeface="Arial" pitchFamily="34" charset="0"/>
-              </a:rPr>
-              <a:t>before cluster</a:t>
+              <a:t> controller without clustering</a:t>
             </a:r>
             <a:endParaRPr lang="zh-CN" altLang="en-US" sz="2800" b="1" dirty="0" smtClean="0">
               <a:latin typeface="Arial" pitchFamily="34" charset="0"/>
@@ -5853,24 +6342,466 @@
       </p:sp>
       <p:sp>
         <p:nvSpPr>
-          <p:cNvPr id="5" name="矩形 4"/>
+          <p:cNvPr id="7" name="圆角矩形 6"/>
           <p:cNvSpPr/>
           <p:nvPr/>
         </p:nvSpPr>
         <p:spPr>
           <a:xfrm>
-            <a:off x="2438400" y="5638800"/>
-            <a:ext cx="5562600" cy="914400"/>
-          </a:xfrm>
-          <a:prstGeom prst="rect">
+            <a:off x="1404994" y="3810001"/>
+            <a:ext cx="1828800" cy="304800"/>
+          </a:xfrm>
+          <a:prstGeom prst="roundRect">
             <a:avLst/>
           </a:prstGeom>
+        </p:spPr>
+        <p:style>
+          <a:lnRef idx="1">
+            <a:schemeClr val="accent3"/>
+          </a:lnRef>
+          <a:fillRef idx="3">
+            <a:schemeClr val="accent3"/>
+          </a:fillRef>
+          <a:effectRef idx="2">
+            <a:schemeClr val="accent3"/>
+          </a:effectRef>
+          <a:fontRef idx="minor">
+            <a:schemeClr val="lt1"/>
+          </a:fontRef>
+        </p:style>
+        <p:txBody>
+          <a:bodyPr rtlCol="0" anchor="ctr"/>
+          <a:lstStyle/>
+          <a:p>
+            <a:pPr algn="ctr"/>
+            <a:r>
+              <a:rPr lang="en-US" altLang="zh-CN" sz="1400" dirty="0" smtClean="0">
+                <a:solidFill>
+                  <a:schemeClr val="bg1"/>
+                </a:solidFill>
+                <a:latin typeface="Arial" pitchFamily="34" charset="0"/>
+                <a:cs typeface="Arial" pitchFamily="34" charset="0"/>
+              </a:rPr>
+              <a:t>DB (H2, </a:t>
+            </a:r>
+            <a:r>
+              <a:rPr lang="en-US" altLang="zh-CN" sz="1400" dirty="0" err="1" smtClean="0">
+                <a:solidFill>
+                  <a:schemeClr val="bg1"/>
+                </a:solidFill>
+                <a:latin typeface="Arial" pitchFamily="34" charset="0"/>
+                <a:cs typeface="Arial" pitchFamily="34" charset="0"/>
+              </a:rPr>
+              <a:t>Cubrid</a:t>
+            </a:r>
+            <a:r>
+              <a:rPr lang="en-US" altLang="zh-CN" sz="1400" dirty="0" smtClean="0">
+                <a:solidFill>
+                  <a:schemeClr val="bg1"/>
+                </a:solidFill>
+                <a:latin typeface="Arial" pitchFamily="34" charset="0"/>
+                <a:cs typeface="Arial" pitchFamily="34" charset="0"/>
+              </a:rPr>
+              <a:t>)</a:t>
+            </a:r>
+            <a:endParaRPr lang="zh-CN" altLang="en-US" sz="1400" dirty="0">
+              <a:solidFill>
+                <a:schemeClr val="bg1"/>
+              </a:solidFill>
+              <a:latin typeface="Arial" pitchFamily="34" charset="0"/>
+              <a:cs typeface="Arial" pitchFamily="34" charset="0"/>
+            </a:endParaRPr>
+          </a:p>
+        </p:txBody>
+      </p:sp>
+      <p:sp>
+        <p:nvSpPr>
+          <p:cNvPr id="8" name="圆角矩形 7"/>
+          <p:cNvSpPr/>
+          <p:nvPr/>
+        </p:nvSpPr>
+        <p:spPr>
+          <a:xfrm>
+            <a:off x="3348806" y="3810001"/>
+            <a:ext cx="4343400" cy="304800"/>
+          </a:xfrm>
+          <a:prstGeom prst="roundRect">
+            <a:avLst/>
+          </a:prstGeom>
+        </p:spPr>
+        <p:style>
+          <a:lnRef idx="1">
+            <a:schemeClr val="accent3"/>
+          </a:lnRef>
+          <a:fillRef idx="3">
+            <a:schemeClr val="accent3"/>
+          </a:fillRef>
+          <a:effectRef idx="2">
+            <a:schemeClr val="accent3"/>
+          </a:effectRef>
+          <a:fontRef idx="minor">
+            <a:schemeClr val="lt1"/>
+          </a:fontRef>
+        </p:style>
+        <p:txBody>
+          <a:bodyPr rtlCol="0" anchor="ctr"/>
+          <a:lstStyle/>
+          <a:p>
+            <a:pPr algn="ctr"/>
+            <a:r>
+              <a:rPr lang="en-US" altLang="zh-CN" sz="1400" dirty="0">
+                <a:solidFill>
+                  <a:schemeClr val="bg1"/>
+                </a:solidFill>
+                <a:latin typeface="Arial" pitchFamily="34" charset="0"/>
+                <a:cs typeface="Arial" pitchFamily="34" charset="0"/>
+              </a:rPr>
+              <a:t>Home directory </a:t>
+            </a:r>
+            <a:r>
+              <a:rPr lang="en-US" altLang="zh-CN" sz="1400" dirty="0" smtClean="0">
+                <a:solidFill>
+                  <a:schemeClr val="bg1"/>
+                </a:solidFill>
+                <a:latin typeface="Arial" pitchFamily="34" charset="0"/>
+                <a:cs typeface="Arial" pitchFamily="34" charset="0"/>
+              </a:rPr>
+              <a:t>${NGRINDER_HOME}</a:t>
+            </a:r>
+            <a:endParaRPr lang="zh-CN" altLang="en-US" sz="1400" dirty="0">
+              <a:solidFill>
+                <a:schemeClr val="tx1"/>
+              </a:solidFill>
+              <a:latin typeface="Arial" pitchFamily="34" charset="0"/>
+              <a:cs typeface="Arial" pitchFamily="34" charset="0"/>
+            </a:endParaRPr>
+          </a:p>
+        </p:txBody>
+      </p:sp>
+      <p:sp>
+        <p:nvSpPr>
+          <p:cNvPr id="9" name="圆角矩形 8"/>
+          <p:cNvSpPr/>
+          <p:nvPr/>
+        </p:nvSpPr>
+        <p:spPr>
+          <a:xfrm>
+            <a:off x="1376463" y="2971801"/>
+            <a:ext cx="1828800" cy="381000"/>
+          </a:xfrm>
+          <a:prstGeom prst="roundRect">
+            <a:avLst/>
+          </a:prstGeom>
+        </p:spPr>
+        <p:style>
+          <a:lnRef idx="1">
+            <a:schemeClr val="accent4"/>
+          </a:lnRef>
+          <a:fillRef idx="3">
+            <a:schemeClr val="accent4"/>
+          </a:fillRef>
+          <a:effectRef idx="2">
+            <a:schemeClr val="accent4"/>
+          </a:effectRef>
+          <a:fontRef idx="minor">
+            <a:schemeClr val="lt1"/>
+          </a:fontRef>
+        </p:style>
+        <p:txBody>
+          <a:bodyPr rtlCol="0" anchor="ctr"/>
+          <a:lstStyle/>
+          <a:p>
+            <a:pPr algn="ctr"/>
+            <a:r>
+              <a:rPr lang="en-US" altLang="zh-CN" sz="1400" dirty="0" smtClean="0">
+                <a:solidFill>
+                  <a:schemeClr val="bg1"/>
+                </a:solidFill>
+                <a:latin typeface="Arial" pitchFamily="34" charset="0"/>
+                <a:cs typeface="Arial" pitchFamily="34" charset="0"/>
+              </a:rPr>
+              <a:t>Spring Data</a:t>
+            </a:r>
+            <a:endParaRPr lang="zh-CN" altLang="en-US" sz="1400" dirty="0">
+              <a:solidFill>
+                <a:schemeClr val="bg1"/>
+              </a:solidFill>
+              <a:latin typeface="Arial" pitchFamily="34" charset="0"/>
+              <a:cs typeface="Arial" pitchFamily="34" charset="0"/>
+            </a:endParaRPr>
+          </a:p>
+        </p:txBody>
+      </p:sp>
+      <p:sp>
+        <p:nvSpPr>
+          <p:cNvPr id="10" name="圆角矩形 9"/>
+          <p:cNvSpPr/>
+          <p:nvPr/>
+        </p:nvSpPr>
+        <p:spPr>
+          <a:xfrm>
+            <a:off x="3320274" y="2971801"/>
+            <a:ext cx="1905000" cy="381000"/>
+          </a:xfrm>
+          <a:prstGeom prst="roundRect">
+            <a:avLst/>
+          </a:prstGeom>
+        </p:spPr>
+        <p:style>
+          <a:lnRef idx="1">
+            <a:schemeClr val="accent4"/>
+          </a:lnRef>
+          <a:fillRef idx="3">
+            <a:schemeClr val="accent4"/>
+          </a:fillRef>
+          <a:effectRef idx="2">
+            <a:schemeClr val="accent4"/>
+          </a:effectRef>
+          <a:fontRef idx="minor">
+            <a:schemeClr val="lt1"/>
+          </a:fontRef>
+        </p:style>
+        <p:txBody>
+          <a:bodyPr rtlCol="0" anchor="ctr"/>
+          <a:lstStyle/>
+          <a:p>
+            <a:pPr algn="ctr"/>
+            <a:r>
+              <a:rPr lang="en-US" altLang="zh-CN" sz="1400" dirty="0" err="1" smtClean="0">
+                <a:solidFill>
+                  <a:schemeClr val="bg1"/>
+                </a:solidFill>
+                <a:latin typeface="Arial" pitchFamily="34" charset="0"/>
+                <a:cs typeface="Arial" pitchFamily="34" charset="0"/>
+              </a:rPr>
+              <a:t>SVNkit</a:t>
+            </a:r>
+            <a:endParaRPr lang="zh-CN" altLang="en-US" sz="1400" dirty="0">
+              <a:solidFill>
+                <a:schemeClr val="bg1"/>
+              </a:solidFill>
+              <a:latin typeface="Arial" pitchFamily="34" charset="0"/>
+              <a:cs typeface="Arial" pitchFamily="34" charset="0"/>
+            </a:endParaRPr>
+          </a:p>
+        </p:txBody>
+      </p:sp>
+      <p:sp>
+        <p:nvSpPr>
+          <p:cNvPr id="11" name="圆角矩形 10"/>
+          <p:cNvSpPr/>
+          <p:nvPr/>
+        </p:nvSpPr>
+        <p:spPr>
+          <a:xfrm>
+            <a:off x="1339074" y="2083039"/>
+            <a:ext cx="3886200" cy="304800"/>
+          </a:xfrm>
+          <a:prstGeom prst="roundRect">
+            <a:avLst/>
+          </a:prstGeom>
+        </p:spPr>
+        <p:style>
+          <a:lnRef idx="1">
+            <a:schemeClr val="accent3"/>
+          </a:lnRef>
+          <a:fillRef idx="3">
+            <a:schemeClr val="accent3"/>
+          </a:fillRef>
+          <a:effectRef idx="2">
+            <a:schemeClr val="accent3"/>
+          </a:effectRef>
+          <a:fontRef idx="minor">
+            <a:schemeClr val="lt1"/>
+          </a:fontRef>
+        </p:style>
+        <p:txBody>
+          <a:bodyPr rtlCol="0" anchor="ctr"/>
+          <a:lstStyle/>
+          <a:p>
+            <a:pPr algn="ctr"/>
+            <a:r>
+              <a:rPr lang="en-US" altLang="zh-CN" sz="1400" dirty="0" err="1" smtClean="0">
+                <a:solidFill>
+                  <a:schemeClr val="bg1"/>
+                </a:solidFill>
+                <a:latin typeface="Arial" pitchFamily="34" charset="0"/>
+                <a:cs typeface="Arial" pitchFamily="34" charset="0"/>
+              </a:rPr>
+              <a:t>EhCache</a:t>
+            </a:r>
+            <a:endParaRPr lang="zh-CN" altLang="en-US" sz="1400" dirty="0">
+              <a:solidFill>
+                <a:schemeClr val="bg1"/>
+              </a:solidFill>
+              <a:latin typeface="Arial" pitchFamily="34" charset="0"/>
+              <a:cs typeface="Arial" pitchFamily="34" charset="0"/>
+            </a:endParaRPr>
+          </a:p>
+        </p:txBody>
+      </p:sp>
+      <p:sp>
+        <p:nvSpPr>
+          <p:cNvPr id="12" name="圆角矩形 11"/>
+          <p:cNvSpPr/>
+          <p:nvPr/>
+        </p:nvSpPr>
+        <p:spPr>
+          <a:xfrm>
+            <a:off x="1339074" y="1143001"/>
+            <a:ext cx="3847388" cy="381000"/>
+          </a:xfrm>
+          <a:prstGeom prst="roundRect">
+            <a:avLst/>
+          </a:prstGeom>
+        </p:spPr>
+        <p:style>
+          <a:lnRef idx="1">
+            <a:schemeClr val="accent4"/>
+          </a:lnRef>
+          <a:fillRef idx="3">
+            <a:schemeClr val="accent4"/>
+          </a:fillRef>
+          <a:effectRef idx="2">
+            <a:schemeClr val="accent4"/>
+          </a:effectRef>
+          <a:fontRef idx="minor">
+            <a:schemeClr val="lt1"/>
+          </a:fontRef>
+        </p:style>
+        <p:txBody>
+          <a:bodyPr rtlCol="0" anchor="ctr"/>
+          <a:lstStyle/>
+          <a:p>
+            <a:pPr algn="ctr"/>
+            <a:r>
+              <a:rPr lang="en-US" altLang="zh-CN" sz="1400" dirty="0" smtClean="0">
+                <a:solidFill>
+                  <a:schemeClr val="bg1"/>
+                </a:solidFill>
+                <a:latin typeface="Arial" pitchFamily="34" charset="0"/>
+                <a:cs typeface="Arial" pitchFamily="34" charset="0"/>
+              </a:rPr>
+              <a:t>Spring Security</a:t>
+            </a:r>
+            <a:endParaRPr lang="zh-CN" altLang="en-US" sz="1400" dirty="0">
+              <a:solidFill>
+                <a:schemeClr val="bg1"/>
+              </a:solidFill>
+              <a:latin typeface="Arial" pitchFamily="34" charset="0"/>
+              <a:cs typeface="Arial" pitchFamily="34" charset="0"/>
+            </a:endParaRPr>
+          </a:p>
+        </p:txBody>
+      </p:sp>
+      <p:sp>
+        <p:nvSpPr>
+          <p:cNvPr id="13" name="圆角矩形 12"/>
+          <p:cNvSpPr/>
+          <p:nvPr/>
+        </p:nvSpPr>
+        <p:spPr>
+          <a:xfrm>
+            <a:off x="5338863" y="2971801"/>
+            <a:ext cx="2286000" cy="380999"/>
+          </a:xfrm>
+          <a:prstGeom prst="roundRect">
+            <a:avLst/>
+          </a:prstGeom>
+        </p:spPr>
+        <p:style>
+          <a:lnRef idx="1">
+            <a:schemeClr val="accent4"/>
+          </a:lnRef>
+          <a:fillRef idx="3">
+            <a:schemeClr val="accent4"/>
+          </a:fillRef>
+          <a:effectRef idx="2">
+            <a:schemeClr val="accent4"/>
+          </a:effectRef>
+          <a:fontRef idx="minor">
+            <a:schemeClr val="lt1"/>
+          </a:fontRef>
+        </p:style>
+        <p:txBody>
+          <a:bodyPr rtlCol="0" anchor="ctr"/>
+          <a:lstStyle/>
+          <a:p>
+            <a:pPr algn="ctr"/>
+            <a:r>
+              <a:rPr lang="en-US" altLang="zh-CN" sz="1400" dirty="0" smtClean="0">
+                <a:solidFill>
+                  <a:schemeClr val="bg1"/>
+                </a:solidFill>
+                <a:latin typeface="Arial" pitchFamily="34" charset="0"/>
+                <a:cs typeface="Arial" pitchFamily="34" charset="0"/>
+              </a:rPr>
+              <a:t>APF</a:t>
+            </a:r>
+          </a:p>
+          <a:p>
+            <a:pPr algn="ctr"/>
+            <a:r>
+              <a:rPr lang="en-US" altLang="zh-CN" sz="1000" dirty="0" smtClean="0">
+                <a:solidFill>
+                  <a:schemeClr val="bg1"/>
+                </a:solidFill>
+                <a:latin typeface="Arial" pitchFamily="34" charset="0"/>
+                <a:cs typeface="Arial" pitchFamily="34" charset="0"/>
+              </a:rPr>
+              <a:t>(</a:t>
+            </a:r>
+            <a:r>
+              <a:rPr lang="en-US" altLang="zh-CN" sz="1000" dirty="0" err="1" smtClean="0">
+                <a:solidFill>
+                  <a:schemeClr val="bg1"/>
+                </a:solidFill>
+                <a:latin typeface="Arial" pitchFamily="34" charset="0"/>
+                <a:cs typeface="Arial" pitchFamily="34" charset="0"/>
+              </a:rPr>
+              <a:t>Atlassian</a:t>
+            </a:r>
+            <a:r>
+              <a:rPr lang="en-US" altLang="zh-CN" sz="1000" dirty="0" smtClean="0">
+                <a:solidFill>
+                  <a:schemeClr val="bg1"/>
+                </a:solidFill>
+                <a:latin typeface="Arial" pitchFamily="34" charset="0"/>
+                <a:cs typeface="Arial" pitchFamily="34" charset="0"/>
+              </a:rPr>
+              <a:t> Plugin Framework)</a:t>
+            </a:r>
+            <a:endParaRPr lang="zh-CN" altLang="en-US" sz="1000" dirty="0">
+              <a:solidFill>
+                <a:schemeClr val="bg1"/>
+              </a:solidFill>
+              <a:latin typeface="Arial" pitchFamily="34" charset="0"/>
+              <a:cs typeface="Arial" pitchFamily="34" charset="0"/>
+            </a:endParaRPr>
+          </a:p>
+        </p:txBody>
+      </p:sp>
+      <p:sp>
+        <p:nvSpPr>
+          <p:cNvPr id="14" name="下箭头 13"/>
+          <p:cNvSpPr/>
+          <p:nvPr/>
+        </p:nvSpPr>
+        <p:spPr>
+          <a:xfrm>
+            <a:off x="3979370" y="3409060"/>
+            <a:ext cx="457200" cy="381000"/>
+          </a:xfrm>
+          <a:prstGeom prst="downArrow">
+            <a:avLst/>
+          </a:prstGeom>
+          <a:solidFill>
+            <a:schemeClr val="bg2">
+              <a:lumMod val="75000"/>
+            </a:schemeClr>
+          </a:solidFill>
           <a:ln>
-            <a:solidFill>
-              <a:schemeClr val="bg1">
-                <a:lumMod val="65000"/>
-              </a:schemeClr>
-            </a:solidFill>
+            <a:noFill/>
           </a:ln>
         </p:spPr>
         <p:style>
@@ -5906,554 +6837,25 @@
       </p:sp>
       <p:sp>
         <p:nvSpPr>
-          <p:cNvPr id="6" name="矩形 5"/>
+          <p:cNvPr id="15" name="下箭头 14"/>
           <p:cNvSpPr/>
           <p:nvPr/>
         </p:nvSpPr>
         <p:spPr>
           <a:xfrm>
-            <a:off x="2438400" y="2438400"/>
-            <a:ext cx="5562600" cy="2971800"/>
-          </a:xfrm>
-          <a:prstGeom prst="rect">
+            <a:off x="2024874" y="3394817"/>
+            <a:ext cx="457200" cy="381000"/>
+          </a:xfrm>
+          <a:prstGeom prst="downArrow">
             <a:avLst/>
           </a:prstGeom>
           <a:solidFill>
-            <a:schemeClr val="tx2">
-              <a:lumMod val="40000"/>
-              <a:lumOff val="60000"/>
+            <a:schemeClr val="bg2">
+              <a:lumMod val="75000"/>
             </a:schemeClr>
           </a:solidFill>
           <a:ln>
-            <a:solidFill>
-              <a:schemeClr val="tx2">
-                <a:lumMod val="60000"/>
-                <a:lumOff val="40000"/>
-              </a:schemeClr>
-            </a:solidFill>
-          </a:ln>
-        </p:spPr>
-        <p:style>
-          <a:lnRef idx="2">
-            <a:schemeClr val="accent1">
-              <a:shade val="50000"/>
-            </a:schemeClr>
-          </a:lnRef>
-          <a:fillRef idx="1">
-            <a:schemeClr val="accent1"/>
-          </a:fillRef>
-          <a:effectRef idx="0">
-            <a:schemeClr val="accent1"/>
-          </a:effectRef>
-          <a:fontRef idx="minor">
-            <a:schemeClr val="lt1"/>
-          </a:fontRef>
-        </p:style>
-        <p:txBody>
-          <a:bodyPr rtlCol="0" anchor="t"/>
-          <a:lstStyle/>
-          <a:p>
-            <a:pPr algn="ctr"/>
-            <a:r>
-              <a:rPr lang="en-US" altLang="zh-CN" sz="1400" b="1" dirty="0" smtClean="0">
-                <a:solidFill>
-                  <a:schemeClr val="tx1"/>
-                </a:solidFill>
-                <a:latin typeface="Arial" pitchFamily="34" charset="0"/>
-                <a:cs typeface="Arial" pitchFamily="34" charset="0"/>
-              </a:rPr>
-              <a:t>          </a:t>
-            </a:r>
-          </a:p>
-        </p:txBody>
-      </p:sp>
-      <p:sp>
-        <p:nvSpPr>
-          <p:cNvPr id="7" name="圆角矩形 6"/>
-          <p:cNvSpPr/>
-          <p:nvPr/>
-        </p:nvSpPr>
-        <p:spPr>
-          <a:xfrm>
-            <a:off x="2895600" y="5791200"/>
-            <a:ext cx="2286000" cy="609600"/>
-          </a:xfrm>
-          <a:prstGeom prst="roundRect">
-            <a:avLst/>
-          </a:prstGeom>
-          <a:solidFill>
-            <a:schemeClr val="tx2">
-              <a:lumMod val="40000"/>
-              <a:lumOff val="60000"/>
-            </a:schemeClr>
-          </a:solidFill>
-        </p:spPr>
-        <p:style>
-          <a:lnRef idx="2">
-            <a:schemeClr val="accent1">
-              <a:shade val="50000"/>
-            </a:schemeClr>
-          </a:lnRef>
-          <a:fillRef idx="1">
-            <a:schemeClr val="accent1"/>
-          </a:fillRef>
-          <a:effectRef idx="0">
-            <a:schemeClr val="accent1"/>
-          </a:effectRef>
-          <a:fontRef idx="minor">
-            <a:schemeClr val="lt1"/>
-          </a:fontRef>
-        </p:style>
-        <p:txBody>
-          <a:bodyPr rtlCol="0" anchor="ctr"/>
-          <a:lstStyle/>
-          <a:p>
-            <a:pPr algn="ctr"/>
-            <a:r>
-              <a:rPr lang="en-US" altLang="zh-CN" sz="1400" dirty="0" smtClean="0">
-                <a:solidFill>
-                  <a:schemeClr val="tx1"/>
-                </a:solidFill>
-                <a:latin typeface="Arial" pitchFamily="34" charset="0"/>
-                <a:cs typeface="Arial" pitchFamily="34" charset="0"/>
-              </a:rPr>
-              <a:t>DB</a:t>
-            </a:r>
-            <a:endParaRPr lang="zh-CN" altLang="en-US" sz="1400" dirty="0">
-              <a:solidFill>
-                <a:schemeClr val="tx1"/>
-              </a:solidFill>
-              <a:latin typeface="Arial" pitchFamily="34" charset="0"/>
-              <a:cs typeface="Arial" pitchFamily="34" charset="0"/>
-            </a:endParaRPr>
-          </a:p>
-        </p:txBody>
-      </p:sp>
-      <p:sp>
-        <p:nvSpPr>
-          <p:cNvPr id="8" name="圆角矩形 7"/>
-          <p:cNvSpPr/>
-          <p:nvPr/>
-        </p:nvSpPr>
-        <p:spPr>
-          <a:xfrm>
-            <a:off x="5410200" y="5791200"/>
-            <a:ext cx="2362200" cy="609600"/>
-          </a:xfrm>
-          <a:prstGeom prst="roundRect">
-            <a:avLst/>
-          </a:prstGeom>
-          <a:solidFill>
-            <a:schemeClr val="tx2">
-              <a:lumMod val="40000"/>
-              <a:lumOff val="60000"/>
-            </a:schemeClr>
-          </a:solidFill>
-        </p:spPr>
-        <p:style>
-          <a:lnRef idx="2">
-            <a:schemeClr val="accent1">
-              <a:shade val="50000"/>
-            </a:schemeClr>
-          </a:lnRef>
-          <a:fillRef idx="1">
-            <a:schemeClr val="accent1"/>
-          </a:fillRef>
-          <a:effectRef idx="0">
-            <a:schemeClr val="accent1"/>
-          </a:effectRef>
-          <a:fontRef idx="minor">
-            <a:schemeClr val="lt1"/>
-          </a:fontRef>
-        </p:style>
-        <p:txBody>
-          <a:bodyPr rtlCol="0" anchor="ctr"/>
-          <a:lstStyle/>
-          <a:p>
-            <a:pPr algn="ctr"/>
-            <a:r>
-              <a:rPr lang="en-US" altLang="zh-CN" sz="1400" dirty="0" smtClean="0">
-                <a:solidFill>
-                  <a:schemeClr val="tx1"/>
-                </a:solidFill>
-                <a:latin typeface="Arial" pitchFamily="34" charset="0"/>
-                <a:cs typeface="Arial" pitchFamily="34" charset="0"/>
-              </a:rPr>
-              <a:t>home directory</a:t>
-            </a:r>
-            <a:endParaRPr lang="zh-CN" altLang="en-US" sz="1400" dirty="0">
-              <a:solidFill>
-                <a:schemeClr val="tx1"/>
-              </a:solidFill>
-              <a:latin typeface="Arial" pitchFamily="34" charset="0"/>
-              <a:cs typeface="Arial" pitchFamily="34" charset="0"/>
-            </a:endParaRPr>
-          </a:p>
-        </p:txBody>
-      </p:sp>
-      <p:sp>
-        <p:nvSpPr>
-          <p:cNvPr id="9" name="圆角矩形 8"/>
-          <p:cNvSpPr/>
-          <p:nvPr/>
-        </p:nvSpPr>
-        <p:spPr>
-          <a:xfrm>
-            <a:off x="3886200" y="4724400"/>
-            <a:ext cx="1828800" cy="533400"/>
-          </a:xfrm>
-          <a:prstGeom prst="roundRect">
-            <a:avLst/>
-          </a:prstGeom>
-          <a:solidFill>
-            <a:schemeClr val="tx2">
-              <a:lumMod val="20000"/>
-              <a:lumOff val="80000"/>
-            </a:schemeClr>
-          </a:solidFill>
-        </p:spPr>
-        <p:style>
-          <a:lnRef idx="2">
-            <a:schemeClr val="accent1">
-              <a:shade val="50000"/>
-            </a:schemeClr>
-          </a:lnRef>
-          <a:fillRef idx="1">
-            <a:schemeClr val="accent1"/>
-          </a:fillRef>
-          <a:effectRef idx="0">
-            <a:schemeClr val="accent1"/>
-          </a:effectRef>
-          <a:fontRef idx="minor">
-            <a:schemeClr val="lt1"/>
-          </a:fontRef>
-        </p:style>
-        <p:txBody>
-          <a:bodyPr rtlCol="0" anchor="ctr"/>
-          <a:lstStyle/>
-          <a:p>
-            <a:pPr algn="ctr"/>
-            <a:r>
-              <a:rPr lang="en-US" altLang="zh-CN" sz="1400" dirty="0" smtClean="0">
-                <a:solidFill>
-                  <a:schemeClr val="tx1"/>
-                </a:solidFill>
-                <a:latin typeface="Arial" pitchFamily="34" charset="0"/>
-                <a:cs typeface="Arial" pitchFamily="34" charset="0"/>
-              </a:rPr>
-              <a:t>Spring Data</a:t>
-            </a:r>
-            <a:endParaRPr lang="zh-CN" altLang="en-US" sz="1400" dirty="0">
-              <a:solidFill>
-                <a:schemeClr val="tx1"/>
-              </a:solidFill>
-              <a:latin typeface="Arial" pitchFamily="34" charset="0"/>
-              <a:cs typeface="Arial" pitchFamily="34" charset="0"/>
-            </a:endParaRPr>
-          </a:p>
-        </p:txBody>
-      </p:sp>
-      <p:sp>
-        <p:nvSpPr>
-          <p:cNvPr id="10" name="圆角矩形 9"/>
-          <p:cNvSpPr/>
-          <p:nvPr/>
-        </p:nvSpPr>
-        <p:spPr>
-          <a:xfrm>
-            <a:off x="5867400" y="4724400"/>
-            <a:ext cx="1905000" cy="533400"/>
-          </a:xfrm>
-          <a:prstGeom prst="roundRect">
-            <a:avLst/>
-          </a:prstGeom>
-          <a:solidFill>
-            <a:schemeClr val="tx2">
-              <a:lumMod val="20000"/>
-              <a:lumOff val="80000"/>
-            </a:schemeClr>
-          </a:solidFill>
-        </p:spPr>
-        <p:style>
-          <a:lnRef idx="2">
-            <a:schemeClr val="accent1">
-              <a:shade val="50000"/>
-            </a:schemeClr>
-          </a:lnRef>
-          <a:fillRef idx="1">
-            <a:schemeClr val="accent1"/>
-          </a:fillRef>
-          <a:effectRef idx="0">
-            <a:schemeClr val="accent1"/>
-          </a:effectRef>
-          <a:fontRef idx="minor">
-            <a:schemeClr val="lt1"/>
-          </a:fontRef>
-        </p:style>
-        <p:txBody>
-          <a:bodyPr rtlCol="0" anchor="ctr"/>
-          <a:lstStyle/>
-          <a:p>
-            <a:pPr algn="ctr"/>
-            <a:r>
-              <a:rPr lang="en-US" altLang="zh-CN" sz="1400" dirty="0" smtClean="0">
-                <a:solidFill>
-                  <a:schemeClr val="tx1"/>
-                </a:solidFill>
-                <a:latin typeface="Arial" pitchFamily="34" charset="0"/>
-                <a:cs typeface="Arial" pitchFamily="34" charset="0"/>
-              </a:rPr>
-              <a:t>Embedded SVN</a:t>
-            </a:r>
-            <a:endParaRPr lang="zh-CN" altLang="en-US" sz="1400" dirty="0">
-              <a:solidFill>
-                <a:schemeClr val="tx1"/>
-              </a:solidFill>
-              <a:latin typeface="Arial" pitchFamily="34" charset="0"/>
-              <a:cs typeface="Arial" pitchFamily="34" charset="0"/>
-            </a:endParaRPr>
-          </a:p>
-        </p:txBody>
-      </p:sp>
-      <p:sp>
-        <p:nvSpPr>
-          <p:cNvPr id="11" name="圆角矩形 10"/>
-          <p:cNvSpPr/>
-          <p:nvPr/>
-        </p:nvSpPr>
-        <p:spPr>
-          <a:xfrm>
-            <a:off x="3886200" y="4038600"/>
-            <a:ext cx="3886200" cy="609600"/>
-          </a:xfrm>
-          <a:prstGeom prst="roundRect">
-            <a:avLst/>
-          </a:prstGeom>
-          <a:solidFill>
-            <a:schemeClr val="tx2">
-              <a:lumMod val="20000"/>
-              <a:lumOff val="80000"/>
-            </a:schemeClr>
-          </a:solidFill>
-        </p:spPr>
-        <p:style>
-          <a:lnRef idx="2">
-            <a:schemeClr val="accent1">
-              <a:shade val="50000"/>
-            </a:schemeClr>
-          </a:lnRef>
-          <a:fillRef idx="1">
-            <a:schemeClr val="accent1"/>
-          </a:fillRef>
-          <a:effectRef idx="0">
-            <a:schemeClr val="accent1"/>
-          </a:effectRef>
-          <a:fontRef idx="minor">
-            <a:schemeClr val="lt1"/>
-          </a:fontRef>
-        </p:style>
-        <p:txBody>
-          <a:bodyPr rtlCol="0" anchor="ctr"/>
-          <a:lstStyle/>
-          <a:p>
-            <a:pPr algn="ctr"/>
-            <a:r>
-              <a:rPr lang="en-US" altLang="zh-CN" sz="1400" dirty="0" err="1" smtClean="0">
-                <a:solidFill>
-                  <a:schemeClr val="tx1"/>
-                </a:solidFill>
-                <a:latin typeface="Arial" pitchFamily="34" charset="0"/>
-                <a:cs typeface="Arial" pitchFamily="34" charset="0"/>
-              </a:rPr>
-              <a:t>EhCache</a:t>
-            </a:r>
-            <a:endParaRPr lang="zh-CN" altLang="en-US" sz="1400" dirty="0">
-              <a:solidFill>
-                <a:schemeClr val="tx1"/>
-              </a:solidFill>
-              <a:latin typeface="Arial" pitchFamily="34" charset="0"/>
-              <a:cs typeface="Arial" pitchFamily="34" charset="0"/>
-            </a:endParaRPr>
-          </a:p>
-        </p:txBody>
-      </p:sp>
-      <p:sp>
-        <p:nvSpPr>
-          <p:cNvPr id="12" name="圆角矩形 11"/>
-          <p:cNvSpPr/>
-          <p:nvPr/>
-        </p:nvSpPr>
-        <p:spPr>
-          <a:xfrm>
-            <a:off x="2590800" y="4038600"/>
-            <a:ext cx="1143000" cy="1219200"/>
-          </a:xfrm>
-          <a:prstGeom prst="roundRect">
-            <a:avLst/>
-          </a:prstGeom>
-          <a:solidFill>
-            <a:schemeClr val="tx2">
-              <a:lumMod val="20000"/>
-              <a:lumOff val="80000"/>
-            </a:schemeClr>
-          </a:solidFill>
-        </p:spPr>
-        <p:style>
-          <a:lnRef idx="2">
-            <a:schemeClr val="accent1">
-              <a:shade val="50000"/>
-            </a:schemeClr>
-          </a:lnRef>
-          <a:fillRef idx="1">
-            <a:schemeClr val="accent1"/>
-          </a:fillRef>
-          <a:effectRef idx="0">
-            <a:schemeClr val="accent1"/>
-          </a:effectRef>
-          <a:fontRef idx="minor">
-            <a:schemeClr val="lt1"/>
-          </a:fontRef>
-        </p:style>
-        <p:txBody>
-          <a:bodyPr rtlCol="0" anchor="ctr"/>
-          <a:lstStyle/>
-          <a:p>
-            <a:pPr algn="ctr"/>
-            <a:r>
-              <a:rPr lang="en-US" altLang="zh-CN" sz="1400" dirty="0" smtClean="0">
-                <a:solidFill>
-                  <a:schemeClr val="tx1"/>
-                </a:solidFill>
-                <a:latin typeface="Arial" pitchFamily="34" charset="0"/>
-                <a:cs typeface="Arial" pitchFamily="34" charset="0"/>
-              </a:rPr>
-              <a:t>Spring</a:t>
-            </a:r>
-          </a:p>
-          <a:p>
-            <a:pPr algn="ctr"/>
-            <a:r>
-              <a:rPr lang="en-US" altLang="zh-CN" sz="1400" dirty="0" smtClean="0">
-                <a:solidFill>
-                  <a:schemeClr val="tx1"/>
-                </a:solidFill>
-                <a:latin typeface="Arial" pitchFamily="34" charset="0"/>
-                <a:cs typeface="Arial" pitchFamily="34" charset="0"/>
-              </a:rPr>
-              <a:t>Security</a:t>
-            </a:r>
-            <a:endParaRPr lang="zh-CN" altLang="en-US" sz="1400" dirty="0">
-              <a:solidFill>
-                <a:schemeClr val="tx1"/>
-              </a:solidFill>
-              <a:latin typeface="Arial" pitchFamily="34" charset="0"/>
-              <a:cs typeface="Arial" pitchFamily="34" charset="0"/>
-            </a:endParaRPr>
-          </a:p>
-        </p:txBody>
-      </p:sp>
-      <p:sp>
-        <p:nvSpPr>
-          <p:cNvPr id="13" name="圆角矩形 12"/>
-          <p:cNvSpPr/>
-          <p:nvPr/>
-        </p:nvSpPr>
-        <p:spPr>
-          <a:xfrm>
-            <a:off x="2590800" y="2514600"/>
-            <a:ext cx="1143000" cy="1371600"/>
-          </a:xfrm>
-          <a:prstGeom prst="roundRect">
-            <a:avLst/>
-          </a:prstGeom>
-          <a:solidFill>
-            <a:schemeClr val="tx2">
-              <a:lumMod val="20000"/>
-              <a:lumOff val="80000"/>
-            </a:schemeClr>
-          </a:solidFill>
-        </p:spPr>
-        <p:style>
-          <a:lnRef idx="2">
-            <a:schemeClr val="accent1">
-              <a:shade val="50000"/>
-            </a:schemeClr>
-          </a:lnRef>
-          <a:fillRef idx="1">
-            <a:schemeClr val="accent1"/>
-          </a:fillRef>
-          <a:effectRef idx="0">
-            <a:schemeClr val="accent1"/>
-          </a:effectRef>
-          <a:fontRef idx="minor">
-            <a:schemeClr val="lt1"/>
-          </a:fontRef>
-        </p:style>
-        <p:txBody>
-          <a:bodyPr rtlCol="0" anchor="ctr"/>
-          <a:lstStyle/>
-          <a:p>
-            <a:pPr algn="ctr"/>
-            <a:r>
-              <a:rPr lang="en-US" altLang="zh-CN" sz="1400" dirty="0" smtClean="0">
-                <a:solidFill>
-                  <a:schemeClr val="tx1"/>
-                </a:solidFill>
-                <a:latin typeface="Arial" pitchFamily="34" charset="0"/>
-                <a:cs typeface="Arial" pitchFamily="34" charset="0"/>
-              </a:rPr>
-              <a:t>Plugin</a:t>
-            </a:r>
-          </a:p>
-          <a:p>
-            <a:pPr algn="ctr"/>
-            <a:r>
-              <a:rPr lang="en-US" altLang="zh-CN" sz="1400" dirty="0" smtClean="0">
-                <a:solidFill>
-                  <a:schemeClr val="tx1"/>
-                </a:solidFill>
-                <a:latin typeface="Arial" pitchFamily="34" charset="0"/>
-                <a:cs typeface="Arial" pitchFamily="34" charset="0"/>
-              </a:rPr>
-              <a:t>System</a:t>
-            </a:r>
-            <a:endParaRPr lang="zh-CN" altLang="en-US" sz="1400" dirty="0">
-              <a:solidFill>
-                <a:schemeClr val="tx1"/>
-              </a:solidFill>
-              <a:latin typeface="Arial" pitchFamily="34" charset="0"/>
-              <a:cs typeface="Arial" pitchFamily="34" charset="0"/>
-            </a:endParaRPr>
-          </a:p>
-        </p:txBody>
-      </p:sp>
-      <p:sp>
-        <p:nvSpPr>
-          <p:cNvPr id="14" name="下箭头 13"/>
-          <p:cNvSpPr/>
-          <p:nvPr/>
-        </p:nvSpPr>
-        <p:spPr>
-          <a:xfrm>
-            <a:off x="6477000" y="5410200"/>
-            <a:ext cx="457200" cy="381000"/>
-          </a:xfrm>
-          <a:prstGeom prst="downArrow">
-            <a:avLst/>
-          </a:prstGeom>
-          <a:solidFill>
-            <a:schemeClr val="tx2">
-              <a:lumMod val="40000"/>
-              <a:lumOff val="60000"/>
-            </a:schemeClr>
-          </a:solidFill>
-          <a:ln>
-            <a:solidFill>
-              <a:schemeClr val="accent1">
-                <a:lumMod val="40000"/>
-                <a:lumOff val="60000"/>
-              </a:schemeClr>
-            </a:solidFill>
+            <a:noFill/>
           </a:ln>
         </p:spPr>
         <p:style>
@@ -6487,102 +6889,6 @@
           </a:p>
         </p:txBody>
       </p:sp>
-      <p:sp>
-        <p:nvSpPr>
-          <p:cNvPr id="15" name="下箭头 14"/>
-          <p:cNvSpPr/>
-          <p:nvPr/>
-        </p:nvSpPr>
-        <p:spPr>
-          <a:xfrm>
-            <a:off x="4419600" y="5410200"/>
-            <a:ext cx="457200" cy="381000"/>
-          </a:xfrm>
-          <a:prstGeom prst="downArrow">
-            <a:avLst/>
-          </a:prstGeom>
-          <a:solidFill>
-            <a:schemeClr val="tx2">
-              <a:lumMod val="40000"/>
-              <a:lumOff val="60000"/>
-            </a:schemeClr>
-          </a:solidFill>
-          <a:ln>
-            <a:solidFill>
-              <a:schemeClr val="accent1">
-                <a:lumMod val="40000"/>
-                <a:lumOff val="60000"/>
-              </a:schemeClr>
-            </a:solidFill>
-          </a:ln>
-        </p:spPr>
-        <p:style>
-          <a:lnRef idx="2">
-            <a:schemeClr val="accent1">
-              <a:shade val="50000"/>
-            </a:schemeClr>
-          </a:lnRef>
-          <a:fillRef idx="1">
-            <a:schemeClr val="accent1"/>
-          </a:fillRef>
-          <a:effectRef idx="0">
-            <a:schemeClr val="accent1"/>
-          </a:effectRef>
-          <a:fontRef idx="minor">
-            <a:schemeClr val="lt1"/>
-          </a:fontRef>
-        </p:style>
-        <p:txBody>
-          <a:bodyPr rtlCol="0" anchor="ctr"/>
-          <a:lstStyle/>
-          <a:p>
-            <a:pPr algn="ctr"/>
-            <a:endParaRPr lang="zh-CN" altLang="en-US" sz="1400">
-              <a:solidFill>
-                <a:schemeClr val="tx1"/>
-              </a:solidFill>
-              <a:latin typeface="Arial" pitchFamily="34" charset="0"/>
-              <a:cs typeface="Arial" pitchFamily="34" charset="0"/>
-            </a:endParaRPr>
-          </a:p>
-        </p:txBody>
-      </p:sp>
-      <p:sp>
-        <p:nvSpPr>
-          <p:cNvPr id="16" name="TextBox 15"/>
-          <p:cNvSpPr txBox="1"/>
-          <p:nvPr/>
-        </p:nvSpPr>
-        <p:spPr>
-          <a:xfrm>
-            <a:off x="4267200" y="1752600"/>
-            <a:ext cx="2170722" cy="369332"/>
-          </a:xfrm>
-          <a:prstGeom prst="rect">
-            <a:avLst/>
-          </a:prstGeom>
-          <a:noFill/>
-        </p:spPr>
-        <p:txBody>
-          <a:bodyPr wrap="none" rtlCol="0">
-            <a:spAutoFit/>
-          </a:bodyPr>
-          <a:lstStyle/>
-          <a:p>
-            <a:r>
-              <a:rPr lang="en-US" altLang="zh-CN" dirty="0" smtClean="0">
-                <a:latin typeface="Arial" pitchFamily="34" charset="0"/>
-                <a:cs typeface="Arial" pitchFamily="34" charset="0"/>
-              </a:rPr>
-              <a:t>nGrinder controller</a:t>
-            </a:r>
-            <a:endParaRPr lang="zh-CN" altLang="en-US" dirty="0">
-              <a:latin typeface="Arial" pitchFamily="34" charset="0"/>
-              <a:cs typeface="Arial" pitchFamily="34" charset="0"/>
-            </a:endParaRPr>
-          </a:p>
-        </p:txBody>
-      </p:sp>
       <p:grpSp>
         <p:nvGrpSpPr>
           <p:cNvPr id="24" name="组合 23"/>
@@ -6591,8 +6897,8 @@
         </p:nvGrpSpPr>
         <p:grpSpPr>
           <a:xfrm>
-            <a:off x="5943600" y="2514600"/>
-            <a:ext cx="1828800" cy="1371600"/>
+            <a:off x="5338863" y="1143001"/>
+            <a:ext cx="1148318" cy="1244838"/>
             <a:chOff x="5943600" y="2514600"/>
             <a:chExt cx="1828800" cy="1371600"/>
           </a:xfrm>
@@ -6609,26 +6915,20 @@
               <a:ext cx="1828800" cy="1371600"/>
             </a:xfrm>
             <a:prstGeom prst="roundRect">
-              <a:avLst/>
+              <a:avLst>
+                <a:gd name="adj" fmla="val 10550"/>
+              </a:avLst>
             </a:prstGeom>
-            <a:solidFill>
-              <a:schemeClr val="tx2">
-                <a:lumMod val="20000"/>
-                <a:lumOff val="80000"/>
-              </a:schemeClr>
-            </a:solidFill>
           </p:spPr>
           <p:style>
-            <a:lnRef idx="2">
-              <a:schemeClr val="accent1">
-                <a:shade val="50000"/>
-              </a:schemeClr>
+            <a:lnRef idx="1">
+              <a:schemeClr val="accent4"/>
             </a:lnRef>
-            <a:fillRef idx="1">
-              <a:schemeClr val="accent1"/>
+            <a:fillRef idx="3">
+              <a:schemeClr val="accent4"/>
             </a:fillRef>
-            <a:effectRef idx="0">
-              <a:schemeClr val="accent1"/>
+            <a:effectRef idx="2">
+              <a:schemeClr val="accent4"/>
             </a:effectRef>
             <a:fontRef idx="minor">
               <a:schemeClr val="lt1"/>
@@ -6639,9 +6939,61 @@
             <a:lstStyle/>
             <a:p>
               <a:pPr algn="ctr"/>
+              <a:r>
+                <a:rPr lang="en-US" altLang="zh-CN" sz="1400" dirty="0" smtClean="0">
+                  <a:solidFill>
+                    <a:schemeClr val="bg1"/>
+                  </a:solidFill>
+                  <a:latin typeface="Arial" pitchFamily="34" charset="0"/>
+                  <a:cs typeface="Arial" pitchFamily="34" charset="0"/>
+                </a:rPr>
+                <a:t>Console </a:t>
+              </a:r>
+              <a:br>
+                <a:rPr lang="en-US" altLang="zh-CN" sz="1400" dirty="0" smtClean="0">
+                  <a:solidFill>
+                    <a:schemeClr val="bg1"/>
+                  </a:solidFill>
+                  <a:latin typeface="Arial" pitchFamily="34" charset="0"/>
+                  <a:cs typeface="Arial" pitchFamily="34" charset="0"/>
+                </a:rPr>
+              </a:br>
+              <a:r>
+                <a:rPr lang="en-US" altLang="zh-CN" sz="1400" dirty="0" smtClean="0">
+                  <a:solidFill>
+                    <a:schemeClr val="bg1"/>
+                  </a:solidFill>
+                  <a:latin typeface="Arial" pitchFamily="34" charset="0"/>
+                  <a:cs typeface="Arial" pitchFamily="34" charset="0"/>
+                </a:rPr>
+                <a:t>manager</a:t>
+              </a:r>
+            </a:p>
+            <a:p>
+              <a:pPr algn="ctr"/>
+              <a:endParaRPr lang="en-US" altLang="zh-CN" sz="1400" dirty="0">
+                <a:solidFill>
+                  <a:schemeClr val="bg1"/>
+                </a:solidFill>
+                <a:latin typeface="Arial" pitchFamily="34" charset="0"/>
+                <a:cs typeface="Arial" pitchFamily="34" charset="0"/>
+              </a:endParaRPr>
+            </a:p>
+            <a:p>
+              <a:pPr algn="ctr"/>
+              <a:endParaRPr lang="en-US" altLang="zh-CN" sz="1400" dirty="0" smtClean="0">
+                <a:solidFill>
+                  <a:schemeClr val="bg1"/>
+                </a:solidFill>
+                <a:latin typeface="Arial" pitchFamily="34" charset="0"/>
+                <a:cs typeface="Arial" pitchFamily="34" charset="0"/>
+              </a:endParaRPr>
+            </a:p>
+            <a:p>
+              <a:pPr algn="ctr"/>
               <a:endParaRPr lang="zh-CN" altLang="en-US" sz="1400" dirty="0">
                 <a:solidFill>
-                  <a:schemeClr val="tx1"/>
+                  <a:schemeClr val="bg1"/>
                 </a:solidFill>
                 <a:latin typeface="Arial" pitchFamily="34" charset="0"/>
                 <a:cs typeface="Arial" pitchFamily="34" charset="0"/>
@@ -6658,7 +7010,7 @@
           <p:spPr>
             <a:xfrm>
               <a:off x="6400800" y="3352800"/>
-              <a:ext cx="1219200" cy="304800"/>
+              <a:ext cx="1219200" cy="421192"/>
             </a:xfrm>
             <a:prstGeom prst="roundRect">
               <a:avLst/>
@@ -6666,13 +7018,13 @@
           </p:spPr>
           <p:style>
             <a:lnRef idx="1">
-              <a:schemeClr val="accent1"/>
+              <a:schemeClr val="accent4"/>
             </a:lnRef>
             <a:fillRef idx="3">
-              <a:schemeClr val="accent1"/>
+              <a:schemeClr val="accent4"/>
             </a:fillRef>
             <a:effectRef idx="2">
-              <a:schemeClr val="accent1"/>
+              <a:schemeClr val="accent4"/>
             </a:effectRef>
             <a:fontRef idx="minor">
               <a:schemeClr val="lt1"/>
@@ -6684,6 +7036,9 @@
             <a:p>
               <a:pPr algn="ctr"/>
               <a:endParaRPr lang="ko-KR" altLang="en-US" sz="1400" dirty="0">
+                <a:solidFill>
+                  <a:schemeClr val="bg1"/>
+                </a:solidFill>
                 <a:latin typeface="Arial" pitchFamily="34" charset="0"/>
                 <a:cs typeface="Arial" pitchFamily="34" charset="0"/>
               </a:endParaRPr>
@@ -6699,7 +7054,7 @@
           <p:spPr>
             <a:xfrm>
               <a:off x="6248400" y="3276600"/>
-              <a:ext cx="1219200" cy="304800"/>
+              <a:ext cx="1371600" cy="421192"/>
             </a:xfrm>
             <a:prstGeom prst="roundRect">
               <a:avLst/>
@@ -6707,13 +7062,13 @@
           </p:spPr>
           <p:style>
             <a:lnRef idx="1">
-              <a:schemeClr val="accent1"/>
+              <a:schemeClr val="accent4"/>
             </a:lnRef>
             <a:fillRef idx="3">
-              <a:schemeClr val="accent1"/>
+              <a:schemeClr val="accent4"/>
             </a:fillRef>
             <a:effectRef idx="2">
-              <a:schemeClr val="accent1"/>
+              <a:schemeClr val="accent4"/>
             </a:effectRef>
             <a:fontRef idx="minor">
               <a:schemeClr val="lt1"/>
@@ -6725,6 +7080,9 @@
             <a:p>
               <a:pPr algn="ctr"/>
               <a:endParaRPr lang="ko-KR" altLang="en-US" sz="1400" dirty="0">
+                <a:solidFill>
+                  <a:schemeClr val="bg1"/>
+                </a:solidFill>
                 <a:latin typeface="Arial" pitchFamily="34" charset="0"/>
                 <a:cs typeface="Arial" pitchFamily="34" charset="0"/>
               </a:endParaRPr>
@@ -6740,7 +7098,7 @@
           <p:spPr>
             <a:xfrm>
               <a:off x="6096000" y="3200400"/>
-              <a:ext cx="1219200" cy="304800"/>
+              <a:ext cx="1378690" cy="421192"/>
             </a:xfrm>
             <a:prstGeom prst="roundRect">
               <a:avLst/>
@@ -6748,13 +7106,13 @@
           </p:spPr>
           <p:style>
             <a:lnRef idx="1">
-              <a:schemeClr val="accent1"/>
+              <a:schemeClr val="accent4"/>
             </a:lnRef>
             <a:fillRef idx="3">
-              <a:schemeClr val="accent1"/>
+              <a:schemeClr val="accent4"/>
             </a:fillRef>
             <a:effectRef idx="2">
-              <a:schemeClr val="accent1"/>
+              <a:schemeClr val="accent4"/>
             </a:effectRef>
             <a:fontRef idx="minor">
               <a:schemeClr val="lt1"/>
@@ -6767,55 +7125,18 @@
               <a:pPr algn="ctr"/>
               <a:r>
                 <a:rPr lang="en-US" altLang="ko-KR" sz="1050" dirty="0" smtClean="0">
+                  <a:solidFill>
+                    <a:schemeClr val="bg1"/>
+                  </a:solidFill>
                   <a:latin typeface="Arial" pitchFamily="34" charset="0"/>
                   <a:cs typeface="Arial" pitchFamily="34" charset="0"/>
                 </a:rPr>
-                <a:t>Grinder </a:t>
-              </a:r>
-              <a:r>
-                <a:rPr lang="en-US" altLang="ko-KR" sz="1050" dirty="0" smtClean="0">
-                  <a:latin typeface="Arial" pitchFamily="34" charset="0"/>
-                  <a:cs typeface="Arial" pitchFamily="34" charset="0"/>
-                </a:rPr>
-                <a:t>Console</a:t>
+                <a:t>Grinder Console</a:t>
               </a:r>
               <a:endParaRPr lang="ko-KR" altLang="en-US" sz="1050" dirty="0">
-                <a:latin typeface="Arial" pitchFamily="34" charset="0"/>
-                <a:cs typeface="Arial" pitchFamily="34" charset="0"/>
-              </a:endParaRPr>
-            </a:p>
-          </p:txBody>
-        </p:sp>
-        <p:sp>
-          <p:nvSpPr>
-            <p:cNvPr id="21" name="TextBox 20"/>
-            <p:cNvSpPr txBox="1"/>
-            <p:nvPr/>
-          </p:nvSpPr>
-          <p:spPr>
-            <a:xfrm>
-              <a:off x="6019800" y="2667000"/>
-              <a:ext cx="1616148" cy="307777"/>
-            </a:xfrm>
-            <a:prstGeom prst="rect">
-              <a:avLst/>
-            </a:prstGeom>
-            <a:noFill/>
-          </p:spPr>
-          <p:txBody>
-            <a:bodyPr wrap="none" rtlCol="0">
-              <a:spAutoFit/>
-            </a:bodyPr>
-            <a:lstStyle/>
-            <a:p>
-              <a:r>
-                <a:rPr lang="en-US" altLang="zh-CN" sz="1400" dirty="0" smtClean="0">
-                  <a:latin typeface="Arial" pitchFamily="34" charset="0"/>
-                  <a:cs typeface="Arial" pitchFamily="34" charset="0"/>
-                </a:rPr>
-                <a:t>Console manager</a:t>
-              </a:r>
-              <a:endParaRPr lang="zh-CN" altLang="en-US" sz="1400" dirty="0">
+                <a:solidFill>
+                  <a:schemeClr val="bg1"/>
+                </a:solidFill>
                 <a:latin typeface="Arial" pitchFamily="34" charset="0"/>
                 <a:cs typeface="Arial" pitchFamily="34" charset="0"/>
               </a:endParaRPr>
@@ -6823,52 +7144,269 @@
           </p:txBody>
         </p:sp>
       </p:grpSp>
+      <p:sp>
+        <p:nvSpPr>
+          <p:cNvPr id="22" name="圆角矩形 21"/>
+          <p:cNvSpPr/>
+          <p:nvPr/>
+        </p:nvSpPr>
+        <p:spPr>
+          <a:xfrm>
+            <a:off x="1339073" y="1600201"/>
+            <a:ext cx="3847389" cy="381000"/>
+          </a:xfrm>
+          <a:prstGeom prst="roundRect">
+            <a:avLst>
+              <a:gd name="adj" fmla="val 16494"/>
+            </a:avLst>
+          </a:prstGeom>
+        </p:spPr>
+        <p:style>
+          <a:lnRef idx="1">
+            <a:schemeClr val="accent4"/>
+          </a:lnRef>
+          <a:fillRef idx="3">
+            <a:schemeClr val="accent4"/>
+          </a:fillRef>
+          <a:effectRef idx="2">
+            <a:schemeClr val="accent4"/>
+          </a:effectRef>
+          <a:fontRef idx="minor">
+            <a:schemeClr val="lt1"/>
+          </a:fontRef>
+        </p:style>
+        <p:txBody>
+          <a:bodyPr rtlCol="0" anchor="ctr"/>
+          <a:lstStyle/>
+          <a:p>
+            <a:pPr algn="ctr"/>
+            <a:r>
+              <a:rPr lang="en-US" altLang="zh-CN" sz="1400" dirty="0">
+                <a:solidFill>
+                  <a:schemeClr val="bg1"/>
+                </a:solidFill>
+                <a:latin typeface="Arial" pitchFamily="34" charset="0"/>
+                <a:cs typeface="Arial" pitchFamily="34" charset="0"/>
+              </a:rPr>
+              <a:t>Spring </a:t>
+            </a:r>
+            <a:r>
+              <a:rPr lang="en-US" altLang="zh-CN" sz="1400" dirty="0" smtClean="0">
+                <a:solidFill>
+                  <a:schemeClr val="bg1"/>
+                </a:solidFill>
+                <a:latin typeface="Arial" pitchFamily="34" charset="0"/>
+                <a:cs typeface="Arial" pitchFamily="34" charset="0"/>
+              </a:rPr>
+              <a:t>MVC</a:t>
+            </a:r>
+            <a:endParaRPr lang="en-US" altLang="zh-CN" sz="1400" dirty="0">
+              <a:solidFill>
+                <a:schemeClr val="bg1"/>
+              </a:solidFill>
+              <a:latin typeface="Arial" pitchFamily="34" charset="0"/>
+              <a:cs typeface="Arial" pitchFamily="34" charset="0"/>
+            </a:endParaRPr>
+          </a:p>
+        </p:txBody>
+      </p:sp>
+      <p:sp>
+        <p:nvSpPr>
+          <p:cNvPr id="26" name="圆角矩形 21"/>
+          <p:cNvSpPr/>
+          <p:nvPr/>
+        </p:nvSpPr>
+        <p:spPr>
+          <a:xfrm>
+            <a:off x="1359371" y="2518041"/>
+            <a:ext cx="1828800" cy="377559"/>
+          </a:xfrm>
+          <a:prstGeom prst="roundRect">
+            <a:avLst>
+              <a:gd name="adj" fmla="val 18819"/>
+            </a:avLst>
+          </a:prstGeom>
+        </p:spPr>
+        <p:style>
+          <a:lnRef idx="1">
+            <a:schemeClr val="accent4"/>
+          </a:lnRef>
+          <a:fillRef idx="3">
+            <a:schemeClr val="accent4"/>
+          </a:fillRef>
+          <a:effectRef idx="2">
+            <a:schemeClr val="accent4"/>
+          </a:effectRef>
+          <a:fontRef idx="minor">
+            <a:schemeClr val="lt1"/>
+          </a:fontRef>
+        </p:style>
+        <p:txBody>
+          <a:bodyPr rtlCol="0" anchor="ctr"/>
+          <a:lstStyle/>
+          <a:p>
+            <a:pPr algn="ctr"/>
+            <a:r>
+              <a:rPr lang="en-US" altLang="zh-CN" sz="1400" dirty="0">
+                <a:solidFill>
+                  <a:schemeClr val="bg1"/>
+                </a:solidFill>
+                <a:latin typeface="Arial" pitchFamily="34" charset="0"/>
+                <a:cs typeface="Arial" pitchFamily="34" charset="0"/>
+              </a:rPr>
+              <a:t>Spring Service</a:t>
+            </a:r>
+          </a:p>
+        </p:txBody>
+      </p:sp>
+      <p:sp>
+        <p:nvSpPr>
+          <p:cNvPr id="27" name="圆角矩形 12"/>
+          <p:cNvSpPr/>
+          <p:nvPr/>
+        </p:nvSpPr>
+        <p:spPr>
+          <a:xfrm>
+            <a:off x="5333878" y="2518041"/>
+            <a:ext cx="2286000" cy="380999"/>
+          </a:xfrm>
+          <a:prstGeom prst="roundRect">
+            <a:avLst/>
+          </a:prstGeom>
+        </p:spPr>
+        <p:style>
+          <a:lnRef idx="1">
+            <a:schemeClr val="accent4"/>
+          </a:lnRef>
+          <a:fillRef idx="3">
+            <a:schemeClr val="accent4"/>
+          </a:fillRef>
+          <a:effectRef idx="2">
+            <a:schemeClr val="accent4"/>
+          </a:effectRef>
+          <a:fontRef idx="minor">
+            <a:schemeClr val="lt1"/>
+          </a:fontRef>
+        </p:style>
+        <p:txBody>
+          <a:bodyPr rtlCol="0" anchor="ctr"/>
+          <a:lstStyle/>
+          <a:p>
+            <a:pPr algn="ctr"/>
+            <a:r>
+              <a:rPr lang="en-US" altLang="zh-CN" sz="1400" dirty="0" smtClean="0">
+                <a:solidFill>
+                  <a:schemeClr val="bg1"/>
+                </a:solidFill>
+                <a:latin typeface="Arial" pitchFamily="34" charset="0"/>
+                <a:cs typeface="Arial" pitchFamily="34" charset="0"/>
+              </a:rPr>
+              <a:t>Plugins</a:t>
+            </a:r>
+            <a:endParaRPr lang="zh-CN" altLang="en-US" sz="1000" dirty="0">
+              <a:solidFill>
+                <a:schemeClr val="bg1"/>
+              </a:solidFill>
+              <a:latin typeface="Arial" pitchFamily="34" charset="0"/>
+              <a:cs typeface="Arial" pitchFamily="34" charset="0"/>
+            </a:endParaRPr>
+          </a:p>
+        </p:txBody>
+      </p:sp>
+      <p:sp>
+        <p:nvSpPr>
+          <p:cNvPr id="28" name="下箭头 13"/>
+          <p:cNvSpPr/>
+          <p:nvPr/>
+        </p:nvSpPr>
+        <p:spPr>
+          <a:xfrm flipV="1">
+            <a:off x="6253263" y="3394816"/>
+            <a:ext cx="457200" cy="415184"/>
+          </a:xfrm>
+          <a:prstGeom prst="downArrow">
+            <a:avLst/>
+          </a:prstGeom>
+          <a:solidFill>
+            <a:schemeClr val="bg2">
+              <a:lumMod val="75000"/>
+            </a:schemeClr>
+          </a:solidFill>
+          <a:ln>
+            <a:noFill/>
+          </a:ln>
+        </p:spPr>
+        <p:style>
+          <a:lnRef idx="2">
+            <a:schemeClr val="accent1">
+              <a:shade val="50000"/>
+            </a:schemeClr>
+          </a:lnRef>
+          <a:fillRef idx="1">
+            <a:schemeClr val="accent1"/>
+          </a:fillRef>
+          <a:effectRef idx="0">
+            <a:schemeClr val="accent1"/>
+          </a:effectRef>
+          <a:fontRef idx="minor">
+            <a:schemeClr val="lt1"/>
+          </a:fontRef>
+        </p:style>
+        <p:txBody>
+          <a:bodyPr rtlCol="0" anchor="ctr"/>
+          <a:lstStyle/>
+          <a:p>
+            <a:pPr algn="ctr"/>
+            <a:endParaRPr lang="zh-CN" altLang="en-US" sz="1400">
+              <a:solidFill>
+                <a:schemeClr val="tx1"/>
+              </a:solidFill>
+              <a:latin typeface="Arial" pitchFamily="34" charset="0"/>
+              <a:cs typeface="Arial" pitchFamily="34" charset="0"/>
+            </a:endParaRPr>
+          </a:p>
+        </p:txBody>
+      </p:sp>
       <p:grpSp>
         <p:nvGrpSpPr>
-          <p:cNvPr id="25" name="组合 24"/>
+          <p:cNvPr id="29" name="组合 23"/>
           <p:cNvGrpSpPr/>
           <p:nvPr/>
         </p:nvGrpSpPr>
         <p:grpSpPr>
           <a:xfrm>
-            <a:off x="3886200" y="2514600"/>
-            <a:ext cx="1828800" cy="1371600"/>
-            <a:chOff x="3886200" y="2514600"/>
+            <a:off x="6543888" y="1143001"/>
+            <a:ext cx="1148318" cy="1244838"/>
+            <a:chOff x="5943600" y="2514600"/>
             <a:chExt cx="1828800" cy="1371600"/>
           </a:xfrm>
         </p:grpSpPr>
         <p:sp>
           <p:nvSpPr>
-            <p:cNvPr id="22" name="圆角矩形 21"/>
+            <p:cNvPr id="30" name="圆角矩形 16"/>
             <p:cNvSpPr/>
             <p:nvPr/>
           </p:nvSpPr>
           <p:spPr>
             <a:xfrm>
-              <a:off x="3886200" y="2514600"/>
+              <a:off x="5943600" y="2514600"/>
               <a:ext cx="1828800" cy="1371600"/>
             </a:xfrm>
             <a:prstGeom prst="roundRect">
-              <a:avLst/>
+              <a:avLst>
+                <a:gd name="adj" fmla="val 10550"/>
+              </a:avLst>
             </a:prstGeom>
-            <a:solidFill>
-              <a:schemeClr val="tx2">
-                <a:lumMod val="20000"/>
-                <a:lumOff val="80000"/>
-              </a:schemeClr>
-            </a:solidFill>
           </p:spPr>
           <p:style>
-            <a:lnRef idx="2">
-              <a:schemeClr val="accent1">
-                <a:shade val="50000"/>
-              </a:schemeClr>
+            <a:lnRef idx="1">
+              <a:schemeClr val="accent4"/>
             </a:lnRef>
-            <a:fillRef idx="1">
-              <a:schemeClr val="accent1"/>
+            <a:fillRef idx="3">
+              <a:schemeClr val="accent4"/>
             </a:fillRef>
-            <a:effectRef idx="0">
-              <a:schemeClr val="accent1"/>
+            <a:effectRef idx="2">
+              <a:schemeClr val="accent4"/>
             </a:effectRef>
             <a:fontRef idx="minor">
               <a:schemeClr val="lt1"/>
@@ -6879,9 +7417,61 @@
             <a:lstStyle/>
             <a:p>
               <a:pPr algn="ctr"/>
+              <a:r>
+                <a:rPr lang="en-US" altLang="zh-CN" sz="1400" dirty="0" smtClean="0">
+                  <a:solidFill>
+                    <a:schemeClr val="bg1"/>
+                  </a:solidFill>
+                  <a:latin typeface="Arial" pitchFamily="34" charset="0"/>
+                  <a:cs typeface="Arial" pitchFamily="34" charset="0"/>
+                </a:rPr>
+                <a:t>Agent</a:t>
+              </a:r>
+              <a:br>
+                <a:rPr lang="en-US" altLang="zh-CN" sz="1400" dirty="0" smtClean="0">
+                  <a:solidFill>
+                    <a:schemeClr val="bg1"/>
+                  </a:solidFill>
+                  <a:latin typeface="Arial" pitchFamily="34" charset="0"/>
+                  <a:cs typeface="Arial" pitchFamily="34" charset="0"/>
+                </a:rPr>
+              </a:br>
+              <a:r>
+                <a:rPr lang="en-US" altLang="zh-CN" sz="1400" dirty="0" smtClean="0">
+                  <a:solidFill>
+                    <a:schemeClr val="bg1"/>
+                  </a:solidFill>
+                  <a:latin typeface="Arial" pitchFamily="34" charset="0"/>
+                  <a:cs typeface="Arial" pitchFamily="34" charset="0"/>
+                </a:rPr>
+                <a:t>manager</a:t>
+              </a:r>
+            </a:p>
+            <a:p>
+              <a:pPr algn="ctr"/>
+              <a:endParaRPr lang="en-US" altLang="zh-CN" sz="1400" dirty="0">
+                <a:solidFill>
+                  <a:schemeClr val="bg1"/>
+                </a:solidFill>
+                <a:latin typeface="Arial" pitchFamily="34" charset="0"/>
+                <a:cs typeface="Arial" pitchFamily="34" charset="0"/>
+              </a:endParaRPr>
+            </a:p>
+            <a:p>
+              <a:pPr algn="ctr"/>
+              <a:endParaRPr lang="en-US" altLang="zh-CN" sz="1400" dirty="0" smtClean="0">
+                <a:solidFill>
+                  <a:schemeClr val="bg1"/>
+                </a:solidFill>
+                <a:latin typeface="Arial" pitchFamily="34" charset="0"/>
+                <a:cs typeface="Arial" pitchFamily="34" charset="0"/>
+              </a:endParaRPr>
+            </a:p>
+            <a:p>
+              <a:pPr algn="ctr"/>
               <a:endParaRPr lang="zh-CN" altLang="en-US" sz="1400" dirty="0">
                 <a:solidFill>
-                  <a:schemeClr val="tx1"/>
+                  <a:schemeClr val="bg1"/>
                 </a:solidFill>
                 <a:latin typeface="Arial" pitchFamily="34" charset="0"/>
                 <a:cs typeface="Arial" pitchFamily="34" charset="0"/>
@@ -6891,61 +7481,140 @@
         </p:sp>
         <p:sp>
           <p:nvSpPr>
-            <p:cNvPr id="23" name="TextBox 22"/>
-            <p:cNvSpPr txBox="1"/>
+            <p:cNvPr id="31" name="모서리가 둥근 직사각형 9"/>
+            <p:cNvSpPr/>
             <p:nvPr/>
           </p:nvSpPr>
           <p:spPr>
             <a:xfrm>
-              <a:off x="4267200" y="2743200"/>
-              <a:ext cx="1000338" cy="954107"/>
+              <a:off x="6400800" y="3352800"/>
+              <a:ext cx="1219200" cy="421192"/>
             </a:xfrm>
-            <a:prstGeom prst="rect">
+            <a:prstGeom prst="roundRect">
               <a:avLst/>
             </a:prstGeom>
-            <a:noFill/>
           </p:spPr>
+          <p:style>
+            <a:lnRef idx="1">
+              <a:schemeClr val="accent4"/>
+            </a:lnRef>
+            <a:fillRef idx="3">
+              <a:schemeClr val="accent4"/>
+            </a:fillRef>
+            <a:effectRef idx="2">
+              <a:schemeClr val="accent4"/>
+            </a:effectRef>
+            <a:fontRef idx="minor">
+              <a:schemeClr val="lt1"/>
+            </a:fontRef>
+          </p:style>
           <p:txBody>
-            <a:bodyPr wrap="none" rtlCol="0">
-              <a:spAutoFit/>
-            </a:bodyPr>
+            <a:bodyPr rtlCol="0" anchor="ctr"/>
             <a:lstStyle/>
             <a:p>
+              <a:pPr algn="ctr"/>
+              <a:endParaRPr lang="ko-KR" altLang="en-US" sz="1400" dirty="0">
+                <a:solidFill>
+                  <a:schemeClr val="bg1"/>
+                </a:solidFill>
+                <a:latin typeface="Arial" pitchFamily="34" charset="0"/>
+                <a:cs typeface="Arial" pitchFamily="34" charset="0"/>
+              </a:endParaRPr>
+            </a:p>
+          </p:txBody>
+        </p:sp>
+        <p:sp>
+          <p:nvSpPr>
+            <p:cNvPr id="32" name="모서리가 둥근 직사각형 9"/>
+            <p:cNvSpPr/>
+            <p:nvPr/>
+          </p:nvSpPr>
+          <p:spPr>
+            <a:xfrm>
+              <a:off x="6248400" y="3276600"/>
+              <a:ext cx="1371600" cy="421192"/>
+            </a:xfrm>
+            <a:prstGeom prst="roundRect">
+              <a:avLst/>
+            </a:prstGeom>
+          </p:spPr>
+          <p:style>
+            <a:lnRef idx="1">
+              <a:schemeClr val="accent4"/>
+            </a:lnRef>
+            <a:fillRef idx="3">
+              <a:schemeClr val="accent4"/>
+            </a:fillRef>
+            <a:effectRef idx="2">
+              <a:schemeClr val="accent4"/>
+            </a:effectRef>
+            <a:fontRef idx="minor">
+              <a:schemeClr val="lt1"/>
+            </a:fontRef>
+          </p:style>
+          <p:txBody>
+            <a:bodyPr rtlCol="0" anchor="ctr"/>
+            <a:lstStyle/>
+            <a:p>
+              <a:pPr algn="ctr"/>
+              <a:endParaRPr lang="ko-KR" altLang="en-US" sz="1400" dirty="0">
+                <a:solidFill>
+                  <a:schemeClr val="bg1"/>
+                </a:solidFill>
+                <a:latin typeface="Arial" pitchFamily="34" charset="0"/>
+                <a:cs typeface="Arial" pitchFamily="34" charset="0"/>
+              </a:endParaRPr>
+            </a:p>
+          </p:txBody>
+        </p:sp>
+        <p:sp>
+          <p:nvSpPr>
+            <p:cNvPr id="33" name="모서리가 둥근 직사각형 9"/>
+            <p:cNvSpPr/>
+            <p:nvPr/>
+          </p:nvSpPr>
+          <p:spPr>
+            <a:xfrm>
+              <a:off x="6096000" y="3200400"/>
+              <a:ext cx="1378690" cy="421192"/>
+            </a:xfrm>
+            <a:prstGeom prst="roundRect">
+              <a:avLst/>
+            </a:prstGeom>
+          </p:spPr>
+          <p:style>
+            <a:lnRef idx="1">
+              <a:schemeClr val="accent4"/>
+            </a:lnRef>
+            <a:fillRef idx="3">
+              <a:schemeClr val="accent4"/>
+            </a:fillRef>
+            <a:effectRef idx="2">
+              <a:schemeClr val="accent4"/>
+            </a:effectRef>
+            <a:fontRef idx="minor">
+              <a:schemeClr val="lt1"/>
+            </a:fontRef>
+          </p:style>
+          <p:txBody>
+            <a:bodyPr rtlCol="0" anchor="ctr"/>
+            <a:lstStyle/>
+            <a:p>
+              <a:pPr algn="ctr"/>
               <a:r>
-                <a:rPr lang="en-US" altLang="zh-CN" sz="1400" dirty="0" smtClean="0">
+                <a:rPr lang="en-US" altLang="ko-KR" sz="1050" dirty="0" smtClean="0">
+                  <a:solidFill>
+                    <a:schemeClr val="bg1"/>
+                  </a:solidFill>
                   <a:latin typeface="Arial" pitchFamily="34" charset="0"/>
                   <a:cs typeface="Arial" pitchFamily="34" charset="0"/>
                 </a:rPr>
-                <a:t>nGrinder</a:t>
+                <a:t>Agent</a:t>
               </a:r>
-            </a:p>
-            <a:p>
-              <a:r>
-                <a:rPr lang="en-US" altLang="zh-CN" sz="1400" dirty="0" smtClean="0">
-                  <a:latin typeface="Arial" pitchFamily="34" charset="0"/>
-                  <a:cs typeface="Arial" pitchFamily="34" charset="0"/>
-                </a:rPr>
-                <a:t>Controller,</a:t>
-              </a:r>
-            </a:p>
-            <a:p>
-              <a:r>
-                <a:rPr lang="en-US" altLang="zh-CN" sz="1400" dirty="0" smtClean="0">
-                  <a:latin typeface="Arial" pitchFamily="34" charset="0"/>
-                  <a:cs typeface="Arial" pitchFamily="34" charset="0"/>
-                </a:rPr>
-                <a:t>Services,</a:t>
-              </a:r>
-            </a:p>
-            <a:p>
-              <a:r>
-                <a:rPr lang="en-US" altLang="zh-CN" sz="1400" dirty="0" smtClean="0">
-                  <a:latin typeface="Arial" pitchFamily="34" charset="0"/>
-                  <a:cs typeface="Arial" pitchFamily="34" charset="0"/>
-                </a:rPr>
-                <a:t>Utilities.</a:t>
-              </a:r>
-              <a:endParaRPr lang="zh-CN" altLang="en-US" sz="1400" dirty="0">
+              <a:endParaRPr lang="ko-KR" altLang="en-US" sz="1050" dirty="0">
+                <a:solidFill>
+                  <a:schemeClr val="bg1"/>
+                </a:solidFill>
                 <a:latin typeface="Arial" pitchFamily="34" charset="0"/>
                 <a:cs typeface="Arial" pitchFamily="34" charset="0"/>
               </a:endParaRPr>
@@ -6953,11 +7622,68 @@
           </p:txBody>
         </p:sp>
       </p:grpSp>
+      <p:sp>
+        <p:nvSpPr>
+          <p:cNvPr id="35" name="모서리가 둥근 직사각형 34"/>
+          <p:cNvSpPr/>
+          <p:nvPr/>
+        </p:nvSpPr>
+        <p:spPr>
+          <a:xfrm>
+            <a:off x="350662" y="5715000"/>
+            <a:ext cx="8636806" cy="685800"/>
+          </a:xfrm>
+          <a:prstGeom prst="roundRect">
+            <a:avLst/>
+          </a:prstGeom>
+        </p:spPr>
+        <p:style>
+          <a:lnRef idx="1">
+            <a:schemeClr val="accent1"/>
+          </a:lnRef>
+          <a:fillRef idx="3">
+            <a:schemeClr val="accent1"/>
+          </a:fillRef>
+          <a:effectRef idx="2">
+            <a:schemeClr val="accent1"/>
+          </a:effectRef>
+          <a:fontRef idx="minor">
+            <a:schemeClr val="lt1"/>
+          </a:fontRef>
+        </p:style>
+        <p:txBody>
+          <a:bodyPr rtlCol="0" anchor="ctr"/>
+          <a:lstStyle/>
+          <a:p>
+            <a:pPr algn="ctr"/>
+            <a:r>
+              <a:rPr lang="en-US" altLang="ko-KR" b="1" dirty="0" smtClean="0"/>
+              <a:t>One </a:t>
+            </a:r>
+            <a:r>
+              <a:rPr lang="en-US" altLang="ko-KR" b="1" dirty="0" err="1" smtClean="0"/>
+              <a:t>ngrinder</a:t>
+            </a:r>
+            <a:r>
+              <a:rPr lang="en-US" altLang="ko-KR" b="1" dirty="0" smtClean="0"/>
+              <a:t> controller serve all users request and all tests</a:t>
+            </a:r>
+            <a:endParaRPr lang="ko-KR" altLang="en-US" b="1" dirty="0"/>
+          </a:p>
+        </p:txBody>
+      </p:sp>
     </p:spTree>
   </p:cSld>
   <p:clrMapOvr>
     <a:masterClrMapping/>
   </p:clrMapOvr>
+  <p:timing>
+    <p:tnLst>
+      <p:par>
+        <p:cTn id="1" dur="indefinite" restart="never" nodeType="tmRoot"/>
+      </p:par>
+    </p:tnLst>
+  </p:timing>
 </p:sld>
 </file>
 
@@ -6980,6 +7706,114 @@
       </p:grpSpPr>
       <p:sp>
         <p:nvSpPr>
+          <p:cNvPr id="92" name="下箭头 13"/>
+          <p:cNvSpPr/>
+          <p:nvPr/>
+        </p:nvSpPr>
+        <p:spPr>
+          <a:xfrm rot="14675857" flipV="1">
+            <a:off x="4326250" y="3804023"/>
+            <a:ext cx="457200" cy="1600736"/>
+          </a:xfrm>
+          <a:prstGeom prst="downArrow">
+            <a:avLst/>
+          </a:prstGeom>
+          <a:solidFill>
+            <a:schemeClr val="bg2">
+              <a:lumMod val="75000"/>
+            </a:schemeClr>
+          </a:solidFill>
+          <a:ln>
+            <a:noFill/>
+          </a:ln>
+        </p:spPr>
+        <p:style>
+          <a:lnRef idx="2">
+            <a:schemeClr val="accent1">
+              <a:shade val="50000"/>
+            </a:schemeClr>
+          </a:lnRef>
+          <a:fillRef idx="1">
+            <a:schemeClr val="accent1"/>
+          </a:fillRef>
+          <a:effectRef idx="0">
+            <a:schemeClr val="accent1"/>
+          </a:effectRef>
+          <a:fontRef idx="minor">
+            <a:schemeClr val="lt1"/>
+          </a:fontRef>
+        </p:style>
+        <p:txBody>
+          <a:bodyPr rtlCol="0" anchor="ctr"/>
+          <a:lstStyle/>
+          <a:p>
+            <a:pPr algn="ctr"/>
+            <a:endParaRPr lang="zh-CN" altLang="en-US" sz="1400">
+              <a:solidFill>
+                <a:schemeClr val="tx1"/>
+              </a:solidFill>
+              <a:latin typeface="Arial" pitchFamily="34" charset="0"/>
+              <a:cs typeface="Arial" pitchFamily="34" charset="0"/>
+            </a:endParaRPr>
+          </a:p>
+        </p:txBody>
+      </p:sp>
+      <p:sp>
+        <p:nvSpPr>
+          <p:cNvPr id="77" name="下箭头 13"/>
+          <p:cNvSpPr/>
+          <p:nvPr/>
+        </p:nvSpPr>
+        <p:spPr>
+          <a:xfrm rot="18190483">
+            <a:off x="3148028" y="4159652"/>
+            <a:ext cx="488901" cy="1042190"/>
+          </a:xfrm>
+          <a:prstGeom prst="downArrow">
+            <a:avLst/>
+          </a:prstGeom>
+          <a:solidFill>
+            <a:schemeClr val="bg2">
+              <a:lumMod val="75000"/>
+            </a:schemeClr>
+          </a:solidFill>
+          <a:ln>
+            <a:noFill/>
+          </a:ln>
+        </p:spPr>
+        <p:style>
+          <a:lnRef idx="2">
+            <a:schemeClr val="accent1">
+              <a:shade val="50000"/>
+            </a:schemeClr>
+          </a:lnRef>
+          <a:fillRef idx="1">
+            <a:schemeClr val="accent1"/>
+          </a:fillRef>
+          <a:effectRef idx="0">
+            <a:schemeClr val="accent1"/>
+          </a:effectRef>
+          <a:fontRef idx="minor">
+            <a:schemeClr val="lt1"/>
+          </a:fontRef>
+        </p:style>
+        <p:txBody>
+          <a:bodyPr rtlCol="0" anchor="ctr"/>
+          <a:lstStyle/>
+          <a:p>
+            <a:pPr algn="ctr"/>
+            <a:endParaRPr lang="zh-CN" altLang="en-US" sz="1200">
+              <a:solidFill>
+                <a:schemeClr val="tx1"/>
+              </a:solidFill>
+              <a:latin typeface="Arial" pitchFamily="34" charset="0"/>
+              <a:cs typeface="Arial" pitchFamily="34" charset="0"/>
+            </a:endParaRPr>
+          </a:p>
+        </p:txBody>
+      </p:sp>
+      <p:sp>
+        <p:nvSpPr>
           <p:cNvPr id="2" name="标题 1"/>
           <p:cNvSpPr>
             <a:spLocks noGrp="1"/>
@@ -6995,15 +7829,21 @@
           </a:bodyPr>
           <a:lstStyle/>
           <a:p>
-            <a:pPr algn="l"/>
+            <a:r>
+              <a:rPr lang="en-US" altLang="zh-CN" sz="2800" b="1" dirty="0" err="1" smtClean="0">
+                <a:latin typeface="Arial" pitchFamily="34" charset="0"/>
+                <a:cs typeface="Arial" pitchFamily="34" charset="0"/>
+              </a:rPr>
+              <a:t>nGrinder</a:t>
+            </a:r>
             <a:r>
               <a:rPr lang="en-US" altLang="zh-CN" sz="2800" b="1" dirty="0" smtClean="0">
                 <a:latin typeface="Arial" pitchFamily="34" charset="0"/>
                 <a:cs typeface="Arial" pitchFamily="34" charset="0"/>
               </a:rPr>
-              <a:t>nGrinder controller – after cluster</a:t>
-            </a:r>
-            <a:endParaRPr lang="zh-CN" altLang="en-US" sz="2800" b="1" dirty="0">
+              <a:t> controller with clustering</a:t>
+            </a:r>
+            <a:endParaRPr lang="zh-CN" altLang="en-US" sz="2800" b="1" dirty="0" smtClean="0">
               <a:latin typeface="Arial" pitchFamily="34" charset="0"/>
               <a:cs typeface="Arial" pitchFamily="34" charset="0"/>
             </a:endParaRPr>
@@ -7012,96 +7852,76 @@
       </p:sp>
       <p:sp>
         <p:nvSpPr>
-          <p:cNvPr id="6" name="矩形 5"/>
+          <p:cNvPr id="34" name="모서리가 둥근 직사각형 33"/>
           <p:cNvSpPr/>
           <p:nvPr/>
         </p:nvSpPr>
         <p:spPr>
           <a:xfrm>
-            <a:off x="228600" y="1752600"/>
-            <a:ext cx="4267200" cy="3581400"/>
-          </a:xfrm>
-          <a:prstGeom prst="rect">
-            <a:avLst/>
+            <a:off x="4791604" y="1829157"/>
+            <a:ext cx="4195864" cy="2590443"/>
+          </a:xfrm>
+          <a:prstGeom prst="roundRect">
+            <a:avLst>
+              <a:gd name="adj" fmla="val 5349"/>
+            </a:avLst>
           </a:prstGeom>
           <a:solidFill>
-            <a:schemeClr val="tx2">
-              <a:lumMod val="40000"/>
-              <a:lumOff val="60000"/>
+            <a:schemeClr val="accent3">
+              <a:lumMod val="20000"/>
+              <a:lumOff val="80000"/>
             </a:schemeClr>
           </a:solidFill>
-          <a:ln>
-            <a:solidFill>
-              <a:schemeClr val="tx2">
-                <a:lumMod val="60000"/>
-                <a:lumOff val="40000"/>
-              </a:schemeClr>
-            </a:solidFill>
-          </a:ln>
         </p:spPr>
         <p:style>
-          <a:lnRef idx="2">
-            <a:schemeClr val="accent1">
-              <a:shade val="50000"/>
-            </a:schemeClr>
+          <a:lnRef idx="1">
+            <a:schemeClr val="accent3"/>
           </a:lnRef>
-          <a:fillRef idx="1">
-            <a:schemeClr val="accent1"/>
+          <a:fillRef idx="3">
+            <a:schemeClr val="accent3"/>
           </a:fillRef>
-          <a:effectRef idx="0">
-            <a:schemeClr val="accent1"/>
+          <a:effectRef idx="2">
+            <a:schemeClr val="accent3"/>
           </a:effectRef>
           <a:fontRef idx="minor">
             <a:schemeClr val="lt1"/>
           </a:fontRef>
         </p:style>
         <p:txBody>
-          <a:bodyPr rtlCol="0" anchor="t"/>
+          <a:bodyPr rtlCol="0" anchor="ctr"/>
           <a:lstStyle/>
           <a:p>
             <a:pPr algn="ctr"/>
-            <a:r>
-              <a:rPr lang="en-US" altLang="zh-CN" sz="2800" b="1" dirty="0" smtClean="0">
-                <a:latin typeface="Arial" pitchFamily="34" charset="0"/>
-                <a:cs typeface="Arial" pitchFamily="34" charset="0"/>
-              </a:rPr>
-              <a:t>   </a:t>
-            </a:r>
-          </a:p>
-        </p:txBody>
-      </p:sp>
-      <p:sp>
-        <p:nvSpPr>
-          <p:cNvPr id="9" name="圆角矩形 8"/>
+            <a:endParaRPr lang="ko-KR" altLang="en-US" sz="1100">
+              <a:latin typeface="+mn-ea"/>
+            </a:endParaRPr>
+          </a:p>
+        </p:txBody>
+      </p:sp>
+      <p:sp>
+        <p:nvSpPr>
+          <p:cNvPr id="35" name="圆角矩形 6"/>
           <p:cNvSpPr/>
           <p:nvPr/>
         </p:nvSpPr>
         <p:spPr>
           <a:xfrm>
-            <a:off x="1371600" y="4724400"/>
-            <a:ext cx="1371600" cy="457200"/>
+            <a:off x="2743200" y="5419557"/>
+            <a:ext cx="1596506" cy="304800"/>
           </a:xfrm>
           <a:prstGeom prst="roundRect">
             <a:avLst/>
           </a:prstGeom>
-          <a:solidFill>
-            <a:schemeClr val="tx2">
-              <a:lumMod val="20000"/>
-              <a:lumOff val="80000"/>
-            </a:schemeClr>
-          </a:solidFill>
         </p:spPr>
         <p:style>
-          <a:lnRef idx="2">
-            <a:schemeClr val="accent1">
-              <a:shade val="50000"/>
-            </a:schemeClr>
+          <a:lnRef idx="1">
+            <a:schemeClr val="accent3"/>
           </a:lnRef>
-          <a:fillRef idx="1">
-            <a:schemeClr val="accent1"/>
+          <a:fillRef idx="3">
+            <a:schemeClr val="accent3"/>
           </a:fillRef>
-          <a:effectRef idx="0">
-            <a:schemeClr val="accent1"/>
+          <a:effectRef idx="2">
+            <a:schemeClr val="accent3"/>
           </a:effectRef>
           <a:fontRef idx="minor">
             <a:schemeClr val="lt1"/>
@@ -7113,53 +7933,69 @@
           <a:p>
             <a:pPr algn="ctr"/>
             <a:r>
-              <a:rPr lang="en-US" altLang="zh-CN" sz="1400" dirty="0" smtClean="0">
-                <a:solidFill>
-                  <a:schemeClr val="tx1"/>
-                </a:solidFill>
+              <a:rPr lang="en-US" altLang="zh-CN" sz="1200" dirty="0" smtClean="0">
+                <a:solidFill>
+                  <a:schemeClr val="bg1"/>
+                </a:solidFill>
+                <a:latin typeface="Arial" pitchFamily="34" charset="0"/>
+                <a:cs typeface="Arial" pitchFamily="34" charset="0"/>
               </a:rPr>
-              <a:t>Spring Data</a:t>
-            </a:r>
-            <a:endParaRPr lang="zh-CN" altLang="en-US" sz="1400" dirty="0">
+              <a:t>DB (</a:t>
+            </a:r>
+            <a:r>
+              <a:rPr lang="en-US" altLang="zh-CN" sz="1200" dirty="0" err="1" smtClean="0">
+                <a:solidFill>
+                  <a:schemeClr val="bg1"/>
+                </a:solidFill>
+                <a:latin typeface="Arial" pitchFamily="34" charset="0"/>
+                <a:cs typeface="Arial" pitchFamily="34" charset="0"/>
+              </a:rPr>
+              <a:t>Cubrid</a:t>
+            </a:r>
+            <a:r>
+              <a:rPr lang="en-US" altLang="zh-CN" sz="1200" dirty="0" smtClean="0">
+                <a:solidFill>
+                  <a:schemeClr val="bg1"/>
+                </a:solidFill>
+                <a:latin typeface="Arial" pitchFamily="34" charset="0"/>
+                <a:cs typeface="Arial" pitchFamily="34" charset="0"/>
+              </a:rPr>
+              <a:t> Slave)</a:t>
+            </a:r>
+            <a:endParaRPr lang="zh-CN" altLang="en-US" sz="1200" dirty="0">
               <a:solidFill>
-                <a:schemeClr val="tx1"/>
+                <a:schemeClr val="bg1"/>
               </a:solidFill>
+              <a:latin typeface="Arial" pitchFamily="34" charset="0"/>
+              <a:cs typeface="Arial" pitchFamily="34" charset="0"/>
             </a:endParaRPr>
           </a:p>
         </p:txBody>
       </p:sp>
       <p:sp>
         <p:nvSpPr>
-          <p:cNvPr id="10" name="圆角矩形 9"/>
+          <p:cNvPr id="37" name="圆角矩形 8"/>
           <p:cNvSpPr/>
           <p:nvPr/>
         </p:nvSpPr>
         <p:spPr>
           <a:xfrm>
-            <a:off x="2819400" y="4724400"/>
-            <a:ext cx="1600200" cy="457200"/>
+            <a:off x="4970433" y="3828162"/>
+            <a:ext cx="1204662" cy="381000"/>
           </a:xfrm>
           <a:prstGeom prst="roundRect">
             <a:avLst/>
           </a:prstGeom>
-          <a:solidFill>
-            <a:schemeClr val="tx2">
-              <a:lumMod val="20000"/>
-              <a:lumOff val="80000"/>
-            </a:schemeClr>
-          </a:solidFill>
         </p:spPr>
         <p:style>
-          <a:lnRef idx="2">
-            <a:schemeClr val="accent1">
-              <a:shade val="50000"/>
-            </a:schemeClr>
+          <a:lnRef idx="1">
+            <a:schemeClr val="accent4"/>
           </a:lnRef>
-          <a:fillRef idx="1">
-            <a:schemeClr val="accent1"/>
+          <a:fillRef idx="3">
+            <a:schemeClr val="accent4"/>
           </a:fillRef>
-          <a:effectRef idx="0">
-            <a:schemeClr val="accent1"/>
+          <a:effectRef idx="2">
+            <a:schemeClr val="accent4"/>
           </a:effectRef>
           <a:fontRef idx="minor">
             <a:schemeClr val="lt1"/>
@@ -7171,53 +8007,49 @@
           <a:p>
             <a:pPr algn="ctr"/>
             <a:r>
-              <a:rPr lang="en-US" altLang="zh-CN" sz="1400" dirty="0" smtClean="0">
-                <a:solidFill>
-                  <a:schemeClr val="tx1"/>
-                </a:solidFill>
+              <a:rPr lang="en-US" altLang="zh-CN" sz="1100" dirty="0" smtClean="0">
+                <a:solidFill>
+                  <a:schemeClr val="bg1"/>
+                </a:solidFill>
+                <a:latin typeface="Arial" pitchFamily="34" charset="0"/>
+                <a:cs typeface="Arial" pitchFamily="34" charset="0"/>
               </a:rPr>
-              <a:t>Embedded SVN</a:t>
-            </a:r>
-            <a:endParaRPr lang="zh-CN" altLang="en-US" sz="1400" dirty="0">
+              <a:t>Spring Data</a:t>
+            </a:r>
+            <a:endParaRPr lang="zh-CN" altLang="en-US" sz="1100" dirty="0">
               <a:solidFill>
-                <a:schemeClr val="tx1"/>
+                <a:schemeClr val="bg1"/>
               </a:solidFill>
+              <a:latin typeface="Arial" pitchFamily="34" charset="0"/>
+              <a:cs typeface="Arial" pitchFamily="34" charset="0"/>
             </a:endParaRPr>
           </a:p>
         </p:txBody>
       </p:sp>
       <p:sp>
         <p:nvSpPr>
-          <p:cNvPr id="12" name="圆角矩形 11"/>
+          <p:cNvPr id="38" name="圆角矩形 9"/>
           <p:cNvSpPr/>
           <p:nvPr/>
         </p:nvSpPr>
         <p:spPr>
           <a:xfrm>
-            <a:off x="304800" y="3886200"/>
-            <a:ext cx="838200" cy="1295400"/>
+            <a:off x="6231671" y="3828162"/>
+            <a:ext cx="853280" cy="381000"/>
           </a:xfrm>
           <a:prstGeom prst="roundRect">
             <a:avLst/>
           </a:prstGeom>
-          <a:solidFill>
-            <a:schemeClr val="tx2">
-              <a:lumMod val="20000"/>
-              <a:lumOff val="80000"/>
-            </a:schemeClr>
-          </a:solidFill>
         </p:spPr>
         <p:style>
-          <a:lnRef idx="2">
-            <a:schemeClr val="accent1">
-              <a:shade val="50000"/>
-            </a:schemeClr>
+          <a:lnRef idx="1">
+            <a:schemeClr val="accent4"/>
           </a:lnRef>
-          <a:fillRef idx="1">
-            <a:schemeClr val="accent1"/>
+          <a:fillRef idx="3">
+            <a:schemeClr val="accent4"/>
           </a:fillRef>
-          <a:effectRef idx="0">
-            <a:schemeClr val="accent1"/>
+          <a:effectRef idx="2">
+            <a:schemeClr val="accent4"/>
           </a:effectRef>
           <a:fontRef idx="minor">
             <a:schemeClr val="lt1"/>
@@ -7229,61 +8061,49 @@
           <a:p>
             <a:pPr algn="ctr"/>
             <a:r>
-              <a:rPr lang="en-US" altLang="zh-CN" sz="1400" dirty="0" smtClean="0">
-                <a:solidFill>
-                  <a:schemeClr val="tx1"/>
-                </a:solidFill>
+              <a:rPr lang="en-US" altLang="zh-CN" sz="1100" dirty="0" err="1" smtClean="0">
+                <a:solidFill>
+                  <a:schemeClr val="bg1"/>
+                </a:solidFill>
+                <a:latin typeface="Arial" pitchFamily="34" charset="0"/>
+                <a:cs typeface="Arial" pitchFamily="34" charset="0"/>
               </a:rPr>
-              <a:t>Spring </a:t>
-            </a:r>
-            <a:r>
-              <a:rPr lang="en-US" altLang="zh-CN" sz="1200" dirty="0" smtClean="0">
-                <a:solidFill>
-                  <a:schemeClr val="tx1"/>
-                </a:solidFill>
-              </a:rPr>
-              <a:t>Security</a:t>
-            </a:r>
-            <a:endParaRPr lang="zh-CN" altLang="en-US" sz="1200" dirty="0">
+              <a:t>SVNkit</a:t>
+            </a:r>
+            <a:endParaRPr lang="zh-CN" altLang="en-US" sz="1100" dirty="0">
               <a:solidFill>
-                <a:schemeClr val="tx1"/>
+                <a:schemeClr val="bg1"/>
               </a:solidFill>
+              <a:latin typeface="Arial" pitchFamily="34" charset="0"/>
+              <a:cs typeface="Arial" pitchFamily="34" charset="0"/>
             </a:endParaRPr>
           </a:p>
         </p:txBody>
       </p:sp>
       <p:sp>
         <p:nvSpPr>
-          <p:cNvPr id="13" name="圆角矩形 12"/>
+          <p:cNvPr id="39" name="圆角矩形 10"/>
           <p:cNvSpPr/>
           <p:nvPr/>
         </p:nvSpPr>
         <p:spPr>
           <a:xfrm>
-            <a:off x="304800" y="2362200"/>
-            <a:ext cx="838200" cy="1371600"/>
+            <a:off x="5486400" y="2939400"/>
+            <a:ext cx="1600200" cy="304800"/>
           </a:xfrm>
           <a:prstGeom prst="roundRect">
             <a:avLst/>
           </a:prstGeom>
-          <a:solidFill>
-            <a:schemeClr val="tx2">
-              <a:lumMod val="20000"/>
-              <a:lumOff val="80000"/>
-            </a:schemeClr>
-          </a:solidFill>
         </p:spPr>
         <p:style>
-          <a:lnRef idx="2">
-            <a:schemeClr val="accent1">
-              <a:shade val="50000"/>
-            </a:schemeClr>
+          <a:lnRef idx="1">
+            <a:schemeClr val="accent3"/>
           </a:lnRef>
-          <a:fillRef idx="1">
-            <a:schemeClr val="accent1"/>
+          <a:fillRef idx="3">
+            <a:schemeClr val="accent3"/>
           </a:fillRef>
-          <a:effectRef idx="0">
-            <a:schemeClr val="accent1"/>
+          <a:effectRef idx="2">
+            <a:schemeClr val="accent3"/>
           </a:effectRef>
           <a:fontRef idx="minor">
             <a:schemeClr val="lt1"/>
@@ -7295,65 +8115,49 @@
           <a:p>
             <a:pPr algn="ctr"/>
             <a:r>
-              <a:rPr lang="en-US" altLang="zh-CN" sz="1400" dirty="0" smtClean="0">
-                <a:solidFill>
-                  <a:schemeClr val="tx1"/>
-                </a:solidFill>
+              <a:rPr lang="en-US" altLang="zh-CN" sz="1200" dirty="0" err="1" smtClean="0">
+                <a:solidFill>
+                  <a:schemeClr val="bg1"/>
+                </a:solidFill>
+                <a:latin typeface="Arial" pitchFamily="34" charset="0"/>
+                <a:cs typeface="Arial" pitchFamily="34" charset="0"/>
               </a:rPr>
-              <a:t>Plugin</a:t>
-            </a:r>
-          </a:p>
-          <a:p>
-            <a:pPr algn="ctr"/>
-            <a:r>
-              <a:rPr lang="en-US" altLang="zh-CN" sz="1400" dirty="0" smtClean="0">
-                <a:solidFill>
-                  <a:schemeClr val="tx1"/>
-                </a:solidFill>
-              </a:rPr>
-              <a:t>System</a:t>
-            </a:r>
-            <a:endParaRPr lang="zh-CN" altLang="en-US" sz="1400" dirty="0">
+              <a:t>EhCache</a:t>
+            </a:r>
+            <a:endParaRPr lang="zh-CN" altLang="en-US" sz="1200" dirty="0">
               <a:solidFill>
-                <a:schemeClr val="tx1"/>
+                <a:schemeClr val="bg1"/>
               </a:solidFill>
+              <a:latin typeface="Arial" pitchFamily="34" charset="0"/>
+              <a:cs typeface="Arial" pitchFamily="34" charset="0"/>
             </a:endParaRPr>
           </a:p>
         </p:txBody>
       </p:sp>
       <p:sp>
         <p:nvSpPr>
-          <p:cNvPr id="27" name="矩形 26"/>
+          <p:cNvPr id="40" name="圆角矩形 11"/>
           <p:cNvSpPr/>
           <p:nvPr/>
         </p:nvSpPr>
         <p:spPr>
           <a:xfrm>
-            <a:off x="228600" y="5562600"/>
-            <a:ext cx="8839200" cy="838200"/>
-          </a:xfrm>
-          <a:prstGeom prst="rect">
+            <a:off x="4925770" y="1960508"/>
+            <a:ext cx="2133600" cy="381000"/>
+          </a:xfrm>
+          <a:prstGeom prst="roundRect">
             <a:avLst/>
           </a:prstGeom>
-          <a:ln>
-            <a:solidFill>
-              <a:schemeClr val="bg1">
-                <a:lumMod val="65000"/>
-              </a:schemeClr>
-            </a:solidFill>
-          </a:ln>
         </p:spPr>
         <p:style>
-          <a:lnRef idx="2">
-            <a:schemeClr val="accent1">
-              <a:shade val="50000"/>
-            </a:schemeClr>
+          <a:lnRef idx="1">
+            <a:schemeClr val="accent4"/>
           </a:lnRef>
-          <a:fillRef idx="1">
-            <a:schemeClr val="accent1"/>
+          <a:fillRef idx="3">
+            <a:schemeClr val="accent4"/>
           </a:fillRef>
-          <a:effectRef idx="0">
-            <a:schemeClr val="accent1"/>
+          <a:effectRef idx="2">
+            <a:schemeClr val="accent4"/>
           </a:effectRef>
           <a:fontRef idx="minor">
             <a:schemeClr val="lt1"/>
@@ -7364,943 +8168,130 @@
           <a:lstStyle/>
           <a:p>
             <a:pPr algn="ctr"/>
-            <a:endParaRPr lang="zh-CN" altLang="en-US"/>
-          </a:p>
-        </p:txBody>
-      </p:sp>
-      <p:sp>
-        <p:nvSpPr>
-          <p:cNvPr id="28" name="矩形 27"/>
+            <a:r>
+              <a:rPr lang="en-US" altLang="zh-CN" sz="1200" dirty="0" smtClean="0">
+                <a:solidFill>
+                  <a:schemeClr val="bg1"/>
+                </a:solidFill>
+                <a:latin typeface="Arial" pitchFamily="34" charset="0"/>
+                <a:cs typeface="Arial" pitchFamily="34" charset="0"/>
+              </a:rPr>
+              <a:t>Spring Security</a:t>
+            </a:r>
+            <a:endParaRPr lang="zh-CN" altLang="en-US" sz="1200" dirty="0">
+              <a:solidFill>
+                <a:schemeClr val="bg1"/>
+              </a:solidFill>
+              <a:latin typeface="Arial" pitchFamily="34" charset="0"/>
+              <a:cs typeface="Arial" pitchFamily="34" charset="0"/>
+            </a:endParaRPr>
+          </a:p>
+        </p:txBody>
+      </p:sp>
+      <p:sp>
+        <p:nvSpPr>
+          <p:cNvPr id="41" name="圆角矩形 12"/>
           <p:cNvSpPr/>
           <p:nvPr/>
         </p:nvSpPr>
         <p:spPr>
           <a:xfrm>
-            <a:off x="4800600" y="1752600"/>
-            <a:ext cx="4267200" cy="3581400"/>
-          </a:xfrm>
-          <a:prstGeom prst="rect">
+            <a:off x="7167785" y="3828162"/>
+            <a:ext cx="1696612" cy="380999"/>
+          </a:xfrm>
+          <a:prstGeom prst="roundRect">
             <a:avLst/>
           </a:prstGeom>
-          <a:solidFill>
-            <a:schemeClr val="tx2">
-              <a:lumMod val="40000"/>
-              <a:lumOff val="60000"/>
-            </a:schemeClr>
-          </a:solidFill>
-          <a:ln>
-            <a:solidFill>
-              <a:schemeClr val="tx2">
-                <a:lumMod val="60000"/>
-                <a:lumOff val="40000"/>
-              </a:schemeClr>
-            </a:solidFill>
-          </a:ln>
         </p:spPr>
         <p:style>
-          <a:lnRef idx="2">
-            <a:schemeClr val="accent1">
-              <a:shade val="50000"/>
-            </a:schemeClr>
+          <a:lnRef idx="1">
+            <a:schemeClr val="accent4"/>
           </a:lnRef>
-          <a:fillRef idx="1">
-            <a:schemeClr val="accent1"/>
+          <a:fillRef idx="3">
+            <a:schemeClr val="accent4"/>
           </a:fillRef>
-          <a:effectRef idx="0">
-            <a:schemeClr val="accent1"/>
+          <a:effectRef idx="2">
+            <a:schemeClr val="accent4"/>
           </a:effectRef>
           <a:fontRef idx="minor">
             <a:schemeClr val="lt1"/>
           </a:fontRef>
         </p:style>
         <p:txBody>
-          <a:bodyPr rtlCol="0" anchor="t"/>
+          <a:bodyPr rtlCol="0" anchor="ctr"/>
           <a:lstStyle/>
           <a:p>
             <a:pPr algn="ctr"/>
-            <a:endParaRPr lang="en-US" altLang="zh-CN" sz="2000" b="1" dirty="0" smtClean="0">
+            <a:r>
+              <a:rPr lang="en-US" altLang="zh-CN" sz="1100" dirty="0" smtClean="0">
+                <a:solidFill>
+                  <a:schemeClr val="bg1"/>
+                </a:solidFill>
+                <a:latin typeface="Arial" pitchFamily="34" charset="0"/>
+                <a:cs typeface="Arial" pitchFamily="34" charset="0"/>
+              </a:rPr>
+              <a:t>APF</a:t>
+            </a:r>
+          </a:p>
+          <a:p>
+            <a:pPr algn="ctr"/>
+            <a:r>
+              <a:rPr lang="en-US" altLang="zh-CN" sz="800" dirty="0" smtClean="0">
+                <a:solidFill>
+                  <a:schemeClr val="bg1"/>
+                </a:solidFill>
+                <a:latin typeface="Arial" pitchFamily="34" charset="0"/>
+                <a:cs typeface="Arial" pitchFamily="34" charset="0"/>
+              </a:rPr>
+              <a:t>(</a:t>
+            </a:r>
+            <a:r>
+              <a:rPr lang="en-US" altLang="zh-CN" sz="800" dirty="0" err="1" smtClean="0">
+                <a:solidFill>
+                  <a:schemeClr val="bg1"/>
+                </a:solidFill>
+                <a:latin typeface="Arial" pitchFamily="34" charset="0"/>
+                <a:cs typeface="Arial" pitchFamily="34" charset="0"/>
+              </a:rPr>
+              <a:t>Atlassian</a:t>
+            </a:r>
+            <a:r>
+              <a:rPr lang="en-US" altLang="zh-CN" sz="800" dirty="0" smtClean="0">
+                <a:solidFill>
+                  <a:schemeClr val="bg1"/>
+                </a:solidFill>
+                <a:latin typeface="Arial" pitchFamily="34" charset="0"/>
+                <a:cs typeface="Arial" pitchFamily="34" charset="0"/>
+              </a:rPr>
+              <a:t> Plugin Framework)</a:t>
+            </a:r>
+            <a:endParaRPr lang="zh-CN" altLang="en-US" sz="800" dirty="0">
+              <a:solidFill>
+                <a:schemeClr val="bg1"/>
+              </a:solidFill>
               <a:latin typeface="Arial" pitchFamily="34" charset="0"/>
               <a:cs typeface="Arial" pitchFamily="34" charset="0"/>
             </a:endParaRPr>
           </a:p>
         </p:txBody>
       </p:sp>
-      <p:sp>
-        <p:nvSpPr>
-          <p:cNvPr id="29" name="圆角矩形 28"/>
-          <p:cNvSpPr/>
-          <p:nvPr/>
-        </p:nvSpPr>
-        <p:spPr>
-          <a:xfrm>
-            <a:off x="1295400" y="5715000"/>
-            <a:ext cx="2209800" cy="609600"/>
-          </a:xfrm>
-          <a:prstGeom prst="roundRect">
-            <a:avLst/>
-          </a:prstGeom>
-          <a:solidFill>
-            <a:schemeClr val="tx2">
-              <a:lumMod val="40000"/>
-              <a:lumOff val="60000"/>
-            </a:schemeClr>
-          </a:solidFill>
-        </p:spPr>
-        <p:style>
-          <a:lnRef idx="2">
-            <a:schemeClr val="accent1">
-              <a:shade val="50000"/>
-            </a:schemeClr>
-          </a:lnRef>
-          <a:fillRef idx="1">
-            <a:schemeClr val="accent1"/>
-          </a:fillRef>
-          <a:effectRef idx="0">
-            <a:schemeClr val="accent1"/>
-          </a:effectRef>
-          <a:fontRef idx="minor">
-            <a:schemeClr val="lt1"/>
-          </a:fontRef>
-        </p:style>
-        <p:txBody>
-          <a:bodyPr rtlCol="0" anchor="ctr"/>
-          <a:lstStyle/>
-          <a:p>
-            <a:pPr algn="ctr"/>
-            <a:r>
-              <a:rPr lang="en-US" altLang="zh-CN" dirty="0" smtClean="0">
-                <a:solidFill>
-                  <a:schemeClr val="tx1"/>
-                </a:solidFill>
-              </a:rPr>
-              <a:t>DB</a:t>
-            </a:r>
-            <a:endParaRPr lang="zh-CN" altLang="en-US" dirty="0">
-              <a:solidFill>
-                <a:schemeClr val="tx1"/>
-              </a:solidFill>
-            </a:endParaRPr>
-          </a:p>
-        </p:txBody>
-      </p:sp>
-      <p:sp>
-        <p:nvSpPr>
-          <p:cNvPr id="30" name="圆角矩形 29"/>
-          <p:cNvSpPr/>
-          <p:nvPr/>
-        </p:nvSpPr>
-        <p:spPr>
-          <a:xfrm>
-            <a:off x="5638800" y="5715000"/>
-            <a:ext cx="2286000" cy="609600"/>
-          </a:xfrm>
-          <a:prstGeom prst="roundRect">
-            <a:avLst/>
-          </a:prstGeom>
-          <a:solidFill>
-            <a:schemeClr val="tx2">
-              <a:lumMod val="40000"/>
-              <a:lumOff val="60000"/>
-            </a:schemeClr>
-          </a:solidFill>
-        </p:spPr>
-        <p:style>
-          <a:lnRef idx="2">
-            <a:schemeClr val="accent1">
-              <a:shade val="50000"/>
-            </a:schemeClr>
-          </a:lnRef>
-          <a:fillRef idx="1">
-            <a:schemeClr val="accent1"/>
-          </a:fillRef>
-          <a:effectRef idx="0">
-            <a:schemeClr val="accent1"/>
-          </a:effectRef>
-          <a:fontRef idx="minor">
-            <a:schemeClr val="lt1"/>
-          </a:fontRef>
-        </p:style>
-        <p:txBody>
-          <a:bodyPr rtlCol="0" anchor="ctr"/>
-          <a:lstStyle/>
-          <a:p>
-            <a:pPr algn="ctr"/>
-            <a:r>
-              <a:rPr lang="en-US" altLang="zh-CN" dirty="0" smtClean="0">
-                <a:solidFill>
-                  <a:schemeClr val="tx1"/>
-                </a:solidFill>
-              </a:rPr>
-              <a:t>home directory</a:t>
-            </a:r>
-            <a:endParaRPr lang="zh-CN" altLang="en-US" dirty="0">
-              <a:solidFill>
-                <a:schemeClr val="tx1"/>
-              </a:solidFill>
-            </a:endParaRPr>
-          </a:p>
-        </p:txBody>
-      </p:sp>
-      <p:sp>
-        <p:nvSpPr>
-          <p:cNvPr id="36" name="下箭头 35"/>
-          <p:cNvSpPr/>
-          <p:nvPr/>
-        </p:nvSpPr>
-        <p:spPr>
-          <a:xfrm>
-            <a:off x="7010400" y="5334000"/>
-            <a:ext cx="457200" cy="381000"/>
-          </a:xfrm>
-          <a:prstGeom prst="downArrow">
-            <a:avLst/>
-          </a:prstGeom>
-          <a:solidFill>
-            <a:schemeClr val="tx2">
-              <a:lumMod val="40000"/>
-              <a:lumOff val="60000"/>
-            </a:schemeClr>
-          </a:solidFill>
-          <a:ln>
-            <a:solidFill>
-              <a:schemeClr val="accent1">
-                <a:lumMod val="40000"/>
-                <a:lumOff val="60000"/>
-              </a:schemeClr>
-            </a:solidFill>
-          </a:ln>
-        </p:spPr>
-        <p:style>
-          <a:lnRef idx="2">
-            <a:schemeClr val="accent1">
-              <a:shade val="50000"/>
-            </a:schemeClr>
-          </a:lnRef>
-          <a:fillRef idx="1">
-            <a:schemeClr val="accent1"/>
-          </a:fillRef>
-          <a:effectRef idx="0">
-            <a:schemeClr val="accent1"/>
-          </a:effectRef>
-          <a:fontRef idx="minor">
-            <a:schemeClr val="lt1"/>
-          </a:fontRef>
-        </p:style>
-        <p:txBody>
-          <a:bodyPr rtlCol="0" anchor="ctr"/>
-          <a:lstStyle/>
-          <a:p>
-            <a:pPr algn="ctr"/>
-            <a:endParaRPr lang="zh-CN" altLang="en-US"/>
-          </a:p>
-        </p:txBody>
-      </p:sp>
-      <p:sp>
-        <p:nvSpPr>
-          <p:cNvPr id="37" name="下箭头 36"/>
-          <p:cNvSpPr/>
-          <p:nvPr/>
-        </p:nvSpPr>
-        <p:spPr>
-          <a:xfrm rot="4093749">
-            <a:off x="4109041" y="4639138"/>
-            <a:ext cx="303805" cy="1688528"/>
-          </a:xfrm>
-          <a:prstGeom prst="downArrow">
-            <a:avLst/>
-          </a:prstGeom>
-          <a:solidFill>
-            <a:schemeClr val="tx2">
-              <a:lumMod val="40000"/>
-              <a:lumOff val="60000"/>
-            </a:schemeClr>
-          </a:solidFill>
-          <a:ln>
-            <a:solidFill>
-              <a:schemeClr val="accent1">
-                <a:lumMod val="40000"/>
-                <a:lumOff val="60000"/>
-              </a:schemeClr>
-            </a:solidFill>
-          </a:ln>
-        </p:spPr>
-        <p:style>
-          <a:lnRef idx="2">
-            <a:schemeClr val="accent1">
-              <a:shade val="50000"/>
-            </a:schemeClr>
-          </a:lnRef>
-          <a:fillRef idx="1">
-            <a:schemeClr val="accent1"/>
-          </a:fillRef>
-          <a:effectRef idx="0">
-            <a:schemeClr val="accent1"/>
-          </a:effectRef>
-          <a:fontRef idx="minor">
-            <a:schemeClr val="lt1"/>
-          </a:fontRef>
-        </p:style>
-        <p:txBody>
-          <a:bodyPr rtlCol="0" anchor="ctr"/>
-          <a:lstStyle/>
-          <a:p>
-            <a:pPr algn="ctr"/>
-            <a:endParaRPr lang="zh-CN" altLang="en-US"/>
-          </a:p>
-        </p:txBody>
-      </p:sp>
-      <p:sp>
-        <p:nvSpPr>
-          <p:cNvPr id="15" name="下箭头 14"/>
-          <p:cNvSpPr/>
-          <p:nvPr/>
-        </p:nvSpPr>
-        <p:spPr>
-          <a:xfrm>
-            <a:off x="1752600" y="5334000"/>
-            <a:ext cx="457200" cy="381000"/>
-          </a:xfrm>
-          <a:prstGeom prst="downArrow">
-            <a:avLst/>
-          </a:prstGeom>
-          <a:solidFill>
-            <a:schemeClr val="tx2">
-              <a:lumMod val="40000"/>
-              <a:lumOff val="60000"/>
-            </a:schemeClr>
-          </a:solidFill>
-          <a:ln>
-            <a:solidFill>
-              <a:schemeClr val="accent1">
-                <a:lumMod val="40000"/>
-                <a:lumOff val="60000"/>
-              </a:schemeClr>
-            </a:solidFill>
-          </a:ln>
-        </p:spPr>
-        <p:style>
-          <a:lnRef idx="2">
-            <a:schemeClr val="accent1">
-              <a:shade val="50000"/>
-            </a:schemeClr>
-          </a:lnRef>
-          <a:fillRef idx="1">
-            <a:schemeClr val="accent1"/>
-          </a:fillRef>
-          <a:effectRef idx="0">
-            <a:schemeClr val="accent1"/>
-          </a:effectRef>
-          <a:fontRef idx="minor">
-            <a:schemeClr val="lt1"/>
-          </a:fontRef>
-        </p:style>
-        <p:txBody>
-          <a:bodyPr rtlCol="0" anchor="ctr"/>
-          <a:lstStyle/>
-          <a:p>
-            <a:pPr algn="ctr"/>
-            <a:endParaRPr lang="zh-CN" altLang="en-US"/>
-          </a:p>
-        </p:txBody>
-      </p:sp>
-      <p:sp>
-        <p:nvSpPr>
-          <p:cNvPr id="14" name="下箭头 13"/>
-          <p:cNvSpPr/>
-          <p:nvPr/>
-        </p:nvSpPr>
-        <p:spPr>
-          <a:xfrm rot="17708137">
-            <a:off x="4908723" y="4753734"/>
-            <a:ext cx="310285" cy="1446068"/>
-          </a:xfrm>
-          <a:prstGeom prst="downArrow">
-            <a:avLst/>
-          </a:prstGeom>
-          <a:solidFill>
-            <a:schemeClr val="tx2">
-              <a:lumMod val="40000"/>
-              <a:lumOff val="60000"/>
-            </a:schemeClr>
-          </a:solidFill>
-          <a:ln>
-            <a:solidFill>
-              <a:schemeClr val="accent1">
-                <a:lumMod val="40000"/>
-                <a:lumOff val="60000"/>
-              </a:schemeClr>
-            </a:solidFill>
-          </a:ln>
-        </p:spPr>
-        <p:style>
-          <a:lnRef idx="2">
-            <a:schemeClr val="accent1">
-              <a:shade val="50000"/>
-            </a:schemeClr>
-          </a:lnRef>
-          <a:fillRef idx="1">
-            <a:schemeClr val="accent1"/>
-          </a:fillRef>
-          <a:effectRef idx="0">
-            <a:schemeClr val="accent1"/>
-          </a:effectRef>
-          <a:fontRef idx="minor">
-            <a:schemeClr val="lt1"/>
-          </a:fontRef>
-        </p:style>
-        <p:txBody>
-          <a:bodyPr rtlCol="0" anchor="ctr"/>
-          <a:lstStyle/>
-          <a:p>
-            <a:pPr algn="ctr"/>
-            <a:endParaRPr lang="zh-CN" altLang="en-US"/>
-          </a:p>
-        </p:txBody>
-      </p:sp>
-      <p:sp>
-        <p:nvSpPr>
-          <p:cNvPr id="38" name="圆角矩形 37"/>
-          <p:cNvSpPr/>
-          <p:nvPr/>
-        </p:nvSpPr>
-        <p:spPr>
-          <a:xfrm>
-            <a:off x="8153400" y="3886200"/>
-            <a:ext cx="838200" cy="1295400"/>
-          </a:xfrm>
-          <a:prstGeom prst="roundRect">
-            <a:avLst/>
-          </a:prstGeom>
-          <a:solidFill>
-            <a:schemeClr val="tx2">
-              <a:lumMod val="20000"/>
-              <a:lumOff val="80000"/>
-            </a:schemeClr>
-          </a:solidFill>
-        </p:spPr>
-        <p:style>
-          <a:lnRef idx="2">
-            <a:schemeClr val="accent1">
-              <a:shade val="50000"/>
-            </a:schemeClr>
-          </a:lnRef>
-          <a:fillRef idx="1">
-            <a:schemeClr val="accent1"/>
-          </a:fillRef>
-          <a:effectRef idx="0">
-            <a:schemeClr val="accent1"/>
-          </a:effectRef>
-          <a:fontRef idx="minor">
-            <a:schemeClr val="lt1"/>
-          </a:fontRef>
-        </p:style>
-        <p:txBody>
-          <a:bodyPr rtlCol="0" anchor="ctr"/>
-          <a:lstStyle/>
-          <a:p>
-            <a:pPr algn="ctr"/>
-            <a:r>
-              <a:rPr lang="en-US" altLang="zh-CN" sz="1400" dirty="0" smtClean="0">
-                <a:solidFill>
-                  <a:schemeClr val="tx1"/>
-                </a:solidFill>
-              </a:rPr>
-              <a:t>Spring </a:t>
-            </a:r>
-            <a:r>
-              <a:rPr lang="en-US" altLang="zh-CN" sz="1200" dirty="0" smtClean="0">
-                <a:solidFill>
-                  <a:schemeClr val="tx1"/>
-                </a:solidFill>
-              </a:rPr>
-              <a:t>Security</a:t>
-            </a:r>
-            <a:endParaRPr lang="zh-CN" altLang="en-US" sz="1200" dirty="0">
-              <a:solidFill>
-                <a:schemeClr val="tx1"/>
-              </a:solidFill>
-            </a:endParaRPr>
-          </a:p>
-        </p:txBody>
-      </p:sp>
-      <p:sp>
-        <p:nvSpPr>
-          <p:cNvPr id="39" name="圆角矩形 38"/>
-          <p:cNvSpPr/>
-          <p:nvPr/>
-        </p:nvSpPr>
-        <p:spPr>
-          <a:xfrm>
-            <a:off x="8153400" y="2362200"/>
-            <a:ext cx="838200" cy="1371600"/>
-          </a:xfrm>
-          <a:prstGeom prst="roundRect">
-            <a:avLst/>
-          </a:prstGeom>
-          <a:solidFill>
-            <a:schemeClr val="tx2">
-              <a:lumMod val="20000"/>
-              <a:lumOff val="80000"/>
-            </a:schemeClr>
-          </a:solidFill>
-        </p:spPr>
-        <p:style>
-          <a:lnRef idx="2">
-            <a:schemeClr val="accent1">
-              <a:shade val="50000"/>
-            </a:schemeClr>
-          </a:lnRef>
-          <a:fillRef idx="1">
-            <a:schemeClr val="accent1"/>
-          </a:fillRef>
-          <a:effectRef idx="0">
-            <a:schemeClr val="accent1"/>
-          </a:effectRef>
-          <a:fontRef idx="minor">
-            <a:schemeClr val="lt1"/>
-          </a:fontRef>
-        </p:style>
-        <p:txBody>
-          <a:bodyPr rtlCol="0" anchor="ctr"/>
-          <a:lstStyle/>
-          <a:p>
-            <a:pPr algn="ctr"/>
-            <a:r>
-              <a:rPr lang="en-US" altLang="zh-CN" sz="1400" dirty="0" smtClean="0">
-                <a:solidFill>
-                  <a:schemeClr val="tx1"/>
-                </a:solidFill>
-              </a:rPr>
-              <a:t>Plugin</a:t>
-            </a:r>
-          </a:p>
-          <a:p>
-            <a:pPr algn="ctr"/>
-            <a:r>
-              <a:rPr lang="en-US" altLang="zh-CN" sz="1400" dirty="0" smtClean="0">
-                <a:solidFill>
-                  <a:schemeClr val="tx1"/>
-                </a:solidFill>
-              </a:rPr>
-              <a:t>System</a:t>
-            </a:r>
-            <a:endParaRPr lang="zh-CN" altLang="en-US" sz="1400" dirty="0">
-              <a:solidFill>
-                <a:schemeClr val="tx1"/>
-              </a:solidFill>
-            </a:endParaRPr>
-          </a:p>
-        </p:txBody>
-      </p:sp>
-      <p:sp>
-        <p:nvSpPr>
-          <p:cNvPr id="11" name="圆角矩形 10"/>
-          <p:cNvSpPr/>
-          <p:nvPr/>
-        </p:nvSpPr>
-        <p:spPr>
-          <a:xfrm>
-            <a:off x="1371600" y="3886200"/>
-            <a:ext cx="6629400" cy="762000"/>
-          </a:xfrm>
-          <a:prstGeom prst="roundRect">
-            <a:avLst/>
-          </a:prstGeom>
-          <a:solidFill>
-            <a:schemeClr val="tx2">
-              <a:lumMod val="20000"/>
-              <a:lumOff val="80000"/>
-            </a:schemeClr>
-          </a:solidFill>
-        </p:spPr>
-        <p:style>
-          <a:lnRef idx="2">
-            <a:schemeClr val="accent1">
-              <a:shade val="50000"/>
-            </a:schemeClr>
-          </a:lnRef>
-          <a:fillRef idx="1">
-            <a:schemeClr val="accent1"/>
-          </a:fillRef>
-          <a:effectRef idx="0">
-            <a:schemeClr val="accent1"/>
-          </a:effectRef>
-          <a:fontRef idx="minor">
-            <a:schemeClr val="lt1"/>
-          </a:fontRef>
-        </p:style>
-        <p:txBody>
-          <a:bodyPr rtlCol="0" anchor="ctr"/>
-          <a:lstStyle/>
-          <a:p>
-            <a:pPr algn="ctr"/>
-            <a:endParaRPr lang="zh-CN" altLang="en-US" sz="1400" dirty="0"/>
-          </a:p>
-        </p:txBody>
-      </p:sp>
-      <p:sp>
-        <p:nvSpPr>
-          <p:cNvPr id="40" name="圆角矩形 39"/>
-          <p:cNvSpPr/>
-          <p:nvPr/>
-        </p:nvSpPr>
-        <p:spPr>
-          <a:xfrm>
-            <a:off x="1905000" y="4191000"/>
-            <a:ext cx="2057400" cy="381000"/>
-          </a:xfrm>
-          <a:prstGeom prst="roundRect">
-            <a:avLst/>
-          </a:prstGeom>
-          <a:solidFill>
-            <a:schemeClr val="tx2">
-              <a:lumMod val="20000"/>
-              <a:lumOff val="80000"/>
-            </a:schemeClr>
-          </a:solidFill>
-        </p:spPr>
-        <p:style>
-          <a:lnRef idx="2">
-            <a:schemeClr val="accent1">
-              <a:shade val="50000"/>
-            </a:schemeClr>
-          </a:lnRef>
-          <a:fillRef idx="1">
-            <a:schemeClr val="accent1"/>
-          </a:fillRef>
-          <a:effectRef idx="0">
-            <a:schemeClr val="accent1"/>
-          </a:effectRef>
-          <a:fontRef idx="minor">
-            <a:schemeClr val="lt1"/>
-          </a:fontRef>
-        </p:style>
-        <p:txBody>
-          <a:bodyPr rtlCol="0" anchor="ctr"/>
-          <a:lstStyle/>
-          <a:p>
-            <a:pPr algn="ctr"/>
-            <a:r>
-              <a:rPr lang="en-US" altLang="zh-CN" sz="1400" dirty="0" smtClean="0">
-                <a:solidFill>
-                  <a:schemeClr val="tx1"/>
-                </a:solidFill>
-              </a:rPr>
-              <a:t>Not replicated cache</a:t>
-            </a:r>
-            <a:endParaRPr lang="zh-CN" altLang="en-US" sz="1400" dirty="0">
-              <a:solidFill>
-                <a:schemeClr val="tx1"/>
-              </a:solidFill>
-            </a:endParaRPr>
-          </a:p>
-        </p:txBody>
-      </p:sp>
-      <p:sp>
-        <p:nvSpPr>
-          <p:cNvPr id="41" name="TextBox 40"/>
-          <p:cNvSpPr txBox="1"/>
-          <p:nvPr/>
-        </p:nvSpPr>
-        <p:spPr>
-          <a:xfrm>
-            <a:off x="3733800" y="3886200"/>
-            <a:ext cx="1939057" cy="369332"/>
-          </a:xfrm>
-          <a:prstGeom prst="rect">
-            <a:avLst/>
-          </a:prstGeom>
-          <a:noFill/>
-        </p:spPr>
-        <p:txBody>
-          <a:bodyPr wrap="none" rtlCol="0">
-            <a:spAutoFit/>
-          </a:bodyPr>
-          <a:lstStyle/>
-          <a:p>
-            <a:r>
-              <a:rPr lang="en-US" altLang="zh-CN" dirty="0" smtClean="0"/>
-              <a:t>Replicated </a:t>
-            </a:r>
-            <a:r>
-              <a:rPr lang="en-US" altLang="zh-CN" dirty="0" smtClean="0"/>
-              <a:t>cache</a:t>
-            </a:r>
-            <a:endParaRPr lang="zh-CN" altLang="en-US" dirty="0" smtClean="0"/>
-          </a:p>
-        </p:txBody>
-      </p:sp>
-      <p:sp>
-        <p:nvSpPr>
-          <p:cNvPr id="45" name="圆角矩形 44"/>
-          <p:cNvSpPr/>
-          <p:nvPr/>
-        </p:nvSpPr>
-        <p:spPr>
-          <a:xfrm>
-            <a:off x="4953000" y="4724400"/>
-            <a:ext cx="1371600" cy="457200"/>
-          </a:xfrm>
-          <a:prstGeom prst="roundRect">
-            <a:avLst/>
-          </a:prstGeom>
-          <a:solidFill>
-            <a:schemeClr val="tx2">
-              <a:lumMod val="20000"/>
-              <a:lumOff val="80000"/>
-            </a:schemeClr>
-          </a:solidFill>
-        </p:spPr>
-        <p:style>
-          <a:lnRef idx="2">
-            <a:schemeClr val="accent1">
-              <a:shade val="50000"/>
-            </a:schemeClr>
-          </a:lnRef>
-          <a:fillRef idx="1">
-            <a:schemeClr val="accent1"/>
-          </a:fillRef>
-          <a:effectRef idx="0">
-            <a:schemeClr val="accent1"/>
-          </a:effectRef>
-          <a:fontRef idx="minor">
-            <a:schemeClr val="lt1"/>
-          </a:fontRef>
-        </p:style>
-        <p:txBody>
-          <a:bodyPr rtlCol="0" anchor="ctr"/>
-          <a:lstStyle/>
-          <a:p>
-            <a:pPr algn="ctr"/>
-            <a:r>
-              <a:rPr lang="en-US" altLang="zh-CN" sz="1400" dirty="0" smtClean="0">
-                <a:solidFill>
-                  <a:schemeClr val="tx1"/>
-                </a:solidFill>
-              </a:rPr>
-              <a:t>Spring Data</a:t>
-            </a:r>
-            <a:endParaRPr lang="zh-CN" altLang="en-US" sz="1400" dirty="0">
-              <a:solidFill>
-                <a:schemeClr val="tx1"/>
-              </a:solidFill>
-            </a:endParaRPr>
-          </a:p>
-        </p:txBody>
-      </p:sp>
-      <p:sp>
-        <p:nvSpPr>
-          <p:cNvPr id="46" name="圆角矩形 45"/>
-          <p:cNvSpPr/>
-          <p:nvPr/>
-        </p:nvSpPr>
-        <p:spPr>
-          <a:xfrm>
-            <a:off x="6400800" y="4724400"/>
-            <a:ext cx="1600200" cy="457200"/>
-          </a:xfrm>
-          <a:prstGeom prst="roundRect">
-            <a:avLst/>
-          </a:prstGeom>
-          <a:solidFill>
-            <a:schemeClr val="tx2">
-              <a:lumMod val="20000"/>
-              <a:lumOff val="80000"/>
-            </a:schemeClr>
-          </a:solidFill>
-        </p:spPr>
-        <p:style>
-          <a:lnRef idx="2">
-            <a:schemeClr val="accent1">
-              <a:shade val="50000"/>
-            </a:schemeClr>
-          </a:lnRef>
-          <a:fillRef idx="1">
-            <a:schemeClr val="accent1"/>
-          </a:fillRef>
-          <a:effectRef idx="0">
-            <a:schemeClr val="accent1"/>
-          </a:effectRef>
-          <a:fontRef idx="minor">
-            <a:schemeClr val="lt1"/>
-          </a:fontRef>
-        </p:style>
-        <p:txBody>
-          <a:bodyPr rtlCol="0" anchor="ctr"/>
-          <a:lstStyle/>
-          <a:p>
-            <a:pPr algn="ctr"/>
-            <a:r>
-              <a:rPr lang="en-US" altLang="zh-CN" sz="1400" dirty="0" smtClean="0">
-                <a:solidFill>
-                  <a:schemeClr val="tx1"/>
-                </a:solidFill>
-              </a:rPr>
-              <a:t>Embedded SVN</a:t>
-            </a:r>
-            <a:endParaRPr lang="zh-CN" altLang="en-US" sz="1400" dirty="0">
-              <a:solidFill>
-                <a:schemeClr val="tx1"/>
-              </a:solidFill>
-            </a:endParaRPr>
-          </a:p>
-        </p:txBody>
-      </p:sp>
-      <p:sp>
-        <p:nvSpPr>
-          <p:cNvPr id="47" name="圆角矩形 46"/>
-          <p:cNvSpPr/>
-          <p:nvPr/>
-        </p:nvSpPr>
-        <p:spPr>
-          <a:xfrm>
-            <a:off x="5562600" y="4191000"/>
-            <a:ext cx="2057400" cy="381000"/>
-          </a:xfrm>
-          <a:prstGeom prst="roundRect">
-            <a:avLst/>
-          </a:prstGeom>
-          <a:solidFill>
-            <a:schemeClr val="tx2">
-              <a:lumMod val="20000"/>
-              <a:lumOff val="80000"/>
-            </a:schemeClr>
-          </a:solidFill>
-        </p:spPr>
-        <p:style>
-          <a:lnRef idx="2">
-            <a:schemeClr val="accent1">
-              <a:shade val="50000"/>
-            </a:schemeClr>
-          </a:lnRef>
-          <a:fillRef idx="1">
-            <a:schemeClr val="accent1"/>
-          </a:fillRef>
-          <a:effectRef idx="0">
-            <a:schemeClr val="accent1"/>
-          </a:effectRef>
-          <a:fontRef idx="minor">
-            <a:schemeClr val="lt1"/>
-          </a:fontRef>
-        </p:style>
-        <p:txBody>
-          <a:bodyPr rtlCol="0" anchor="ctr"/>
-          <a:lstStyle/>
-          <a:p>
-            <a:pPr algn="ctr"/>
-            <a:r>
-              <a:rPr lang="en-US" altLang="zh-CN" sz="1400" dirty="0" smtClean="0">
-                <a:solidFill>
-                  <a:schemeClr val="tx1"/>
-                </a:solidFill>
-              </a:rPr>
-              <a:t>Not replicated cache</a:t>
-            </a:r>
-            <a:endParaRPr lang="zh-CN" altLang="en-US" sz="1400" dirty="0">
-              <a:solidFill>
-                <a:schemeClr val="tx1"/>
-              </a:solidFill>
-            </a:endParaRPr>
-          </a:p>
-        </p:txBody>
-      </p:sp>
-      <p:sp>
-        <p:nvSpPr>
-          <p:cNvPr id="48" name="TextBox 47"/>
-          <p:cNvSpPr txBox="1"/>
-          <p:nvPr/>
-        </p:nvSpPr>
-        <p:spPr>
-          <a:xfrm>
-            <a:off x="1295400" y="1828800"/>
-            <a:ext cx="2561920" cy="400110"/>
-          </a:xfrm>
-          <a:prstGeom prst="rect">
-            <a:avLst/>
-          </a:prstGeom>
-          <a:noFill/>
-        </p:spPr>
-        <p:txBody>
-          <a:bodyPr wrap="none" rtlCol="0">
-            <a:spAutoFit/>
-          </a:bodyPr>
-          <a:lstStyle/>
-          <a:p>
-            <a:r>
-              <a:rPr lang="en-US" altLang="zh-CN" sz="2000" b="1" dirty="0" smtClean="0">
-                <a:solidFill>
-                  <a:schemeClr val="bg1"/>
-                </a:solidFill>
-                <a:latin typeface="Arial" pitchFamily="34" charset="0"/>
-                <a:cs typeface="Arial" pitchFamily="34" charset="0"/>
-              </a:rPr>
-              <a:t>nGrinder Controller</a:t>
-            </a:r>
-            <a:endParaRPr lang="zh-CN" altLang="en-US" sz="2000" dirty="0">
-              <a:solidFill>
-                <a:schemeClr val="bg1"/>
-              </a:solidFill>
-            </a:endParaRPr>
-          </a:p>
-        </p:txBody>
-      </p:sp>
-      <p:sp>
-        <p:nvSpPr>
-          <p:cNvPr id="49" name="TextBox 48"/>
-          <p:cNvSpPr txBox="1"/>
-          <p:nvPr/>
-        </p:nvSpPr>
-        <p:spPr>
-          <a:xfrm>
-            <a:off x="5638800" y="1905000"/>
-            <a:ext cx="2561920" cy="400110"/>
-          </a:xfrm>
-          <a:prstGeom prst="rect">
-            <a:avLst/>
-          </a:prstGeom>
-          <a:noFill/>
-        </p:spPr>
-        <p:txBody>
-          <a:bodyPr wrap="none" rtlCol="0">
-            <a:spAutoFit/>
-          </a:bodyPr>
-          <a:lstStyle/>
-          <a:p>
-            <a:r>
-              <a:rPr lang="en-US" altLang="zh-CN" sz="2000" b="1" dirty="0" smtClean="0">
-                <a:solidFill>
-                  <a:schemeClr val="bg1"/>
-                </a:solidFill>
-                <a:latin typeface="Arial" pitchFamily="34" charset="0"/>
-                <a:cs typeface="Arial" pitchFamily="34" charset="0"/>
-              </a:rPr>
-              <a:t>nGrinder Controller</a:t>
-            </a:r>
-            <a:endParaRPr lang="zh-CN" altLang="en-US" sz="2000" dirty="0">
-              <a:solidFill>
-                <a:schemeClr val="bg1"/>
-              </a:solidFill>
-            </a:endParaRPr>
-          </a:p>
-        </p:txBody>
-      </p:sp>
       <p:grpSp>
         <p:nvGrpSpPr>
-          <p:cNvPr id="57" name="组合 56"/>
+          <p:cNvPr id="44" name="组合 23"/>
           <p:cNvGrpSpPr/>
           <p:nvPr/>
         </p:nvGrpSpPr>
         <p:grpSpPr>
           <a:xfrm>
-            <a:off x="2667000" y="2362200"/>
-            <a:ext cx="1752600" cy="1371600"/>
+            <a:off x="7167785" y="1999362"/>
+            <a:ext cx="852253" cy="1244838"/>
             <a:chOff x="5943600" y="2514600"/>
             <a:chExt cx="1828800" cy="1371600"/>
           </a:xfrm>
         </p:grpSpPr>
         <p:sp>
           <p:nvSpPr>
-            <p:cNvPr id="58" name="圆角矩形 57"/>
+            <p:cNvPr id="45" name="圆角矩形 16"/>
             <p:cNvSpPr/>
             <p:nvPr/>
           </p:nvSpPr>
@@ -8310,152 +8301,20 @@
               <a:ext cx="1828800" cy="1371600"/>
             </a:xfrm>
             <a:prstGeom prst="roundRect">
-              <a:avLst/>
-            </a:prstGeom>
-            <a:solidFill>
-              <a:schemeClr val="tx2">
-                <a:lumMod val="20000"/>
-                <a:lumOff val="80000"/>
-              </a:schemeClr>
-            </a:solidFill>
-          </p:spPr>
-          <p:style>
-            <a:lnRef idx="2">
-              <a:schemeClr val="accent1">
-                <a:shade val="50000"/>
-              </a:schemeClr>
-            </a:lnRef>
-            <a:fillRef idx="1">
-              <a:schemeClr val="accent1"/>
-            </a:fillRef>
-            <a:effectRef idx="0">
-              <a:schemeClr val="accent1"/>
-            </a:effectRef>
-            <a:fontRef idx="minor">
-              <a:schemeClr val="lt1"/>
-            </a:fontRef>
-          </p:style>
-          <p:txBody>
-            <a:bodyPr rtlCol="0" anchor="ctr"/>
-            <a:lstStyle/>
-            <a:p>
-              <a:pPr algn="ctr"/>
-              <a:endParaRPr lang="zh-CN" altLang="en-US" sz="1400" dirty="0">
-                <a:solidFill>
-                  <a:schemeClr val="tx1"/>
-                </a:solidFill>
-                <a:latin typeface="Arial" pitchFamily="34" charset="0"/>
-                <a:cs typeface="Arial" pitchFamily="34" charset="0"/>
-              </a:endParaRPr>
-            </a:p>
-          </p:txBody>
-        </p:sp>
-        <p:sp>
-          <p:nvSpPr>
-            <p:cNvPr id="59" name="모서리가 둥근 직사각형 9"/>
-            <p:cNvSpPr/>
-            <p:nvPr/>
-          </p:nvSpPr>
-          <p:spPr>
-            <a:xfrm>
-              <a:off x="6400800" y="3352800"/>
-              <a:ext cx="1219200" cy="304800"/>
-            </a:xfrm>
-            <a:prstGeom prst="roundRect">
-              <a:avLst/>
+              <a:avLst>
+                <a:gd name="adj" fmla="val 10550"/>
+              </a:avLst>
             </a:prstGeom>
           </p:spPr>
           <p:style>
             <a:lnRef idx="1">
-              <a:schemeClr val="accent1"/>
+              <a:schemeClr val="accent4"/>
             </a:lnRef>
             <a:fillRef idx="3">
-              <a:schemeClr val="accent1"/>
+              <a:schemeClr val="accent4"/>
             </a:fillRef>
             <a:effectRef idx="2">
-              <a:schemeClr val="accent1"/>
-            </a:effectRef>
-            <a:fontRef idx="minor">
-              <a:schemeClr val="lt1"/>
-            </a:fontRef>
-          </p:style>
-          <p:txBody>
-            <a:bodyPr rtlCol="0" anchor="ctr"/>
-            <a:lstStyle/>
-            <a:p>
-              <a:pPr algn="ctr"/>
-              <a:endParaRPr lang="ko-KR" altLang="en-US" sz="1400" dirty="0">
-                <a:latin typeface="Arial" pitchFamily="34" charset="0"/>
-                <a:cs typeface="Arial" pitchFamily="34" charset="0"/>
-              </a:endParaRPr>
-            </a:p>
-          </p:txBody>
-        </p:sp>
-        <p:sp>
-          <p:nvSpPr>
-            <p:cNvPr id="60" name="모서리가 둥근 직사각형 9"/>
-            <p:cNvSpPr/>
-            <p:nvPr/>
-          </p:nvSpPr>
-          <p:spPr>
-            <a:xfrm>
-              <a:off x="6248400" y="3276600"/>
-              <a:ext cx="1219200" cy="304800"/>
-            </a:xfrm>
-            <a:prstGeom prst="roundRect">
-              <a:avLst/>
-            </a:prstGeom>
-          </p:spPr>
-          <p:style>
-            <a:lnRef idx="1">
-              <a:schemeClr val="accent1"/>
-            </a:lnRef>
-            <a:fillRef idx="3">
-              <a:schemeClr val="accent1"/>
-            </a:fillRef>
-            <a:effectRef idx="2">
-              <a:schemeClr val="accent1"/>
-            </a:effectRef>
-            <a:fontRef idx="minor">
-              <a:schemeClr val="lt1"/>
-            </a:fontRef>
-          </p:style>
-          <p:txBody>
-            <a:bodyPr rtlCol="0" anchor="ctr"/>
-            <a:lstStyle/>
-            <a:p>
-              <a:pPr algn="ctr"/>
-              <a:endParaRPr lang="ko-KR" altLang="en-US" sz="1400" dirty="0">
-                <a:latin typeface="Arial" pitchFamily="34" charset="0"/>
-                <a:cs typeface="Arial" pitchFamily="34" charset="0"/>
-              </a:endParaRPr>
-            </a:p>
-          </p:txBody>
-        </p:sp>
-        <p:sp>
-          <p:nvSpPr>
-            <p:cNvPr id="61" name="모서리가 둥근 직사각형 9"/>
-            <p:cNvSpPr/>
-            <p:nvPr/>
-          </p:nvSpPr>
-          <p:spPr>
-            <a:xfrm>
-              <a:off x="6096000" y="3200400"/>
-              <a:ext cx="1219200" cy="304800"/>
-            </a:xfrm>
-            <a:prstGeom prst="roundRect">
-              <a:avLst/>
-            </a:prstGeom>
-          </p:spPr>
-          <p:style>
-            <a:lnRef idx="1">
-              <a:schemeClr val="accent1"/>
-            </a:lnRef>
-            <a:fillRef idx="3">
-              <a:schemeClr val="accent1"/>
-            </a:fillRef>
-            <a:effectRef idx="2">
-              <a:schemeClr val="accent1"/>
+              <a:schemeClr val="accent4"/>
             </a:effectRef>
             <a:fontRef idx="minor">
               <a:schemeClr val="lt1"/>
@@ -8467,20 +8326,61 @@
             <a:p>
               <a:pPr algn="ctr"/>
               <a:r>
-                <a:rPr lang="en-US" altLang="ko-KR" sz="1050" dirty="0" smtClean="0">
+                <a:rPr lang="en-US" altLang="zh-CN" sz="1100" dirty="0" smtClean="0">
+                  <a:solidFill>
+                    <a:schemeClr val="bg1"/>
+                  </a:solidFill>
                   <a:latin typeface="Arial" pitchFamily="34" charset="0"/>
                   <a:cs typeface="Arial" pitchFamily="34" charset="0"/>
                 </a:rPr>
-                <a:t>Grinder </a:t>
+                <a:t>Console </a:t>
               </a:r>
-              <a:r>
-                <a:rPr lang="en-US" altLang="ko-KR" sz="1050" dirty="0" smtClean="0">
+              <a:br>
+                <a:rPr lang="en-US" altLang="zh-CN" sz="1100" dirty="0" smtClean="0">
+                  <a:solidFill>
+                    <a:schemeClr val="bg1"/>
+                  </a:solidFill>
                   <a:latin typeface="Arial" pitchFamily="34" charset="0"/>
                   <a:cs typeface="Arial" pitchFamily="34" charset="0"/>
                 </a:rPr>
-                <a:t>Console</a:t>
+              </a:br>
+              <a:r>
+                <a:rPr lang="en-US" altLang="zh-CN" sz="1100" dirty="0" smtClean="0">
+                  <a:solidFill>
+                    <a:schemeClr val="bg1"/>
+                  </a:solidFill>
+                  <a:latin typeface="Arial" pitchFamily="34" charset="0"/>
+                  <a:cs typeface="Arial" pitchFamily="34" charset="0"/>
+                </a:rPr>
+                <a:t>manager</a:t>
               </a:r>
-              <a:endParaRPr lang="ko-KR" altLang="en-US" sz="1050" dirty="0">
+            </a:p>
+            <a:p>
+              <a:pPr algn="ctr"/>
+              <a:endParaRPr lang="en-US" altLang="zh-CN" sz="1100" dirty="0">
+                <a:solidFill>
+                  <a:schemeClr val="bg1"/>
+                </a:solidFill>
+                <a:latin typeface="Arial" pitchFamily="34" charset="0"/>
+                <a:cs typeface="Arial" pitchFamily="34" charset="0"/>
+              </a:endParaRPr>
+            </a:p>
+            <a:p>
+              <a:pPr algn="ctr"/>
+              <a:endParaRPr lang="en-US" altLang="zh-CN" sz="1100" dirty="0" smtClean="0">
+                <a:solidFill>
+                  <a:schemeClr val="bg1"/>
+                </a:solidFill>
+                <a:latin typeface="Arial" pitchFamily="34" charset="0"/>
+                <a:cs typeface="Arial" pitchFamily="34" charset="0"/>
+              </a:endParaRPr>
+            </a:p>
+            <a:p>
+              <a:pPr algn="ctr"/>
+              <a:endParaRPr lang="zh-CN" altLang="en-US" sz="1100" dirty="0">
+                <a:solidFill>
+                  <a:schemeClr val="bg1"/>
+                </a:solidFill>
                 <a:latin typeface="Arial" pitchFamily="34" charset="0"/>
                 <a:cs typeface="Arial" pitchFamily="34" charset="0"/>
               </a:endParaRPr>
@@ -8489,87 +8389,28 @@
         </p:sp>
         <p:sp>
           <p:nvSpPr>
-            <p:cNvPr id="62" name="TextBox 61"/>
-            <p:cNvSpPr txBox="1"/>
-            <p:nvPr/>
-          </p:nvSpPr>
-          <p:spPr>
-            <a:xfrm>
-              <a:off x="6019800" y="2667000"/>
-              <a:ext cx="1616148" cy="307777"/>
-            </a:xfrm>
-            <a:prstGeom prst="rect">
-              <a:avLst/>
-            </a:prstGeom>
-            <a:noFill/>
-          </p:spPr>
-          <p:txBody>
-            <a:bodyPr wrap="none" rtlCol="0">
-              <a:spAutoFit/>
-            </a:bodyPr>
-            <a:lstStyle/>
-            <a:p>
-              <a:r>
-                <a:rPr lang="en-US" altLang="zh-CN" sz="1400" dirty="0" smtClean="0">
-                  <a:latin typeface="Arial" pitchFamily="34" charset="0"/>
-                  <a:cs typeface="Arial" pitchFamily="34" charset="0"/>
-                </a:rPr>
-                <a:t>Console manager</a:t>
-              </a:r>
-              <a:endParaRPr lang="zh-CN" altLang="en-US" sz="1400" dirty="0">
-                <a:latin typeface="Arial" pitchFamily="34" charset="0"/>
-                <a:cs typeface="Arial" pitchFamily="34" charset="0"/>
-              </a:endParaRPr>
-            </a:p>
-          </p:txBody>
-        </p:sp>
-      </p:grpSp>
-      <p:grpSp>
-        <p:nvGrpSpPr>
-          <p:cNvPr id="63" name="组合 62"/>
-          <p:cNvGrpSpPr/>
-          <p:nvPr/>
-        </p:nvGrpSpPr>
-        <p:grpSpPr>
-          <a:xfrm>
-            <a:off x="1371600" y="2362200"/>
-            <a:ext cx="1143000" cy="1371600"/>
-            <a:chOff x="4118812" y="2514600"/>
-            <a:chExt cx="1203158" cy="1371600"/>
-          </a:xfrm>
-        </p:grpSpPr>
-        <p:sp>
-          <p:nvSpPr>
-            <p:cNvPr id="64" name="圆角矩形 63"/>
+            <p:cNvPr id="46" name="모서리가 둥근 직사각형 9"/>
             <p:cNvSpPr/>
             <p:nvPr/>
           </p:nvSpPr>
           <p:spPr>
             <a:xfrm>
-              <a:off x="4118812" y="2514600"/>
-              <a:ext cx="1203158" cy="1371600"/>
+              <a:off x="6400800" y="3352800"/>
+              <a:ext cx="1219200" cy="421192"/>
             </a:xfrm>
             <a:prstGeom prst="roundRect">
               <a:avLst/>
             </a:prstGeom>
-            <a:solidFill>
-              <a:schemeClr val="tx2">
-                <a:lumMod val="20000"/>
-                <a:lumOff val="80000"/>
-              </a:schemeClr>
-            </a:solidFill>
           </p:spPr>
           <p:style>
-            <a:lnRef idx="2">
-              <a:schemeClr val="accent1">
-                <a:shade val="50000"/>
-              </a:schemeClr>
+            <a:lnRef idx="1">
+              <a:schemeClr val="accent4"/>
             </a:lnRef>
-            <a:fillRef idx="1">
-              <a:schemeClr val="accent1"/>
+            <a:fillRef idx="3">
+              <a:schemeClr val="accent4"/>
             </a:fillRef>
-            <a:effectRef idx="0">
-              <a:schemeClr val="accent1"/>
+            <a:effectRef idx="2">
+              <a:schemeClr val="accent4"/>
             </a:effectRef>
             <a:fontRef idx="minor">
               <a:schemeClr val="lt1"/>
@@ -8580,9 +8421,9 @@
             <a:lstStyle/>
             <a:p>
               <a:pPr algn="ctr"/>
-              <a:endParaRPr lang="zh-CN" altLang="en-US" sz="1400" dirty="0">
-                <a:solidFill>
-                  <a:schemeClr val="tx1"/>
+              <a:endParaRPr lang="ko-KR" altLang="en-US" sz="1100" dirty="0">
+                <a:solidFill>
+                  <a:schemeClr val="bg1"/>
                 </a:solidFill>
                 <a:latin typeface="Arial" pitchFamily="34" charset="0"/>
                 <a:cs typeface="Arial" pitchFamily="34" charset="0"/>
@@ -8592,114 +8433,28 @@
         </p:sp>
         <p:sp>
           <p:nvSpPr>
-            <p:cNvPr id="65" name="TextBox 64"/>
-            <p:cNvSpPr txBox="1"/>
-            <p:nvPr/>
-          </p:nvSpPr>
-          <p:spPr>
-            <a:xfrm>
-              <a:off x="4199023" y="2743200"/>
-              <a:ext cx="1000338" cy="954107"/>
-            </a:xfrm>
-            <a:prstGeom prst="rect">
-              <a:avLst/>
-            </a:prstGeom>
-            <a:noFill/>
-          </p:spPr>
-          <p:txBody>
-            <a:bodyPr wrap="none" rtlCol="0">
-              <a:spAutoFit/>
-            </a:bodyPr>
-            <a:lstStyle/>
-            <a:p>
-              <a:r>
-                <a:rPr lang="en-US" altLang="zh-CN" sz="1400" dirty="0" smtClean="0">
-                  <a:latin typeface="Arial" pitchFamily="34" charset="0"/>
-                  <a:cs typeface="Arial" pitchFamily="34" charset="0"/>
-                </a:rPr>
-                <a:t>nGrinder</a:t>
-              </a:r>
-            </a:p>
-            <a:p>
-              <a:r>
-                <a:rPr lang="en-US" altLang="zh-CN" sz="1400" dirty="0" smtClean="0">
-                  <a:latin typeface="Arial" pitchFamily="34" charset="0"/>
-                  <a:cs typeface="Arial" pitchFamily="34" charset="0"/>
-                </a:rPr>
-                <a:t>Controller,</a:t>
-              </a:r>
-            </a:p>
-            <a:p>
-              <a:r>
-                <a:rPr lang="en-US" altLang="zh-CN" sz="1400" dirty="0" smtClean="0">
-                  <a:latin typeface="Arial" pitchFamily="34" charset="0"/>
-                  <a:cs typeface="Arial" pitchFamily="34" charset="0"/>
-                </a:rPr>
-                <a:t>Services,</a:t>
-              </a:r>
-            </a:p>
-            <a:p>
-              <a:r>
-                <a:rPr lang="en-US" altLang="zh-CN" sz="1400" dirty="0" smtClean="0">
-                  <a:latin typeface="Arial" pitchFamily="34" charset="0"/>
-                  <a:cs typeface="Arial" pitchFamily="34" charset="0"/>
-                </a:rPr>
-                <a:t>Utilities.</a:t>
-              </a:r>
-              <a:endParaRPr lang="zh-CN" altLang="en-US" sz="1400" dirty="0">
-                <a:latin typeface="Arial" pitchFamily="34" charset="0"/>
-                <a:cs typeface="Arial" pitchFamily="34" charset="0"/>
-              </a:endParaRPr>
-            </a:p>
-          </p:txBody>
-        </p:sp>
-      </p:grpSp>
-      <p:grpSp>
-        <p:nvGrpSpPr>
-          <p:cNvPr id="66" name="组合 65"/>
-          <p:cNvGrpSpPr/>
-          <p:nvPr/>
-        </p:nvGrpSpPr>
-        <p:grpSpPr>
-          <a:xfrm>
-            <a:off x="6248400" y="2362200"/>
-            <a:ext cx="1752600" cy="1371600"/>
-            <a:chOff x="5943600" y="2514600"/>
-            <a:chExt cx="1828800" cy="1371600"/>
-          </a:xfrm>
-        </p:grpSpPr>
-        <p:sp>
-          <p:nvSpPr>
-            <p:cNvPr id="67" name="圆角矩形 66"/>
+            <p:cNvPr id="47" name="모서리가 둥근 직사각형 9"/>
             <p:cNvSpPr/>
             <p:nvPr/>
           </p:nvSpPr>
           <p:spPr>
             <a:xfrm>
-              <a:off x="5943600" y="2514600"/>
-              <a:ext cx="1828800" cy="1371600"/>
+              <a:off x="6248400" y="3276600"/>
+              <a:ext cx="1371600" cy="421192"/>
             </a:xfrm>
             <a:prstGeom prst="roundRect">
               <a:avLst/>
             </a:prstGeom>
-            <a:solidFill>
-              <a:schemeClr val="tx2">
-                <a:lumMod val="20000"/>
-                <a:lumOff val="80000"/>
-              </a:schemeClr>
-            </a:solidFill>
           </p:spPr>
           <p:style>
-            <a:lnRef idx="2">
-              <a:schemeClr val="accent1">
-                <a:shade val="50000"/>
-              </a:schemeClr>
+            <a:lnRef idx="1">
+              <a:schemeClr val="accent4"/>
             </a:lnRef>
-            <a:fillRef idx="1">
-              <a:schemeClr val="accent1"/>
+            <a:fillRef idx="3">
+              <a:schemeClr val="accent4"/>
             </a:fillRef>
-            <a:effectRef idx="0">
-              <a:schemeClr val="accent1"/>
+            <a:effectRef idx="2">
+              <a:schemeClr val="accent4"/>
             </a:effectRef>
             <a:fontRef idx="minor">
               <a:schemeClr val="lt1"/>
@@ -8710,9 +8465,9 @@
             <a:lstStyle/>
             <a:p>
               <a:pPr algn="ctr"/>
-              <a:endParaRPr lang="zh-CN" altLang="en-US" sz="1400" dirty="0">
-                <a:solidFill>
-                  <a:schemeClr val="tx1"/>
+              <a:endParaRPr lang="ko-KR" altLang="en-US" sz="1100" dirty="0">
+                <a:solidFill>
+                  <a:schemeClr val="bg1"/>
                 </a:solidFill>
                 <a:latin typeface="Arial" pitchFamily="34" charset="0"/>
                 <a:cs typeface="Arial" pitchFamily="34" charset="0"/>
@@ -8722,14 +8477,14 @@
         </p:sp>
         <p:sp>
           <p:nvSpPr>
-            <p:cNvPr id="68" name="모서리가 둥근 직사각형 9"/>
+            <p:cNvPr id="48" name="모서리가 둥근 직사각형 9"/>
             <p:cNvSpPr/>
             <p:nvPr/>
           </p:nvSpPr>
           <p:spPr>
             <a:xfrm>
-              <a:off x="6400800" y="3352800"/>
-              <a:ext cx="1219200" cy="304800"/>
+              <a:off x="6096000" y="3200400"/>
+              <a:ext cx="1378690" cy="421192"/>
             </a:xfrm>
             <a:prstGeom prst="roundRect">
               <a:avLst/>
@@ -8737,95 +8492,13 @@
           </p:spPr>
           <p:style>
             <a:lnRef idx="1">
-              <a:schemeClr val="accent1"/>
+              <a:schemeClr val="accent4"/>
             </a:lnRef>
             <a:fillRef idx="3">
-              <a:schemeClr val="accent1"/>
+              <a:schemeClr val="accent4"/>
             </a:fillRef>
             <a:effectRef idx="2">
-              <a:schemeClr val="accent1"/>
-            </a:effectRef>
-            <a:fontRef idx="minor">
-              <a:schemeClr val="lt1"/>
-            </a:fontRef>
-          </p:style>
-          <p:txBody>
-            <a:bodyPr rtlCol="0" anchor="ctr"/>
-            <a:lstStyle/>
-            <a:p>
-              <a:pPr algn="ctr"/>
-              <a:endParaRPr lang="ko-KR" altLang="en-US" sz="1400" dirty="0">
-                <a:latin typeface="Arial" pitchFamily="34" charset="0"/>
-                <a:cs typeface="Arial" pitchFamily="34" charset="0"/>
-              </a:endParaRPr>
-            </a:p>
-          </p:txBody>
-        </p:sp>
-        <p:sp>
-          <p:nvSpPr>
-            <p:cNvPr id="69" name="모서리가 둥근 직사각형 9"/>
-            <p:cNvSpPr/>
-            <p:nvPr/>
-          </p:nvSpPr>
-          <p:spPr>
-            <a:xfrm>
-              <a:off x="6248400" y="3276600"/>
-              <a:ext cx="1219200" cy="304800"/>
-            </a:xfrm>
-            <a:prstGeom prst="roundRect">
-              <a:avLst/>
-            </a:prstGeom>
-          </p:spPr>
-          <p:style>
-            <a:lnRef idx="1">
-              <a:schemeClr val="accent1"/>
-            </a:lnRef>
-            <a:fillRef idx="3">
-              <a:schemeClr val="accent1"/>
-            </a:fillRef>
-            <a:effectRef idx="2">
-              <a:schemeClr val="accent1"/>
-            </a:effectRef>
-            <a:fontRef idx="minor">
-              <a:schemeClr val="lt1"/>
-            </a:fontRef>
-          </p:style>
-          <p:txBody>
-            <a:bodyPr rtlCol="0" anchor="ctr"/>
-            <a:lstStyle/>
-            <a:p>
-              <a:pPr algn="ctr"/>
-              <a:endParaRPr lang="ko-KR" altLang="en-US" sz="1400" dirty="0">
-                <a:latin typeface="Arial" pitchFamily="34" charset="0"/>
-                <a:cs typeface="Arial" pitchFamily="34" charset="0"/>
-              </a:endParaRPr>
-            </a:p>
-          </p:txBody>
-        </p:sp>
-        <p:sp>
-          <p:nvSpPr>
-            <p:cNvPr id="70" name="모서리가 둥근 직사각형 9"/>
-            <p:cNvSpPr/>
-            <p:nvPr/>
-          </p:nvSpPr>
-          <p:spPr>
-            <a:xfrm>
-              <a:off x="6096000" y="3200400"/>
-              <a:ext cx="1219200" cy="304800"/>
-            </a:xfrm>
-            <a:prstGeom prst="roundRect">
-              <a:avLst/>
-            </a:prstGeom>
-          </p:spPr>
-          <p:style>
-            <a:lnRef idx="1">
-              <a:schemeClr val="accent1"/>
-            </a:lnRef>
-            <a:fillRef idx="3">
-              <a:schemeClr val="accent1"/>
-            </a:fillRef>
-            <a:effectRef idx="2">
-              <a:schemeClr val="accent1"/>
+              <a:schemeClr val="accent4"/>
             </a:effectRef>
             <a:fontRef idx="minor">
               <a:schemeClr val="lt1"/>
@@ -8837,56 +8510,19 @@
             <a:p>
               <a:pPr algn="ctr"/>
               <a:r>
-                <a:rPr lang="en-US" altLang="ko-KR" sz="1050" dirty="0" smtClean="0">
+                <a:rPr lang="en-US" altLang="ko-KR" sz="900" dirty="0" smtClean="0">
+                  <a:solidFill>
+                    <a:schemeClr val="bg1"/>
+                  </a:solidFill>
                   <a:latin typeface="Arial" pitchFamily="34" charset="0"/>
                   <a:cs typeface="Arial" pitchFamily="34" charset="0"/>
                 </a:rPr>
-                <a:t>Grinder </a:t>
+                <a:t>Grinder Console</a:t>
               </a:r>
-              <a:r>
-                <a:rPr lang="en-US" altLang="ko-KR" sz="1050" dirty="0" smtClean="0">
-                  <a:latin typeface="Arial" pitchFamily="34" charset="0"/>
-                  <a:cs typeface="Arial" pitchFamily="34" charset="0"/>
-                </a:rPr>
-                <a:t>Console</a:t>
-              </a:r>
-              <a:endParaRPr lang="ko-KR" altLang="en-US" sz="1050" dirty="0">
-                <a:latin typeface="Arial" pitchFamily="34" charset="0"/>
-                <a:cs typeface="Arial" pitchFamily="34" charset="0"/>
-              </a:endParaRPr>
-            </a:p>
-          </p:txBody>
-        </p:sp>
-        <p:sp>
-          <p:nvSpPr>
-            <p:cNvPr id="71" name="TextBox 70"/>
-            <p:cNvSpPr txBox="1"/>
-            <p:nvPr/>
-          </p:nvSpPr>
-          <p:spPr>
-            <a:xfrm>
-              <a:off x="6019800" y="2667000"/>
-              <a:ext cx="1616148" cy="307777"/>
-            </a:xfrm>
-            <a:prstGeom prst="rect">
-              <a:avLst/>
-            </a:prstGeom>
-            <a:noFill/>
-          </p:spPr>
-          <p:txBody>
-            <a:bodyPr wrap="none" rtlCol="0">
-              <a:spAutoFit/>
-            </a:bodyPr>
-            <a:lstStyle/>
-            <a:p>
-              <a:r>
-                <a:rPr lang="en-US" altLang="zh-CN" sz="1400" dirty="0" smtClean="0">
-                  <a:latin typeface="Arial" pitchFamily="34" charset="0"/>
-                  <a:cs typeface="Arial" pitchFamily="34" charset="0"/>
-                </a:rPr>
-                <a:t>Console manager</a:t>
-              </a:r>
-              <a:endParaRPr lang="zh-CN" altLang="en-US" sz="1400" dirty="0">
+              <a:endParaRPr lang="ko-KR" altLang="en-US" sz="900" dirty="0">
+                <a:solidFill>
+                  <a:schemeClr val="bg1"/>
+                </a:solidFill>
                 <a:latin typeface="Arial" pitchFamily="34" charset="0"/>
                 <a:cs typeface="Arial" pitchFamily="34" charset="0"/>
               </a:endParaRPr>
@@ -8894,52 +8530,222 @@
           </p:txBody>
         </p:sp>
       </p:grpSp>
+      <p:sp>
+        <p:nvSpPr>
+          <p:cNvPr id="49" name="圆角矩形 21"/>
+          <p:cNvSpPr/>
+          <p:nvPr/>
+        </p:nvSpPr>
+        <p:spPr>
+          <a:xfrm>
+            <a:off x="4925769" y="2417708"/>
+            <a:ext cx="2133601" cy="381000"/>
+          </a:xfrm>
+          <a:prstGeom prst="roundRect">
+            <a:avLst>
+              <a:gd name="adj" fmla="val 16494"/>
+            </a:avLst>
+          </a:prstGeom>
+        </p:spPr>
+        <p:style>
+          <a:lnRef idx="1">
+            <a:schemeClr val="accent4"/>
+          </a:lnRef>
+          <a:fillRef idx="3">
+            <a:schemeClr val="accent4"/>
+          </a:fillRef>
+          <a:effectRef idx="2">
+            <a:schemeClr val="accent4"/>
+          </a:effectRef>
+          <a:fontRef idx="minor">
+            <a:schemeClr val="lt1"/>
+          </a:fontRef>
+        </p:style>
+        <p:txBody>
+          <a:bodyPr rtlCol="0" anchor="ctr"/>
+          <a:lstStyle/>
+          <a:p>
+            <a:pPr algn="ctr"/>
+            <a:r>
+              <a:rPr lang="en-US" altLang="zh-CN" sz="1200" dirty="0">
+                <a:solidFill>
+                  <a:schemeClr val="bg1"/>
+                </a:solidFill>
+                <a:latin typeface="Arial" pitchFamily="34" charset="0"/>
+                <a:cs typeface="Arial" pitchFamily="34" charset="0"/>
+              </a:rPr>
+              <a:t>Spring </a:t>
+            </a:r>
+            <a:r>
+              <a:rPr lang="en-US" altLang="zh-CN" sz="1200" dirty="0" smtClean="0">
+                <a:solidFill>
+                  <a:schemeClr val="bg1"/>
+                </a:solidFill>
+                <a:latin typeface="Arial" pitchFamily="34" charset="0"/>
+                <a:cs typeface="Arial" pitchFamily="34" charset="0"/>
+              </a:rPr>
+              <a:t>MVC</a:t>
+            </a:r>
+            <a:endParaRPr lang="en-US" altLang="zh-CN" sz="1200" dirty="0">
+              <a:solidFill>
+                <a:schemeClr val="bg1"/>
+              </a:solidFill>
+              <a:latin typeface="Arial" pitchFamily="34" charset="0"/>
+              <a:cs typeface="Arial" pitchFamily="34" charset="0"/>
+            </a:endParaRPr>
+          </a:p>
+        </p:txBody>
+      </p:sp>
+      <p:sp>
+        <p:nvSpPr>
+          <p:cNvPr id="50" name="圆角矩形 21"/>
+          <p:cNvSpPr/>
+          <p:nvPr/>
+        </p:nvSpPr>
+        <p:spPr>
+          <a:xfrm>
+            <a:off x="4953341" y="3374402"/>
+            <a:ext cx="1204662" cy="377559"/>
+          </a:xfrm>
+          <a:prstGeom prst="roundRect">
+            <a:avLst>
+              <a:gd name="adj" fmla="val 18819"/>
+            </a:avLst>
+          </a:prstGeom>
+        </p:spPr>
+        <p:style>
+          <a:lnRef idx="1">
+            <a:schemeClr val="accent4"/>
+          </a:lnRef>
+          <a:fillRef idx="3">
+            <a:schemeClr val="accent4"/>
+          </a:fillRef>
+          <a:effectRef idx="2">
+            <a:schemeClr val="accent4"/>
+          </a:effectRef>
+          <a:fontRef idx="minor">
+            <a:schemeClr val="lt1"/>
+          </a:fontRef>
+        </p:style>
+        <p:txBody>
+          <a:bodyPr rtlCol="0" anchor="ctr"/>
+          <a:lstStyle/>
+          <a:p>
+            <a:pPr algn="ctr"/>
+            <a:r>
+              <a:rPr lang="en-US" altLang="zh-CN" sz="1100" dirty="0" smtClean="0">
+                <a:solidFill>
+                  <a:schemeClr val="bg1"/>
+                </a:solidFill>
+                <a:latin typeface="Arial" pitchFamily="34" charset="0"/>
+                <a:cs typeface="Arial" pitchFamily="34" charset="0"/>
+              </a:rPr>
+              <a:t>Spring Service</a:t>
+            </a:r>
+            <a:endParaRPr lang="en-US" altLang="zh-CN" sz="1100" dirty="0">
+              <a:solidFill>
+                <a:schemeClr val="bg1"/>
+              </a:solidFill>
+              <a:latin typeface="Arial" pitchFamily="34" charset="0"/>
+              <a:cs typeface="Arial" pitchFamily="34" charset="0"/>
+            </a:endParaRPr>
+          </a:p>
+        </p:txBody>
+      </p:sp>
+      <p:sp>
+        <p:nvSpPr>
+          <p:cNvPr id="51" name="圆角矩形 12"/>
+          <p:cNvSpPr/>
+          <p:nvPr/>
+        </p:nvSpPr>
+        <p:spPr>
+          <a:xfrm>
+            <a:off x="7162800" y="3374402"/>
+            <a:ext cx="1696612" cy="380999"/>
+          </a:xfrm>
+          <a:prstGeom prst="roundRect">
+            <a:avLst/>
+          </a:prstGeom>
+        </p:spPr>
+        <p:style>
+          <a:lnRef idx="1">
+            <a:schemeClr val="accent4"/>
+          </a:lnRef>
+          <a:fillRef idx="3">
+            <a:schemeClr val="accent4"/>
+          </a:fillRef>
+          <a:effectRef idx="2">
+            <a:schemeClr val="accent4"/>
+          </a:effectRef>
+          <a:fontRef idx="minor">
+            <a:schemeClr val="lt1"/>
+          </a:fontRef>
+        </p:style>
+        <p:txBody>
+          <a:bodyPr rtlCol="0" anchor="ctr"/>
+          <a:lstStyle/>
+          <a:p>
+            <a:pPr algn="ctr"/>
+            <a:r>
+              <a:rPr lang="en-US" altLang="zh-CN" sz="1100" dirty="0" smtClean="0">
+                <a:solidFill>
+                  <a:schemeClr val="bg1"/>
+                </a:solidFill>
+                <a:latin typeface="Arial" pitchFamily="34" charset="0"/>
+                <a:cs typeface="Arial" pitchFamily="34" charset="0"/>
+              </a:rPr>
+              <a:t>Plugins</a:t>
+            </a:r>
+            <a:endParaRPr lang="zh-CN" altLang="en-US" sz="800" dirty="0">
+              <a:solidFill>
+                <a:schemeClr val="bg1"/>
+              </a:solidFill>
+              <a:latin typeface="Arial" pitchFamily="34" charset="0"/>
+              <a:cs typeface="Arial" pitchFamily="34" charset="0"/>
+            </a:endParaRPr>
+          </a:p>
+        </p:txBody>
+      </p:sp>
       <p:grpSp>
         <p:nvGrpSpPr>
-          <p:cNvPr id="72" name="组合 71"/>
+          <p:cNvPr id="53" name="组合 23"/>
           <p:cNvGrpSpPr/>
           <p:nvPr/>
         </p:nvGrpSpPr>
         <p:grpSpPr>
           <a:xfrm>
-            <a:off x="4953000" y="2362200"/>
-            <a:ext cx="1143000" cy="1371600"/>
-            <a:chOff x="4118812" y="2514600"/>
-            <a:chExt cx="1203158" cy="1371600"/>
+            <a:off x="8034470" y="1999362"/>
+            <a:ext cx="852253" cy="1244838"/>
+            <a:chOff x="5943600" y="2514600"/>
+            <a:chExt cx="1828800" cy="1371600"/>
           </a:xfrm>
         </p:grpSpPr>
         <p:sp>
           <p:nvSpPr>
-            <p:cNvPr id="73" name="圆角矩形 72"/>
+            <p:cNvPr id="54" name="圆角矩形 16"/>
             <p:cNvSpPr/>
             <p:nvPr/>
           </p:nvSpPr>
           <p:spPr>
             <a:xfrm>
-              <a:off x="4118812" y="2514600"/>
-              <a:ext cx="1203158" cy="1371600"/>
+              <a:off x="5943600" y="2514600"/>
+              <a:ext cx="1828800" cy="1371600"/>
             </a:xfrm>
             <a:prstGeom prst="roundRect">
-              <a:avLst/>
+              <a:avLst>
+                <a:gd name="adj" fmla="val 10550"/>
+              </a:avLst>
             </a:prstGeom>
-            <a:solidFill>
-              <a:schemeClr val="tx2">
-                <a:lumMod val="20000"/>
-                <a:lumOff val="80000"/>
-              </a:schemeClr>
-            </a:solidFill>
           </p:spPr>
           <p:style>
-            <a:lnRef idx="2">
-              <a:schemeClr val="accent1">
-                <a:shade val="50000"/>
-              </a:schemeClr>
+            <a:lnRef idx="1">
+              <a:schemeClr val="accent4"/>
             </a:lnRef>
-            <a:fillRef idx="1">
-              <a:schemeClr val="accent1"/>
+            <a:fillRef idx="3">
+              <a:schemeClr val="accent4"/>
             </a:fillRef>
-            <a:effectRef idx="0">
-              <a:schemeClr val="accent1"/>
+            <a:effectRef idx="2">
+              <a:schemeClr val="accent4"/>
             </a:effectRef>
             <a:fontRef idx="minor">
               <a:schemeClr val="lt1"/>
@@ -8950,9 +8756,61 @@
             <a:lstStyle/>
             <a:p>
               <a:pPr algn="ctr"/>
-              <a:endParaRPr lang="zh-CN" altLang="en-US" sz="1400" dirty="0">
-                <a:solidFill>
-                  <a:schemeClr val="tx1"/>
+              <a:r>
+                <a:rPr lang="en-US" altLang="zh-CN" sz="1100" dirty="0" smtClean="0">
+                  <a:solidFill>
+                    <a:schemeClr val="bg1"/>
+                  </a:solidFill>
+                  <a:latin typeface="Arial" pitchFamily="34" charset="0"/>
+                  <a:cs typeface="Arial" pitchFamily="34" charset="0"/>
+                </a:rPr>
+                <a:t>Agent</a:t>
+              </a:r>
+              <a:br>
+                <a:rPr lang="en-US" altLang="zh-CN" sz="1100" dirty="0" smtClean="0">
+                  <a:solidFill>
+                    <a:schemeClr val="bg1"/>
+                  </a:solidFill>
+                  <a:latin typeface="Arial" pitchFamily="34" charset="0"/>
+                  <a:cs typeface="Arial" pitchFamily="34" charset="0"/>
+                </a:rPr>
+              </a:br>
+              <a:r>
+                <a:rPr lang="en-US" altLang="zh-CN" sz="1100" dirty="0" smtClean="0">
+                  <a:solidFill>
+                    <a:schemeClr val="bg1"/>
+                  </a:solidFill>
+                  <a:latin typeface="Arial" pitchFamily="34" charset="0"/>
+                  <a:cs typeface="Arial" pitchFamily="34" charset="0"/>
+                </a:rPr>
+                <a:t>manager</a:t>
+              </a:r>
+            </a:p>
+            <a:p>
+              <a:pPr algn="ctr"/>
+              <a:endParaRPr lang="en-US" altLang="zh-CN" sz="1100" dirty="0">
+                <a:solidFill>
+                  <a:schemeClr val="bg1"/>
+                </a:solidFill>
+                <a:latin typeface="Arial" pitchFamily="34" charset="0"/>
+                <a:cs typeface="Arial" pitchFamily="34" charset="0"/>
+              </a:endParaRPr>
+            </a:p>
+            <a:p>
+              <a:pPr algn="ctr"/>
+              <a:endParaRPr lang="en-US" altLang="zh-CN" sz="1100" dirty="0" smtClean="0">
+                <a:solidFill>
+                  <a:schemeClr val="bg1"/>
+                </a:solidFill>
+                <a:latin typeface="Arial" pitchFamily="34" charset="0"/>
+                <a:cs typeface="Arial" pitchFamily="34" charset="0"/>
+              </a:endParaRPr>
+            </a:p>
+            <a:p>
+              <a:pPr algn="ctr"/>
+              <a:endParaRPr lang="zh-CN" altLang="en-US" sz="1100" dirty="0">
+                <a:solidFill>
+                  <a:schemeClr val="bg1"/>
                 </a:solidFill>
                 <a:latin typeface="Arial" pitchFamily="34" charset="0"/>
                 <a:cs typeface="Arial" pitchFamily="34" charset="0"/>
@@ -8962,61 +8820,140 @@
         </p:sp>
         <p:sp>
           <p:nvSpPr>
-            <p:cNvPr id="74" name="TextBox 73"/>
-            <p:cNvSpPr txBox="1"/>
+            <p:cNvPr id="55" name="모서리가 둥근 직사각형 9"/>
+            <p:cNvSpPr/>
             <p:nvPr/>
           </p:nvSpPr>
           <p:spPr>
             <a:xfrm>
-              <a:off x="4199023" y="2743200"/>
-              <a:ext cx="1000338" cy="954107"/>
+              <a:off x="6400800" y="3352800"/>
+              <a:ext cx="1219200" cy="421192"/>
             </a:xfrm>
-            <a:prstGeom prst="rect">
+            <a:prstGeom prst="roundRect">
               <a:avLst/>
             </a:prstGeom>
-            <a:noFill/>
           </p:spPr>
+          <p:style>
+            <a:lnRef idx="1">
+              <a:schemeClr val="accent4"/>
+            </a:lnRef>
+            <a:fillRef idx="3">
+              <a:schemeClr val="accent4"/>
+            </a:fillRef>
+            <a:effectRef idx="2">
+              <a:schemeClr val="accent4"/>
+            </a:effectRef>
+            <a:fontRef idx="minor">
+              <a:schemeClr val="lt1"/>
+            </a:fontRef>
+          </p:style>
           <p:txBody>
-            <a:bodyPr wrap="none" rtlCol="0">
-              <a:spAutoFit/>
-            </a:bodyPr>
+            <a:bodyPr rtlCol="0" anchor="ctr"/>
             <a:lstStyle/>
             <a:p>
+              <a:pPr algn="ctr"/>
+              <a:endParaRPr lang="ko-KR" altLang="en-US" sz="1100" dirty="0">
+                <a:solidFill>
+                  <a:schemeClr val="bg1"/>
+                </a:solidFill>
+                <a:latin typeface="Arial" pitchFamily="34" charset="0"/>
+                <a:cs typeface="Arial" pitchFamily="34" charset="0"/>
+              </a:endParaRPr>
+            </a:p>
+          </p:txBody>
+        </p:sp>
+        <p:sp>
+          <p:nvSpPr>
+            <p:cNvPr id="56" name="모서리가 둥근 직사각형 9"/>
+            <p:cNvSpPr/>
+            <p:nvPr/>
+          </p:nvSpPr>
+          <p:spPr>
+            <a:xfrm>
+              <a:off x="6248400" y="3276600"/>
+              <a:ext cx="1371600" cy="421192"/>
+            </a:xfrm>
+            <a:prstGeom prst="roundRect">
+              <a:avLst/>
+            </a:prstGeom>
+          </p:spPr>
+          <p:style>
+            <a:lnRef idx="1">
+              <a:schemeClr val="accent4"/>
+            </a:lnRef>
+            <a:fillRef idx="3">
+              <a:schemeClr val="accent4"/>
+            </a:fillRef>
+            <a:effectRef idx="2">
+              <a:schemeClr val="accent4"/>
+            </a:effectRef>
+            <a:fontRef idx="minor">
+              <a:schemeClr val="lt1"/>
+            </a:fontRef>
+          </p:style>
+          <p:txBody>
+            <a:bodyPr rtlCol="0" anchor="ctr"/>
+            <a:lstStyle/>
+            <a:p>
+              <a:pPr algn="ctr"/>
+              <a:endParaRPr lang="ko-KR" altLang="en-US" sz="1100" dirty="0">
+                <a:solidFill>
+                  <a:schemeClr val="bg1"/>
+                </a:solidFill>
+                <a:latin typeface="Arial" pitchFamily="34" charset="0"/>
+                <a:cs typeface="Arial" pitchFamily="34" charset="0"/>
+              </a:endParaRPr>
+            </a:p>
+          </p:txBody>
+        </p:sp>
+        <p:sp>
+          <p:nvSpPr>
+            <p:cNvPr id="57" name="모서리가 둥근 직사각형 9"/>
+            <p:cNvSpPr/>
+            <p:nvPr/>
+          </p:nvSpPr>
+          <p:spPr>
+            <a:xfrm>
+              <a:off x="6096000" y="3200400"/>
+              <a:ext cx="1378690" cy="421192"/>
+            </a:xfrm>
+            <a:prstGeom prst="roundRect">
+              <a:avLst/>
+            </a:prstGeom>
+          </p:spPr>
+          <p:style>
+            <a:lnRef idx="1">
+              <a:schemeClr val="accent4"/>
+            </a:lnRef>
+            <a:fillRef idx="3">
+              <a:schemeClr val="accent4"/>
+            </a:fillRef>
+            <a:effectRef idx="2">
+              <a:schemeClr val="accent4"/>
+            </a:effectRef>
+            <a:fontRef idx="minor">
+              <a:schemeClr val="lt1"/>
+            </a:fontRef>
+          </p:style>
+          <p:txBody>
+            <a:bodyPr rtlCol="0" anchor="ctr"/>
+            <a:lstStyle/>
+            <a:p>
+              <a:pPr algn="ctr"/>
               <a:r>
-                <a:rPr lang="en-US" altLang="zh-CN" sz="1400" dirty="0" smtClean="0">
+                <a:rPr lang="en-US" altLang="ko-KR" sz="900" dirty="0" smtClean="0">
+                  <a:solidFill>
+                    <a:schemeClr val="bg1"/>
+                  </a:solidFill>
                   <a:latin typeface="Arial" pitchFamily="34" charset="0"/>
                   <a:cs typeface="Arial" pitchFamily="34" charset="0"/>
                 </a:rPr>
-                <a:t>nGrinder</a:t>
+                <a:t>Agent</a:t>
               </a:r>
-            </a:p>
-            <a:p>
-              <a:r>
-                <a:rPr lang="en-US" altLang="zh-CN" sz="1400" dirty="0" smtClean="0">
-                  <a:latin typeface="Arial" pitchFamily="34" charset="0"/>
-                  <a:cs typeface="Arial" pitchFamily="34" charset="0"/>
-                </a:rPr>
-                <a:t>Controller,</a:t>
-              </a:r>
-            </a:p>
-            <a:p>
-              <a:r>
-                <a:rPr lang="en-US" altLang="zh-CN" sz="1400" dirty="0" smtClean="0">
-                  <a:latin typeface="Arial" pitchFamily="34" charset="0"/>
-                  <a:cs typeface="Arial" pitchFamily="34" charset="0"/>
-                </a:rPr>
-                <a:t>Services,</a:t>
-              </a:r>
-            </a:p>
-            <a:p>
-              <a:r>
-                <a:rPr lang="en-US" altLang="zh-CN" sz="1400" dirty="0" smtClean="0">
-                  <a:latin typeface="Arial" pitchFamily="34" charset="0"/>
-                  <a:cs typeface="Arial" pitchFamily="34" charset="0"/>
-                </a:rPr>
-                <a:t>Utilities.</a:t>
-              </a:r>
-              <a:endParaRPr lang="zh-CN" altLang="en-US" sz="1400" dirty="0">
+              <a:endParaRPr lang="ko-KR" altLang="en-US" sz="900" dirty="0">
+                <a:solidFill>
+                  <a:schemeClr val="bg1"/>
+                </a:solidFill>
                 <a:latin typeface="Arial" pitchFamily="34" charset="0"/>
                 <a:cs typeface="Arial" pitchFamily="34" charset="0"/>
               </a:endParaRPr>
@@ -9024,11 +8961,1967 @@
           </p:txBody>
         </p:sp>
       </p:grpSp>
+      <p:sp>
+        <p:nvSpPr>
+          <p:cNvPr id="58" name="모서리가 둥근 직사각형 57"/>
+          <p:cNvSpPr/>
+          <p:nvPr/>
+        </p:nvSpPr>
+        <p:spPr>
+          <a:xfrm>
+            <a:off x="361456" y="1829157"/>
+            <a:ext cx="4195864" cy="2590443"/>
+          </a:xfrm>
+          <a:prstGeom prst="roundRect">
+            <a:avLst>
+              <a:gd name="adj" fmla="val 5349"/>
+            </a:avLst>
+          </a:prstGeom>
+          <a:solidFill>
+            <a:schemeClr val="accent3">
+              <a:lumMod val="20000"/>
+              <a:lumOff val="80000"/>
+            </a:schemeClr>
+          </a:solidFill>
+        </p:spPr>
+        <p:style>
+          <a:lnRef idx="1">
+            <a:schemeClr val="accent3"/>
+          </a:lnRef>
+          <a:fillRef idx="3">
+            <a:schemeClr val="accent3"/>
+          </a:fillRef>
+          <a:effectRef idx="2">
+            <a:schemeClr val="accent3"/>
+          </a:effectRef>
+          <a:fontRef idx="minor">
+            <a:schemeClr val="lt1"/>
+          </a:fontRef>
+        </p:style>
+        <p:txBody>
+          <a:bodyPr rtlCol="0" anchor="ctr"/>
+          <a:lstStyle/>
+          <a:p>
+            <a:pPr algn="ctr"/>
+            <a:endParaRPr lang="ko-KR" altLang="en-US" sz="1100">
+              <a:latin typeface="+mn-ea"/>
+            </a:endParaRPr>
+          </a:p>
+        </p:txBody>
+      </p:sp>
+      <p:sp>
+        <p:nvSpPr>
+          <p:cNvPr id="59" name="圆角矩形 8"/>
+          <p:cNvSpPr/>
+          <p:nvPr/>
+        </p:nvSpPr>
+        <p:spPr>
+          <a:xfrm>
+            <a:off x="2379633" y="3828162"/>
+            <a:ext cx="1204662" cy="381000"/>
+          </a:xfrm>
+          <a:prstGeom prst="roundRect">
+            <a:avLst/>
+          </a:prstGeom>
+        </p:spPr>
+        <p:style>
+          <a:lnRef idx="1">
+            <a:schemeClr val="accent4"/>
+          </a:lnRef>
+          <a:fillRef idx="3">
+            <a:schemeClr val="accent4"/>
+          </a:fillRef>
+          <a:effectRef idx="2">
+            <a:schemeClr val="accent4"/>
+          </a:effectRef>
+          <a:fontRef idx="minor">
+            <a:schemeClr val="lt1"/>
+          </a:fontRef>
+        </p:style>
+        <p:txBody>
+          <a:bodyPr rtlCol="0" anchor="ctr"/>
+          <a:lstStyle/>
+          <a:p>
+            <a:pPr algn="ctr"/>
+            <a:r>
+              <a:rPr lang="en-US" altLang="zh-CN" sz="1100" dirty="0" smtClean="0">
+                <a:solidFill>
+                  <a:schemeClr val="bg1"/>
+                </a:solidFill>
+                <a:latin typeface="Arial" pitchFamily="34" charset="0"/>
+                <a:cs typeface="Arial" pitchFamily="34" charset="0"/>
+              </a:rPr>
+              <a:t>Spring Data</a:t>
+            </a:r>
+            <a:endParaRPr lang="zh-CN" altLang="en-US" sz="1100" dirty="0">
+              <a:solidFill>
+                <a:schemeClr val="bg1"/>
+              </a:solidFill>
+              <a:latin typeface="Arial" pitchFamily="34" charset="0"/>
+              <a:cs typeface="Arial" pitchFamily="34" charset="0"/>
+            </a:endParaRPr>
+          </a:p>
+        </p:txBody>
+      </p:sp>
+      <p:sp>
+        <p:nvSpPr>
+          <p:cNvPr id="60" name="圆角矩形 9"/>
+          <p:cNvSpPr/>
+          <p:nvPr/>
+        </p:nvSpPr>
+        <p:spPr>
+          <a:xfrm>
+            <a:off x="3640871" y="3828162"/>
+            <a:ext cx="853280" cy="381000"/>
+          </a:xfrm>
+          <a:prstGeom prst="roundRect">
+            <a:avLst/>
+          </a:prstGeom>
+        </p:spPr>
+        <p:style>
+          <a:lnRef idx="1">
+            <a:schemeClr val="accent4"/>
+          </a:lnRef>
+          <a:fillRef idx="3">
+            <a:schemeClr val="accent4"/>
+          </a:fillRef>
+          <a:effectRef idx="2">
+            <a:schemeClr val="accent4"/>
+          </a:effectRef>
+          <a:fontRef idx="minor">
+            <a:schemeClr val="lt1"/>
+          </a:fontRef>
+        </p:style>
+        <p:txBody>
+          <a:bodyPr rtlCol="0" anchor="ctr"/>
+          <a:lstStyle/>
+          <a:p>
+            <a:pPr algn="ctr"/>
+            <a:r>
+              <a:rPr lang="en-US" altLang="zh-CN" sz="1100" dirty="0" err="1" smtClean="0">
+                <a:solidFill>
+                  <a:schemeClr val="bg1"/>
+                </a:solidFill>
+                <a:latin typeface="Arial" pitchFamily="34" charset="0"/>
+                <a:cs typeface="Arial" pitchFamily="34" charset="0"/>
+              </a:rPr>
+              <a:t>SVNkit</a:t>
+            </a:r>
+            <a:endParaRPr lang="zh-CN" altLang="en-US" sz="1100" dirty="0">
+              <a:solidFill>
+                <a:schemeClr val="bg1"/>
+              </a:solidFill>
+              <a:latin typeface="Arial" pitchFamily="34" charset="0"/>
+              <a:cs typeface="Arial" pitchFamily="34" charset="0"/>
+            </a:endParaRPr>
+          </a:p>
+        </p:txBody>
+      </p:sp>
+      <p:sp>
+        <p:nvSpPr>
+          <p:cNvPr id="61" name="圆角矩形 10"/>
+          <p:cNvSpPr/>
+          <p:nvPr/>
+        </p:nvSpPr>
+        <p:spPr>
+          <a:xfrm>
+            <a:off x="2340677" y="2939400"/>
+            <a:ext cx="1726835" cy="304800"/>
+          </a:xfrm>
+          <a:prstGeom prst="roundRect">
+            <a:avLst/>
+          </a:prstGeom>
+        </p:spPr>
+        <p:style>
+          <a:lnRef idx="1">
+            <a:schemeClr val="accent3"/>
+          </a:lnRef>
+          <a:fillRef idx="3">
+            <a:schemeClr val="accent3"/>
+          </a:fillRef>
+          <a:effectRef idx="2">
+            <a:schemeClr val="accent3"/>
+          </a:effectRef>
+          <a:fontRef idx="minor">
+            <a:schemeClr val="lt1"/>
+          </a:fontRef>
+        </p:style>
+        <p:txBody>
+          <a:bodyPr rtlCol="0" anchor="ctr"/>
+          <a:lstStyle/>
+          <a:p>
+            <a:pPr algn="ctr"/>
+            <a:r>
+              <a:rPr lang="en-US" altLang="zh-CN" sz="1200" dirty="0" err="1" smtClean="0">
+                <a:solidFill>
+                  <a:schemeClr val="bg1"/>
+                </a:solidFill>
+                <a:latin typeface="Arial" pitchFamily="34" charset="0"/>
+                <a:cs typeface="Arial" pitchFamily="34" charset="0"/>
+              </a:rPr>
+              <a:t>EhCache</a:t>
+            </a:r>
+            <a:endParaRPr lang="zh-CN" altLang="en-US" sz="1200" dirty="0">
+              <a:solidFill>
+                <a:schemeClr val="bg1"/>
+              </a:solidFill>
+              <a:latin typeface="Arial" pitchFamily="34" charset="0"/>
+              <a:cs typeface="Arial" pitchFamily="34" charset="0"/>
+            </a:endParaRPr>
+          </a:p>
+        </p:txBody>
+      </p:sp>
+      <p:sp>
+        <p:nvSpPr>
+          <p:cNvPr id="62" name="圆角矩形 11"/>
+          <p:cNvSpPr/>
+          <p:nvPr/>
+        </p:nvSpPr>
+        <p:spPr>
+          <a:xfrm>
+            <a:off x="2334970" y="1960508"/>
+            <a:ext cx="2133600" cy="381000"/>
+          </a:xfrm>
+          <a:prstGeom prst="roundRect">
+            <a:avLst/>
+          </a:prstGeom>
+        </p:spPr>
+        <p:style>
+          <a:lnRef idx="1">
+            <a:schemeClr val="accent4"/>
+          </a:lnRef>
+          <a:fillRef idx="3">
+            <a:schemeClr val="accent4"/>
+          </a:fillRef>
+          <a:effectRef idx="2">
+            <a:schemeClr val="accent4"/>
+          </a:effectRef>
+          <a:fontRef idx="minor">
+            <a:schemeClr val="lt1"/>
+          </a:fontRef>
+        </p:style>
+        <p:txBody>
+          <a:bodyPr rtlCol="0" anchor="ctr"/>
+          <a:lstStyle/>
+          <a:p>
+            <a:pPr algn="ctr"/>
+            <a:r>
+              <a:rPr lang="en-US" altLang="zh-CN" sz="1200" dirty="0" smtClean="0">
+                <a:solidFill>
+                  <a:schemeClr val="bg1"/>
+                </a:solidFill>
+                <a:latin typeface="Arial" pitchFamily="34" charset="0"/>
+                <a:cs typeface="Arial" pitchFamily="34" charset="0"/>
+              </a:rPr>
+              <a:t>Spring Security</a:t>
+            </a:r>
+            <a:endParaRPr lang="zh-CN" altLang="en-US" sz="1200" dirty="0">
+              <a:solidFill>
+                <a:schemeClr val="bg1"/>
+              </a:solidFill>
+              <a:latin typeface="Arial" pitchFamily="34" charset="0"/>
+              <a:cs typeface="Arial" pitchFamily="34" charset="0"/>
+            </a:endParaRPr>
+          </a:p>
+        </p:txBody>
+      </p:sp>
+      <p:sp>
+        <p:nvSpPr>
+          <p:cNvPr id="69" name="圆角矩形 21"/>
+          <p:cNvSpPr/>
+          <p:nvPr/>
+        </p:nvSpPr>
+        <p:spPr>
+          <a:xfrm>
+            <a:off x="2334969" y="2417708"/>
+            <a:ext cx="2133601" cy="381000"/>
+          </a:xfrm>
+          <a:prstGeom prst="roundRect">
+            <a:avLst>
+              <a:gd name="adj" fmla="val 16494"/>
+            </a:avLst>
+          </a:prstGeom>
+        </p:spPr>
+        <p:style>
+          <a:lnRef idx="1">
+            <a:schemeClr val="accent4"/>
+          </a:lnRef>
+          <a:fillRef idx="3">
+            <a:schemeClr val="accent4"/>
+          </a:fillRef>
+          <a:effectRef idx="2">
+            <a:schemeClr val="accent4"/>
+          </a:effectRef>
+          <a:fontRef idx="minor">
+            <a:schemeClr val="lt1"/>
+          </a:fontRef>
+        </p:style>
+        <p:txBody>
+          <a:bodyPr rtlCol="0" anchor="ctr"/>
+          <a:lstStyle/>
+          <a:p>
+            <a:pPr algn="ctr"/>
+            <a:r>
+              <a:rPr lang="en-US" altLang="zh-CN" sz="1200" dirty="0">
+                <a:solidFill>
+                  <a:schemeClr val="bg1"/>
+                </a:solidFill>
+                <a:latin typeface="Arial" pitchFamily="34" charset="0"/>
+                <a:cs typeface="Arial" pitchFamily="34" charset="0"/>
+              </a:rPr>
+              <a:t>Spring </a:t>
+            </a:r>
+            <a:r>
+              <a:rPr lang="en-US" altLang="zh-CN" sz="1200" dirty="0" smtClean="0">
+                <a:solidFill>
+                  <a:schemeClr val="bg1"/>
+                </a:solidFill>
+                <a:latin typeface="Arial" pitchFamily="34" charset="0"/>
+                <a:cs typeface="Arial" pitchFamily="34" charset="0"/>
+              </a:rPr>
+              <a:t>MVC</a:t>
+            </a:r>
+            <a:endParaRPr lang="en-US" altLang="zh-CN" sz="1200" dirty="0">
+              <a:solidFill>
+                <a:schemeClr val="bg1"/>
+              </a:solidFill>
+              <a:latin typeface="Arial" pitchFamily="34" charset="0"/>
+              <a:cs typeface="Arial" pitchFamily="34" charset="0"/>
+            </a:endParaRPr>
+          </a:p>
+        </p:txBody>
+      </p:sp>
+      <p:sp>
+        <p:nvSpPr>
+          <p:cNvPr id="70" name="圆角矩形 21"/>
+          <p:cNvSpPr/>
+          <p:nvPr/>
+        </p:nvSpPr>
+        <p:spPr>
+          <a:xfrm>
+            <a:off x="2362541" y="3374402"/>
+            <a:ext cx="1204662" cy="377559"/>
+          </a:xfrm>
+          <a:prstGeom prst="roundRect">
+            <a:avLst>
+              <a:gd name="adj" fmla="val 18819"/>
+            </a:avLst>
+          </a:prstGeom>
+        </p:spPr>
+        <p:style>
+          <a:lnRef idx="1">
+            <a:schemeClr val="accent4"/>
+          </a:lnRef>
+          <a:fillRef idx="3">
+            <a:schemeClr val="accent4"/>
+          </a:fillRef>
+          <a:effectRef idx="2">
+            <a:schemeClr val="accent4"/>
+          </a:effectRef>
+          <a:fontRef idx="minor">
+            <a:schemeClr val="lt1"/>
+          </a:fontRef>
+        </p:style>
+        <p:txBody>
+          <a:bodyPr rtlCol="0" anchor="ctr"/>
+          <a:lstStyle/>
+          <a:p>
+            <a:pPr algn="ctr"/>
+            <a:r>
+              <a:rPr lang="en-US" altLang="zh-CN" sz="1100" dirty="0" smtClean="0">
+                <a:solidFill>
+                  <a:schemeClr val="bg1"/>
+                </a:solidFill>
+                <a:latin typeface="Arial" pitchFamily="34" charset="0"/>
+                <a:cs typeface="Arial" pitchFamily="34" charset="0"/>
+              </a:rPr>
+              <a:t>Spring Service</a:t>
+            </a:r>
+            <a:endParaRPr lang="en-US" altLang="zh-CN" sz="1100" dirty="0">
+              <a:solidFill>
+                <a:schemeClr val="bg1"/>
+              </a:solidFill>
+              <a:latin typeface="Arial" pitchFamily="34" charset="0"/>
+              <a:cs typeface="Arial" pitchFamily="34" charset="0"/>
+            </a:endParaRPr>
+          </a:p>
+        </p:txBody>
+      </p:sp>
+      <p:sp>
+        <p:nvSpPr>
+          <p:cNvPr id="79" name="圆角矩形 12"/>
+          <p:cNvSpPr/>
+          <p:nvPr/>
+        </p:nvSpPr>
+        <p:spPr>
+          <a:xfrm>
+            <a:off x="533521" y="3828162"/>
+            <a:ext cx="1696612" cy="380999"/>
+          </a:xfrm>
+          <a:prstGeom prst="roundRect">
+            <a:avLst/>
+          </a:prstGeom>
+        </p:spPr>
+        <p:style>
+          <a:lnRef idx="1">
+            <a:schemeClr val="accent4"/>
+          </a:lnRef>
+          <a:fillRef idx="3">
+            <a:schemeClr val="accent4"/>
+          </a:fillRef>
+          <a:effectRef idx="2">
+            <a:schemeClr val="accent4"/>
+          </a:effectRef>
+          <a:fontRef idx="minor">
+            <a:schemeClr val="lt1"/>
+          </a:fontRef>
+        </p:style>
+        <p:txBody>
+          <a:bodyPr rtlCol="0" anchor="ctr"/>
+          <a:lstStyle/>
+          <a:p>
+            <a:pPr algn="ctr"/>
+            <a:r>
+              <a:rPr lang="en-US" altLang="zh-CN" sz="1100" dirty="0" smtClean="0">
+                <a:solidFill>
+                  <a:schemeClr val="bg1"/>
+                </a:solidFill>
+                <a:latin typeface="Arial" pitchFamily="34" charset="0"/>
+                <a:cs typeface="Arial" pitchFamily="34" charset="0"/>
+              </a:rPr>
+              <a:t>APF</a:t>
+            </a:r>
+          </a:p>
+          <a:p>
+            <a:pPr algn="ctr"/>
+            <a:r>
+              <a:rPr lang="en-US" altLang="zh-CN" sz="800" dirty="0" smtClean="0">
+                <a:solidFill>
+                  <a:schemeClr val="bg1"/>
+                </a:solidFill>
+                <a:latin typeface="Arial" pitchFamily="34" charset="0"/>
+                <a:cs typeface="Arial" pitchFamily="34" charset="0"/>
+              </a:rPr>
+              <a:t>(</a:t>
+            </a:r>
+            <a:r>
+              <a:rPr lang="en-US" altLang="zh-CN" sz="800" dirty="0" err="1" smtClean="0">
+                <a:solidFill>
+                  <a:schemeClr val="bg1"/>
+                </a:solidFill>
+                <a:latin typeface="Arial" pitchFamily="34" charset="0"/>
+                <a:cs typeface="Arial" pitchFamily="34" charset="0"/>
+              </a:rPr>
+              <a:t>Atlassian</a:t>
+            </a:r>
+            <a:r>
+              <a:rPr lang="en-US" altLang="zh-CN" sz="800" dirty="0" smtClean="0">
+                <a:solidFill>
+                  <a:schemeClr val="bg1"/>
+                </a:solidFill>
+                <a:latin typeface="Arial" pitchFamily="34" charset="0"/>
+                <a:cs typeface="Arial" pitchFamily="34" charset="0"/>
+              </a:rPr>
+              <a:t> Plugin Framework)</a:t>
+            </a:r>
+            <a:endParaRPr lang="zh-CN" altLang="en-US" sz="800" dirty="0">
+              <a:solidFill>
+                <a:schemeClr val="bg1"/>
+              </a:solidFill>
+              <a:latin typeface="Arial" pitchFamily="34" charset="0"/>
+              <a:cs typeface="Arial" pitchFamily="34" charset="0"/>
+            </a:endParaRPr>
+          </a:p>
+        </p:txBody>
+      </p:sp>
+      <p:grpSp>
+        <p:nvGrpSpPr>
+          <p:cNvPr id="80" name="组合 23"/>
+          <p:cNvGrpSpPr/>
+          <p:nvPr/>
+        </p:nvGrpSpPr>
+        <p:grpSpPr>
+          <a:xfrm>
+            <a:off x="533521" y="1999362"/>
+            <a:ext cx="852253" cy="1244838"/>
+            <a:chOff x="5943600" y="2514600"/>
+            <a:chExt cx="1828800" cy="1371600"/>
+          </a:xfrm>
+        </p:grpSpPr>
+        <p:sp>
+          <p:nvSpPr>
+            <p:cNvPr id="81" name="圆角矩形 16"/>
+            <p:cNvSpPr/>
+            <p:nvPr/>
+          </p:nvSpPr>
+          <p:spPr>
+            <a:xfrm>
+              <a:off x="5943600" y="2514600"/>
+              <a:ext cx="1828800" cy="1371600"/>
+            </a:xfrm>
+            <a:prstGeom prst="roundRect">
+              <a:avLst>
+                <a:gd name="adj" fmla="val 10550"/>
+              </a:avLst>
+            </a:prstGeom>
+          </p:spPr>
+          <p:style>
+            <a:lnRef idx="1">
+              <a:schemeClr val="accent4"/>
+            </a:lnRef>
+            <a:fillRef idx="3">
+              <a:schemeClr val="accent4"/>
+            </a:fillRef>
+            <a:effectRef idx="2">
+              <a:schemeClr val="accent4"/>
+            </a:effectRef>
+            <a:fontRef idx="minor">
+              <a:schemeClr val="lt1"/>
+            </a:fontRef>
+          </p:style>
+          <p:txBody>
+            <a:bodyPr rtlCol="0" anchor="ctr"/>
+            <a:lstStyle/>
+            <a:p>
+              <a:pPr algn="ctr"/>
+              <a:r>
+                <a:rPr lang="en-US" altLang="zh-CN" sz="1100" dirty="0" smtClean="0">
+                  <a:solidFill>
+                    <a:schemeClr val="bg1"/>
+                  </a:solidFill>
+                  <a:latin typeface="Arial" pitchFamily="34" charset="0"/>
+                  <a:cs typeface="Arial" pitchFamily="34" charset="0"/>
+                </a:rPr>
+                <a:t>Console </a:t>
+              </a:r>
+              <a:br>
+                <a:rPr lang="en-US" altLang="zh-CN" sz="1100" dirty="0" smtClean="0">
+                  <a:solidFill>
+                    <a:schemeClr val="bg1"/>
+                  </a:solidFill>
+                  <a:latin typeface="Arial" pitchFamily="34" charset="0"/>
+                  <a:cs typeface="Arial" pitchFamily="34" charset="0"/>
+                </a:rPr>
+              </a:br>
+              <a:r>
+                <a:rPr lang="en-US" altLang="zh-CN" sz="1100" dirty="0" smtClean="0">
+                  <a:solidFill>
+                    <a:schemeClr val="bg1"/>
+                  </a:solidFill>
+                  <a:latin typeface="Arial" pitchFamily="34" charset="0"/>
+                  <a:cs typeface="Arial" pitchFamily="34" charset="0"/>
+                </a:rPr>
+                <a:t>manager</a:t>
+              </a:r>
+            </a:p>
+            <a:p>
+              <a:pPr algn="ctr"/>
+              <a:endParaRPr lang="en-US" altLang="zh-CN" sz="1100" dirty="0">
+                <a:solidFill>
+                  <a:schemeClr val="bg1"/>
+                </a:solidFill>
+                <a:latin typeface="Arial" pitchFamily="34" charset="0"/>
+                <a:cs typeface="Arial" pitchFamily="34" charset="0"/>
+              </a:endParaRPr>
+            </a:p>
+            <a:p>
+              <a:pPr algn="ctr"/>
+              <a:endParaRPr lang="en-US" altLang="zh-CN" sz="1100" dirty="0" smtClean="0">
+                <a:solidFill>
+                  <a:schemeClr val="bg1"/>
+                </a:solidFill>
+                <a:latin typeface="Arial" pitchFamily="34" charset="0"/>
+                <a:cs typeface="Arial" pitchFamily="34" charset="0"/>
+              </a:endParaRPr>
+            </a:p>
+            <a:p>
+              <a:pPr algn="ctr"/>
+              <a:endParaRPr lang="zh-CN" altLang="en-US" sz="1100" dirty="0">
+                <a:solidFill>
+                  <a:schemeClr val="bg1"/>
+                </a:solidFill>
+                <a:latin typeface="Arial" pitchFamily="34" charset="0"/>
+                <a:cs typeface="Arial" pitchFamily="34" charset="0"/>
+              </a:endParaRPr>
+            </a:p>
+          </p:txBody>
+        </p:sp>
+        <p:sp>
+          <p:nvSpPr>
+            <p:cNvPr id="82" name="모서리가 둥근 직사각형 9"/>
+            <p:cNvSpPr/>
+            <p:nvPr/>
+          </p:nvSpPr>
+          <p:spPr>
+            <a:xfrm>
+              <a:off x="6400800" y="3352800"/>
+              <a:ext cx="1219200" cy="421192"/>
+            </a:xfrm>
+            <a:prstGeom prst="roundRect">
+              <a:avLst/>
+            </a:prstGeom>
+          </p:spPr>
+          <p:style>
+            <a:lnRef idx="1">
+              <a:schemeClr val="accent4"/>
+            </a:lnRef>
+            <a:fillRef idx="3">
+              <a:schemeClr val="accent4"/>
+            </a:fillRef>
+            <a:effectRef idx="2">
+              <a:schemeClr val="accent4"/>
+            </a:effectRef>
+            <a:fontRef idx="minor">
+              <a:schemeClr val="lt1"/>
+            </a:fontRef>
+          </p:style>
+          <p:txBody>
+            <a:bodyPr rtlCol="0" anchor="ctr"/>
+            <a:lstStyle/>
+            <a:p>
+              <a:pPr algn="ctr"/>
+              <a:endParaRPr lang="ko-KR" altLang="en-US" sz="1100" dirty="0">
+                <a:solidFill>
+                  <a:schemeClr val="bg1"/>
+                </a:solidFill>
+                <a:latin typeface="Arial" pitchFamily="34" charset="0"/>
+                <a:cs typeface="Arial" pitchFamily="34" charset="0"/>
+              </a:endParaRPr>
+            </a:p>
+          </p:txBody>
+        </p:sp>
+        <p:sp>
+          <p:nvSpPr>
+            <p:cNvPr id="83" name="모서리가 둥근 직사각형 9"/>
+            <p:cNvSpPr/>
+            <p:nvPr/>
+          </p:nvSpPr>
+          <p:spPr>
+            <a:xfrm>
+              <a:off x="6248400" y="3276600"/>
+              <a:ext cx="1371600" cy="421192"/>
+            </a:xfrm>
+            <a:prstGeom prst="roundRect">
+              <a:avLst/>
+            </a:prstGeom>
+          </p:spPr>
+          <p:style>
+            <a:lnRef idx="1">
+              <a:schemeClr val="accent4"/>
+            </a:lnRef>
+            <a:fillRef idx="3">
+              <a:schemeClr val="accent4"/>
+            </a:fillRef>
+            <a:effectRef idx="2">
+              <a:schemeClr val="accent4"/>
+            </a:effectRef>
+            <a:fontRef idx="minor">
+              <a:schemeClr val="lt1"/>
+            </a:fontRef>
+          </p:style>
+          <p:txBody>
+            <a:bodyPr rtlCol="0" anchor="ctr"/>
+            <a:lstStyle/>
+            <a:p>
+              <a:pPr algn="ctr"/>
+              <a:endParaRPr lang="ko-KR" altLang="en-US" sz="1100" dirty="0">
+                <a:solidFill>
+                  <a:schemeClr val="bg1"/>
+                </a:solidFill>
+                <a:latin typeface="Arial" pitchFamily="34" charset="0"/>
+                <a:cs typeface="Arial" pitchFamily="34" charset="0"/>
+              </a:endParaRPr>
+            </a:p>
+          </p:txBody>
+        </p:sp>
+        <p:sp>
+          <p:nvSpPr>
+            <p:cNvPr id="84" name="모서리가 둥근 직사각형 9"/>
+            <p:cNvSpPr/>
+            <p:nvPr/>
+          </p:nvSpPr>
+          <p:spPr>
+            <a:xfrm>
+              <a:off x="6096000" y="3200400"/>
+              <a:ext cx="1378690" cy="421192"/>
+            </a:xfrm>
+            <a:prstGeom prst="roundRect">
+              <a:avLst/>
+            </a:prstGeom>
+          </p:spPr>
+          <p:style>
+            <a:lnRef idx="1">
+              <a:schemeClr val="accent4"/>
+            </a:lnRef>
+            <a:fillRef idx="3">
+              <a:schemeClr val="accent4"/>
+            </a:fillRef>
+            <a:effectRef idx="2">
+              <a:schemeClr val="accent4"/>
+            </a:effectRef>
+            <a:fontRef idx="minor">
+              <a:schemeClr val="lt1"/>
+            </a:fontRef>
+          </p:style>
+          <p:txBody>
+            <a:bodyPr rtlCol="0" anchor="ctr"/>
+            <a:lstStyle/>
+            <a:p>
+              <a:pPr algn="ctr"/>
+              <a:r>
+                <a:rPr lang="en-US" altLang="ko-KR" sz="900" dirty="0" smtClean="0">
+                  <a:solidFill>
+                    <a:schemeClr val="bg1"/>
+                  </a:solidFill>
+                  <a:latin typeface="Arial" pitchFamily="34" charset="0"/>
+                  <a:cs typeface="Arial" pitchFamily="34" charset="0"/>
+                </a:rPr>
+                <a:t>Grinder Console</a:t>
+              </a:r>
+              <a:endParaRPr lang="ko-KR" altLang="en-US" sz="900" dirty="0">
+                <a:solidFill>
+                  <a:schemeClr val="bg1"/>
+                </a:solidFill>
+                <a:latin typeface="Arial" pitchFamily="34" charset="0"/>
+                <a:cs typeface="Arial" pitchFamily="34" charset="0"/>
+              </a:endParaRPr>
+            </a:p>
+          </p:txBody>
+        </p:sp>
+      </p:grpSp>
+      <p:sp>
+        <p:nvSpPr>
+          <p:cNvPr id="85" name="圆角矩形 12"/>
+          <p:cNvSpPr/>
+          <p:nvPr/>
+        </p:nvSpPr>
+        <p:spPr>
+          <a:xfrm>
+            <a:off x="528536" y="3374402"/>
+            <a:ext cx="1696612" cy="380999"/>
+          </a:xfrm>
+          <a:prstGeom prst="roundRect">
+            <a:avLst/>
+          </a:prstGeom>
+        </p:spPr>
+        <p:style>
+          <a:lnRef idx="1">
+            <a:schemeClr val="accent4"/>
+          </a:lnRef>
+          <a:fillRef idx="3">
+            <a:schemeClr val="accent4"/>
+          </a:fillRef>
+          <a:effectRef idx="2">
+            <a:schemeClr val="accent4"/>
+          </a:effectRef>
+          <a:fontRef idx="minor">
+            <a:schemeClr val="lt1"/>
+          </a:fontRef>
+        </p:style>
+        <p:txBody>
+          <a:bodyPr rtlCol="0" anchor="ctr"/>
+          <a:lstStyle/>
+          <a:p>
+            <a:pPr algn="ctr"/>
+            <a:r>
+              <a:rPr lang="en-US" altLang="zh-CN" sz="1100" dirty="0" smtClean="0">
+                <a:solidFill>
+                  <a:schemeClr val="bg1"/>
+                </a:solidFill>
+                <a:latin typeface="Arial" pitchFamily="34" charset="0"/>
+                <a:cs typeface="Arial" pitchFamily="34" charset="0"/>
+              </a:rPr>
+              <a:t>Plugins</a:t>
+            </a:r>
+            <a:endParaRPr lang="zh-CN" altLang="en-US" sz="800" dirty="0">
+              <a:solidFill>
+                <a:schemeClr val="bg1"/>
+              </a:solidFill>
+              <a:latin typeface="Arial" pitchFamily="34" charset="0"/>
+              <a:cs typeface="Arial" pitchFamily="34" charset="0"/>
+            </a:endParaRPr>
+          </a:p>
+        </p:txBody>
+      </p:sp>
+      <p:grpSp>
+        <p:nvGrpSpPr>
+          <p:cNvPr id="86" name="组合 23"/>
+          <p:cNvGrpSpPr/>
+          <p:nvPr/>
+        </p:nvGrpSpPr>
+        <p:grpSpPr>
+          <a:xfrm>
+            <a:off x="1400206" y="1999362"/>
+            <a:ext cx="852253" cy="1244838"/>
+            <a:chOff x="5943600" y="2514600"/>
+            <a:chExt cx="1828800" cy="1371600"/>
+          </a:xfrm>
+        </p:grpSpPr>
+        <p:sp>
+          <p:nvSpPr>
+            <p:cNvPr id="87" name="圆角矩形 16"/>
+            <p:cNvSpPr/>
+            <p:nvPr/>
+          </p:nvSpPr>
+          <p:spPr>
+            <a:xfrm>
+              <a:off x="5943600" y="2514600"/>
+              <a:ext cx="1828800" cy="1371600"/>
+            </a:xfrm>
+            <a:prstGeom prst="roundRect">
+              <a:avLst>
+                <a:gd name="adj" fmla="val 10550"/>
+              </a:avLst>
+            </a:prstGeom>
+          </p:spPr>
+          <p:style>
+            <a:lnRef idx="1">
+              <a:schemeClr val="accent4"/>
+            </a:lnRef>
+            <a:fillRef idx="3">
+              <a:schemeClr val="accent4"/>
+            </a:fillRef>
+            <a:effectRef idx="2">
+              <a:schemeClr val="accent4"/>
+            </a:effectRef>
+            <a:fontRef idx="minor">
+              <a:schemeClr val="lt1"/>
+            </a:fontRef>
+          </p:style>
+          <p:txBody>
+            <a:bodyPr rtlCol="0" anchor="ctr"/>
+            <a:lstStyle/>
+            <a:p>
+              <a:pPr algn="ctr"/>
+              <a:r>
+                <a:rPr lang="en-US" altLang="zh-CN" sz="1100" dirty="0" smtClean="0">
+                  <a:solidFill>
+                    <a:schemeClr val="bg1"/>
+                  </a:solidFill>
+                  <a:latin typeface="Arial" pitchFamily="34" charset="0"/>
+                  <a:cs typeface="Arial" pitchFamily="34" charset="0"/>
+                </a:rPr>
+                <a:t>Agent</a:t>
+              </a:r>
+              <a:br>
+                <a:rPr lang="en-US" altLang="zh-CN" sz="1100" dirty="0" smtClean="0">
+                  <a:solidFill>
+                    <a:schemeClr val="bg1"/>
+                  </a:solidFill>
+                  <a:latin typeface="Arial" pitchFamily="34" charset="0"/>
+                  <a:cs typeface="Arial" pitchFamily="34" charset="0"/>
+                </a:rPr>
+              </a:br>
+              <a:r>
+                <a:rPr lang="en-US" altLang="zh-CN" sz="1100" dirty="0" smtClean="0">
+                  <a:solidFill>
+                    <a:schemeClr val="bg1"/>
+                  </a:solidFill>
+                  <a:latin typeface="Arial" pitchFamily="34" charset="0"/>
+                  <a:cs typeface="Arial" pitchFamily="34" charset="0"/>
+                </a:rPr>
+                <a:t>manager</a:t>
+              </a:r>
+            </a:p>
+            <a:p>
+              <a:pPr algn="ctr"/>
+              <a:endParaRPr lang="en-US" altLang="zh-CN" sz="1100" dirty="0">
+                <a:solidFill>
+                  <a:schemeClr val="bg1"/>
+                </a:solidFill>
+                <a:latin typeface="Arial" pitchFamily="34" charset="0"/>
+                <a:cs typeface="Arial" pitchFamily="34" charset="0"/>
+              </a:endParaRPr>
+            </a:p>
+            <a:p>
+              <a:pPr algn="ctr"/>
+              <a:endParaRPr lang="en-US" altLang="zh-CN" sz="1100" dirty="0" smtClean="0">
+                <a:solidFill>
+                  <a:schemeClr val="bg1"/>
+                </a:solidFill>
+                <a:latin typeface="Arial" pitchFamily="34" charset="0"/>
+                <a:cs typeface="Arial" pitchFamily="34" charset="0"/>
+              </a:endParaRPr>
+            </a:p>
+            <a:p>
+              <a:pPr algn="ctr"/>
+              <a:endParaRPr lang="zh-CN" altLang="en-US" sz="1100" dirty="0">
+                <a:solidFill>
+                  <a:schemeClr val="bg1"/>
+                </a:solidFill>
+                <a:latin typeface="Arial" pitchFamily="34" charset="0"/>
+                <a:cs typeface="Arial" pitchFamily="34" charset="0"/>
+              </a:endParaRPr>
+            </a:p>
+          </p:txBody>
+        </p:sp>
+        <p:sp>
+          <p:nvSpPr>
+            <p:cNvPr id="88" name="모서리가 둥근 직사각형 9"/>
+            <p:cNvSpPr/>
+            <p:nvPr/>
+          </p:nvSpPr>
+          <p:spPr>
+            <a:xfrm>
+              <a:off x="6400800" y="3352800"/>
+              <a:ext cx="1219200" cy="421192"/>
+            </a:xfrm>
+            <a:prstGeom prst="roundRect">
+              <a:avLst/>
+            </a:prstGeom>
+          </p:spPr>
+          <p:style>
+            <a:lnRef idx="1">
+              <a:schemeClr val="accent4"/>
+            </a:lnRef>
+            <a:fillRef idx="3">
+              <a:schemeClr val="accent4"/>
+            </a:fillRef>
+            <a:effectRef idx="2">
+              <a:schemeClr val="accent4"/>
+            </a:effectRef>
+            <a:fontRef idx="minor">
+              <a:schemeClr val="lt1"/>
+            </a:fontRef>
+          </p:style>
+          <p:txBody>
+            <a:bodyPr rtlCol="0" anchor="ctr"/>
+            <a:lstStyle/>
+            <a:p>
+              <a:pPr algn="ctr"/>
+              <a:endParaRPr lang="ko-KR" altLang="en-US" sz="1100" dirty="0">
+                <a:solidFill>
+                  <a:schemeClr val="bg1"/>
+                </a:solidFill>
+                <a:latin typeface="Arial" pitchFamily="34" charset="0"/>
+                <a:cs typeface="Arial" pitchFamily="34" charset="0"/>
+              </a:endParaRPr>
+            </a:p>
+          </p:txBody>
+        </p:sp>
+        <p:sp>
+          <p:nvSpPr>
+            <p:cNvPr id="89" name="모서리가 둥근 직사각형 9"/>
+            <p:cNvSpPr/>
+            <p:nvPr/>
+          </p:nvSpPr>
+          <p:spPr>
+            <a:xfrm>
+              <a:off x="6248400" y="3276600"/>
+              <a:ext cx="1371600" cy="421192"/>
+            </a:xfrm>
+            <a:prstGeom prst="roundRect">
+              <a:avLst/>
+            </a:prstGeom>
+          </p:spPr>
+          <p:style>
+            <a:lnRef idx="1">
+              <a:schemeClr val="accent4"/>
+            </a:lnRef>
+            <a:fillRef idx="3">
+              <a:schemeClr val="accent4"/>
+            </a:fillRef>
+            <a:effectRef idx="2">
+              <a:schemeClr val="accent4"/>
+            </a:effectRef>
+            <a:fontRef idx="minor">
+              <a:schemeClr val="lt1"/>
+            </a:fontRef>
+          </p:style>
+          <p:txBody>
+            <a:bodyPr rtlCol="0" anchor="ctr"/>
+            <a:lstStyle/>
+            <a:p>
+              <a:pPr algn="ctr"/>
+              <a:endParaRPr lang="ko-KR" altLang="en-US" sz="1100" dirty="0">
+                <a:solidFill>
+                  <a:schemeClr val="bg1"/>
+                </a:solidFill>
+                <a:latin typeface="Arial" pitchFamily="34" charset="0"/>
+                <a:cs typeface="Arial" pitchFamily="34" charset="0"/>
+              </a:endParaRPr>
+            </a:p>
+          </p:txBody>
+        </p:sp>
+        <p:sp>
+          <p:nvSpPr>
+            <p:cNvPr id="90" name="모서리가 둥근 직사각형 9"/>
+            <p:cNvSpPr/>
+            <p:nvPr/>
+          </p:nvSpPr>
+          <p:spPr>
+            <a:xfrm>
+              <a:off x="6096000" y="3200400"/>
+              <a:ext cx="1378690" cy="421192"/>
+            </a:xfrm>
+            <a:prstGeom prst="roundRect">
+              <a:avLst/>
+            </a:prstGeom>
+          </p:spPr>
+          <p:style>
+            <a:lnRef idx="1">
+              <a:schemeClr val="accent4"/>
+            </a:lnRef>
+            <a:fillRef idx="3">
+              <a:schemeClr val="accent4"/>
+            </a:fillRef>
+            <a:effectRef idx="2">
+              <a:schemeClr val="accent4"/>
+            </a:effectRef>
+            <a:fontRef idx="minor">
+              <a:schemeClr val="lt1"/>
+            </a:fontRef>
+          </p:style>
+          <p:txBody>
+            <a:bodyPr rtlCol="0" anchor="ctr"/>
+            <a:lstStyle/>
+            <a:p>
+              <a:pPr algn="ctr"/>
+              <a:r>
+                <a:rPr lang="en-US" altLang="ko-KR" sz="900" dirty="0" smtClean="0">
+                  <a:solidFill>
+                    <a:schemeClr val="bg1"/>
+                  </a:solidFill>
+                  <a:latin typeface="Arial" pitchFamily="34" charset="0"/>
+                  <a:cs typeface="Arial" pitchFamily="34" charset="0"/>
+                </a:rPr>
+                <a:t>Agent</a:t>
+              </a:r>
+              <a:endParaRPr lang="ko-KR" altLang="en-US" sz="900" dirty="0">
+                <a:solidFill>
+                  <a:schemeClr val="bg1"/>
+                </a:solidFill>
+                <a:latin typeface="Arial" pitchFamily="34" charset="0"/>
+                <a:cs typeface="Arial" pitchFamily="34" charset="0"/>
+              </a:endParaRPr>
+            </a:p>
+          </p:txBody>
+        </p:sp>
+      </p:grpSp>
+      <p:sp>
+        <p:nvSpPr>
+          <p:cNvPr id="91" name="圆角矩形 6"/>
+          <p:cNvSpPr/>
+          <p:nvPr/>
+        </p:nvSpPr>
+        <p:spPr>
+          <a:xfrm>
+            <a:off x="2743200" y="5015254"/>
+            <a:ext cx="1596506" cy="304800"/>
+          </a:xfrm>
+          <a:prstGeom prst="roundRect">
+            <a:avLst/>
+          </a:prstGeom>
+        </p:spPr>
+        <p:style>
+          <a:lnRef idx="1">
+            <a:schemeClr val="accent3"/>
+          </a:lnRef>
+          <a:fillRef idx="3">
+            <a:schemeClr val="accent3"/>
+          </a:fillRef>
+          <a:effectRef idx="2">
+            <a:schemeClr val="accent3"/>
+          </a:effectRef>
+          <a:fontRef idx="minor">
+            <a:schemeClr val="lt1"/>
+          </a:fontRef>
+        </p:style>
+        <p:txBody>
+          <a:bodyPr rtlCol="0" anchor="ctr"/>
+          <a:lstStyle/>
+          <a:p>
+            <a:pPr algn="ctr"/>
+            <a:r>
+              <a:rPr lang="en-US" altLang="zh-CN" sz="1200" dirty="0" smtClean="0">
+                <a:solidFill>
+                  <a:schemeClr val="bg1"/>
+                </a:solidFill>
+                <a:latin typeface="Arial" pitchFamily="34" charset="0"/>
+                <a:cs typeface="Arial" pitchFamily="34" charset="0"/>
+              </a:rPr>
+              <a:t>DB (</a:t>
+            </a:r>
+            <a:r>
+              <a:rPr lang="en-US" altLang="zh-CN" sz="1200" dirty="0" err="1" smtClean="0">
+                <a:solidFill>
+                  <a:schemeClr val="bg1"/>
+                </a:solidFill>
+                <a:latin typeface="Arial" pitchFamily="34" charset="0"/>
+                <a:cs typeface="Arial" pitchFamily="34" charset="0"/>
+              </a:rPr>
+              <a:t>Cubrid</a:t>
+            </a:r>
+            <a:r>
+              <a:rPr lang="en-US" altLang="zh-CN" sz="1200" dirty="0" smtClean="0">
+                <a:solidFill>
+                  <a:schemeClr val="bg1"/>
+                </a:solidFill>
+                <a:latin typeface="Arial" pitchFamily="34" charset="0"/>
+                <a:cs typeface="Arial" pitchFamily="34" charset="0"/>
+              </a:rPr>
+              <a:t> Master)</a:t>
+            </a:r>
+            <a:endParaRPr lang="zh-CN" altLang="en-US" sz="1200" dirty="0">
+              <a:solidFill>
+                <a:schemeClr val="bg1"/>
+              </a:solidFill>
+              <a:latin typeface="Arial" pitchFamily="34" charset="0"/>
+              <a:cs typeface="Arial" pitchFamily="34" charset="0"/>
+            </a:endParaRPr>
+          </a:p>
+        </p:txBody>
+      </p:sp>
+      <p:sp>
+        <p:nvSpPr>
+          <p:cNvPr id="3" name="왼쪽/오른쪽 화살표 2"/>
+          <p:cNvSpPr/>
+          <p:nvPr/>
+        </p:nvSpPr>
+        <p:spPr>
+          <a:xfrm rot="8022035">
+            <a:off x="6028153" y="4487376"/>
+            <a:ext cx="666270" cy="457200"/>
+          </a:xfrm>
+          <a:prstGeom prst="leftRightArrow">
+            <a:avLst/>
+          </a:prstGeom>
+          <a:solidFill>
+            <a:schemeClr val="bg2">
+              <a:lumMod val="50000"/>
+            </a:schemeClr>
+          </a:solidFill>
+          <a:ln>
+            <a:noFill/>
+          </a:ln>
+        </p:spPr>
+        <p:style>
+          <a:lnRef idx="2">
+            <a:schemeClr val="accent1">
+              <a:shade val="50000"/>
+            </a:schemeClr>
+          </a:lnRef>
+          <a:fillRef idx="1">
+            <a:schemeClr val="accent1"/>
+          </a:fillRef>
+          <a:effectRef idx="0">
+            <a:schemeClr val="accent1"/>
+          </a:effectRef>
+          <a:fontRef idx="minor">
+            <a:schemeClr val="lt1"/>
+          </a:fontRef>
+        </p:style>
+        <p:txBody>
+          <a:bodyPr rtlCol="0" anchor="ctr"/>
+          <a:lstStyle/>
+          <a:p>
+            <a:pPr algn="ctr"/>
+            <a:endParaRPr lang="ko-KR" altLang="en-US" sz="1400">
+              <a:solidFill>
+                <a:schemeClr val="tx1"/>
+              </a:solidFill>
+              <a:latin typeface="Arial" pitchFamily="34" charset="0"/>
+              <a:cs typeface="Arial" pitchFamily="34" charset="0"/>
+            </a:endParaRPr>
+          </a:p>
+        </p:txBody>
+      </p:sp>
+      <p:sp>
+        <p:nvSpPr>
+          <p:cNvPr id="93" name="왼쪽/오른쪽 화살표 92"/>
+          <p:cNvSpPr/>
+          <p:nvPr/>
+        </p:nvSpPr>
+        <p:spPr>
+          <a:xfrm rot="1699905">
+            <a:off x="4108563" y="4452147"/>
+            <a:ext cx="1125985" cy="457200"/>
+          </a:xfrm>
+          <a:prstGeom prst="leftRightArrow">
+            <a:avLst/>
+          </a:prstGeom>
+          <a:solidFill>
+            <a:schemeClr val="bg2">
+              <a:lumMod val="50000"/>
+            </a:schemeClr>
+          </a:solidFill>
+          <a:ln>
+            <a:noFill/>
+          </a:ln>
+        </p:spPr>
+        <p:style>
+          <a:lnRef idx="2">
+            <a:schemeClr val="accent1">
+              <a:shade val="50000"/>
+            </a:schemeClr>
+          </a:lnRef>
+          <a:fillRef idx="1">
+            <a:schemeClr val="accent1"/>
+          </a:fillRef>
+          <a:effectRef idx="0">
+            <a:schemeClr val="accent1"/>
+          </a:effectRef>
+          <a:fontRef idx="minor">
+            <a:schemeClr val="lt1"/>
+          </a:fontRef>
+        </p:style>
+        <p:txBody>
+          <a:bodyPr rtlCol="0" anchor="ctr"/>
+          <a:lstStyle/>
+          <a:p>
+            <a:pPr algn="ctr"/>
+            <a:endParaRPr lang="ko-KR" altLang="en-US" sz="1400">
+              <a:solidFill>
+                <a:schemeClr val="tx1"/>
+              </a:solidFill>
+              <a:latin typeface="Arial" pitchFamily="34" charset="0"/>
+              <a:cs typeface="Arial" pitchFamily="34" charset="0"/>
+            </a:endParaRPr>
+          </a:p>
+        </p:txBody>
+      </p:sp>
+      <p:sp>
+        <p:nvSpPr>
+          <p:cNvPr id="94" name="왼쪽/오른쪽 화살표 93"/>
+          <p:cNvSpPr/>
+          <p:nvPr/>
+        </p:nvSpPr>
+        <p:spPr>
+          <a:xfrm>
+            <a:off x="4114800" y="2939400"/>
+            <a:ext cx="1240829" cy="335224"/>
+          </a:xfrm>
+          <a:prstGeom prst="leftRightArrow">
+            <a:avLst>
+              <a:gd name="adj1" fmla="val 75493"/>
+              <a:gd name="adj2" fmla="val 50000"/>
+            </a:avLst>
+          </a:prstGeom>
+          <a:solidFill>
+            <a:schemeClr val="bg2">
+              <a:lumMod val="75000"/>
+            </a:schemeClr>
+          </a:solidFill>
+          <a:ln>
+            <a:noFill/>
+          </a:ln>
+        </p:spPr>
+        <p:style>
+          <a:lnRef idx="2">
+            <a:schemeClr val="accent1">
+              <a:shade val="50000"/>
+            </a:schemeClr>
+          </a:lnRef>
+          <a:fillRef idx="1">
+            <a:schemeClr val="accent1"/>
+          </a:fillRef>
+          <a:effectRef idx="0">
+            <a:schemeClr val="accent1"/>
+          </a:effectRef>
+          <a:fontRef idx="minor">
+            <a:schemeClr val="lt1"/>
+          </a:fontRef>
+        </p:style>
+        <p:txBody>
+          <a:bodyPr rtlCol="0" anchor="ctr"/>
+          <a:lstStyle/>
+          <a:p>
+            <a:pPr algn="ctr"/>
+            <a:r>
+              <a:rPr lang="en-US" altLang="ko-KR" sz="1050" dirty="0" smtClean="0">
+                <a:solidFill>
+                  <a:schemeClr val="tx1"/>
+                </a:solidFill>
+                <a:latin typeface="Arial" pitchFamily="34" charset="0"/>
+                <a:cs typeface="Arial" pitchFamily="34" charset="0"/>
+              </a:rPr>
+              <a:t>Replicate</a:t>
+            </a:r>
+            <a:endParaRPr lang="ko-KR" altLang="en-US" sz="1050" dirty="0">
+              <a:solidFill>
+                <a:schemeClr val="tx1"/>
+              </a:solidFill>
+              <a:latin typeface="Arial" pitchFamily="34" charset="0"/>
+              <a:cs typeface="Arial" pitchFamily="34" charset="0"/>
+            </a:endParaRPr>
+          </a:p>
+        </p:txBody>
+      </p:sp>
+      <p:sp>
+        <p:nvSpPr>
+          <p:cNvPr id="4" name="직사각형 3"/>
+          <p:cNvSpPr/>
+          <p:nvPr/>
+        </p:nvSpPr>
+        <p:spPr>
+          <a:xfrm>
+            <a:off x="533521" y="1943457"/>
+            <a:ext cx="1718938" cy="228600"/>
+          </a:xfrm>
+          <a:prstGeom prst="rect">
+            <a:avLst/>
+          </a:prstGeom>
+          <a:ln/>
+        </p:spPr>
+        <p:style>
+          <a:lnRef idx="1">
+            <a:schemeClr val="accent1"/>
+          </a:lnRef>
+          <a:fillRef idx="3">
+            <a:schemeClr val="accent1"/>
+          </a:fillRef>
+          <a:effectRef idx="2">
+            <a:schemeClr val="accent1"/>
+          </a:effectRef>
+          <a:fontRef idx="minor">
+            <a:schemeClr val="lt1"/>
+          </a:fontRef>
+        </p:style>
+        <p:txBody>
+          <a:bodyPr rtlCol="0" anchor="ctr"/>
+          <a:lstStyle/>
+          <a:p>
+            <a:pPr algn="ctr"/>
+            <a:r>
+              <a:rPr lang="en-US" altLang="ko-KR" sz="1200" b="1" dirty="0" smtClean="0"/>
+              <a:t>Region A</a:t>
+            </a:r>
+            <a:endParaRPr lang="ko-KR" altLang="en-US" sz="1200" b="1" dirty="0"/>
+          </a:p>
+        </p:txBody>
+      </p:sp>
+      <p:sp>
+        <p:nvSpPr>
+          <p:cNvPr id="6" name="모서리가 둥근 직사각형 5"/>
+          <p:cNvSpPr/>
+          <p:nvPr/>
+        </p:nvSpPr>
+        <p:spPr>
+          <a:xfrm>
+            <a:off x="350662" y="6019800"/>
+            <a:ext cx="8636806" cy="685800"/>
+          </a:xfrm>
+          <a:prstGeom prst="roundRect">
+            <a:avLst/>
+          </a:prstGeom>
+        </p:spPr>
+        <p:style>
+          <a:lnRef idx="1">
+            <a:schemeClr val="accent1"/>
+          </a:lnRef>
+          <a:fillRef idx="3">
+            <a:schemeClr val="accent1"/>
+          </a:fillRef>
+          <a:effectRef idx="2">
+            <a:schemeClr val="accent1"/>
+          </a:effectRef>
+          <a:fontRef idx="minor">
+            <a:schemeClr val="lt1"/>
+          </a:fontRef>
+        </p:style>
+        <p:txBody>
+          <a:bodyPr rtlCol="0" anchor="ctr"/>
+          <a:lstStyle/>
+          <a:p>
+            <a:pPr algn="ctr"/>
+            <a:r>
+              <a:rPr lang="en-US" altLang="ko-KR" b="1" dirty="0" smtClean="0"/>
+              <a:t>Each </a:t>
+            </a:r>
+            <a:r>
+              <a:rPr lang="en-US" altLang="ko-KR" b="1" dirty="0" err="1" smtClean="0"/>
+              <a:t>ngrinder</a:t>
+            </a:r>
+            <a:r>
+              <a:rPr lang="en-US" altLang="ko-KR" b="1" dirty="0" smtClean="0"/>
+              <a:t> controller can serve all users request evenly </a:t>
+            </a:r>
+          </a:p>
+          <a:p>
+            <a:pPr algn="ctr"/>
+            <a:r>
+              <a:rPr lang="en-US" altLang="ko-KR" b="1" dirty="0" smtClean="0"/>
+              <a:t>but handles responsible regional tests in the background</a:t>
+            </a:r>
+            <a:endParaRPr lang="ko-KR" altLang="en-US" b="1" dirty="0"/>
+          </a:p>
+        </p:txBody>
+      </p:sp>
+      <p:sp>
+        <p:nvSpPr>
+          <p:cNvPr id="97" name="圆角矩形 10"/>
+          <p:cNvSpPr/>
+          <p:nvPr/>
+        </p:nvSpPr>
+        <p:spPr>
+          <a:xfrm>
+            <a:off x="350662" y="1143000"/>
+            <a:ext cx="8570996" cy="304800"/>
+          </a:xfrm>
+          <a:prstGeom prst="roundRect">
+            <a:avLst/>
+          </a:prstGeom>
+        </p:spPr>
+        <p:style>
+          <a:lnRef idx="1">
+            <a:schemeClr val="accent3"/>
+          </a:lnRef>
+          <a:fillRef idx="3">
+            <a:schemeClr val="accent3"/>
+          </a:fillRef>
+          <a:effectRef idx="2">
+            <a:schemeClr val="accent3"/>
+          </a:effectRef>
+          <a:fontRef idx="minor">
+            <a:schemeClr val="lt1"/>
+          </a:fontRef>
+        </p:style>
+        <p:txBody>
+          <a:bodyPr rtlCol="0" anchor="ctr"/>
+          <a:lstStyle/>
+          <a:p>
+            <a:pPr algn="ctr"/>
+            <a:r>
+              <a:rPr lang="en-US" altLang="zh-CN" sz="1200" b="1" dirty="0" smtClean="0">
+                <a:solidFill>
+                  <a:schemeClr val="bg1"/>
+                </a:solidFill>
+                <a:latin typeface="+mj-lt"/>
+                <a:cs typeface="Arial" pitchFamily="34" charset="0"/>
+              </a:rPr>
+              <a:t>L4 (Load Balancer)</a:t>
+            </a:r>
+            <a:endParaRPr lang="zh-CN" altLang="en-US" sz="1200" b="1" dirty="0">
+              <a:solidFill>
+                <a:schemeClr val="bg1"/>
+              </a:solidFill>
+              <a:latin typeface="+mj-lt"/>
+              <a:cs typeface="Arial" pitchFamily="34" charset="0"/>
+            </a:endParaRPr>
+          </a:p>
+        </p:txBody>
+      </p:sp>
+      <p:sp>
+        <p:nvSpPr>
+          <p:cNvPr id="98" name="왼쪽/오른쪽 화살표 97"/>
+          <p:cNvSpPr/>
+          <p:nvPr/>
+        </p:nvSpPr>
+        <p:spPr>
+          <a:xfrm rot="8022035">
+            <a:off x="2836191" y="1425385"/>
+            <a:ext cx="522540" cy="457200"/>
+          </a:xfrm>
+          <a:prstGeom prst="leftRightArrow">
+            <a:avLst/>
+          </a:prstGeom>
+          <a:solidFill>
+            <a:schemeClr val="bg2">
+              <a:lumMod val="50000"/>
+            </a:schemeClr>
+          </a:solidFill>
+          <a:ln>
+            <a:noFill/>
+          </a:ln>
+        </p:spPr>
+        <p:style>
+          <a:lnRef idx="2">
+            <a:schemeClr val="accent1">
+              <a:shade val="50000"/>
+            </a:schemeClr>
+          </a:lnRef>
+          <a:fillRef idx="1">
+            <a:schemeClr val="accent1"/>
+          </a:fillRef>
+          <a:effectRef idx="0">
+            <a:schemeClr val="accent1"/>
+          </a:effectRef>
+          <a:fontRef idx="minor">
+            <a:schemeClr val="lt1"/>
+          </a:fontRef>
+        </p:style>
+        <p:txBody>
+          <a:bodyPr rtlCol="0" anchor="ctr"/>
+          <a:lstStyle/>
+          <a:p>
+            <a:pPr algn="ctr"/>
+            <a:endParaRPr lang="ko-KR" altLang="en-US" sz="1400">
+              <a:solidFill>
+                <a:schemeClr val="tx1"/>
+              </a:solidFill>
+              <a:latin typeface="Arial" pitchFamily="34" charset="0"/>
+              <a:cs typeface="Arial" pitchFamily="34" charset="0"/>
+            </a:endParaRPr>
+          </a:p>
+        </p:txBody>
+      </p:sp>
+      <p:sp>
+        <p:nvSpPr>
+          <p:cNvPr id="101" name="왼쪽/오른쪽 화살표 100"/>
+          <p:cNvSpPr/>
+          <p:nvPr/>
+        </p:nvSpPr>
+        <p:spPr>
+          <a:xfrm rot="2676241">
+            <a:off x="5916182" y="1405413"/>
+            <a:ext cx="530319" cy="457200"/>
+          </a:xfrm>
+          <a:prstGeom prst="leftRightArrow">
+            <a:avLst/>
+          </a:prstGeom>
+          <a:solidFill>
+            <a:schemeClr val="bg2">
+              <a:lumMod val="50000"/>
+            </a:schemeClr>
+          </a:solidFill>
+          <a:ln>
+            <a:noFill/>
+          </a:ln>
+        </p:spPr>
+        <p:style>
+          <a:lnRef idx="2">
+            <a:schemeClr val="accent1">
+              <a:shade val="50000"/>
+            </a:schemeClr>
+          </a:lnRef>
+          <a:fillRef idx="1">
+            <a:schemeClr val="accent1"/>
+          </a:fillRef>
+          <a:effectRef idx="0">
+            <a:schemeClr val="accent1"/>
+          </a:effectRef>
+          <a:fontRef idx="minor">
+            <a:schemeClr val="lt1"/>
+          </a:fontRef>
+        </p:style>
+        <p:txBody>
+          <a:bodyPr rtlCol="0" anchor="ctr"/>
+          <a:lstStyle/>
+          <a:p>
+            <a:pPr algn="ctr"/>
+            <a:endParaRPr lang="ko-KR" altLang="en-US" sz="1400">
+              <a:solidFill>
+                <a:schemeClr val="tx1"/>
+              </a:solidFill>
+              <a:latin typeface="Arial" pitchFamily="34" charset="0"/>
+              <a:cs typeface="Arial" pitchFamily="34" charset="0"/>
+            </a:endParaRPr>
+          </a:p>
+        </p:txBody>
+      </p:sp>
+      <p:sp>
+        <p:nvSpPr>
+          <p:cNvPr id="102" name="직사각형 101"/>
+          <p:cNvSpPr/>
+          <p:nvPr/>
+        </p:nvSpPr>
+        <p:spPr>
+          <a:xfrm>
+            <a:off x="7168072" y="1868120"/>
+            <a:ext cx="1718651" cy="228600"/>
+          </a:xfrm>
+          <a:prstGeom prst="rect">
+            <a:avLst/>
+          </a:prstGeom>
+          <a:ln/>
+        </p:spPr>
+        <p:style>
+          <a:lnRef idx="1">
+            <a:schemeClr val="accent1"/>
+          </a:lnRef>
+          <a:fillRef idx="3">
+            <a:schemeClr val="accent1"/>
+          </a:fillRef>
+          <a:effectRef idx="2">
+            <a:schemeClr val="accent1"/>
+          </a:effectRef>
+          <a:fontRef idx="minor">
+            <a:schemeClr val="lt1"/>
+          </a:fontRef>
+        </p:style>
+        <p:txBody>
+          <a:bodyPr rtlCol="0" anchor="ctr"/>
+          <a:lstStyle/>
+          <a:p>
+            <a:pPr algn="ctr"/>
+            <a:r>
+              <a:rPr lang="en-US" altLang="ko-KR" sz="1200" b="1" dirty="0" smtClean="0"/>
+              <a:t>Region B</a:t>
+            </a:r>
+            <a:endParaRPr lang="ko-KR" altLang="en-US" sz="1200" b="1" dirty="0"/>
+          </a:p>
+        </p:txBody>
+      </p:sp>
+      <p:sp>
+        <p:nvSpPr>
+          <p:cNvPr id="103" name="圆角矩形 7"/>
+          <p:cNvSpPr/>
+          <p:nvPr/>
+        </p:nvSpPr>
+        <p:spPr>
+          <a:xfrm>
+            <a:off x="4393294" y="5015253"/>
+            <a:ext cx="2687933" cy="404303"/>
+          </a:xfrm>
+          <a:prstGeom prst="roundRect">
+            <a:avLst/>
+          </a:prstGeom>
+        </p:spPr>
+        <p:style>
+          <a:lnRef idx="1">
+            <a:schemeClr val="accent3"/>
+          </a:lnRef>
+          <a:fillRef idx="3">
+            <a:schemeClr val="accent3"/>
+          </a:fillRef>
+          <a:effectRef idx="2">
+            <a:schemeClr val="accent3"/>
+          </a:effectRef>
+          <a:fontRef idx="minor">
+            <a:schemeClr val="lt1"/>
+          </a:fontRef>
+        </p:style>
+        <p:txBody>
+          <a:bodyPr rtlCol="0" anchor="ctr"/>
+          <a:lstStyle/>
+          <a:p>
+            <a:pPr algn="ctr"/>
+            <a:r>
+              <a:rPr lang="en-US" altLang="zh-CN" sz="1200" dirty="0" smtClean="0">
+                <a:solidFill>
+                  <a:schemeClr val="bg1"/>
+                </a:solidFill>
+                <a:latin typeface="Arial" pitchFamily="34" charset="0"/>
+                <a:cs typeface="Arial" pitchFamily="34" charset="0"/>
+              </a:rPr>
+              <a:t>Home directory on network FS</a:t>
+            </a:r>
+          </a:p>
+          <a:p>
+            <a:pPr algn="ctr"/>
+            <a:r>
+              <a:rPr lang="en-US" altLang="zh-CN" sz="1200" dirty="0" smtClean="0">
+                <a:solidFill>
+                  <a:schemeClr val="bg1"/>
+                </a:solidFill>
+                <a:latin typeface="Arial" pitchFamily="34" charset="0"/>
+                <a:cs typeface="Arial" pitchFamily="34" charset="0"/>
+              </a:rPr>
+              <a:t>${NGRINDER_HOME}</a:t>
+            </a:r>
+            <a:endParaRPr lang="zh-CN" altLang="en-US" sz="1200" dirty="0">
+              <a:solidFill>
+                <a:schemeClr val="bg1"/>
+              </a:solidFill>
+              <a:latin typeface="Arial" pitchFamily="34" charset="0"/>
+              <a:cs typeface="Arial" pitchFamily="34" charset="0"/>
+            </a:endParaRPr>
+          </a:p>
+        </p:txBody>
+      </p:sp>
+      <p:sp>
+        <p:nvSpPr>
+          <p:cNvPr id="104" name="圆角矩形 7"/>
+          <p:cNvSpPr/>
+          <p:nvPr/>
+        </p:nvSpPr>
+        <p:spPr>
+          <a:xfrm>
+            <a:off x="7425332" y="5015253"/>
+            <a:ext cx="1218275" cy="707254"/>
+          </a:xfrm>
+          <a:prstGeom prst="roundRect">
+            <a:avLst/>
+          </a:prstGeom>
+        </p:spPr>
+        <p:style>
+          <a:lnRef idx="1">
+            <a:schemeClr val="accent3"/>
+          </a:lnRef>
+          <a:fillRef idx="3">
+            <a:schemeClr val="accent3"/>
+          </a:fillRef>
+          <a:effectRef idx="2">
+            <a:schemeClr val="accent3"/>
+          </a:effectRef>
+          <a:fontRef idx="minor">
+            <a:schemeClr val="lt1"/>
+          </a:fontRef>
+        </p:style>
+        <p:txBody>
+          <a:bodyPr rtlCol="0" anchor="ctr"/>
+          <a:lstStyle/>
+          <a:p>
+            <a:pPr algn="ctr"/>
+            <a:r>
+              <a:rPr lang="en-US" altLang="zh-CN" sz="1200" dirty="0" smtClean="0">
+                <a:solidFill>
+                  <a:schemeClr val="bg1"/>
+                </a:solidFill>
+                <a:latin typeface="Arial" pitchFamily="34" charset="0"/>
+                <a:cs typeface="Arial" pitchFamily="34" charset="0"/>
+              </a:rPr>
+              <a:t>Local FS</a:t>
+            </a:r>
+          </a:p>
+          <a:p>
+            <a:pPr algn="ctr"/>
+            <a:r>
+              <a:rPr lang="en-US" altLang="zh-CN" sz="1200" dirty="0" smtClean="0">
+                <a:solidFill>
+                  <a:schemeClr val="bg1"/>
+                </a:solidFill>
+                <a:latin typeface="Arial" pitchFamily="34" charset="0"/>
+                <a:cs typeface="Arial" pitchFamily="34" charset="0"/>
+              </a:rPr>
+              <a:t>${NGRINDER_HOME_EX}</a:t>
+            </a:r>
+            <a:endParaRPr lang="zh-CN" altLang="en-US" sz="1200" dirty="0">
+              <a:solidFill>
+                <a:schemeClr val="bg1"/>
+              </a:solidFill>
+              <a:latin typeface="Arial" pitchFamily="34" charset="0"/>
+              <a:cs typeface="Arial" pitchFamily="34" charset="0"/>
+            </a:endParaRPr>
+          </a:p>
+        </p:txBody>
+      </p:sp>
+      <p:sp>
+        <p:nvSpPr>
+          <p:cNvPr id="106" name="圆角矩形 7"/>
+          <p:cNvSpPr/>
+          <p:nvPr/>
+        </p:nvSpPr>
+        <p:spPr>
+          <a:xfrm>
+            <a:off x="705615" y="5002188"/>
+            <a:ext cx="1218275" cy="707254"/>
+          </a:xfrm>
+          <a:prstGeom prst="roundRect">
+            <a:avLst/>
+          </a:prstGeom>
+        </p:spPr>
+        <p:style>
+          <a:lnRef idx="1">
+            <a:schemeClr val="accent3"/>
+          </a:lnRef>
+          <a:fillRef idx="3">
+            <a:schemeClr val="accent3"/>
+          </a:fillRef>
+          <a:effectRef idx="2">
+            <a:schemeClr val="accent3"/>
+          </a:effectRef>
+          <a:fontRef idx="minor">
+            <a:schemeClr val="lt1"/>
+          </a:fontRef>
+        </p:style>
+        <p:txBody>
+          <a:bodyPr rtlCol="0" anchor="ctr"/>
+          <a:lstStyle/>
+          <a:p>
+            <a:pPr algn="ctr"/>
+            <a:r>
+              <a:rPr lang="en-US" altLang="zh-CN" sz="1200" dirty="0" smtClean="0">
+                <a:solidFill>
+                  <a:schemeClr val="bg1"/>
+                </a:solidFill>
+                <a:latin typeface="Arial" pitchFamily="34" charset="0"/>
+                <a:cs typeface="Arial" pitchFamily="34" charset="0"/>
+              </a:rPr>
+              <a:t>Local FS</a:t>
+            </a:r>
+          </a:p>
+          <a:p>
+            <a:pPr algn="ctr"/>
+            <a:r>
+              <a:rPr lang="en-US" altLang="zh-CN" sz="1200" dirty="0" smtClean="0">
+                <a:solidFill>
+                  <a:schemeClr val="bg1"/>
+                </a:solidFill>
+                <a:latin typeface="Arial" pitchFamily="34" charset="0"/>
+                <a:cs typeface="Arial" pitchFamily="34" charset="0"/>
+              </a:rPr>
+              <a:t>${NGRINDER_HOME_EX}</a:t>
+            </a:r>
+            <a:endParaRPr lang="zh-CN" altLang="en-US" sz="1200" dirty="0">
+              <a:solidFill>
+                <a:schemeClr val="bg1"/>
+              </a:solidFill>
+              <a:latin typeface="Arial" pitchFamily="34" charset="0"/>
+              <a:cs typeface="Arial" pitchFamily="34" charset="0"/>
+            </a:endParaRPr>
+          </a:p>
+        </p:txBody>
+      </p:sp>
+      <p:sp>
+        <p:nvSpPr>
+          <p:cNvPr id="16" name="아래쪽 화살표 15"/>
+          <p:cNvSpPr/>
+          <p:nvPr/>
+        </p:nvSpPr>
+        <p:spPr>
+          <a:xfrm>
+            <a:off x="7881300" y="4449649"/>
+            <a:ext cx="366233" cy="552539"/>
+          </a:xfrm>
+          <a:prstGeom prst="downArrow">
+            <a:avLst/>
+          </a:prstGeom>
+          <a:solidFill>
+            <a:schemeClr val="bg2">
+              <a:lumMod val="75000"/>
+            </a:schemeClr>
+          </a:solidFill>
+          <a:ln>
+            <a:noFill/>
+          </a:ln>
+        </p:spPr>
+        <p:style>
+          <a:lnRef idx="2">
+            <a:schemeClr val="accent1">
+              <a:shade val="50000"/>
+            </a:schemeClr>
+          </a:lnRef>
+          <a:fillRef idx="1">
+            <a:schemeClr val="accent1"/>
+          </a:fillRef>
+          <a:effectRef idx="0">
+            <a:schemeClr val="accent1"/>
+          </a:effectRef>
+          <a:fontRef idx="minor">
+            <a:schemeClr val="lt1"/>
+          </a:fontRef>
+        </p:style>
+        <p:txBody>
+          <a:bodyPr rtlCol="0" anchor="ctr"/>
+          <a:lstStyle/>
+          <a:p>
+            <a:pPr algn="ctr"/>
+            <a:endParaRPr lang="ko-KR" altLang="en-US" sz="1200">
+              <a:solidFill>
+                <a:schemeClr val="tx1"/>
+              </a:solidFill>
+              <a:latin typeface="Arial" pitchFamily="34" charset="0"/>
+              <a:cs typeface="Arial" pitchFamily="34" charset="0"/>
+            </a:endParaRPr>
+          </a:p>
+        </p:txBody>
+      </p:sp>
+      <p:sp>
+        <p:nvSpPr>
+          <p:cNvPr id="108" name="아래쪽 화살표 107"/>
+          <p:cNvSpPr/>
+          <p:nvPr/>
+        </p:nvSpPr>
+        <p:spPr>
+          <a:xfrm>
+            <a:off x="1157767" y="4449649"/>
+            <a:ext cx="366233" cy="552539"/>
+          </a:xfrm>
+          <a:prstGeom prst="downArrow">
+            <a:avLst/>
+          </a:prstGeom>
+          <a:solidFill>
+            <a:schemeClr val="bg2">
+              <a:lumMod val="75000"/>
+            </a:schemeClr>
+          </a:solidFill>
+          <a:ln>
+            <a:noFill/>
+          </a:ln>
+        </p:spPr>
+        <p:style>
+          <a:lnRef idx="2">
+            <a:schemeClr val="accent1">
+              <a:shade val="50000"/>
+            </a:schemeClr>
+          </a:lnRef>
+          <a:fillRef idx="1">
+            <a:schemeClr val="accent1"/>
+          </a:fillRef>
+          <a:effectRef idx="0">
+            <a:schemeClr val="accent1"/>
+          </a:effectRef>
+          <a:fontRef idx="minor">
+            <a:schemeClr val="lt1"/>
+          </a:fontRef>
+        </p:style>
+        <p:txBody>
+          <a:bodyPr rtlCol="0" anchor="ctr"/>
+          <a:lstStyle/>
+          <a:p>
+            <a:pPr algn="ctr"/>
+            <a:endParaRPr lang="ko-KR" altLang="en-US" sz="1200">
+              <a:solidFill>
+                <a:schemeClr val="tx1"/>
+              </a:solidFill>
+              <a:latin typeface="Arial" pitchFamily="34" charset="0"/>
+              <a:cs typeface="Arial" pitchFamily="34" charset="0"/>
+            </a:endParaRPr>
+          </a:p>
+        </p:txBody>
+      </p:sp>
+      <p:sp>
+        <p:nvSpPr>
+          <p:cNvPr id="21" name="TextBox 20"/>
+          <p:cNvSpPr txBox="1"/>
+          <p:nvPr/>
+        </p:nvSpPr>
+        <p:spPr>
+          <a:xfrm>
+            <a:off x="1506244" y="4505157"/>
+            <a:ext cx="935388" cy="430887"/>
+          </a:xfrm>
+          <a:prstGeom prst="rect">
+            <a:avLst/>
+          </a:prstGeom>
+          <a:noFill/>
+        </p:spPr>
+        <p:txBody>
+          <a:bodyPr wrap="square" rtlCol="0">
+            <a:spAutoFit/>
+          </a:bodyPr>
+          <a:lstStyle/>
+          <a:p>
+            <a:r>
+              <a:rPr lang="en-US" altLang="ko-KR" sz="1100" dirty="0" smtClean="0"/>
+              <a:t>Logging</a:t>
+            </a:r>
+          </a:p>
+          <a:p>
+            <a:r>
+              <a:rPr lang="en-US" altLang="ko-KR" sz="1100" dirty="0" smtClean="0"/>
+              <a:t>Ex </a:t>
+            </a:r>
+            <a:r>
+              <a:rPr lang="en-US" altLang="ko-KR" sz="1100" dirty="0" err="1" smtClean="0"/>
+              <a:t>config</a:t>
+            </a:r>
+            <a:r>
+              <a:rPr lang="en-US" altLang="ko-KR" sz="1100" dirty="0" smtClean="0"/>
+              <a:t>.</a:t>
+            </a:r>
+            <a:endParaRPr lang="ko-KR" altLang="en-US" sz="1100" dirty="0"/>
+          </a:p>
+        </p:txBody>
+      </p:sp>
     </p:spTree>
+    <p:extLst>
+      <p:ext uri="{BB962C8B-B14F-4D97-AF65-F5344CB8AC3E}">
+        <p14:creationId xmlns:p14="http://schemas.microsoft.com/office/powerpoint/2010/main" val="3318526940"/>
+      </p:ext>
+    </p:extLst>
   </p:cSld>
   <p:clrMapOvr>
     <a:masterClrMapping/>
   </p:clrMapOvr>
+  <p:timing>
+    <p:tnLst>
+      <p:par>
+        <p:cTn id="1" dur="indefinite" restart="never" nodeType="tmRoot"/>
+      </p:par>
+    </p:tnLst>
+  </p:timing>
 </p:sld>
 </file>
 
@@ -9040,7 +10933,292 @@
         <a:sysClr val="windowText" lastClr="000000"/>
       </a:dk1>
       <a:lt1>
-        <a:sysClr val="window" lastClr="C8E6C8"/>
+        <a:sysClr val="window" lastClr="FFFFFF"/>
+      </a:lt1>
+      <a:dk2>
+        <a:srgbClr val="1F497D"/>
+      </a:dk2>
+      <a:lt2>
+        <a:srgbClr val="EEECE1"/>
+      </a:lt2>
+      <a:accent1>
+        <a:srgbClr val="4F81BD"/>
+      </a:accent1>
+      <a:accent2>
+        <a:srgbClr val="C0504D"/>
+      </a:accent2>
+      <a:accent3>
+        <a:srgbClr val="9BBB59"/>
+      </a:accent3>
+      <a:accent4>
+        <a:srgbClr val="8064A2"/>
+      </a:accent4>
+      <a:accent5>
+        <a:srgbClr val="4BACC6"/>
+      </a:accent5>
+      <a:accent6>
+        <a:srgbClr val="F79646"/>
+      </a:accent6>
+      <a:hlink>
+        <a:srgbClr val="0000FF"/>
+      </a:hlink>
+      <a:folHlink>
+        <a:srgbClr val="800080"/>
+      </a:folHlink>
+    </a:clrScheme>
+    <a:fontScheme name="Office">
+      <a:majorFont>
+        <a:latin typeface="맑은 고딕"/>
+        <a:ea typeface=""/>
+        <a:cs typeface=""/>
+        <a:font script="Jpan" typeface="ＭＳ Ｐゴシック"/>
+        <a:font script="Hang" typeface="맑은 고딕"/>
+        <a:font script="Hans" typeface="宋体"/>
+        <a:font script="Hant" typeface="新細明體"/>
+        <a:font script="Arab" typeface="Times New Roman"/>
+        <a:font script="Hebr" typeface="Times New Roman"/>
+        <a:font script="Thai" typeface="Angsana New"/>
+        <a:font script="Ethi" typeface="Nyala"/>
+        <a:font script="Beng" typeface="Vrinda"/>
+        <a:font script="Gujr" typeface="Shruti"/>
+        <a:font script="Khmr" typeface="MoolBoran"/>
+        <a:font script="Knda" typeface="Tunga"/>
+        <a:font script="Guru" typeface="Raavi"/>
+        <a:font script="Cans" typeface="Euphemia"/>
+        <a:font script="Cher" typeface="Plantagenet Cherokee"/>
+        <a:font script="Yiii" typeface="Microsoft Yi Baiti"/>
+        <a:font script="Tibt" typeface="Microsoft Himalaya"/>
+        <a:font script="Thaa" typeface="MV Boli"/>
+        <a:font script="Deva" typeface="Mangal"/>
+        <a:font script="Telu" typeface="Gautami"/>
+        <a:font script="Taml" typeface="Latha"/>
+        <a:font script="Syrc" typeface="Estrangelo Edessa"/>
+        <a:font script="Orya" typeface="Kalinga"/>
+        <a:font script="Mlym" typeface="Kartika"/>
+        <a:font script="Laoo" typeface="DokChampa"/>
+        <a:font script="Sinh" typeface="Iskoola Pota"/>
+        <a:font script="Mong" typeface="Mongolian Baiti"/>
+        <a:font script="Viet" typeface="Times New Roman"/>
+        <a:font script="Uigh" typeface="Microsoft Uighur"/>
+        <a:font script="Geor" typeface="Sylfaen"/>
+      </a:majorFont>
+      <a:minorFont>
+        <a:latin typeface="맑은 고딕"/>
+        <a:ea typeface=""/>
+        <a:cs typeface=""/>
+        <a:font script="Jpan" typeface="ＭＳ Ｐゴシック"/>
+        <a:font script="Hang" typeface="맑은 고딕"/>
+        <a:font script="Hans" typeface="宋体"/>
+        <a:font script="Hant" typeface="新細明體"/>
+        <a:font script="Arab" typeface="Arial"/>
+        <a:font script="Hebr" typeface="Arial"/>
+        <a:font script="Thai" typeface="Cordia New"/>
+        <a:font script="Ethi" typeface="Nyala"/>
+        <a:font script="Beng" typeface="Vrinda"/>
+        <a:font script="Gujr" typeface="Shruti"/>
+        <a:font script="Khmr" typeface="DaunPenh"/>
+        <a:font script="Knda" typeface="Tunga"/>
+        <a:font script="Guru" typeface="Raavi"/>
+        <a:font script="Cans" typeface="Euphemia"/>
+        <a:font script="Cher" typeface="Plantagenet Cherokee"/>
+        <a:font script="Yiii" typeface="Microsoft Yi Baiti"/>
+        <a:font script="Tibt" typeface="Microsoft Himalaya"/>
+        <a:font script="Thaa" typeface="MV Boli"/>
+        <a:font script="Deva" typeface="Mangal"/>
+        <a:font script="Telu" typeface="Gautami"/>
+        <a:font script="Taml" typeface="Latha"/>
+        <a:font script="Syrc" typeface="Estrangelo Edessa"/>
+        <a:font script="Orya" typeface="Kalinga"/>
+        <a:font script="Mlym" typeface="Kartika"/>
+        <a:font script="Laoo" typeface="DokChampa"/>
+        <a:font script="Sinh" typeface="Iskoola Pota"/>
+        <a:font script="Mong" typeface="Mongolian Baiti"/>
+        <a:font script="Viet" typeface="Arial"/>
+        <a:font script="Uigh" typeface="Microsoft Uighur"/>
+        <a:font script="Geor" typeface="Sylfaen"/>
+      </a:minorFont>
+    </a:fontScheme>
+    <a:fmtScheme name="Office">
+      <a:fillStyleLst>
+        <a:solidFill>
+          <a:schemeClr val="phClr"/>
+        </a:solidFill>
+        <a:gradFill rotWithShape="1">
+          <a:gsLst>
+            <a:gs pos="0">
+              <a:schemeClr val="phClr">
+                <a:tint val="50000"/>
+                <a:satMod val="300000"/>
+              </a:schemeClr>
+            </a:gs>
+            <a:gs pos="35000">
+              <a:schemeClr val="phClr">
+                <a:tint val="37000"/>
+                <a:satMod val="300000"/>
+              </a:schemeClr>
+            </a:gs>
+            <a:gs pos="100000">
+              <a:schemeClr val="phClr">
+                <a:tint val="15000"/>
+                <a:satMod val="350000"/>
+              </a:schemeClr>
+            </a:gs>
+          </a:gsLst>
+          <a:lin ang="16200000" scaled="1"/>
+        </a:gradFill>
+        <a:gradFill rotWithShape="1">
+          <a:gsLst>
+            <a:gs pos="0">
+              <a:schemeClr val="phClr">
+                <a:shade val="51000"/>
+                <a:satMod val="130000"/>
+              </a:schemeClr>
+            </a:gs>
+            <a:gs pos="80000">
+              <a:schemeClr val="phClr">
+                <a:shade val="93000"/>
+                <a:satMod val="130000"/>
+              </a:schemeClr>
+            </a:gs>
+            <a:gs pos="100000">
+              <a:schemeClr val="phClr">
+                <a:shade val="94000"/>
+                <a:satMod val="135000"/>
+              </a:schemeClr>
+            </a:gs>
+          </a:gsLst>
+          <a:lin ang="16200000" scaled="0"/>
+        </a:gradFill>
+      </a:fillStyleLst>
+      <a:lnStyleLst>
+        <a:ln w="9525" cap="flat" cmpd="sng" algn="ctr">
+          <a:solidFill>
+            <a:schemeClr val="phClr">
+              <a:shade val="95000"/>
+              <a:satMod val="105000"/>
+            </a:schemeClr>
+          </a:solidFill>
+          <a:prstDash val="solid"/>
+        </a:ln>
+        <a:ln w="25400" cap="flat" cmpd="sng" algn="ctr">
+          <a:solidFill>
+            <a:schemeClr val="phClr"/>
+          </a:solidFill>
+          <a:prstDash val="solid"/>
+        </a:ln>
+        <a:ln w="38100" cap="flat" cmpd="sng" algn="ctr">
+          <a:solidFill>
+            <a:schemeClr val="phClr"/>
+          </a:solidFill>
+          <a:prstDash val="solid"/>
+        </a:ln>
+      </a:lnStyleLst>
+      <a:effectStyleLst>
+        <a:effectStyle>
+          <a:effectLst>
+            <a:outerShdw blurRad="40000" dist="20000" dir="5400000" rotWithShape="0">
+              <a:srgbClr val="000000">
+                <a:alpha val="38000"/>
+              </a:srgbClr>
+            </a:outerShdw>
+          </a:effectLst>
+        </a:effectStyle>
+        <a:effectStyle>
+          <a:effectLst>
+            <a:outerShdw blurRad="40000" dist="23000" dir="5400000" rotWithShape="0">
+              <a:srgbClr val="000000">
+                <a:alpha val="35000"/>
+              </a:srgbClr>
+            </a:outerShdw>
+          </a:effectLst>
+        </a:effectStyle>
+        <a:effectStyle>
+          <a:effectLst>
+            <a:outerShdw blurRad="40000" dist="23000" dir="5400000" rotWithShape="0">
+              <a:srgbClr val="000000">
+                <a:alpha val="35000"/>
+              </a:srgbClr>
+            </a:outerShdw>
+          </a:effectLst>
+          <a:scene3d>
+            <a:camera prst="orthographicFront">
+              <a:rot lat="0" lon="0" rev="0"/>
+            </a:camera>
+            <a:lightRig rig="threePt" dir="t">
+              <a:rot lat="0" lon="0" rev="1200000"/>
+            </a:lightRig>
+          </a:scene3d>
+          <a:sp3d>
+            <a:bevelT w="63500" h="25400"/>
+          </a:sp3d>
+        </a:effectStyle>
+      </a:effectStyleLst>
+      <a:bgFillStyleLst>
+        <a:solidFill>
+          <a:schemeClr val="phClr"/>
+        </a:solidFill>
+        <a:gradFill rotWithShape="1">
+          <a:gsLst>
+            <a:gs pos="0">
+              <a:schemeClr val="phClr">
+                <a:tint val="40000"/>
+                <a:satMod val="350000"/>
+              </a:schemeClr>
+            </a:gs>
+            <a:gs pos="40000">
+              <a:schemeClr val="phClr">
+                <a:tint val="45000"/>
+                <a:shade val="99000"/>
+                <a:satMod val="350000"/>
+              </a:schemeClr>
+            </a:gs>
+            <a:gs pos="100000">
+              <a:schemeClr val="phClr">
+                <a:shade val="20000"/>
+                <a:satMod val="255000"/>
+              </a:schemeClr>
+            </a:gs>
+          </a:gsLst>
+          <a:path path="circle">
+            <a:fillToRect l="50000" t="-80000" r="50000" b="180000"/>
+          </a:path>
+        </a:gradFill>
+        <a:gradFill rotWithShape="1">
+          <a:gsLst>
+            <a:gs pos="0">
+              <a:schemeClr val="phClr">
+                <a:tint val="80000"/>
+                <a:satMod val="300000"/>
+              </a:schemeClr>
+            </a:gs>
+            <a:gs pos="100000">
+              <a:schemeClr val="phClr">
+                <a:shade val="30000"/>
+                <a:satMod val="200000"/>
+              </a:schemeClr>
+            </a:gs>
+          </a:gsLst>
+          <a:path path="circle">
+            <a:fillToRect l="50000" t="50000" r="50000" b="50000"/>
+          </a:path>
+        </a:gradFill>
+      </a:bgFillStyleLst>
+    </a:fmtScheme>
+  </a:themeElements>
+  <a:objectDefaults/>
+  <a:extraClrSchemeLst/>
+</a:theme>
+</file>
+
+<file path=ppt/theme/theme2.xml><?xml version="1.0" encoding="utf-8"?>
+<a:theme xmlns:a="http://schemas.openxmlformats.org/drawingml/2006/main" name="Office 테마">
+  <a:themeElements>
+    <a:clrScheme name="Office">
+      <a:dk1>
+        <a:sysClr val="windowText" lastClr="000000"/>
+      </a:dk1>
+      <a:lt1>
+        <a:sysClr val="window" lastClr="FFFFFF"/>
       </a:lt1>
       <a:dk2>
         <a:srgbClr val="1F497D"/>

--- a/docs/ngrinder_system_architecture.pptx
+++ b/docs/ngrinder_system_architecture.pptx
@@ -5,12 +5,13 @@
     <p:sldMasterId id="2147483648" r:id="rId1"/>
   </p:sldMasterIdLst>
   <p:notesMasterIdLst>
-    <p:notesMasterId r:id="rId5"/>
+    <p:notesMasterId r:id="rId6"/>
   </p:notesMasterIdLst>
   <p:sldIdLst>
     <p:sldId id="258" r:id="rId2"/>
     <p:sldId id="259" r:id="rId3"/>
     <p:sldId id="261" r:id="rId4"/>
+    <p:sldId id="262" r:id="rId5"/>
   </p:sldIdLst>
   <p:sldSz cx="9144000" cy="6858000" type="screen4x3"/>
   <p:notesSz cx="6858000" cy="9144000"/>
@@ -194,7 +195,7 @@
           <a:p>
             <a:fld id="{2A2B3CE2-2F8B-4FBE-BB12-285F0C3855D4}" type="datetimeFigureOut">
               <a:rPr lang="ko-KR" altLang="en-US" smtClean="0"/>
-              <a:t>2013-01-07</a:t>
+              <a:t>2013-04-12</a:t>
             </a:fld>
             <a:endParaRPr lang="ko-KR" altLang="en-US"/>
           </a:p>
@@ -728,7 +729,7 @@
             <a:fld id="{26036BE6-1911-40BC-AA55-6B3310415E80}" type="datetimeFigureOut">
               <a:rPr lang="ko-KR" altLang="en-US" smtClean="0"/>
               <a:pPr/>
-              <a:t>2013-01-07</a:t>
+              <a:t>2013-04-12</a:t>
             </a:fld>
             <a:endParaRPr lang="ko-KR" altLang="en-US"/>
           </a:p>
@@ -900,7 +901,7 @@
             <a:fld id="{26036BE6-1911-40BC-AA55-6B3310415E80}" type="datetimeFigureOut">
               <a:rPr lang="ko-KR" altLang="en-US" smtClean="0"/>
               <a:pPr/>
-              <a:t>2013-01-07</a:t>
+              <a:t>2013-04-12</a:t>
             </a:fld>
             <a:endParaRPr lang="ko-KR" altLang="en-US"/>
           </a:p>
@@ -1082,7 +1083,7 @@
             <a:fld id="{26036BE6-1911-40BC-AA55-6B3310415E80}" type="datetimeFigureOut">
               <a:rPr lang="ko-KR" altLang="en-US" smtClean="0"/>
               <a:pPr/>
-              <a:t>2013-01-07</a:t>
+              <a:t>2013-04-12</a:t>
             </a:fld>
             <a:endParaRPr lang="ko-KR" altLang="en-US"/>
           </a:p>
@@ -1254,7 +1255,7 @@
             <a:fld id="{26036BE6-1911-40BC-AA55-6B3310415E80}" type="datetimeFigureOut">
               <a:rPr lang="ko-KR" altLang="en-US" smtClean="0"/>
               <a:pPr/>
-              <a:t>2013-01-07</a:t>
+              <a:t>2013-04-12</a:t>
             </a:fld>
             <a:endParaRPr lang="ko-KR" altLang="en-US"/>
           </a:p>
@@ -1502,7 +1503,7 @@
             <a:fld id="{26036BE6-1911-40BC-AA55-6B3310415E80}" type="datetimeFigureOut">
               <a:rPr lang="ko-KR" altLang="en-US" smtClean="0"/>
               <a:pPr/>
-              <a:t>2013-01-07</a:t>
+              <a:t>2013-04-12</a:t>
             </a:fld>
             <a:endParaRPr lang="ko-KR" altLang="en-US"/>
           </a:p>
@@ -1792,7 +1793,7 @@
             <a:fld id="{26036BE6-1911-40BC-AA55-6B3310415E80}" type="datetimeFigureOut">
               <a:rPr lang="ko-KR" altLang="en-US" smtClean="0"/>
               <a:pPr/>
-              <a:t>2013-01-07</a:t>
+              <a:t>2013-04-12</a:t>
             </a:fld>
             <a:endParaRPr lang="ko-KR" altLang="en-US"/>
           </a:p>
@@ -2216,7 +2217,7 @@
             <a:fld id="{26036BE6-1911-40BC-AA55-6B3310415E80}" type="datetimeFigureOut">
               <a:rPr lang="ko-KR" altLang="en-US" smtClean="0"/>
               <a:pPr/>
-              <a:t>2013-01-07</a:t>
+              <a:t>2013-04-12</a:t>
             </a:fld>
             <a:endParaRPr lang="ko-KR" altLang="en-US"/>
           </a:p>
@@ -2336,7 +2337,7 @@
             <a:fld id="{26036BE6-1911-40BC-AA55-6B3310415E80}" type="datetimeFigureOut">
               <a:rPr lang="ko-KR" altLang="en-US" smtClean="0"/>
               <a:pPr/>
-              <a:t>2013-01-07</a:t>
+              <a:t>2013-04-12</a:t>
             </a:fld>
             <a:endParaRPr lang="ko-KR" altLang="en-US"/>
           </a:p>
@@ -2433,7 +2434,7 @@
             <a:fld id="{26036BE6-1911-40BC-AA55-6B3310415E80}" type="datetimeFigureOut">
               <a:rPr lang="ko-KR" altLang="en-US" smtClean="0"/>
               <a:pPr/>
-              <a:t>2013-01-07</a:t>
+              <a:t>2013-04-12</a:t>
             </a:fld>
             <a:endParaRPr lang="ko-KR" altLang="en-US"/>
           </a:p>
@@ -2712,7 +2713,7 @@
             <a:fld id="{26036BE6-1911-40BC-AA55-6B3310415E80}" type="datetimeFigureOut">
               <a:rPr lang="ko-KR" altLang="en-US" smtClean="0"/>
               <a:pPr/>
-              <a:t>2013-01-07</a:t>
+              <a:t>2013-04-12</a:t>
             </a:fld>
             <a:endParaRPr lang="ko-KR" altLang="en-US"/>
           </a:p>
@@ -2967,7 +2968,7 @@
             <a:fld id="{26036BE6-1911-40BC-AA55-6B3310415E80}" type="datetimeFigureOut">
               <a:rPr lang="ko-KR" altLang="en-US" smtClean="0"/>
               <a:pPr/>
-              <a:t>2013-01-07</a:t>
+              <a:t>2013-04-12</a:t>
             </a:fld>
             <a:endParaRPr lang="ko-KR" altLang="en-US"/>
           </a:p>
@@ -3182,7 +3183,7 @@
             <a:fld id="{26036BE6-1911-40BC-AA55-6B3310415E80}" type="datetimeFigureOut">
               <a:rPr lang="ko-KR" altLang="en-US" smtClean="0"/>
               <a:pPr/>
-              <a:t>2013-01-07</a:t>
+              <a:t>2013-04-12</a:t>
             </a:fld>
             <a:endParaRPr lang="ko-KR" altLang="en-US"/>
           </a:p>
@@ -4403,12 +4404,8 @@
           <a:lstStyle/>
           <a:p>
             <a:r>
-              <a:rPr lang="en-US" altLang="ko-KR" sz="1200" b="1" dirty="0" err="1" smtClean="0"/>
-              <a:t>nGrinder</a:t>
-            </a:r>
-            <a:r>
               <a:rPr lang="en-US" altLang="ko-KR" sz="1200" b="1" dirty="0" smtClean="0"/>
-              <a:t> Controller</a:t>
+              <a:t>nGrinder Controller</a:t>
             </a:r>
             <a:endParaRPr lang="ko-KR" altLang="en-US" sz="1200" b="1" dirty="0"/>
           </a:p>
@@ -5839,7 +5836,7 @@
           <a:lstStyle/>
           <a:p>
             <a:r>
-              <a:rPr lang="en-US" altLang="ko-KR" sz="1400" b="1" dirty="0" err="1" smtClean="0">
+              <a:rPr lang="en-US" altLang="ko-KR" sz="1400" b="1" dirty="0" smtClean="0">
                 <a:solidFill>
                   <a:schemeClr val="tx2">
                     <a:lumMod val="60000"/>
@@ -5847,18 +5844,7 @@
                   </a:schemeClr>
                 </a:solidFill>
               </a:rPr>
-              <a:t>nGrinder</a:t>
-            </a:r>
-            <a:r>
-              <a:rPr lang="en-US" altLang="ko-KR" sz="1400" b="1" dirty="0" smtClean="0">
-                <a:solidFill>
-                  <a:schemeClr val="tx2">
-                    <a:lumMod val="60000"/>
-                    <a:lumOff val="40000"/>
-                  </a:schemeClr>
-                </a:solidFill>
-              </a:rPr>
-              <a:t> TCP communication</a:t>
+              <a:t>nGrinder TCP communication</a:t>
             </a:r>
             <a:endParaRPr lang="ko-KR" altLang="en-US" sz="1400" b="1" dirty="0">
               <a:solidFill>
@@ -6185,7 +6171,7 @@
           <a:p>
             <a:pPr algn="ctr"/>
             <a:r>
-              <a:rPr lang="en-US" altLang="ko-KR" sz="2800" b="1" dirty="0" err="1" smtClean="0">
+              <a:rPr lang="en-US" altLang="ko-KR" sz="2800" b="1" dirty="0" smtClean="0">
                 <a:latin typeface="Arial" pitchFamily="34" charset="0"/>
                 <a:ea typeface="+mj-ea"/>
                 <a:cs typeface="Arial" pitchFamily="34" charset="0"/>
@@ -6320,18 +6306,11 @@
           <a:lstStyle/>
           <a:p>
             <a:r>
-              <a:rPr lang="en-US" altLang="zh-CN" sz="2800" b="1" dirty="0" err="1" smtClean="0">
-                <a:latin typeface="Arial" pitchFamily="34" charset="0"/>
-                <a:cs typeface="Arial" pitchFamily="34" charset="0"/>
-              </a:rPr>
-              <a:t>nGrinder</a:t>
-            </a:r>
-            <a:r>
               <a:rPr lang="en-US" altLang="zh-CN" sz="2800" b="1" dirty="0" smtClean="0">
                 <a:latin typeface="Arial" pitchFamily="34" charset="0"/>
                 <a:cs typeface="Arial" pitchFamily="34" charset="0"/>
               </a:rPr>
-              <a:t> controller without clustering</a:t>
+              <a:t>nGrinder controller without clustering</a:t>
             </a:r>
             <a:endParaRPr lang="zh-CN" altLang="en-US" sz="2800" b="1" dirty="0" smtClean="0">
               <a:latin typeface="Arial" pitchFamily="34" charset="0"/>
@@ -7830,18 +7809,11 @@
           <a:lstStyle/>
           <a:p>
             <a:r>
-              <a:rPr lang="en-US" altLang="zh-CN" sz="2800" b="1" dirty="0" err="1" smtClean="0">
-                <a:latin typeface="Arial" pitchFamily="34" charset="0"/>
-                <a:cs typeface="Arial" pitchFamily="34" charset="0"/>
-              </a:rPr>
-              <a:t>nGrinder</a:t>
-            </a:r>
-            <a:r>
               <a:rPr lang="en-US" altLang="zh-CN" sz="2800" b="1" dirty="0" smtClean="0">
                 <a:latin typeface="Arial" pitchFamily="34" charset="0"/>
                 <a:cs typeface="Arial" pitchFamily="34" charset="0"/>
               </a:rPr>
-              <a:t> controller with clustering</a:t>
+              <a:t>nGrinder controller with clustering</a:t>
             </a:r>
             <a:endParaRPr lang="zh-CN" altLang="en-US" sz="2800" b="1" dirty="0" smtClean="0">
               <a:latin typeface="Arial" pitchFamily="34" charset="0"/>
@@ -10909,6 +10881,1908 @@
     <p:extLst>
       <p:ext uri="{BB962C8B-B14F-4D97-AF65-F5344CB8AC3E}">
         <p14:creationId xmlns:p14="http://schemas.microsoft.com/office/powerpoint/2010/main" val="3318526940"/>
+      </p:ext>
+    </p:extLst>
+  </p:cSld>
+  <p:clrMapOvr>
+    <a:masterClrMapping/>
+  </p:clrMapOvr>
+  <p:timing>
+    <p:tnLst>
+      <p:par>
+        <p:cTn id="1" dur="indefinite" restart="never" nodeType="tmRoot"/>
+      </p:par>
+    </p:tnLst>
+  </p:timing>
+</p:sld>
+</file>
+
+<file path=ppt/slides/slide4.xml><?xml version="1.0" encoding="utf-8"?>
+<p:sld xmlns:a="http://schemas.openxmlformats.org/drawingml/2006/main" xmlns:r="http://schemas.openxmlformats.org/officeDocument/2006/relationships" xmlns:p="http://schemas.openxmlformats.org/presentationml/2006/main">
+  <p:cSld>
+    <p:spTree>
+      <p:nvGrpSpPr>
+        <p:cNvPr id="1" name=""/>
+        <p:cNvGrpSpPr/>
+        <p:nvPr/>
+      </p:nvGrpSpPr>
+      <p:grpSpPr>
+        <a:xfrm>
+          <a:off x="0" y="0"/>
+          <a:ext cx="0" cy="0"/>
+          <a:chOff x="0" y="0"/>
+          <a:chExt cx="0" cy="0"/>
+        </a:xfrm>
+      </p:grpSpPr>
+      <p:sp>
+        <p:nvSpPr>
+          <p:cNvPr id="119" name="TextBox 118"/>
+          <p:cNvSpPr txBox="1"/>
+          <p:nvPr/>
+        </p:nvSpPr>
+        <p:spPr>
+          <a:xfrm>
+            <a:off x="1828800" y="152400"/>
+            <a:ext cx="6096000" cy="523220"/>
+          </a:xfrm>
+          <a:prstGeom prst="rect">
+            <a:avLst/>
+          </a:prstGeom>
+          <a:noFill/>
+        </p:spPr>
+        <p:txBody>
+          <a:bodyPr wrap="square" rtlCol="0">
+            <a:spAutoFit/>
+          </a:bodyPr>
+          <a:lstStyle/>
+          <a:p>
+            <a:pPr algn="ctr"/>
+            <a:r>
+              <a:rPr lang="en-US" altLang="ko-KR" sz="2800" b="1" dirty="0" smtClean="0">
+                <a:latin typeface="Arial" pitchFamily="34" charset="0"/>
+                <a:ea typeface="+mj-ea"/>
+                <a:cs typeface="Arial" pitchFamily="34" charset="0"/>
+              </a:rPr>
+              <a:t>nGrinder Recorder</a:t>
+            </a:r>
+            <a:r>
+              <a:rPr lang="en-US" altLang="ko-KR" sz="2000" b="1" dirty="0" smtClean="0"/>
+              <a:t> </a:t>
+            </a:r>
+            <a:r>
+              <a:rPr lang="en-US" altLang="ko-KR" sz="2800" b="1" dirty="0" smtClean="0">
+                <a:latin typeface="Arial" pitchFamily="34" charset="0"/>
+                <a:ea typeface="+mj-ea"/>
+                <a:cs typeface="Arial" pitchFamily="34" charset="0"/>
+              </a:rPr>
+              <a:t>Architecture</a:t>
+            </a:r>
+            <a:endParaRPr lang="ko-KR" altLang="en-US" sz="2800" b="1" dirty="0">
+              <a:latin typeface="Arial" pitchFamily="34" charset="0"/>
+              <a:ea typeface="+mj-ea"/>
+              <a:cs typeface="Arial" pitchFamily="34" charset="0"/>
+            </a:endParaRPr>
+          </a:p>
+        </p:txBody>
+      </p:sp>
+      <p:grpSp>
+        <p:nvGrpSpPr>
+          <p:cNvPr id="27" name="그룹 26"/>
+          <p:cNvGrpSpPr/>
+          <p:nvPr/>
+        </p:nvGrpSpPr>
+        <p:grpSpPr>
+          <a:xfrm>
+            <a:off x="1429778" y="958561"/>
+            <a:ext cx="7104622" cy="4114800"/>
+            <a:chOff x="4559695" y="1130481"/>
+            <a:chExt cx="4686968" cy="2659336"/>
+          </a:xfrm>
+        </p:grpSpPr>
+        <p:pic>
+          <p:nvPicPr>
+            <p:cNvPr id="24" name="Picture 3"/>
+            <p:cNvPicPr>
+              <a:picLocks noChangeAspect="1" noChangeArrowheads="1"/>
+            </p:cNvPicPr>
+            <p:nvPr/>
+          </p:nvPicPr>
+          <p:blipFill>
+            <a:blip r:embed="rId2">
+              <a:extLst>
+                <a:ext uri="{28A0092B-C50C-407E-A947-70E740481C1C}">
+                  <a14:useLocalDpi xmlns:a14="http://schemas.microsoft.com/office/drawing/2010/main" val="0"/>
+                </a:ext>
+              </a:extLst>
+            </a:blip>
+            <a:srcRect/>
+            <a:stretch>
+              <a:fillRect/>
+            </a:stretch>
+          </p:blipFill>
+          <p:spPr bwMode="auto">
+            <a:xfrm>
+              <a:off x="4559695" y="1130482"/>
+              <a:ext cx="4686968" cy="2659335"/>
+            </a:xfrm>
+            <a:prstGeom prst="rect">
+              <a:avLst/>
+            </a:prstGeom>
+            <a:noFill/>
+            <a:ln>
+              <a:noFill/>
+            </a:ln>
+            <a:extLst>
+              <a:ext uri="{909E8E84-426E-40DD-AFC4-6F175D3DCCD1}">
+                <a14:hiddenFill xmlns:a14="http://schemas.microsoft.com/office/drawing/2010/main">
+                  <a:solidFill>
+                    <a:schemeClr val="accent1"/>
+                  </a:solidFill>
+                </a14:hiddenFill>
+              </a:ext>
+              <a:ext uri="{91240B29-F687-4F45-9708-019B960494DF}">
+                <a14:hiddenLine xmlns:a14="http://schemas.microsoft.com/office/drawing/2010/main" w="9525">
+                  <a:solidFill>
+                    <a:schemeClr val="tx1"/>
+                  </a:solidFill>
+                  <a:miter lim="800000"/>
+                  <a:headEnd/>
+                  <a:tailEnd/>
+                </a14:hiddenLine>
+              </a:ext>
+            </a:extLst>
+          </p:spPr>
+        </p:pic>
+        <p:sp>
+          <p:nvSpPr>
+            <p:cNvPr id="25" name="직사각형 24"/>
+            <p:cNvSpPr/>
+            <p:nvPr/>
+          </p:nvSpPr>
+          <p:spPr>
+            <a:xfrm>
+              <a:off x="4559695" y="1130481"/>
+              <a:ext cx="4686968" cy="2659335"/>
+            </a:xfrm>
+            <a:prstGeom prst="rect">
+              <a:avLst/>
+            </a:prstGeom>
+            <a:solidFill>
+              <a:srgbClr val="FFFFFF">
+                <a:alpha val="90980"/>
+              </a:srgbClr>
+            </a:solidFill>
+            <a:ln w="12700">
+              <a:solidFill>
+                <a:schemeClr val="bg1">
+                  <a:lumMod val="65000"/>
+                </a:schemeClr>
+              </a:solidFill>
+            </a:ln>
+          </p:spPr>
+          <p:style>
+            <a:lnRef idx="2">
+              <a:schemeClr val="accent1">
+                <a:shade val="50000"/>
+              </a:schemeClr>
+            </a:lnRef>
+            <a:fillRef idx="1">
+              <a:schemeClr val="accent1"/>
+            </a:fillRef>
+            <a:effectRef idx="0">
+              <a:schemeClr val="accent1"/>
+            </a:effectRef>
+            <a:fontRef idx="minor">
+              <a:schemeClr val="lt1"/>
+            </a:fontRef>
+          </p:style>
+          <p:txBody>
+            <a:bodyPr rtlCol="0" anchor="ctr"/>
+            <a:lstStyle/>
+            <a:p>
+              <a:pPr algn="ctr"/>
+              <a:endParaRPr lang="ko-KR" altLang="en-US"/>
+            </a:p>
+          </p:txBody>
+        </p:sp>
+      </p:grpSp>
+      <p:pic>
+        <p:nvPicPr>
+          <p:cNvPr id="1031" name="Picture 7" descr="C:\Users\junoyoon\AppData\Local\Microsoft\Windows\Temporary Internet Files\Content.IE5\7JZ1PCPF\MC900432625[1].png"/>
+          <p:cNvPicPr>
+            <a:picLocks noChangeAspect="1" noChangeArrowheads="1"/>
+          </p:cNvPicPr>
+          <p:nvPr/>
+        </p:nvPicPr>
+        <p:blipFill>
+          <a:blip r:embed="rId3" cstate="print">
+            <a:extLst>
+              <a:ext uri="{28A0092B-C50C-407E-A947-70E740481C1C}">
+                <a14:useLocalDpi xmlns:a14="http://schemas.microsoft.com/office/drawing/2010/main" val="0"/>
+              </a:ext>
+            </a:extLst>
+          </a:blip>
+          <a:srcRect/>
+          <a:stretch>
+            <a:fillRect/>
+          </a:stretch>
+        </p:blipFill>
+        <p:spPr bwMode="auto">
+          <a:xfrm flipH="1">
+            <a:off x="685799" y="2152510"/>
+            <a:ext cx="638817" cy="637797"/>
+          </a:xfrm>
+          <a:prstGeom prst="rect">
+            <a:avLst/>
+          </a:prstGeom>
+          <a:noFill/>
+          <a:extLst>
+            <a:ext uri="{909E8E84-426E-40DD-AFC4-6F175D3DCCD1}">
+              <a14:hiddenFill xmlns:a14="http://schemas.microsoft.com/office/drawing/2010/main">
+                <a:solidFill>
+                  <a:srgbClr val="FFFFFF"/>
+                </a:solidFill>
+              </a14:hiddenFill>
+            </a:ext>
+          </a:extLst>
+        </p:spPr>
+      </p:pic>
+      <p:sp>
+        <p:nvSpPr>
+          <p:cNvPr id="66" name="모서리가 둥근 직사각형 65"/>
+          <p:cNvSpPr/>
+          <p:nvPr/>
+        </p:nvSpPr>
+        <p:spPr>
+          <a:xfrm>
+            <a:off x="5072289" y="2285483"/>
+            <a:ext cx="1524000" cy="381000"/>
+          </a:xfrm>
+          <a:prstGeom prst="roundRect">
+            <a:avLst/>
+          </a:prstGeom>
+        </p:spPr>
+        <p:style>
+          <a:lnRef idx="1">
+            <a:schemeClr val="accent4"/>
+          </a:lnRef>
+          <a:fillRef idx="3">
+            <a:schemeClr val="accent4"/>
+          </a:fillRef>
+          <a:effectRef idx="2">
+            <a:schemeClr val="accent4"/>
+          </a:effectRef>
+          <a:fontRef idx="minor">
+            <a:schemeClr val="lt1"/>
+          </a:fontRef>
+        </p:style>
+        <p:txBody>
+          <a:bodyPr rtlCol="0" anchor="ctr"/>
+          <a:lstStyle/>
+          <a:p>
+            <a:pPr algn="ctr"/>
+            <a:r>
+              <a:rPr lang="en-US" altLang="ko-KR" sz="1100" dirty="0" smtClean="0">
+                <a:latin typeface="+mn-ea"/>
+              </a:rPr>
+              <a:t>TCPProxy</a:t>
+            </a:r>
+            <a:endParaRPr lang="ko-KR" altLang="en-US" sz="1100" dirty="0">
+              <a:latin typeface="+mn-ea"/>
+            </a:endParaRPr>
+          </a:p>
+        </p:txBody>
+      </p:sp>
+      <p:sp>
+        <p:nvSpPr>
+          <p:cNvPr id="67" name="모서리가 둥근 직사각형 66"/>
+          <p:cNvSpPr/>
+          <p:nvPr/>
+        </p:nvSpPr>
+        <p:spPr>
+          <a:xfrm>
+            <a:off x="2801378" y="2280088"/>
+            <a:ext cx="1524000" cy="381000"/>
+          </a:xfrm>
+          <a:prstGeom prst="roundRect">
+            <a:avLst/>
+          </a:prstGeom>
+        </p:spPr>
+        <p:style>
+          <a:lnRef idx="1">
+            <a:schemeClr val="accent1"/>
+          </a:lnRef>
+          <a:fillRef idx="3">
+            <a:schemeClr val="accent1"/>
+          </a:fillRef>
+          <a:effectRef idx="2">
+            <a:schemeClr val="accent1"/>
+          </a:effectRef>
+          <a:fontRef idx="minor">
+            <a:schemeClr val="lt1"/>
+          </a:fontRef>
+        </p:style>
+        <p:txBody>
+          <a:bodyPr rtlCol="0" anchor="ctr"/>
+          <a:lstStyle/>
+          <a:p>
+            <a:pPr algn="ctr"/>
+            <a:r>
+              <a:rPr lang="en-US" altLang="ko-KR" sz="1100" b="1" dirty="0" smtClean="0">
+                <a:solidFill>
+                  <a:schemeClr val="bg1"/>
+                </a:solidFill>
+                <a:latin typeface="+mn-ea"/>
+              </a:rPr>
+              <a:t>JxBrowser</a:t>
+            </a:r>
+            <a:endParaRPr lang="ko-KR" altLang="en-US" sz="1100" b="1" dirty="0">
+              <a:solidFill>
+                <a:schemeClr val="bg1"/>
+              </a:solidFill>
+              <a:latin typeface="+mn-ea"/>
+            </a:endParaRPr>
+          </a:p>
+        </p:txBody>
+      </p:sp>
+      <p:sp>
+        <p:nvSpPr>
+          <p:cNvPr id="80" name="TextBox 79"/>
+          <p:cNvSpPr txBox="1"/>
+          <p:nvPr/>
+        </p:nvSpPr>
+        <p:spPr>
+          <a:xfrm>
+            <a:off x="1429777" y="1339561"/>
+            <a:ext cx="1127927" cy="461665"/>
+          </a:xfrm>
+          <a:prstGeom prst="rect">
+            <a:avLst/>
+          </a:prstGeom>
+          <a:noFill/>
+        </p:spPr>
+        <p:txBody>
+          <a:bodyPr wrap="square" rtlCol="0">
+            <a:spAutoFit/>
+          </a:bodyPr>
+          <a:lstStyle/>
+          <a:p>
+            <a:r>
+              <a:rPr lang="en-US" altLang="ko-KR" sz="800" dirty="0" smtClean="0"/>
+              <a:t>1. Run Recorder</a:t>
+            </a:r>
+          </a:p>
+          <a:p>
+            <a:r>
+              <a:rPr lang="en-US" altLang="ko-KR" sz="800" dirty="0" smtClean="0"/>
+              <a:t>6. Start Recording</a:t>
+            </a:r>
+          </a:p>
+          <a:p>
+            <a:r>
+              <a:rPr lang="en-US" altLang="ko-KR" sz="800" dirty="0" smtClean="0"/>
+              <a:t>18. Stop Recording</a:t>
+            </a:r>
+            <a:endParaRPr lang="ko-KR" altLang="en-US" sz="800" dirty="0"/>
+          </a:p>
+        </p:txBody>
+      </p:sp>
+      <p:sp>
+        <p:nvSpPr>
+          <p:cNvPr id="83" name="모서리가 둥근 직사각형 82"/>
+          <p:cNvSpPr/>
+          <p:nvPr/>
+        </p:nvSpPr>
+        <p:spPr>
+          <a:xfrm>
+            <a:off x="3959769" y="1339460"/>
+            <a:ext cx="1524000" cy="381000"/>
+          </a:xfrm>
+          <a:prstGeom prst="roundRect">
+            <a:avLst/>
+          </a:prstGeom>
+        </p:spPr>
+        <p:style>
+          <a:lnRef idx="1">
+            <a:schemeClr val="accent1"/>
+          </a:lnRef>
+          <a:fillRef idx="3">
+            <a:schemeClr val="accent1"/>
+          </a:fillRef>
+          <a:effectRef idx="2">
+            <a:schemeClr val="accent1"/>
+          </a:effectRef>
+          <a:fontRef idx="minor">
+            <a:schemeClr val="lt1"/>
+          </a:fontRef>
+        </p:style>
+        <p:txBody>
+          <a:bodyPr rtlCol="0" anchor="ctr"/>
+          <a:lstStyle/>
+          <a:p>
+            <a:pPr algn="ctr"/>
+            <a:r>
+              <a:rPr lang="en-US" altLang="ko-KR" sz="1100" b="1" dirty="0" smtClean="0">
+                <a:solidFill>
+                  <a:schemeClr val="bg1"/>
+                </a:solidFill>
+                <a:latin typeface="+mn-ea"/>
+              </a:rPr>
+              <a:t>Recorder</a:t>
+            </a:r>
+            <a:endParaRPr lang="ko-KR" altLang="en-US" sz="1100" b="1" dirty="0">
+              <a:solidFill>
+                <a:schemeClr val="bg1"/>
+              </a:solidFill>
+              <a:latin typeface="+mn-ea"/>
+            </a:endParaRPr>
+          </a:p>
+        </p:txBody>
+      </p:sp>
+      <p:cxnSp>
+        <p:nvCxnSpPr>
+          <p:cNvPr id="85" name="구부러진 연결선 84"/>
+          <p:cNvCxnSpPr>
+            <a:stCxn id="83" idx="2"/>
+            <a:endCxn id="66" idx="0"/>
+          </p:cNvCxnSpPr>
+          <p:nvPr/>
+        </p:nvCxnSpPr>
+        <p:spPr>
+          <a:xfrm rot="16200000" flipH="1">
+            <a:off x="4995518" y="1446711"/>
+            <a:ext cx="565023" cy="1112520"/>
+          </a:xfrm>
+          <a:prstGeom prst="curvedConnector3">
+            <a:avLst>
+              <a:gd name="adj1" fmla="val 50000"/>
+            </a:avLst>
+          </a:prstGeom>
+          <a:ln w="28575">
+            <a:headEnd type="none" w="med" len="med"/>
+            <a:tailEnd type="triangle" w="med" len="med"/>
+          </a:ln>
+        </p:spPr>
+        <p:style>
+          <a:lnRef idx="1">
+            <a:schemeClr val="accent1"/>
+          </a:lnRef>
+          <a:fillRef idx="0">
+            <a:schemeClr val="accent1"/>
+          </a:fillRef>
+          <a:effectRef idx="0">
+            <a:schemeClr val="accent1"/>
+          </a:effectRef>
+          <a:fontRef idx="minor">
+            <a:schemeClr val="tx1"/>
+          </a:fontRef>
+        </p:style>
+      </p:cxnSp>
+      <p:cxnSp>
+        <p:nvCxnSpPr>
+          <p:cNvPr id="21" name="구부러진 연결선 20"/>
+          <p:cNvCxnSpPr>
+            <a:stCxn id="1031" idx="1"/>
+            <a:endCxn id="83" idx="1"/>
+          </p:cNvCxnSpPr>
+          <p:nvPr/>
+        </p:nvCxnSpPr>
+        <p:spPr>
+          <a:xfrm flipV="1">
+            <a:off x="1324616" y="1529960"/>
+            <a:ext cx="2635153" cy="941449"/>
+          </a:xfrm>
+          <a:prstGeom prst="curvedConnector3">
+            <a:avLst>
+              <a:gd name="adj1" fmla="val 19266"/>
+            </a:avLst>
+          </a:prstGeom>
+          <a:ln w="28575">
+            <a:headEnd type="none" w="med" len="med"/>
+            <a:tailEnd type="triangle" w="med" len="med"/>
+          </a:ln>
+        </p:spPr>
+        <p:style>
+          <a:lnRef idx="1">
+            <a:schemeClr val="accent1"/>
+          </a:lnRef>
+          <a:fillRef idx="0">
+            <a:schemeClr val="accent1"/>
+          </a:fillRef>
+          <a:effectRef idx="0">
+            <a:schemeClr val="accent1"/>
+          </a:effectRef>
+          <a:fontRef idx="minor">
+            <a:schemeClr val="tx1"/>
+          </a:fontRef>
+        </p:style>
+      </p:cxnSp>
+      <p:sp>
+        <p:nvSpPr>
+          <p:cNvPr id="86" name="TextBox 85"/>
+          <p:cNvSpPr txBox="1"/>
+          <p:nvPr/>
+        </p:nvSpPr>
+        <p:spPr>
+          <a:xfrm>
+            <a:off x="5522227" y="1491961"/>
+            <a:ext cx="1393951" cy="830997"/>
+          </a:xfrm>
+          <a:prstGeom prst="rect">
+            <a:avLst/>
+          </a:prstGeom>
+          <a:noFill/>
+        </p:spPr>
+        <p:txBody>
+          <a:bodyPr wrap="square" rtlCol="0">
+            <a:spAutoFit/>
+          </a:bodyPr>
+          <a:lstStyle/>
+          <a:p>
+            <a:r>
+              <a:rPr lang="en-US" altLang="ko-KR" sz="800" dirty="0" smtClean="0"/>
+              <a:t>2. Run HTTP / HTTPS </a:t>
+            </a:r>
+            <a:br>
+              <a:rPr lang="en-US" altLang="ko-KR" sz="800" dirty="0" smtClean="0"/>
+            </a:br>
+            <a:r>
+              <a:rPr lang="en-US" altLang="ko-KR" sz="800" dirty="0" smtClean="0"/>
+              <a:t>   proxy in local PC</a:t>
+            </a:r>
+            <a:br>
+              <a:rPr lang="en-US" altLang="ko-KR" sz="800" dirty="0" smtClean="0"/>
+            </a:br>
+            <a:r>
+              <a:rPr lang="en-US" altLang="ko-KR" sz="800" dirty="0" smtClean="0"/>
+              <a:t>3. Get the proxy port</a:t>
+            </a:r>
+          </a:p>
+          <a:p>
+            <a:r>
+              <a:rPr lang="en-US" altLang="ko-KR" sz="800" dirty="0" smtClean="0"/>
+              <a:t>7. Run TCPProxy </a:t>
+            </a:r>
+            <a:br>
+              <a:rPr lang="en-US" altLang="ko-KR" sz="800" dirty="0" smtClean="0"/>
+            </a:br>
+            <a:r>
+              <a:rPr lang="en-US" altLang="ko-KR" sz="800" dirty="0" smtClean="0"/>
+              <a:t>   recorder </a:t>
+            </a:r>
+          </a:p>
+          <a:p>
+            <a:r>
+              <a:rPr lang="en-US" altLang="ko-KR" sz="800" dirty="0" smtClean="0"/>
+              <a:t> </a:t>
+            </a:r>
+            <a:endParaRPr lang="ko-KR" altLang="en-US" sz="800" dirty="0"/>
+          </a:p>
+        </p:txBody>
+      </p:sp>
+      <p:sp>
+        <p:nvSpPr>
+          <p:cNvPr id="89" name="TextBox 88"/>
+          <p:cNvSpPr txBox="1"/>
+          <p:nvPr/>
+        </p:nvSpPr>
+        <p:spPr>
+          <a:xfrm>
+            <a:off x="2557705" y="1693300"/>
+            <a:ext cx="1584869" cy="584775"/>
+          </a:xfrm>
+          <a:prstGeom prst="rect">
+            <a:avLst/>
+          </a:prstGeom>
+          <a:noFill/>
+        </p:spPr>
+        <p:txBody>
+          <a:bodyPr wrap="square" rtlCol="0">
+            <a:spAutoFit/>
+          </a:bodyPr>
+          <a:lstStyle/>
+          <a:p>
+            <a:r>
+              <a:rPr lang="en-US" altLang="ko-KR" sz="800" dirty="0" smtClean="0"/>
+              <a:t>4. Create Browser instance</a:t>
+            </a:r>
+          </a:p>
+          <a:p>
+            <a:r>
+              <a:rPr lang="en-US" altLang="ko-KR" sz="800" dirty="0" smtClean="0"/>
+              <a:t>5. Set the proxy port on the </a:t>
+            </a:r>
+            <a:br>
+              <a:rPr lang="en-US" altLang="ko-KR" sz="800" dirty="0" smtClean="0"/>
+            </a:br>
+            <a:r>
+              <a:rPr lang="en-US" altLang="ko-KR" sz="800" dirty="0" smtClean="0"/>
+              <a:t>   instance</a:t>
+            </a:r>
+          </a:p>
+          <a:p>
+            <a:r>
+              <a:rPr lang="en-US" altLang="ko-KR" sz="800" dirty="0" smtClean="0"/>
+              <a:t> </a:t>
+            </a:r>
+            <a:endParaRPr lang="ko-KR" altLang="en-US" sz="800" dirty="0"/>
+          </a:p>
+        </p:txBody>
+      </p:sp>
+      <p:cxnSp>
+        <p:nvCxnSpPr>
+          <p:cNvPr id="90" name="구부러진 연결선 89"/>
+          <p:cNvCxnSpPr>
+            <a:stCxn id="83" idx="2"/>
+            <a:endCxn id="67" idx="0"/>
+          </p:cNvCxnSpPr>
+          <p:nvPr/>
+        </p:nvCxnSpPr>
+        <p:spPr>
+          <a:xfrm rot="5400000">
+            <a:off x="3862760" y="1421079"/>
+            <a:ext cx="559628" cy="1158391"/>
+          </a:xfrm>
+          <a:prstGeom prst="curvedConnector3">
+            <a:avLst>
+              <a:gd name="adj1" fmla="val 50000"/>
+            </a:avLst>
+          </a:prstGeom>
+          <a:ln w="28575">
+            <a:headEnd type="none" w="med" len="med"/>
+            <a:tailEnd type="triangle" w="med" len="med"/>
+          </a:ln>
+        </p:spPr>
+        <p:style>
+          <a:lnRef idx="1">
+            <a:schemeClr val="accent1"/>
+          </a:lnRef>
+          <a:fillRef idx="0">
+            <a:schemeClr val="accent1"/>
+          </a:fillRef>
+          <a:effectRef idx="0">
+            <a:schemeClr val="accent1"/>
+          </a:effectRef>
+          <a:fontRef idx="minor">
+            <a:schemeClr val="tx1"/>
+          </a:fontRef>
+        </p:style>
+      </p:cxnSp>
+      <p:sp>
+        <p:nvSpPr>
+          <p:cNvPr id="91" name="모서리가 둥근 직사각형 90"/>
+          <p:cNvSpPr/>
+          <p:nvPr/>
+        </p:nvSpPr>
+        <p:spPr>
+          <a:xfrm>
+            <a:off x="7372289" y="2761437"/>
+            <a:ext cx="1016726" cy="437347"/>
+          </a:xfrm>
+          <a:prstGeom prst="roundRect">
+            <a:avLst/>
+          </a:prstGeom>
+        </p:spPr>
+        <p:style>
+          <a:lnRef idx="1">
+            <a:schemeClr val="accent1"/>
+          </a:lnRef>
+          <a:fillRef idx="3">
+            <a:schemeClr val="accent1"/>
+          </a:fillRef>
+          <a:effectRef idx="2">
+            <a:schemeClr val="accent1"/>
+          </a:effectRef>
+          <a:fontRef idx="minor">
+            <a:schemeClr val="lt1"/>
+          </a:fontRef>
+        </p:style>
+        <p:txBody>
+          <a:bodyPr rtlCol="0" anchor="ctr"/>
+          <a:lstStyle/>
+          <a:p>
+            <a:pPr algn="ctr"/>
+            <a:r>
+              <a:rPr lang="en-US" altLang="ko-KR" sz="1100" b="1" dirty="0" smtClean="0">
+                <a:latin typeface="+mn-ea"/>
+              </a:rPr>
+              <a:t>Connection Filter</a:t>
+            </a:r>
+            <a:endParaRPr lang="ko-KR" altLang="en-US" sz="1100" b="1" dirty="0">
+              <a:latin typeface="+mn-ea"/>
+            </a:endParaRPr>
+          </a:p>
+        </p:txBody>
+      </p:sp>
+      <p:cxnSp>
+        <p:nvCxnSpPr>
+          <p:cNvPr id="93" name="구부러진 연결선 92"/>
+          <p:cNvCxnSpPr>
+            <a:stCxn id="1031" idx="1"/>
+            <a:endCxn id="67" idx="1"/>
+          </p:cNvCxnSpPr>
+          <p:nvPr/>
+        </p:nvCxnSpPr>
+        <p:spPr>
+          <a:xfrm flipV="1">
+            <a:off x="1324616" y="2470588"/>
+            <a:ext cx="1476762" cy="821"/>
+          </a:xfrm>
+          <a:prstGeom prst="curvedConnector3">
+            <a:avLst>
+              <a:gd name="adj1" fmla="val 50000"/>
+            </a:avLst>
+          </a:prstGeom>
+          <a:ln w="28575">
+            <a:headEnd type="none" w="med" len="med"/>
+            <a:tailEnd type="triangle" w="med" len="med"/>
+          </a:ln>
+        </p:spPr>
+        <p:style>
+          <a:lnRef idx="1">
+            <a:schemeClr val="accent1"/>
+          </a:lnRef>
+          <a:fillRef idx="0">
+            <a:schemeClr val="accent1"/>
+          </a:fillRef>
+          <a:effectRef idx="0">
+            <a:schemeClr val="accent1"/>
+          </a:effectRef>
+          <a:fontRef idx="minor">
+            <a:schemeClr val="tx1"/>
+          </a:fontRef>
+        </p:style>
+      </p:cxnSp>
+      <p:sp>
+        <p:nvSpPr>
+          <p:cNvPr id="96" name="TextBox 95"/>
+          <p:cNvSpPr txBox="1"/>
+          <p:nvPr/>
+        </p:nvSpPr>
+        <p:spPr>
+          <a:xfrm>
+            <a:off x="1429778" y="2448807"/>
+            <a:ext cx="1556518" cy="338554"/>
+          </a:xfrm>
+          <a:prstGeom prst="rect">
+            <a:avLst/>
+          </a:prstGeom>
+          <a:noFill/>
+        </p:spPr>
+        <p:txBody>
+          <a:bodyPr wrap="square" rtlCol="0">
+            <a:spAutoFit/>
+          </a:bodyPr>
+          <a:lstStyle/>
+          <a:p>
+            <a:r>
+              <a:rPr lang="en-US" altLang="ko-KR" sz="800" dirty="0" smtClean="0"/>
+              <a:t/>
+            </a:r>
+            <a:br>
+              <a:rPr lang="en-US" altLang="ko-KR" sz="800" dirty="0" smtClean="0"/>
+            </a:br>
+            <a:r>
+              <a:rPr lang="en-US" altLang="ko-KR" sz="800" dirty="0" smtClean="0"/>
+              <a:t>9. browse</a:t>
+            </a:r>
+            <a:r>
+              <a:rPr lang="en-US" altLang="ko-KR" sz="800" dirty="0" smtClean="0"/>
+              <a:t> recording target</a:t>
+            </a:r>
+            <a:endParaRPr lang="ko-KR" altLang="en-US" sz="800" dirty="0"/>
+          </a:p>
+        </p:txBody>
+      </p:sp>
+      <p:cxnSp>
+        <p:nvCxnSpPr>
+          <p:cNvPr id="97" name="구부러진 연결선 96"/>
+          <p:cNvCxnSpPr>
+            <a:stCxn id="67" idx="3"/>
+            <a:endCxn id="66" idx="1"/>
+          </p:cNvCxnSpPr>
+          <p:nvPr/>
+        </p:nvCxnSpPr>
+        <p:spPr>
+          <a:xfrm>
+            <a:off x="4325378" y="2470588"/>
+            <a:ext cx="746911" cy="5395"/>
+          </a:xfrm>
+          <a:prstGeom prst="curvedConnector3">
+            <a:avLst>
+              <a:gd name="adj1" fmla="val 50000"/>
+            </a:avLst>
+          </a:prstGeom>
+          <a:ln w="28575">
+            <a:headEnd type="none" w="med" len="med"/>
+            <a:tailEnd type="triangle" w="med" len="med"/>
+          </a:ln>
+        </p:spPr>
+        <p:style>
+          <a:lnRef idx="1">
+            <a:schemeClr val="accent1"/>
+          </a:lnRef>
+          <a:fillRef idx="0">
+            <a:schemeClr val="accent1"/>
+          </a:fillRef>
+          <a:effectRef idx="0">
+            <a:schemeClr val="accent1"/>
+          </a:effectRef>
+          <a:fontRef idx="minor">
+            <a:schemeClr val="tx1"/>
+          </a:fontRef>
+        </p:style>
+      </p:cxnSp>
+      <p:sp>
+        <p:nvSpPr>
+          <p:cNvPr id="100" name="TextBox 99"/>
+          <p:cNvSpPr txBox="1"/>
+          <p:nvPr/>
+        </p:nvSpPr>
+        <p:spPr>
+          <a:xfrm>
+            <a:off x="4072557" y="1991607"/>
+            <a:ext cx="1768083" cy="338554"/>
+          </a:xfrm>
+          <a:prstGeom prst="rect">
+            <a:avLst/>
+          </a:prstGeom>
+          <a:noFill/>
+        </p:spPr>
+        <p:txBody>
+          <a:bodyPr wrap="square" rtlCol="0">
+            <a:spAutoFit/>
+          </a:bodyPr>
+          <a:lstStyle/>
+          <a:p>
+            <a:r>
+              <a:rPr lang="en-US" altLang="ko-KR" sz="800" dirty="0" smtClean="0"/>
+              <a:t>10. Send HTTP request to Proxy</a:t>
+            </a:r>
+          </a:p>
+          <a:p>
+            <a:r>
+              <a:rPr lang="en-US" altLang="ko-KR" sz="800" dirty="0" smtClean="0"/>
+              <a:t>17. Send HTTP Response back</a:t>
+            </a:r>
+            <a:endParaRPr lang="ko-KR" altLang="en-US" sz="800" dirty="0"/>
+          </a:p>
+        </p:txBody>
+      </p:sp>
+      <p:sp>
+        <p:nvSpPr>
+          <p:cNvPr id="105" name="TextBox 104"/>
+          <p:cNvSpPr txBox="1"/>
+          <p:nvPr/>
+        </p:nvSpPr>
+        <p:spPr>
+          <a:xfrm>
+            <a:off x="4755904" y="4428683"/>
+            <a:ext cx="1398274" cy="461665"/>
+          </a:xfrm>
+          <a:prstGeom prst="rect">
+            <a:avLst/>
+          </a:prstGeom>
+          <a:noFill/>
+        </p:spPr>
+        <p:txBody>
+          <a:bodyPr wrap="square" rtlCol="0">
+            <a:spAutoFit/>
+          </a:bodyPr>
+          <a:lstStyle/>
+          <a:p>
+            <a:r>
+              <a:rPr lang="en-US" altLang="ko-KR" sz="800" dirty="0" smtClean="0"/>
+              <a:t>13. Send the request </a:t>
+            </a:r>
+            <a:br>
+              <a:rPr lang="en-US" altLang="ko-KR" sz="800" dirty="0" smtClean="0"/>
+            </a:br>
+            <a:r>
+              <a:rPr lang="en-US" altLang="ko-KR" sz="800" dirty="0" smtClean="0"/>
+              <a:t>     </a:t>
+            </a:r>
+            <a:r>
+              <a:rPr lang="en-US" altLang="ko-KR" sz="800" dirty="0" smtClean="0"/>
+              <a:t>to target</a:t>
+            </a:r>
+            <a:br>
+              <a:rPr lang="en-US" altLang="ko-KR" sz="800" dirty="0" smtClean="0"/>
+            </a:br>
+            <a:r>
+              <a:rPr lang="en-US" altLang="ko-KR" sz="800" dirty="0" smtClean="0"/>
+              <a:t>15. Return the response</a:t>
+            </a:r>
+          </a:p>
+        </p:txBody>
+      </p:sp>
+      <p:cxnSp>
+        <p:nvCxnSpPr>
+          <p:cNvPr id="107" name="구부러진 연결선 106"/>
+          <p:cNvCxnSpPr>
+            <a:stCxn id="66" idx="3"/>
+            <a:endCxn id="91" idx="0"/>
+          </p:cNvCxnSpPr>
+          <p:nvPr/>
+        </p:nvCxnSpPr>
+        <p:spPr>
+          <a:xfrm>
+            <a:off x="6596289" y="2475983"/>
+            <a:ext cx="1284363" cy="285454"/>
+          </a:xfrm>
+          <a:prstGeom prst="curvedConnector2">
+            <a:avLst/>
+          </a:prstGeom>
+          <a:ln w="28575">
+            <a:headEnd type="triangle" w="med" len="med"/>
+            <a:tailEnd type="triangle" w="med" len="med"/>
+          </a:ln>
+        </p:spPr>
+        <p:style>
+          <a:lnRef idx="1">
+            <a:schemeClr val="accent1"/>
+          </a:lnRef>
+          <a:fillRef idx="0">
+            <a:schemeClr val="accent1"/>
+          </a:fillRef>
+          <a:effectRef idx="0">
+            <a:schemeClr val="accent1"/>
+          </a:effectRef>
+          <a:fontRef idx="minor">
+            <a:schemeClr val="tx1"/>
+          </a:fontRef>
+        </p:style>
+      </p:cxnSp>
+      <p:sp>
+        <p:nvSpPr>
+          <p:cNvPr id="111" name="TextBox 110"/>
+          <p:cNvSpPr txBox="1"/>
+          <p:nvPr/>
+        </p:nvSpPr>
+        <p:spPr>
+          <a:xfrm>
+            <a:off x="6763778" y="1897786"/>
+            <a:ext cx="1573061" cy="584775"/>
+          </a:xfrm>
+          <a:prstGeom prst="rect">
+            <a:avLst/>
+          </a:prstGeom>
+          <a:noFill/>
+        </p:spPr>
+        <p:txBody>
+          <a:bodyPr wrap="square" rtlCol="0">
+            <a:spAutoFit/>
+          </a:bodyPr>
+          <a:lstStyle/>
+          <a:p>
+            <a:r>
+              <a:rPr lang="en-US" altLang="ko-KR" sz="800" dirty="0" smtClean="0"/>
+              <a:t>11. Register connection</a:t>
+            </a:r>
+          </a:p>
+          <a:p>
+            <a:r>
+              <a:rPr lang="en-US" altLang="ko-KR" sz="800" dirty="0" smtClean="0"/>
+              <a:t>12. Check if the </a:t>
+            </a:r>
+            <a:br>
+              <a:rPr lang="en-US" altLang="ko-KR" sz="800" dirty="0" smtClean="0"/>
+            </a:br>
+            <a:r>
+              <a:rPr lang="en-US" altLang="ko-KR" sz="800" dirty="0" smtClean="0"/>
+              <a:t>   connection is filtered </a:t>
+            </a:r>
+            <a:br>
+              <a:rPr lang="en-US" altLang="ko-KR" sz="800" dirty="0" smtClean="0"/>
+            </a:br>
+            <a:r>
+              <a:rPr lang="en-US" altLang="ko-KR" sz="800" dirty="0" smtClean="0"/>
+              <a:t>   or not</a:t>
+            </a:r>
+            <a:endParaRPr lang="ko-KR" altLang="en-US" sz="800" dirty="0"/>
+          </a:p>
+        </p:txBody>
+      </p:sp>
+      <p:sp>
+        <p:nvSpPr>
+          <p:cNvPr id="112" name="모서리가 둥근 직사각형 111"/>
+          <p:cNvSpPr/>
+          <p:nvPr/>
+        </p:nvSpPr>
+        <p:spPr>
+          <a:xfrm>
+            <a:off x="3310557" y="3507997"/>
+            <a:ext cx="1524000" cy="381000"/>
+          </a:xfrm>
+          <a:prstGeom prst="roundRect">
+            <a:avLst/>
+          </a:prstGeom>
+        </p:spPr>
+        <p:style>
+          <a:lnRef idx="1">
+            <a:schemeClr val="accent4"/>
+          </a:lnRef>
+          <a:fillRef idx="3">
+            <a:schemeClr val="accent4"/>
+          </a:fillRef>
+          <a:effectRef idx="2">
+            <a:schemeClr val="accent4"/>
+          </a:effectRef>
+          <a:fontRef idx="minor">
+            <a:schemeClr val="lt1"/>
+          </a:fontRef>
+        </p:style>
+        <p:txBody>
+          <a:bodyPr rtlCol="0" anchor="ctr"/>
+          <a:lstStyle/>
+          <a:p>
+            <a:pPr algn="ctr"/>
+            <a:r>
+              <a:rPr lang="en-US" altLang="ko-KR" sz="1100" dirty="0" smtClean="0">
+                <a:latin typeface="+mn-ea"/>
+              </a:rPr>
+              <a:t>HTTPRecording</a:t>
+            </a:r>
+            <a:endParaRPr lang="ko-KR" altLang="en-US" sz="1100" dirty="0">
+              <a:latin typeface="+mn-ea"/>
+            </a:endParaRPr>
+          </a:p>
+        </p:txBody>
+      </p:sp>
+      <p:cxnSp>
+        <p:nvCxnSpPr>
+          <p:cNvPr id="118" name="구부러진 연결선 117"/>
+          <p:cNvCxnSpPr>
+            <a:stCxn id="66" idx="2"/>
+            <a:endCxn id="112" idx="0"/>
+          </p:cNvCxnSpPr>
+          <p:nvPr/>
+        </p:nvCxnSpPr>
+        <p:spPr>
+          <a:xfrm rot="5400000">
+            <a:off x="4532666" y="2206374"/>
+            <a:ext cx="841514" cy="1761732"/>
+          </a:xfrm>
+          <a:prstGeom prst="curvedConnector3">
+            <a:avLst>
+              <a:gd name="adj1" fmla="val 50000"/>
+            </a:avLst>
+          </a:prstGeom>
+          <a:ln w="28575">
+            <a:headEnd type="none" w="med" len="med"/>
+            <a:tailEnd type="triangle" w="med" len="med"/>
+          </a:ln>
+        </p:spPr>
+        <p:style>
+          <a:lnRef idx="1">
+            <a:schemeClr val="accent1"/>
+          </a:lnRef>
+          <a:fillRef idx="0">
+            <a:schemeClr val="accent1"/>
+          </a:fillRef>
+          <a:effectRef idx="0">
+            <a:schemeClr val="accent1"/>
+          </a:effectRef>
+          <a:fontRef idx="minor">
+            <a:schemeClr val="tx1"/>
+          </a:fontRef>
+        </p:style>
+      </p:cxnSp>
+      <p:cxnSp>
+        <p:nvCxnSpPr>
+          <p:cNvPr id="128" name="구부러진 연결선 127"/>
+          <p:cNvCxnSpPr>
+            <a:stCxn id="66" idx="2"/>
+            <a:endCxn id="167" idx="0"/>
+          </p:cNvCxnSpPr>
+          <p:nvPr/>
+        </p:nvCxnSpPr>
+        <p:spPr>
+          <a:xfrm rot="5400000">
+            <a:off x="4493417" y="3989789"/>
+            <a:ext cx="2664179" cy="17567"/>
+          </a:xfrm>
+          <a:prstGeom prst="curvedConnector3">
+            <a:avLst>
+              <a:gd name="adj1" fmla="val 50000"/>
+            </a:avLst>
+          </a:prstGeom>
+          <a:ln w="28575">
+            <a:headEnd type="none" w="med" len="med"/>
+            <a:tailEnd type="triangle" w="med" len="med"/>
+          </a:ln>
+        </p:spPr>
+        <p:style>
+          <a:lnRef idx="1">
+            <a:schemeClr val="accent1"/>
+          </a:lnRef>
+          <a:fillRef idx="0">
+            <a:schemeClr val="accent1"/>
+          </a:fillRef>
+          <a:effectRef idx="0">
+            <a:schemeClr val="accent1"/>
+          </a:effectRef>
+          <a:fontRef idx="minor">
+            <a:schemeClr val="tx1"/>
+          </a:fontRef>
+        </p:style>
+      </p:cxnSp>
+      <p:sp>
+        <p:nvSpPr>
+          <p:cNvPr id="131" name="모서리가 둥근 직사각형 130"/>
+          <p:cNvSpPr/>
+          <p:nvPr/>
+        </p:nvSpPr>
+        <p:spPr>
+          <a:xfrm>
+            <a:off x="6001778" y="3503640"/>
+            <a:ext cx="1524000" cy="381000"/>
+          </a:xfrm>
+          <a:prstGeom prst="roundRect">
+            <a:avLst/>
+          </a:prstGeom>
+        </p:spPr>
+        <p:style>
+          <a:lnRef idx="1">
+            <a:schemeClr val="accent4"/>
+          </a:lnRef>
+          <a:fillRef idx="3">
+            <a:schemeClr val="accent4"/>
+          </a:fillRef>
+          <a:effectRef idx="2">
+            <a:schemeClr val="accent4"/>
+          </a:effectRef>
+          <a:fontRef idx="minor">
+            <a:schemeClr val="lt1"/>
+          </a:fontRef>
+        </p:style>
+        <p:txBody>
+          <a:bodyPr rtlCol="0" anchor="ctr"/>
+          <a:lstStyle/>
+          <a:p>
+            <a:pPr algn="ctr"/>
+            <a:r>
+              <a:rPr lang="en-US" altLang="ko-KR" sz="1100" dirty="0" smtClean="0">
+                <a:latin typeface="+mn-ea"/>
+              </a:rPr>
+              <a:t>DelegateSSLEngine</a:t>
+            </a:r>
+            <a:endParaRPr lang="ko-KR" altLang="en-US" sz="1100" dirty="0">
+              <a:latin typeface="+mn-ea"/>
+            </a:endParaRPr>
+          </a:p>
+        </p:txBody>
+      </p:sp>
+      <p:cxnSp>
+        <p:nvCxnSpPr>
+          <p:cNvPr id="132" name="구부러진 연결선 131"/>
+          <p:cNvCxnSpPr>
+            <a:stCxn id="66" idx="2"/>
+            <a:endCxn id="131" idx="0"/>
+          </p:cNvCxnSpPr>
+          <p:nvPr/>
+        </p:nvCxnSpPr>
+        <p:spPr>
+          <a:xfrm rot="16200000" flipH="1">
+            <a:off x="5880455" y="2620316"/>
+            <a:ext cx="837157" cy="929489"/>
+          </a:xfrm>
+          <a:prstGeom prst="curvedConnector3">
+            <a:avLst>
+              <a:gd name="adj1" fmla="val 50000"/>
+            </a:avLst>
+          </a:prstGeom>
+          <a:ln w="28575">
+            <a:solidFill>
+              <a:schemeClr val="accent6">
+                <a:lumMod val="75000"/>
+              </a:schemeClr>
+            </a:solidFill>
+            <a:headEnd type="none" w="med" len="med"/>
+            <a:tailEnd type="triangle" w="med" len="med"/>
+          </a:ln>
+        </p:spPr>
+        <p:style>
+          <a:lnRef idx="1">
+            <a:schemeClr val="accent1"/>
+          </a:lnRef>
+          <a:fillRef idx="0">
+            <a:schemeClr val="accent1"/>
+          </a:fillRef>
+          <a:effectRef idx="0">
+            <a:schemeClr val="accent1"/>
+          </a:effectRef>
+          <a:fontRef idx="minor">
+            <a:schemeClr val="tx1"/>
+          </a:fontRef>
+        </p:style>
+      </p:cxnSp>
+      <p:sp>
+        <p:nvSpPr>
+          <p:cNvPr id="134" name="TextBox 133"/>
+          <p:cNvSpPr txBox="1"/>
+          <p:nvPr/>
+        </p:nvSpPr>
+        <p:spPr>
+          <a:xfrm>
+            <a:off x="6820262" y="3929089"/>
+            <a:ext cx="1714138" cy="954107"/>
+          </a:xfrm>
+          <a:prstGeom prst="rect">
+            <a:avLst/>
+          </a:prstGeom>
+          <a:noFill/>
+        </p:spPr>
+        <p:txBody>
+          <a:bodyPr wrap="square" rtlCol="0">
+            <a:spAutoFit/>
+          </a:bodyPr>
+          <a:lstStyle/>
+          <a:p>
+            <a:r>
+              <a:rPr lang="en-US" altLang="ko-KR" sz="800" dirty="0" smtClean="0"/>
+              <a:t>13. D</a:t>
+            </a:r>
+            <a:r>
+              <a:rPr lang="en-US" altLang="ko-KR" sz="800" dirty="0" smtClean="0"/>
+              <a:t>ecode user request with </a:t>
+            </a:r>
+            <a:br>
+              <a:rPr lang="en-US" altLang="ko-KR" sz="800" dirty="0" smtClean="0"/>
+            </a:br>
+            <a:r>
+              <a:rPr lang="en-US" altLang="ko-KR" sz="800" dirty="0" smtClean="0"/>
+              <a:t>     private cert.</a:t>
+            </a:r>
+          </a:p>
+          <a:p>
+            <a:r>
+              <a:rPr lang="en-US" altLang="ko-KR" sz="800" dirty="0" smtClean="0"/>
+              <a:t>15. Decode response with web </a:t>
+            </a:r>
+            <a:br>
+              <a:rPr lang="en-US" altLang="ko-KR" sz="800" dirty="0" smtClean="0"/>
+            </a:br>
+            <a:r>
+              <a:rPr lang="en-US" altLang="ko-KR" sz="800" dirty="0" smtClean="0"/>
+              <a:t>     server’s cert and </a:t>
+            </a:r>
+            <a:br>
+              <a:rPr lang="en-US" altLang="ko-KR" sz="800" dirty="0" smtClean="0"/>
+            </a:br>
+            <a:r>
+              <a:rPr lang="en-US" altLang="ko-KR" sz="800" dirty="0" smtClean="0"/>
+              <a:t>     encode response with </a:t>
+            </a:r>
+            <a:br>
+              <a:rPr lang="en-US" altLang="ko-KR" sz="800" dirty="0" smtClean="0"/>
+            </a:br>
+            <a:r>
+              <a:rPr lang="en-US" altLang="ko-KR" sz="800" dirty="0" smtClean="0"/>
+              <a:t>     private cert and </a:t>
+            </a:r>
+            <a:br>
+              <a:rPr lang="en-US" altLang="ko-KR" sz="800" dirty="0" smtClean="0"/>
+            </a:br>
+            <a:r>
+              <a:rPr lang="en-US" altLang="ko-KR" sz="800" dirty="0" smtClean="0"/>
+              <a:t>     send back.</a:t>
+            </a:r>
+            <a:endParaRPr lang="ko-KR" altLang="en-US" sz="800" dirty="0"/>
+          </a:p>
+        </p:txBody>
+      </p:sp>
+      <p:cxnSp>
+        <p:nvCxnSpPr>
+          <p:cNvPr id="135" name="구부러진 연결선 134"/>
+          <p:cNvCxnSpPr>
+            <a:stCxn id="131" idx="1"/>
+            <a:endCxn id="112" idx="3"/>
+          </p:cNvCxnSpPr>
+          <p:nvPr/>
+        </p:nvCxnSpPr>
+        <p:spPr>
+          <a:xfrm rot="10800000" flipV="1">
+            <a:off x="4834558" y="3694139"/>
+            <a:ext cx="1167221" cy="4357"/>
+          </a:xfrm>
+          <a:prstGeom prst="curvedConnector3">
+            <a:avLst>
+              <a:gd name="adj1" fmla="val 50000"/>
+            </a:avLst>
+          </a:prstGeom>
+          <a:ln w="28575">
+            <a:headEnd type="none" w="med" len="med"/>
+            <a:tailEnd type="triangle" w="med" len="med"/>
+          </a:ln>
+        </p:spPr>
+        <p:style>
+          <a:lnRef idx="1">
+            <a:schemeClr val="accent1"/>
+          </a:lnRef>
+          <a:fillRef idx="0">
+            <a:schemeClr val="accent1"/>
+          </a:fillRef>
+          <a:effectRef idx="0">
+            <a:schemeClr val="accent1"/>
+          </a:effectRef>
+          <a:fontRef idx="minor">
+            <a:schemeClr val="tx1"/>
+          </a:fontRef>
+        </p:style>
+      </p:cxnSp>
+      <p:sp>
+        <p:nvSpPr>
+          <p:cNvPr id="138" name="TextBox 137"/>
+          <p:cNvSpPr txBox="1"/>
+          <p:nvPr/>
+        </p:nvSpPr>
+        <p:spPr>
+          <a:xfrm>
+            <a:off x="4294509" y="3168361"/>
+            <a:ext cx="1267641" cy="338554"/>
+          </a:xfrm>
+          <a:prstGeom prst="rect">
+            <a:avLst/>
+          </a:prstGeom>
+          <a:noFill/>
+        </p:spPr>
+        <p:txBody>
+          <a:bodyPr wrap="square" rtlCol="0">
+            <a:spAutoFit/>
+          </a:bodyPr>
+          <a:lstStyle/>
+          <a:p>
+            <a:r>
+              <a:rPr lang="en-US" altLang="ko-KR" sz="800" dirty="0" smtClean="0"/>
+              <a:t>14. Record Request</a:t>
+            </a:r>
+          </a:p>
+          <a:p>
+            <a:r>
+              <a:rPr lang="en-US" altLang="ko-KR" sz="800" dirty="0" smtClean="0"/>
+              <a:t>16. Record Response</a:t>
+            </a:r>
+            <a:endParaRPr lang="ko-KR" altLang="en-US" sz="800" dirty="0"/>
+          </a:p>
+        </p:txBody>
+      </p:sp>
+      <p:cxnSp>
+        <p:nvCxnSpPr>
+          <p:cNvPr id="139" name="구부러진 연결선 138"/>
+          <p:cNvCxnSpPr>
+            <a:stCxn id="131" idx="2"/>
+            <a:endCxn id="167" idx="0"/>
+          </p:cNvCxnSpPr>
+          <p:nvPr/>
+        </p:nvCxnSpPr>
+        <p:spPr>
+          <a:xfrm rot="5400000">
+            <a:off x="5567239" y="4134123"/>
+            <a:ext cx="1446022" cy="947056"/>
+          </a:xfrm>
+          <a:prstGeom prst="curvedConnector3">
+            <a:avLst>
+              <a:gd name="adj1" fmla="val 50000"/>
+            </a:avLst>
+          </a:prstGeom>
+          <a:ln w="28575">
+            <a:solidFill>
+              <a:schemeClr val="accent6">
+                <a:lumMod val="75000"/>
+              </a:schemeClr>
+            </a:solidFill>
+            <a:headEnd type="none" w="med" len="med"/>
+            <a:tailEnd type="triangle" w="med" len="med"/>
+          </a:ln>
+        </p:spPr>
+        <p:style>
+          <a:lnRef idx="1">
+            <a:schemeClr val="accent1"/>
+          </a:lnRef>
+          <a:fillRef idx="0">
+            <a:schemeClr val="accent1"/>
+          </a:fillRef>
+          <a:effectRef idx="0">
+            <a:schemeClr val="accent1"/>
+          </a:effectRef>
+          <a:fontRef idx="minor">
+            <a:schemeClr val="tx1"/>
+          </a:fontRef>
+        </p:style>
+      </p:cxnSp>
+      <p:sp>
+        <p:nvSpPr>
+          <p:cNvPr id="148" name="모서리가 둥근 직사각형 147"/>
+          <p:cNvSpPr/>
+          <p:nvPr/>
+        </p:nvSpPr>
+        <p:spPr>
+          <a:xfrm>
+            <a:off x="2286000" y="4416278"/>
+            <a:ext cx="2223830" cy="381000"/>
+          </a:xfrm>
+          <a:prstGeom prst="roundRect">
+            <a:avLst/>
+          </a:prstGeom>
+        </p:spPr>
+        <p:style>
+          <a:lnRef idx="1">
+            <a:schemeClr val="accent4"/>
+          </a:lnRef>
+          <a:fillRef idx="3">
+            <a:schemeClr val="accent4"/>
+          </a:fillRef>
+          <a:effectRef idx="2">
+            <a:schemeClr val="accent4"/>
+          </a:effectRef>
+          <a:fontRef idx="minor">
+            <a:schemeClr val="lt1"/>
+          </a:fontRef>
+        </p:style>
+        <p:txBody>
+          <a:bodyPr rtlCol="0" anchor="ctr"/>
+          <a:lstStyle/>
+          <a:p>
+            <a:pPr algn="ctr"/>
+            <a:r>
+              <a:rPr lang="en-US" altLang="ko-KR" sz="1100" dirty="0" smtClean="0">
+                <a:latin typeface="+mn-ea"/>
+              </a:rPr>
+              <a:t>HTTPRecording</a:t>
+            </a:r>
+            <a:r>
+              <a:rPr lang="en-US" altLang="ko-KR" sz="1100" dirty="0" smtClean="0">
+                <a:latin typeface="+mn-ea"/>
+              </a:rPr>
+              <a:t>Result</a:t>
+            </a:r>
+            <a:br>
+              <a:rPr lang="en-US" altLang="ko-KR" sz="1100" dirty="0" smtClean="0">
+                <a:latin typeface="+mn-ea"/>
+              </a:rPr>
+            </a:br>
+            <a:r>
+              <a:rPr lang="en-US" altLang="ko-KR" sz="1100" dirty="0" smtClean="0">
+                <a:latin typeface="+mn-ea"/>
+              </a:rPr>
+              <a:t>ProcessorWithFreeMarker</a:t>
+            </a:r>
+            <a:endParaRPr lang="ko-KR" altLang="en-US" sz="1100" dirty="0">
+              <a:latin typeface="+mn-ea"/>
+            </a:endParaRPr>
+          </a:p>
+        </p:txBody>
+      </p:sp>
+      <p:cxnSp>
+        <p:nvCxnSpPr>
+          <p:cNvPr id="153" name="구부러진 연결선 152"/>
+          <p:cNvCxnSpPr>
+            <a:stCxn id="112" idx="2"/>
+            <a:endCxn id="148" idx="0"/>
+          </p:cNvCxnSpPr>
+          <p:nvPr/>
+        </p:nvCxnSpPr>
+        <p:spPr>
+          <a:xfrm rot="5400000">
+            <a:off x="3471596" y="3815316"/>
+            <a:ext cx="527281" cy="674642"/>
+          </a:xfrm>
+          <a:prstGeom prst="curvedConnector3">
+            <a:avLst>
+              <a:gd name="adj1" fmla="val 50000"/>
+            </a:avLst>
+          </a:prstGeom>
+          <a:ln w="28575">
+            <a:headEnd type="none" w="med" len="med"/>
+            <a:tailEnd type="triangle" w="med" len="med"/>
+          </a:ln>
+        </p:spPr>
+        <p:style>
+          <a:lnRef idx="1">
+            <a:schemeClr val="accent1"/>
+          </a:lnRef>
+          <a:fillRef idx="0">
+            <a:schemeClr val="accent1"/>
+          </a:fillRef>
+          <a:effectRef idx="0">
+            <a:schemeClr val="accent1"/>
+          </a:effectRef>
+          <a:fontRef idx="minor">
+            <a:schemeClr val="tx1"/>
+          </a:fontRef>
+        </p:style>
+      </p:cxnSp>
+      <p:sp>
+        <p:nvSpPr>
+          <p:cNvPr id="159" name="TextBox 158"/>
+          <p:cNvSpPr txBox="1"/>
+          <p:nvPr/>
+        </p:nvSpPr>
+        <p:spPr>
+          <a:xfrm>
+            <a:off x="1561426" y="3831503"/>
+            <a:ext cx="1992556" cy="584775"/>
+          </a:xfrm>
+          <a:prstGeom prst="rect">
+            <a:avLst/>
+          </a:prstGeom>
+          <a:noFill/>
+        </p:spPr>
+        <p:txBody>
+          <a:bodyPr wrap="square" rtlCol="0">
+            <a:spAutoFit/>
+          </a:bodyPr>
+          <a:lstStyle/>
+          <a:p>
+            <a:r>
+              <a:rPr lang="en-US" altLang="ko-KR" sz="800" dirty="0" smtClean="0"/>
+              <a:t>19. Filter requests with connection</a:t>
+            </a:r>
+            <a:r>
+              <a:rPr lang="en-US" altLang="ko-KR" sz="800" dirty="0" smtClean="0"/>
+              <a:t> </a:t>
+            </a:r>
+            <a:br>
+              <a:rPr lang="en-US" altLang="ko-KR" sz="800" dirty="0" smtClean="0"/>
+            </a:br>
+            <a:r>
+              <a:rPr lang="en-US" altLang="ko-KR" sz="800" dirty="0" smtClean="0"/>
+              <a:t>     again and</a:t>
+            </a:r>
+            <a:r>
+              <a:rPr lang="en-US" altLang="ko-KR" sz="800" dirty="0" smtClean="0"/>
+              <a:t> analyze the relation </a:t>
+            </a:r>
+            <a:br>
+              <a:rPr lang="en-US" altLang="ko-KR" sz="800" dirty="0" smtClean="0"/>
+            </a:br>
+            <a:r>
+              <a:rPr lang="en-US" altLang="ko-KR" sz="800" dirty="0" smtClean="0"/>
+              <a:t>     b/w requests</a:t>
+            </a:r>
+          </a:p>
+          <a:p>
+            <a:endParaRPr lang="ko-KR" altLang="en-US" sz="800" dirty="0"/>
+          </a:p>
+        </p:txBody>
+      </p:sp>
+      <p:sp>
+        <p:nvSpPr>
+          <p:cNvPr id="166" name="TextBox 165"/>
+          <p:cNvSpPr txBox="1"/>
+          <p:nvPr/>
+        </p:nvSpPr>
+        <p:spPr>
+          <a:xfrm>
+            <a:off x="2557764" y="4843046"/>
+            <a:ext cx="1992556" cy="338554"/>
+          </a:xfrm>
+          <a:prstGeom prst="rect">
+            <a:avLst/>
+          </a:prstGeom>
+          <a:noFill/>
+        </p:spPr>
+        <p:txBody>
+          <a:bodyPr wrap="square" rtlCol="0">
+            <a:spAutoFit/>
+          </a:bodyPr>
+          <a:lstStyle/>
+          <a:p>
+            <a:r>
+              <a:rPr lang="en-US" altLang="ko-KR" sz="800" dirty="0" smtClean="0"/>
+              <a:t>20. Generate script with template</a:t>
+            </a:r>
+          </a:p>
+          <a:p>
+            <a:endParaRPr lang="ko-KR" altLang="en-US" sz="800" dirty="0"/>
+          </a:p>
+        </p:txBody>
+      </p:sp>
+      <p:sp>
+        <p:nvSpPr>
+          <p:cNvPr id="167" name="모서리가 둥근 직사각형 166"/>
+          <p:cNvSpPr/>
+          <p:nvPr/>
+        </p:nvSpPr>
+        <p:spPr>
+          <a:xfrm>
+            <a:off x="4952999" y="5330662"/>
+            <a:ext cx="1727446" cy="765338"/>
+          </a:xfrm>
+          <a:prstGeom prst="roundRect">
+            <a:avLst>
+              <a:gd name="adj" fmla="val 13454"/>
+            </a:avLst>
+          </a:prstGeom>
+          <a:solidFill>
+            <a:schemeClr val="accent1">
+              <a:lumMod val="40000"/>
+              <a:lumOff val="60000"/>
+            </a:schemeClr>
+          </a:solidFill>
+          <a:ln>
+            <a:noFill/>
+          </a:ln>
+        </p:spPr>
+        <p:style>
+          <a:lnRef idx="2">
+            <a:schemeClr val="accent1">
+              <a:shade val="50000"/>
+            </a:schemeClr>
+          </a:lnRef>
+          <a:fillRef idx="1">
+            <a:schemeClr val="accent1"/>
+          </a:fillRef>
+          <a:effectRef idx="0">
+            <a:schemeClr val="accent1"/>
+          </a:effectRef>
+          <a:fontRef idx="minor">
+            <a:schemeClr val="lt1"/>
+          </a:fontRef>
+        </p:style>
+        <p:txBody>
+          <a:bodyPr rtlCol="0" anchor="ctr"/>
+          <a:lstStyle/>
+          <a:p>
+            <a:pPr algn="ctr"/>
+            <a:r>
+              <a:rPr lang="en-US" altLang="ko-KR" sz="1100" dirty="0" smtClean="0">
+                <a:solidFill>
+                  <a:schemeClr val="tx1"/>
+                </a:solidFill>
+              </a:rPr>
+              <a:t>Web Server</a:t>
+            </a:r>
+            <a:endParaRPr lang="en-US" altLang="ko-KR" sz="1100" dirty="0" smtClean="0">
+              <a:solidFill>
+                <a:schemeClr val="tx1"/>
+              </a:solidFill>
+            </a:endParaRPr>
+          </a:p>
+          <a:p>
+            <a:pPr algn="ctr"/>
+            <a:endParaRPr lang="en-US" altLang="ko-KR" sz="1100" dirty="0" smtClean="0">
+              <a:solidFill>
+                <a:schemeClr val="tx1"/>
+              </a:solidFill>
+            </a:endParaRPr>
+          </a:p>
+          <a:p>
+            <a:pPr algn="ctr"/>
+            <a:endParaRPr lang="en-US" altLang="ko-KR" sz="1100" dirty="0">
+              <a:solidFill>
+                <a:schemeClr val="tx1"/>
+              </a:solidFill>
+            </a:endParaRPr>
+          </a:p>
+          <a:p>
+            <a:pPr algn="ctr"/>
+            <a:endParaRPr lang="ko-KR" altLang="en-US" sz="1100" dirty="0">
+              <a:solidFill>
+                <a:schemeClr val="tx1"/>
+              </a:solidFill>
+            </a:endParaRPr>
+          </a:p>
+        </p:txBody>
+      </p:sp>
+      <p:pic>
+        <p:nvPicPr>
+          <p:cNvPr id="168" name="Picture 5" descr="C:\Users\junoyoon\AppData\Local\Microsoft\Windows\Temporary Internet Files\Content.IE5\6EG7NM5I\MC900428971[1].wmf"/>
+          <p:cNvPicPr>
+            <a:picLocks noChangeAspect="1" noChangeArrowheads="1"/>
+          </p:cNvPicPr>
+          <p:nvPr/>
+        </p:nvPicPr>
+        <p:blipFill>
+          <a:blip r:embed="rId4" cstate="print">
+            <a:extLst>
+              <a:ext uri="{28A0092B-C50C-407E-A947-70E740481C1C}">
+                <a14:useLocalDpi xmlns:a14="http://schemas.microsoft.com/office/drawing/2010/main" val="0"/>
+              </a:ext>
+            </a:extLst>
+          </a:blip>
+          <a:srcRect/>
+          <a:stretch>
+            <a:fillRect/>
+          </a:stretch>
+        </p:blipFill>
+        <p:spPr bwMode="auto">
+          <a:xfrm>
+            <a:off x="5747316" y="5536621"/>
+            <a:ext cx="382813" cy="559379"/>
+          </a:xfrm>
+          <a:prstGeom prst="rect">
+            <a:avLst/>
+          </a:prstGeom>
+          <a:noFill/>
+          <a:extLst>
+            <a:ext uri="{909E8E84-426E-40DD-AFC4-6F175D3DCCD1}">
+              <a14:hiddenFill xmlns:a14="http://schemas.microsoft.com/office/drawing/2010/main">
+                <a:solidFill>
+                  <a:srgbClr val="FFFFFF"/>
+                </a:solidFill>
+              </a14:hiddenFill>
+            </a:ext>
+          </a:extLst>
+        </p:spPr>
+      </p:pic>
+      <p:grpSp>
+        <p:nvGrpSpPr>
+          <p:cNvPr id="1050" name="그룹 1049"/>
+          <p:cNvGrpSpPr/>
+          <p:nvPr/>
+        </p:nvGrpSpPr>
+        <p:grpSpPr>
+          <a:xfrm>
+            <a:off x="6629400" y="2819400"/>
+            <a:ext cx="642181" cy="385357"/>
+            <a:chOff x="6553200" y="2891243"/>
+            <a:chExt cx="642181" cy="385357"/>
+          </a:xfrm>
+        </p:grpSpPr>
+        <p:pic>
+          <p:nvPicPr>
+            <p:cNvPr id="173" name="Picture 5" descr="http://www.open-ministry.org/images/certificate_icon_small.jpg"/>
+            <p:cNvPicPr>
+              <a:picLocks noChangeAspect="1" noChangeArrowheads="1"/>
+            </p:cNvPicPr>
+            <p:nvPr/>
+          </p:nvPicPr>
+          <p:blipFill>
+            <a:blip r:embed="rId5" cstate="print">
+              <a:extLst>
+                <a:ext uri="{28A0092B-C50C-407E-A947-70E740481C1C}">
+                  <a14:useLocalDpi xmlns:a14="http://schemas.microsoft.com/office/drawing/2010/main" val="0"/>
+                </a:ext>
+              </a:extLst>
+            </a:blip>
+            <a:srcRect/>
+            <a:stretch>
+              <a:fillRect/>
+            </a:stretch>
+          </p:blipFill>
+          <p:spPr bwMode="auto">
+            <a:xfrm>
+              <a:off x="6609999" y="2891243"/>
+              <a:ext cx="385357" cy="385357"/>
+            </a:xfrm>
+            <a:prstGeom prst="rect">
+              <a:avLst/>
+            </a:prstGeom>
+            <a:noFill/>
+            <a:extLst>
+              <a:ext uri="{909E8E84-426E-40DD-AFC4-6F175D3DCCD1}">
+                <a14:hiddenFill xmlns:a14="http://schemas.microsoft.com/office/drawing/2010/main">
+                  <a:solidFill>
+                    <a:srgbClr val="FFFFFF"/>
+                  </a:solidFill>
+                </a14:hiddenFill>
+              </a:ext>
+            </a:extLst>
+          </p:spPr>
+        </p:pic>
+        <p:sp>
+          <p:nvSpPr>
+            <p:cNvPr id="1049" name="TextBox 1048"/>
+            <p:cNvSpPr txBox="1"/>
+            <p:nvPr/>
+          </p:nvSpPr>
+          <p:spPr>
+            <a:xfrm>
+              <a:off x="6553200" y="2894874"/>
+              <a:ext cx="642181" cy="215444"/>
+            </a:xfrm>
+            <a:prstGeom prst="rect">
+              <a:avLst/>
+            </a:prstGeom>
+            <a:noFill/>
+          </p:spPr>
+          <p:txBody>
+            <a:bodyPr wrap="square" rtlCol="0">
+              <a:spAutoFit/>
+            </a:bodyPr>
+            <a:lstStyle/>
+            <a:p>
+              <a:r>
+                <a:rPr lang="en-US" altLang="ko-KR" sz="800" dirty="0" smtClean="0"/>
+                <a:t>private</a:t>
+              </a:r>
+              <a:endParaRPr lang="ko-KR" altLang="en-US" sz="800" dirty="0"/>
+            </a:p>
+          </p:txBody>
+        </p:sp>
+      </p:grpSp>
+      <p:grpSp>
+        <p:nvGrpSpPr>
+          <p:cNvPr id="176" name="그룹 175"/>
+          <p:cNvGrpSpPr/>
+          <p:nvPr/>
+        </p:nvGrpSpPr>
+        <p:grpSpPr>
+          <a:xfrm>
+            <a:off x="6299395" y="4643843"/>
+            <a:ext cx="642181" cy="385357"/>
+            <a:chOff x="6553200" y="2891243"/>
+            <a:chExt cx="642181" cy="385357"/>
+          </a:xfrm>
+        </p:grpSpPr>
+        <p:pic>
+          <p:nvPicPr>
+            <p:cNvPr id="177" name="Picture 5" descr="http://www.open-ministry.org/images/certificate_icon_small.jpg"/>
+            <p:cNvPicPr>
+              <a:picLocks noChangeAspect="1" noChangeArrowheads="1"/>
+            </p:cNvPicPr>
+            <p:nvPr/>
+          </p:nvPicPr>
+          <p:blipFill>
+            <a:blip r:embed="rId5" cstate="print">
+              <a:extLst>
+                <a:ext uri="{28A0092B-C50C-407E-A947-70E740481C1C}">
+                  <a14:useLocalDpi xmlns:a14="http://schemas.microsoft.com/office/drawing/2010/main" val="0"/>
+                </a:ext>
+              </a:extLst>
+            </a:blip>
+            <a:srcRect/>
+            <a:stretch>
+              <a:fillRect/>
+            </a:stretch>
+          </p:blipFill>
+          <p:spPr bwMode="auto">
+            <a:xfrm>
+              <a:off x="6609999" y="2891243"/>
+              <a:ext cx="385357" cy="385357"/>
+            </a:xfrm>
+            <a:prstGeom prst="rect">
+              <a:avLst/>
+            </a:prstGeom>
+            <a:noFill/>
+            <a:extLst>
+              <a:ext uri="{909E8E84-426E-40DD-AFC4-6F175D3DCCD1}">
+                <a14:hiddenFill xmlns:a14="http://schemas.microsoft.com/office/drawing/2010/main">
+                  <a:solidFill>
+                    <a:srgbClr val="FFFFFF"/>
+                  </a:solidFill>
+                </a14:hiddenFill>
+              </a:ext>
+            </a:extLst>
+          </p:spPr>
+        </p:pic>
+        <p:sp>
+          <p:nvSpPr>
+            <p:cNvPr id="178" name="TextBox 177"/>
+            <p:cNvSpPr txBox="1"/>
+            <p:nvPr/>
+          </p:nvSpPr>
+          <p:spPr>
+            <a:xfrm>
+              <a:off x="6553200" y="2894874"/>
+              <a:ext cx="642181" cy="215444"/>
+            </a:xfrm>
+            <a:prstGeom prst="rect">
+              <a:avLst/>
+            </a:prstGeom>
+            <a:noFill/>
+          </p:spPr>
+          <p:txBody>
+            <a:bodyPr wrap="square" rtlCol="0">
+              <a:spAutoFit/>
+            </a:bodyPr>
+            <a:lstStyle/>
+            <a:p>
+              <a:r>
+                <a:rPr lang="en-US" altLang="ko-KR" sz="800" dirty="0" smtClean="0"/>
+                <a:t>public</a:t>
+              </a:r>
+              <a:endParaRPr lang="ko-KR" altLang="en-US" sz="800" dirty="0"/>
+            </a:p>
+          </p:txBody>
+        </p:sp>
+      </p:grpSp>
+    </p:spTree>
+    <p:extLst>
+      <p:ext uri="{BB962C8B-B14F-4D97-AF65-F5344CB8AC3E}">
+        <p14:creationId xmlns:p14="http://schemas.microsoft.com/office/powerpoint/2010/main" val="1433215706"/>
       </p:ext>
     </p:extLst>
   </p:cSld>
